--- a/GIT.pptx
+++ b/GIT.pptx
@@ -28,6 +28,12 @@
     <p:sldId id="276" r:id="rId22"/>
     <p:sldId id="277" r:id="rId23"/>
     <p:sldId id="275" r:id="rId24"/>
+    <p:sldId id="278" r:id="rId25"/>
+    <p:sldId id="279" r:id="rId26"/>
+    <p:sldId id="280" r:id="rId27"/>
+    <p:sldId id="282" r:id="rId28"/>
+    <p:sldId id="283" r:id="rId29"/>
+    <p:sldId id="281" r:id="rId30"/>
   </p:sldIdLst>
   <p:sldSz cx="12192000" cy="6858000"/>
   <p:notesSz cx="7559675" cy="10691813"/>
@@ -126,6 +132,11 @@
       </a:defRPr>
     </a:lvl9pPr>
   </p:defaultTextStyle>
+  <p:extLst>
+    <p:ext uri="{EFAFB233-063F-42B5-8137-9DF3F51BA10A}">
+      <p15:sldGuideLst xmlns:p15="http://schemas.microsoft.com/office/powerpoint/2012/main"/>
+    </p:ext>
+  </p:extLst>
 </p:presentation>
 </file>
 
@@ -11467,6 +11478,2963 @@
 </p:sld>
 </file>
 
+<file path=ppt/slides/slide23.xml><?xml version="1.0" encoding="utf-8"?>
+<p:sld xmlns:a="http://schemas.openxmlformats.org/drawingml/2006/main" xmlns:r="http://schemas.openxmlformats.org/officeDocument/2006/relationships" xmlns:p="http://schemas.openxmlformats.org/presentationml/2006/main">
+  <p:cSld>
+    <p:spTree>
+      <p:nvGrpSpPr>
+        <p:cNvPr id="1" name=""/>
+        <p:cNvGrpSpPr/>
+        <p:nvPr/>
+      </p:nvGrpSpPr>
+      <p:grpSpPr>
+        <a:xfrm>
+          <a:off x="0" y="0"/>
+          <a:ext cx="0" cy="0"/>
+          <a:chOff x="0" y="0"/>
+          <a:chExt cx="0" cy="0"/>
+        </a:xfrm>
+      </p:grpSpPr>
+      <p:sp>
+        <p:nvSpPr>
+          <p:cNvPr id="136" name="CustomShape 1"/>
+          <p:cNvSpPr/>
+          <p:nvPr/>
+        </p:nvSpPr>
+        <p:spPr>
+          <a:xfrm>
+            <a:off x="0" y="0"/>
+            <a:ext cx="10894320" cy="962280"/>
+          </a:xfrm>
+          <a:prstGeom prst="rect">
+            <a:avLst/>
+          </a:prstGeom>
+          <a:noFill/>
+          <a:ln>
+            <a:noFill/>
+          </a:ln>
+        </p:spPr>
+        <p:style>
+          <a:lnRef idx="0">
+            <a:scrgbClr r="0" g="0" b="0"/>
+          </a:lnRef>
+          <a:fillRef idx="0">
+            <a:scrgbClr r="0" g="0" b="0"/>
+          </a:fillRef>
+          <a:effectRef idx="0">
+            <a:scrgbClr r="0" g="0" b="0"/>
+          </a:effectRef>
+          <a:fontRef idx="minor"/>
+        </p:style>
+        <p:txBody>
+          <a:bodyPr lIns="90000" tIns="45000" rIns="90000" bIns="45000" anchor="ctr"/>
+          <a:lstStyle/>
+          <a:p>
+            <a:pPr>
+              <a:lnSpc>
+                <a:spcPct val="90000"/>
+              </a:lnSpc>
+            </a:pPr>
+            <a:r>
+              <a:rPr lang="en-US" sz="3200" b="1" strike="noStrike" spc="-1" dirty="0" err="1" smtClean="0">
+                <a:solidFill>
+                  <a:srgbClr val="4A3D53"/>
+                </a:solidFill>
+                <a:latin typeface="Geometr212 BkCn BT"/>
+              </a:rPr>
+              <a:t>Ćwiczenie</a:t>
+            </a:r>
+            <a:r>
+              <a:rPr lang="pl-PL" sz="3200" b="1" strike="noStrike" spc="-1" dirty="0" smtClean="0">
+                <a:solidFill>
+                  <a:srgbClr val="4A3D53"/>
+                </a:solidFill>
+                <a:latin typeface="Geometr212 BkCn BT"/>
+              </a:rPr>
+              <a:t> 7</a:t>
+            </a:r>
+            <a:r>
+              <a:rPr lang="en-US" sz="3200" b="1" strike="noStrike" spc="-1" dirty="0" smtClean="0">
+                <a:solidFill>
+                  <a:srgbClr val="4A3D53"/>
+                </a:solidFill>
+                <a:latin typeface="Geometr212 BkCn BT"/>
+              </a:rPr>
+              <a:t>  </a:t>
+            </a:r>
+            <a:endParaRPr lang="en-US" sz="3200" b="0" strike="noStrike" spc="-1" dirty="0">
+              <a:latin typeface="Arial"/>
+            </a:endParaRPr>
+          </a:p>
+        </p:txBody>
+      </p:sp>
+      <p:sp>
+        <p:nvSpPr>
+          <p:cNvPr id="137" name="CustomShape 2"/>
+          <p:cNvSpPr/>
+          <p:nvPr/>
+        </p:nvSpPr>
+        <p:spPr>
+          <a:xfrm>
+            <a:off x="289440" y="1298520"/>
+            <a:ext cx="10043280" cy="1536120"/>
+          </a:xfrm>
+          <a:prstGeom prst="rect">
+            <a:avLst/>
+          </a:prstGeom>
+          <a:noFill/>
+          <a:ln>
+            <a:noFill/>
+          </a:ln>
+        </p:spPr>
+        <p:style>
+          <a:lnRef idx="0">
+            <a:scrgbClr r="0" g="0" b="0"/>
+          </a:lnRef>
+          <a:fillRef idx="0">
+            <a:scrgbClr r="0" g="0" b="0"/>
+          </a:fillRef>
+          <a:effectRef idx="0">
+            <a:scrgbClr r="0" g="0" b="0"/>
+          </a:effectRef>
+          <a:fontRef idx="minor"/>
+        </p:style>
+        <p:txBody>
+          <a:bodyPr lIns="90000" tIns="45000" rIns="90000" bIns="45000"/>
+          <a:lstStyle/>
+          <a:p>
+            <a:pPr marL="457200" indent="-456480">
+              <a:lnSpc>
+                <a:spcPct val="90000"/>
+              </a:lnSpc>
+              <a:spcBef>
+                <a:spcPts val="1001"/>
+              </a:spcBef>
+              <a:buClr>
+                <a:srgbClr val="515151"/>
+              </a:buClr>
+              <a:buFont typeface="Arial"/>
+              <a:buAutoNum type="arabicParenR"/>
+            </a:pPr>
+            <a:endParaRPr lang="en-US" sz="2400" b="0" strike="noStrike" spc="-1">
+              <a:latin typeface="Arial"/>
+            </a:endParaRPr>
+          </a:p>
+          <a:p>
+            <a:pPr marL="457200" indent="-456480">
+              <a:lnSpc>
+                <a:spcPct val="90000"/>
+              </a:lnSpc>
+              <a:spcBef>
+                <a:spcPts val="1001"/>
+              </a:spcBef>
+              <a:buClr>
+                <a:srgbClr val="515151"/>
+              </a:buClr>
+              <a:buFont typeface="Arial"/>
+              <a:buAutoNum type="arabicParenR"/>
+            </a:pPr>
+            <a:endParaRPr lang="en-US" sz="2400" b="0" strike="noStrike" spc="-1">
+              <a:latin typeface="Arial"/>
+            </a:endParaRPr>
+          </a:p>
+        </p:txBody>
+      </p:sp>
+      <p:sp>
+        <p:nvSpPr>
+          <p:cNvPr id="138" name="CustomShape 3"/>
+          <p:cNvSpPr/>
+          <p:nvPr/>
+        </p:nvSpPr>
+        <p:spPr>
+          <a:xfrm>
+            <a:off x="2850480" y="6378120"/>
+            <a:ext cx="6842160" cy="364320"/>
+          </a:xfrm>
+          <a:prstGeom prst="rect">
+            <a:avLst/>
+          </a:prstGeom>
+          <a:noFill/>
+          <a:ln>
+            <a:noFill/>
+          </a:ln>
+        </p:spPr>
+        <p:style>
+          <a:lnRef idx="0">
+            <a:scrgbClr r="0" g="0" b="0"/>
+          </a:lnRef>
+          <a:fillRef idx="0">
+            <a:scrgbClr r="0" g="0" b="0"/>
+          </a:fillRef>
+          <a:effectRef idx="0">
+            <a:scrgbClr r="0" g="0" b="0"/>
+          </a:effectRef>
+          <a:fontRef idx="minor"/>
+        </p:style>
+        <p:txBody>
+          <a:bodyPr lIns="90000" tIns="45000" rIns="90000" bIns="45000" anchor="ctr"/>
+          <a:lstStyle/>
+          <a:p>
+            <a:pPr algn="ctr">
+              <a:lnSpc>
+                <a:spcPct val="100000"/>
+              </a:lnSpc>
+            </a:pPr>
+            <a:r>
+              <a:rPr lang="en-US" sz="1200" b="0" strike="noStrike" spc="-1">
+                <a:solidFill>
+                  <a:srgbClr val="999999"/>
+                </a:solidFill>
+                <a:latin typeface="Calibri"/>
+              </a:rPr>
+              <a:t>Autor: Krzysztof Dziuban</a:t>
+            </a:r>
+            <a:endParaRPr lang="en-US" sz="1200" b="0" strike="noStrike" spc="-1">
+              <a:latin typeface="Arial"/>
+            </a:endParaRPr>
+          </a:p>
+          <a:p>
+            <a:pPr algn="ctr">
+              <a:lnSpc>
+                <a:spcPct val="100000"/>
+              </a:lnSpc>
+            </a:pPr>
+            <a:r>
+              <a:rPr lang="en-US" sz="1200" b="0" strike="noStrike" spc="-1">
+                <a:solidFill>
+                  <a:srgbClr val="999999"/>
+                </a:solidFill>
+                <a:latin typeface="Calibri"/>
+              </a:rPr>
+              <a:t>Prawa do korzystania z materiałów posiada Software Development Academy</a:t>
+            </a:r>
+            <a:endParaRPr lang="en-US" sz="1200" b="0" strike="noStrike" spc="-1">
+              <a:latin typeface="Arial"/>
+            </a:endParaRPr>
+          </a:p>
+        </p:txBody>
+      </p:sp>
+      <p:sp>
+        <p:nvSpPr>
+          <p:cNvPr id="139" name="TextShape 4"/>
+          <p:cNvSpPr txBox="1"/>
+          <p:nvPr/>
+        </p:nvSpPr>
+        <p:spPr>
+          <a:xfrm>
+            <a:off x="439560" y="1371600"/>
+            <a:ext cx="10899000" cy="2469600"/>
+          </a:xfrm>
+          <a:prstGeom prst="rect">
+            <a:avLst/>
+          </a:prstGeom>
+          <a:noFill/>
+          <a:ln>
+            <a:noFill/>
+          </a:ln>
+        </p:spPr>
+        <p:txBody>
+          <a:bodyPr lIns="0" tIns="0" rIns="0" bIns="0"/>
+          <a:lstStyle/>
+          <a:p>
+            <a:pPr marL="457200" indent="-456480">
+              <a:lnSpc>
+                <a:spcPct val="90000"/>
+              </a:lnSpc>
+              <a:spcBef>
+                <a:spcPts val="1001"/>
+              </a:spcBef>
+              <a:buClr>
+                <a:srgbClr val="515151"/>
+              </a:buClr>
+              <a:buFont typeface="Arial"/>
+              <a:buAutoNum type="arabicParenR"/>
+            </a:pPr>
+            <a:r>
+              <a:rPr lang="pl-PL" sz="2400" spc="-1" dirty="0" smtClean="0">
+                <a:solidFill>
+                  <a:srgbClr val="515151"/>
+                </a:solidFill>
+                <a:latin typeface="Arial"/>
+                <a:ea typeface="Noto Sans CJK SC"/>
+              </a:rPr>
+              <a:t>Przesłać dotychczasowe zmiany do zdalnego repozytorium (git push)</a:t>
+            </a:r>
+            <a:endParaRPr lang="pl-PL" sz="2400" spc="-1" dirty="0" smtClean="0">
+              <a:solidFill>
+                <a:srgbClr val="515151"/>
+              </a:solidFill>
+              <a:latin typeface="Arial"/>
+              <a:ea typeface="Noto Sans CJK SC"/>
+            </a:endParaRPr>
+          </a:p>
+          <a:p>
+            <a:pPr marL="457200" indent="-456480">
+              <a:lnSpc>
+                <a:spcPct val="90000"/>
+              </a:lnSpc>
+              <a:spcBef>
+                <a:spcPts val="1001"/>
+              </a:spcBef>
+              <a:buClr>
+                <a:srgbClr val="515151"/>
+              </a:buClr>
+              <a:buFont typeface="Arial"/>
+              <a:buAutoNum type="arabicParenR"/>
+            </a:pPr>
+            <a:r>
+              <a:rPr lang="pl-PL" sz="2400" spc="-1" dirty="0" smtClean="0">
+                <a:solidFill>
+                  <a:srgbClr val="515151"/>
+                </a:solidFill>
+                <a:latin typeface="Arial"/>
+                <a:ea typeface="Noto Sans CJK SC"/>
+              </a:rPr>
+              <a:t>Stworzyć </a:t>
+            </a:r>
+            <a:r>
+              <a:rPr lang="pl-PL" sz="2400" spc="-1" dirty="0" smtClean="0">
+                <a:solidFill>
+                  <a:srgbClr val="515151"/>
+                </a:solidFill>
+                <a:latin typeface="Arial"/>
+                <a:ea typeface="Noto Sans CJK SC"/>
+              </a:rPr>
+              <a:t>nowy branch my_new_branch i przełączyć się na niego </a:t>
+            </a:r>
+            <a:endParaRPr lang="pl-PL" sz="2400" spc="-1" dirty="0" smtClean="0">
+              <a:solidFill>
+                <a:srgbClr val="515151"/>
+              </a:solidFill>
+              <a:latin typeface="Arial"/>
+              <a:ea typeface="Noto Sans CJK SC"/>
+            </a:endParaRPr>
+          </a:p>
+          <a:p>
+            <a:pPr marL="457200" indent="-456480">
+              <a:lnSpc>
+                <a:spcPct val="90000"/>
+              </a:lnSpc>
+              <a:spcBef>
+                <a:spcPts val="1001"/>
+              </a:spcBef>
+              <a:buClr>
+                <a:srgbClr val="515151"/>
+              </a:buClr>
+              <a:buFont typeface="Arial"/>
+              <a:buAutoNum type="arabicParenR"/>
+            </a:pPr>
+            <a:r>
+              <a:rPr lang="pl-PL" sz="2400" spc="-1" dirty="0" smtClean="0">
+                <a:solidFill>
+                  <a:srgbClr val="515151"/>
+                </a:solidFill>
+                <a:latin typeface="Arial"/>
+                <a:ea typeface="Noto Sans CJK SC"/>
+              </a:rPr>
+              <a:t>Dodać </a:t>
+            </a:r>
+            <a:r>
+              <a:rPr lang="pl-PL" sz="2400" spc="-1" dirty="0" smtClean="0">
+                <a:solidFill>
+                  <a:srgbClr val="515151"/>
+                </a:solidFill>
+                <a:latin typeface="Arial"/>
+                <a:ea typeface="Noto Sans CJK SC"/>
+              </a:rPr>
+              <a:t>dowolny nowy plik, zacommitować lokalnie</a:t>
+            </a:r>
+            <a:endParaRPr lang="pl-PL" sz="2400" spc="-1" dirty="0" smtClean="0">
+              <a:solidFill>
+                <a:srgbClr val="515151"/>
+              </a:solidFill>
+              <a:latin typeface="Arial"/>
+              <a:ea typeface="Noto Sans CJK SC"/>
+            </a:endParaRPr>
+          </a:p>
+          <a:p>
+            <a:pPr marL="457200" indent="-456480">
+              <a:lnSpc>
+                <a:spcPct val="90000"/>
+              </a:lnSpc>
+              <a:spcBef>
+                <a:spcPts val="1001"/>
+              </a:spcBef>
+              <a:buClr>
+                <a:srgbClr val="515151"/>
+              </a:buClr>
+              <a:buFont typeface="Arial"/>
+              <a:buAutoNum type="arabicParenR"/>
+            </a:pPr>
+            <a:r>
+              <a:rPr lang="pl-PL" sz="2400" spc="-1" dirty="0" smtClean="0">
+                <a:solidFill>
+                  <a:srgbClr val="515151"/>
+                </a:solidFill>
+                <a:latin typeface="Arial"/>
+                <a:ea typeface="Noto Sans CJK SC"/>
+              </a:rPr>
+              <a:t>Spróbować ponownie przesłać do zdalnego repozytorium</a:t>
+            </a:r>
+          </a:p>
+          <a:p>
+            <a:pPr marL="457200" indent="-456480">
+              <a:lnSpc>
+                <a:spcPct val="90000"/>
+              </a:lnSpc>
+              <a:spcBef>
+                <a:spcPts val="1001"/>
+              </a:spcBef>
+              <a:buClr>
+                <a:srgbClr val="515151"/>
+              </a:buClr>
+              <a:buFont typeface="Arial"/>
+              <a:buAutoNum type="arabicParenR"/>
+            </a:pPr>
+            <a:r>
+              <a:rPr lang="pl-PL" sz="2400" spc="-1" dirty="0" smtClean="0">
+                <a:solidFill>
+                  <a:srgbClr val="515151"/>
+                </a:solidFill>
+                <a:latin typeface="Arial"/>
+                <a:ea typeface="Noto Sans CJK SC"/>
+              </a:rPr>
+              <a:t>Przesłać do zdalnego repo z utworzeniem nowego brancha</a:t>
+            </a:r>
+            <a:endParaRPr lang="pl-PL" sz="2400" spc="-1" dirty="0" smtClean="0">
+              <a:solidFill>
+                <a:srgbClr val="515151"/>
+              </a:solidFill>
+              <a:latin typeface="Arial"/>
+              <a:ea typeface="Noto Sans CJK SC"/>
+            </a:endParaRPr>
+          </a:p>
+          <a:p>
+            <a:pPr marL="457200" indent="-456480">
+              <a:lnSpc>
+                <a:spcPct val="90000"/>
+              </a:lnSpc>
+              <a:spcBef>
+                <a:spcPts val="1001"/>
+              </a:spcBef>
+              <a:buClr>
+                <a:srgbClr val="515151"/>
+              </a:buClr>
+              <a:buFont typeface="Arial"/>
+              <a:buAutoNum type="arabicParenR"/>
+            </a:pPr>
+            <a:endParaRPr lang="pl-PL" sz="2400" spc="-1" dirty="0" smtClean="0">
+              <a:solidFill>
+                <a:srgbClr val="515151"/>
+              </a:solidFill>
+              <a:latin typeface="Arial"/>
+              <a:ea typeface="Noto Sans CJK SC"/>
+            </a:endParaRPr>
+          </a:p>
+        </p:txBody>
+      </p:sp>
+    </p:spTree>
+    <p:extLst>
+      <p:ext uri="{BB962C8B-B14F-4D97-AF65-F5344CB8AC3E}">
+        <p14:creationId xmlns:p14="http://schemas.microsoft.com/office/powerpoint/2010/main" val="3377296745"/>
+      </p:ext>
+    </p:extLst>
+  </p:cSld>
+  <p:clrMapOvr>
+    <a:masterClrMapping/>
+  </p:clrMapOvr>
+  <p:timing>
+    <p:tnLst>
+      <p:par>
+        <p:cTn id="1" dur="indefinite" restart="never" nodeType="tmRoot">
+          <p:childTnLst>
+            <p:seq>
+              <p:cTn id="2" dur="indefinite" nodeType="mainSeq"/>
+              <p:prevCondLst>
+                <p:cond evt="onPrev" delay="0">
+                  <p:tgtEl>
+                    <p:sldTgt/>
+                  </p:tgtEl>
+                </p:cond>
+              </p:prevCondLst>
+              <p:nextCondLst>
+                <p:cond evt="onNext" delay="0">
+                  <p:tgtEl>
+                    <p:sldTgt/>
+                  </p:tgtEl>
+                </p:cond>
+              </p:nextCondLst>
+            </p:seq>
+          </p:childTnLst>
+        </p:cTn>
+      </p:par>
+    </p:tnLst>
+  </p:timing>
+</p:sld>
+</file>
+
+<file path=ppt/slides/slide24.xml><?xml version="1.0" encoding="utf-8"?>
+<p:sld xmlns:a="http://schemas.openxmlformats.org/drawingml/2006/main" xmlns:r="http://schemas.openxmlformats.org/officeDocument/2006/relationships" xmlns:p="http://schemas.openxmlformats.org/presentationml/2006/main">
+  <p:cSld>
+    <p:spTree>
+      <p:nvGrpSpPr>
+        <p:cNvPr id="1" name=""/>
+        <p:cNvGrpSpPr/>
+        <p:nvPr/>
+      </p:nvGrpSpPr>
+      <p:grpSpPr>
+        <a:xfrm>
+          <a:off x="0" y="0"/>
+          <a:ext cx="0" cy="0"/>
+          <a:chOff x="0" y="0"/>
+          <a:chExt cx="0" cy="0"/>
+        </a:xfrm>
+      </p:grpSpPr>
+      <p:sp>
+        <p:nvSpPr>
+          <p:cNvPr id="145" name="CustomShape 1"/>
+          <p:cNvSpPr/>
+          <p:nvPr/>
+        </p:nvSpPr>
+        <p:spPr>
+          <a:xfrm>
+            <a:off x="0" y="0"/>
+            <a:ext cx="10894320" cy="962280"/>
+          </a:xfrm>
+          <a:prstGeom prst="rect">
+            <a:avLst/>
+          </a:prstGeom>
+          <a:noFill/>
+          <a:ln>
+            <a:noFill/>
+          </a:ln>
+        </p:spPr>
+        <p:style>
+          <a:lnRef idx="0">
+            <a:scrgbClr r="0" g="0" b="0"/>
+          </a:lnRef>
+          <a:fillRef idx="0">
+            <a:scrgbClr r="0" g="0" b="0"/>
+          </a:fillRef>
+          <a:effectRef idx="0">
+            <a:scrgbClr r="0" g="0" b="0"/>
+          </a:effectRef>
+          <a:fontRef idx="minor"/>
+        </p:style>
+        <p:txBody>
+          <a:bodyPr lIns="90000" tIns="45000" rIns="90000" bIns="45000" anchor="ctr"/>
+          <a:lstStyle/>
+          <a:p>
+            <a:pPr>
+              <a:lnSpc>
+                <a:spcPct val="90000"/>
+              </a:lnSpc>
+            </a:pPr>
+            <a:r>
+              <a:rPr lang="pl-PL" sz="3200" b="1" spc="-1" dirty="0" smtClean="0">
+                <a:solidFill>
+                  <a:srgbClr val="4A3D53"/>
+                </a:solidFill>
+                <a:latin typeface="Geometr212 BkCn BT"/>
+              </a:rPr>
+              <a:t>Etykiety</a:t>
+            </a:r>
+            <a:endParaRPr lang="en-US" sz="3200" b="0" strike="noStrike" spc="-1" dirty="0">
+              <a:latin typeface="Arial"/>
+            </a:endParaRPr>
+          </a:p>
+        </p:txBody>
+      </p:sp>
+      <p:sp>
+        <p:nvSpPr>
+          <p:cNvPr id="146" name="CustomShape 2"/>
+          <p:cNvSpPr/>
+          <p:nvPr/>
+        </p:nvSpPr>
+        <p:spPr>
+          <a:xfrm>
+            <a:off x="838080" y="1755720"/>
+            <a:ext cx="10043280" cy="644400"/>
+          </a:xfrm>
+          <a:prstGeom prst="rect">
+            <a:avLst/>
+          </a:prstGeom>
+          <a:noFill/>
+          <a:ln>
+            <a:noFill/>
+          </a:ln>
+        </p:spPr>
+        <p:style>
+          <a:lnRef idx="0">
+            <a:scrgbClr r="0" g="0" b="0"/>
+          </a:lnRef>
+          <a:fillRef idx="0">
+            <a:scrgbClr r="0" g="0" b="0"/>
+          </a:fillRef>
+          <a:effectRef idx="0">
+            <a:scrgbClr r="0" g="0" b="0"/>
+          </a:effectRef>
+          <a:fontRef idx="minor"/>
+        </p:style>
+        <p:txBody>
+          <a:bodyPr lIns="90000" tIns="45000" rIns="90000" bIns="45000"/>
+          <a:lstStyle/>
+          <a:p>
+            <a:pPr>
+              <a:lnSpc>
+                <a:spcPct val="90000"/>
+              </a:lnSpc>
+              <a:spcBef>
+                <a:spcPts val="1001"/>
+              </a:spcBef>
+            </a:pPr>
+            <a:r>
+              <a:rPr lang="pl-PL" sz="2800" b="1" strike="noStrike" spc="-1" dirty="0" smtClean="0">
+                <a:solidFill>
+                  <a:srgbClr val="515151"/>
+                </a:solidFill>
+                <a:latin typeface="Arial"/>
+              </a:rPr>
+              <a:t>Tag </a:t>
+            </a:r>
+            <a:r>
+              <a:rPr lang="pl-PL" sz="2800" strike="noStrike" spc="-1" dirty="0" smtClean="0">
+                <a:solidFill>
+                  <a:srgbClr val="515151"/>
+                </a:solidFill>
+                <a:latin typeface="Arial"/>
+              </a:rPr>
+              <a:t>– odnośnik do specyfinczego punktu w historii projektu</a:t>
+            </a:r>
+            <a:endParaRPr lang="pl-PL" sz="2800" b="1" strike="noStrike" spc="-1" dirty="0" smtClean="0">
+              <a:solidFill>
+                <a:srgbClr val="515151"/>
+              </a:solidFill>
+              <a:latin typeface="Arial"/>
+            </a:endParaRPr>
+          </a:p>
+        </p:txBody>
+      </p:sp>
+      <p:sp>
+        <p:nvSpPr>
+          <p:cNvPr id="147" name="TextShape 3"/>
+          <p:cNvSpPr txBox="1"/>
+          <p:nvPr/>
+        </p:nvSpPr>
+        <p:spPr>
+          <a:xfrm>
+            <a:off x="914400" y="2491559"/>
+            <a:ext cx="9875520" cy="3715809"/>
+          </a:xfrm>
+          <a:prstGeom prst="rect">
+            <a:avLst/>
+          </a:prstGeom>
+          <a:noFill/>
+          <a:ln>
+            <a:noFill/>
+          </a:ln>
+        </p:spPr>
+        <p:txBody>
+          <a:bodyPr lIns="0" tIns="0" rIns="0" bIns="0"/>
+          <a:lstStyle/>
+          <a:p>
+            <a:pPr>
+              <a:lnSpc>
+                <a:spcPct val="90000"/>
+              </a:lnSpc>
+              <a:spcBef>
+                <a:spcPts val="1001"/>
+              </a:spcBef>
+            </a:pPr>
+            <a:r>
+              <a:rPr lang="pl-PL" sz="2800" spc="-1" dirty="0" smtClean="0">
+                <a:solidFill>
+                  <a:srgbClr val="515151"/>
+                </a:solidFill>
+                <a:latin typeface="Arial" panose="020B0604020202020204" pitchFamily="34" charset="0"/>
+                <a:cs typeface="Arial" panose="020B0604020202020204" pitchFamily="34" charset="0"/>
+              </a:rPr>
+              <a:t>Rodzaje tagów:</a:t>
+            </a:r>
+          </a:p>
+          <a:p>
+            <a:pPr marL="342900" indent="-342900">
+              <a:lnSpc>
+                <a:spcPct val="90000"/>
+              </a:lnSpc>
+              <a:spcBef>
+                <a:spcPts val="1001"/>
+              </a:spcBef>
+              <a:buFont typeface="Arial" panose="020B0604020202020204" pitchFamily="34" charset="0"/>
+              <a:buChar char="•"/>
+            </a:pPr>
+            <a:r>
+              <a:rPr lang="pl-PL" sz="2800" spc="-1" dirty="0" smtClean="0">
+                <a:solidFill>
+                  <a:srgbClr val="515151"/>
+                </a:solidFill>
+                <a:latin typeface="Arial" panose="020B0604020202020204" pitchFamily="34" charset="0"/>
+                <a:cs typeface="Arial" panose="020B0604020202020204" pitchFamily="34" charset="0"/>
+              </a:rPr>
+              <a:t>lightweight – </a:t>
+            </a:r>
+            <a:r>
+              <a:rPr lang="pl-PL" sz="2400" spc="-1" dirty="0" smtClean="0">
+                <a:solidFill>
+                  <a:srgbClr val="515151"/>
+                </a:solidFill>
+                <a:latin typeface="Arial" panose="020B0604020202020204" pitchFamily="34" charset="0"/>
+                <a:cs typeface="Arial" panose="020B0604020202020204" pitchFamily="34" charset="0"/>
+              </a:rPr>
+              <a:t>podstawowy typ taga, zalecany jako prywatny</a:t>
+            </a:r>
+          </a:p>
+          <a:p>
+            <a:pPr marL="342900" indent="-342900">
+              <a:lnSpc>
+                <a:spcPct val="90000"/>
+              </a:lnSpc>
+              <a:spcBef>
+                <a:spcPts val="1001"/>
+              </a:spcBef>
+              <a:buFont typeface="Arial" panose="020B0604020202020204" pitchFamily="34" charset="0"/>
+              <a:buChar char="•"/>
+            </a:pPr>
+            <a:r>
+              <a:rPr lang="pl-PL" sz="2800" spc="-1" dirty="0">
+                <a:solidFill>
+                  <a:srgbClr val="515151"/>
+                </a:solidFill>
+                <a:latin typeface="Arial" panose="020B0604020202020204" pitchFamily="34" charset="0"/>
+                <a:cs typeface="Arial" panose="020B0604020202020204" pitchFamily="34" charset="0"/>
+              </a:rPr>
+              <a:t>a</a:t>
+            </a:r>
+            <a:r>
+              <a:rPr lang="pl-PL" sz="2800" spc="-1" dirty="0" smtClean="0">
+                <a:solidFill>
+                  <a:srgbClr val="515151"/>
+                </a:solidFill>
+                <a:latin typeface="Arial" panose="020B0604020202020204" pitchFamily="34" charset="0"/>
+                <a:cs typeface="Arial" panose="020B0604020202020204" pitchFamily="34" charset="0"/>
+              </a:rPr>
+              <a:t>nnotated – </a:t>
+            </a:r>
+            <a:r>
+              <a:rPr lang="pl-PL" sz="2400" spc="-1" dirty="0" smtClean="0">
+                <a:solidFill>
+                  <a:srgbClr val="515151"/>
+                </a:solidFill>
+                <a:latin typeface="Arial" panose="020B0604020202020204" pitchFamily="34" charset="0"/>
+                <a:cs typeface="Arial" panose="020B0604020202020204" pitchFamily="34" charset="0"/>
+              </a:rPr>
+              <a:t>rozszerzony tag, zawierający dodatkowe informacje (nazwa osoby tagującej, email, data itp)</a:t>
+            </a:r>
+            <a:endParaRPr lang="en-US" sz="2400" spc="-1" dirty="0">
+              <a:solidFill>
+                <a:srgbClr val="515151"/>
+              </a:solidFill>
+              <a:latin typeface="Arial" panose="020B0604020202020204" pitchFamily="34" charset="0"/>
+              <a:cs typeface="Arial" panose="020B0604020202020204" pitchFamily="34" charset="0"/>
+            </a:endParaRPr>
+          </a:p>
+        </p:txBody>
+      </p:sp>
+      <p:sp>
+        <p:nvSpPr>
+          <p:cNvPr id="148" name="CustomShape 4"/>
+          <p:cNvSpPr/>
+          <p:nvPr/>
+        </p:nvSpPr>
+        <p:spPr>
+          <a:xfrm>
+            <a:off x="2850480" y="6378120"/>
+            <a:ext cx="6842160" cy="364320"/>
+          </a:xfrm>
+          <a:prstGeom prst="rect">
+            <a:avLst/>
+          </a:prstGeom>
+          <a:noFill/>
+          <a:ln>
+            <a:noFill/>
+          </a:ln>
+        </p:spPr>
+        <p:style>
+          <a:lnRef idx="0">
+            <a:scrgbClr r="0" g="0" b="0"/>
+          </a:lnRef>
+          <a:fillRef idx="0">
+            <a:scrgbClr r="0" g="0" b="0"/>
+          </a:fillRef>
+          <a:effectRef idx="0">
+            <a:scrgbClr r="0" g="0" b="0"/>
+          </a:effectRef>
+          <a:fontRef idx="minor"/>
+        </p:style>
+        <p:txBody>
+          <a:bodyPr lIns="90000" tIns="45000" rIns="90000" bIns="45000" anchor="ctr"/>
+          <a:lstStyle/>
+          <a:p>
+            <a:pPr algn="ctr">
+              <a:lnSpc>
+                <a:spcPct val="100000"/>
+              </a:lnSpc>
+            </a:pPr>
+            <a:r>
+              <a:rPr lang="en-US" sz="1200" b="0" strike="noStrike" spc="-1">
+                <a:solidFill>
+                  <a:srgbClr val="999999"/>
+                </a:solidFill>
+                <a:latin typeface="Calibri"/>
+              </a:rPr>
+              <a:t>Autor: Krzysztof Dziuban</a:t>
+            </a:r>
+            <a:endParaRPr lang="en-US" sz="1200" b="0" strike="noStrike" spc="-1">
+              <a:latin typeface="Arial"/>
+            </a:endParaRPr>
+          </a:p>
+          <a:p>
+            <a:pPr algn="ctr">
+              <a:lnSpc>
+                <a:spcPct val="100000"/>
+              </a:lnSpc>
+            </a:pPr>
+            <a:r>
+              <a:rPr lang="en-US" sz="1200" b="0" strike="noStrike" spc="-1">
+                <a:solidFill>
+                  <a:srgbClr val="999999"/>
+                </a:solidFill>
+                <a:latin typeface="Calibri"/>
+              </a:rPr>
+              <a:t>Prawa do korzystania z materiałów posiada Software Development Academy</a:t>
+            </a:r>
+            <a:endParaRPr lang="en-US" sz="1200" b="0" strike="noStrike" spc="-1">
+              <a:latin typeface="Arial"/>
+            </a:endParaRPr>
+          </a:p>
+        </p:txBody>
+      </p:sp>
+    </p:spTree>
+    <p:extLst>
+      <p:ext uri="{BB962C8B-B14F-4D97-AF65-F5344CB8AC3E}">
+        <p14:creationId xmlns:p14="http://schemas.microsoft.com/office/powerpoint/2010/main" val="3080030092"/>
+      </p:ext>
+    </p:extLst>
+  </p:cSld>
+  <p:clrMapOvr>
+    <a:masterClrMapping/>
+  </p:clrMapOvr>
+  <p:timing>
+    <p:tnLst>
+      <p:par>
+        <p:cTn id="1" dur="indefinite" restart="never" nodeType="tmRoot">
+          <p:childTnLst>
+            <p:seq>
+              <p:cTn id="2" dur="indefinite" nodeType="mainSeq"/>
+              <p:prevCondLst>
+                <p:cond evt="onPrev" delay="0">
+                  <p:tgtEl>
+                    <p:sldTgt/>
+                  </p:tgtEl>
+                </p:cond>
+              </p:prevCondLst>
+              <p:nextCondLst>
+                <p:cond evt="onNext" delay="0">
+                  <p:tgtEl>
+                    <p:sldTgt/>
+                  </p:tgtEl>
+                </p:cond>
+              </p:nextCondLst>
+            </p:seq>
+          </p:childTnLst>
+        </p:cTn>
+      </p:par>
+    </p:tnLst>
+  </p:timing>
+</p:sld>
+</file>
+
+<file path=ppt/slides/slide25.xml><?xml version="1.0" encoding="utf-8"?>
+<p:sld xmlns:a="http://schemas.openxmlformats.org/drawingml/2006/main" xmlns:r="http://schemas.openxmlformats.org/officeDocument/2006/relationships" xmlns:p="http://schemas.openxmlformats.org/presentationml/2006/main">
+  <p:cSld>
+    <p:spTree>
+      <p:nvGrpSpPr>
+        <p:cNvPr id="1" name=""/>
+        <p:cNvGrpSpPr/>
+        <p:nvPr/>
+      </p:nvGrpSpPr>
+      <p:grpSpPr>
+        <a:xfrm>
+          <a:off x="0" y="0"/>
+          <a:ext cx="0" cy="0"/>
+          <a:chOff x="0" y="0"/>
+          <a:chExt cx="0" cy="0"/>
+        </a:xfrm>
+      </p:grpSpPr>
+      <p:sp>
+        <p:nvSpPr>
+          <p:cNvPr id="145" name="CustomShape 1"/>
+          <p:cNvSpPr/>
+          <p:nvPr/>
+        </p:nvSpPr>
+        <p:spPr>
+          <a:xfrm>
+            <a:off x="0" y="0"/>
+            <a:ext cx="10894320" cy="962280"/>
+          </a:xfrm>
+          <a:prstGeom prst="rect">
+            <a:avLst/>
+          </a:prstGeom>
+          <a:noFill/>
+          <a:ln>
+            <a:noFill/>
+          </a:ln>
+        </p:spPr>
+        <p:style>
+          <a:lnRef idx="0">
+            <a:scrgbClr r="0" g="0" b="0"/>
+          </a:lnRef>
+          <a:fillRef idx="0">
+            <a:scrgbClr r="0" g="0" b="0"/>
+          </a:fillRef>
+          <a:effectRef idx="0">
+            <a:scrgbClr r="0" g="0" b="0"/>
+          </a:effectRef>
+          <a:fontRef idx="minor"/>
+        </p:style>
+        <p:txBody>
+          <a:bodyPr lIns="90000" tIns="45000" rIns="90000" bIns="45000" anchor="ctr"/>
+          <a:lstStyle/>
+          <a:p>
+            <a:pPr>
+              <a:lnSpc>
+                <a:spcPct val="90000"/>
+              </a:lnSpc>
+            </a:pPr>
+            <a:r>
+              <a:rPr lang="pl-PL" sz="3200" b="1" spc="-1" dirty="0" smtClean="0">
+                <a:solidFill>
+                  <a:srgbClr val="4A3D53"/>
+                </a:solidFill>
+                <a:latin typeface="Geometr212 BkCn BT"/>
+              </a:rPr>
+              <a:t>Etykiety cd.</a:t>
+            </a:r>
+            <a:endParaRPr lang="en-US" sz="3200" b="0" strike="noStrike" spc="-1" dirty="0">
+              <a:latin typeface="Arial"/>
+            </a:endParaRPr>
+          </a:p>
+        </p:txBody>
+      </p:sp>
+      <p:sp>
+        <p:nvSpPr>
+          <p:cNvPr id="146" name="CustomShape 2"/>
+          <p:cNvSpPr/>
+          <p:nvPr/>
+        </p:nvSpPr>
+        <p:spPr>
+          <a:xfrm>
+            <a:off x="732571" y="1745059"/>
+            <a:ext cx="10284189" cy="1078726"/>
+          </a:xfrm>
+          <a:prstGeom prst="rect">
+            <a:avLst/>
+          </a:prstGeom>
+          <a:noFill/>
+          <a:ln>
+            <a:noFill/>
+          </a:ln>
+        </p:spPr>
+        <p:style>
+          <a:lnRef idx="0">
+            <a:scrgbClr r="0" g="0" b="0"/>
+          </a:lnRef>
+          <a:fillRef idx="0">
+            <a:scrgbClr r="0" g="0" b="0"/>
+          </a:fillRef>
+          <a:effectRef idx="0">
+            <a:scrgbClr r="0" g="0" b="0"/>
+          </a:effectRef>
+          <a:fontRef idx="minor"/>
+        </p:style>
+        <p:txBody>
+          <a:bodyPr lIns="90000" tIns="45000" rIns="90000" bIns="45000"/>
+          <a:lstStyle/>
+          <a:p>
+            <a:pPr>
+              <a:lnSpc>
+                <a:spcPct val="90000"/>
+              </a:lnSpc>
+              <a:spcBef>
+                <a:spcPts val="1001"/>
+              </a:spcBef>
+            </a:pPr>
+            <a:r>
+              <a:rPr lang="en-US" sz="2800" b="1" strike="noStrike" spc="-1" dirty="0" err="1">
+                <a:solidFill>
+                  <a:srgbClr val="515151"/>
+                </a:solidFill>
+                <a:latin typeface="Arial"/>
+              </a:rPr>
+              <a:t>git</a:t>
+            </a:r>
+            <a:r>
+              <a:rPr lang="en-US" sz="2800" b="1" strike="noStrike" spc="-1" dirty="0">
+                <a:solidFill>
+                  <a:srgbClr val="515151"/>
+                </a:solidFill>
+                <a:latin typeface="Arial"/>
+              </a:rPr>
+              <a:t> </a:t>
+            </a:r>
+            <a:r>
+              <a:rPr lang="pl-PL" sz="2800" b="1" strike="noStrike" spc="-1" dirty="0" smtClean="0">
+                <a:solidFill>
+                  <a:srgbClr val="515151"/>
+                </a:solidFill>
+                <a:latin typeface="Arial"/>
+              </a:rPr>
+              <a:t>tag </a:t>
+            </a:r>
+          </a:p>
+          <a:p>
+            <a:pPr>
+              <a:lnSpc>
+                <a:spcPct val="90000"/>
+              </a:lnSpc>
+              <a:spcBef>
+                <a:spcPts val="1001"/>
+              </a:spcBef>
+            </a:pPr>
+            <a:r>
+              <a:rPr lang="pl-PL" sz="2400" b="0" strike="noStrike" spc="-1" dirty="0" smtClean="0">
+                <a:solidFill>
+                  <a:srgbClr val="515151"/>
+                </a:solidFill>
+                <a:latin typeface="Arial"/>
+              </a:rPr>
+              <a:t>Wyświetla listę tagów</a:t>
+            </a:r>
+          </a:p>
+        </p:txBody>
+      </p:sp>
+      <p:sp>
+        <p:nvSpPr>
+          <p:cNvPr id="147" name="TextShape 3"/>
+          <p:cNvSpPr txBox="1"/>
+          <p:nvPr/>
+        </p:nvSpPr>
+        <p:spPr>
+          <a:xfrm>
+            <a:off x="838079" y="3909240"/>
+            <a:ext cx="9875520" cy="1097280"/>
+          </a:xfrm>
+          <a:prstGeom prst="rect">
+            <a:avLst/>
+          </a:prstGeom>
+          <a:noFill/>
+          <a:ln>
+            <a:noFill/>
+          </a:ln>
+        </p:spPr>
+        <p:txBody>
+          <a:bodyPr lIns="0" tIns="0" rIns="0" bIns="0"/>
+          <a:lstStyle/>
+          <a:p>
+            <a:pPr>
+              <a:lnSpc>
+                <a:spcPct val="90000"/>
+              </a:lnSpc>
+              <a:spcBef>
+                <a:spcPts val="1001"/>
+              </a:spcBef>
+            </a:pPr>
+            <a:r>
+              <a:rPr lang="en-US" sz="2800" b="1" spc="-1" dirty="0" err="1" smtClean="0">
+                <a:solidFill>
+                  <a:srgbClr val="515151"/>
+                </a:solidFill>
+              </a:rPr>
+              <a:t>git</a:t>
+            </a:r>
+            <a:r>
+              <a:rPr lang="en-US" sz="2800" b="1" spc="-1" dirty="0" smtClean="0">
+                <a:solidFill>
+                  <a:srgbClr val="515151"/>
+                </a:solidFill>
+              </a:rPr>
+              <a:t> </a:t>
+            </a:r>
+            <a:r>
+              <a:rPr lang="pl-PL" sz="2800" b="1" spc="-1" dirty="0" smtClean="0">
+                <a:solidFill>
+                  <a:srgbClr val="515151"/>
+                </a:solidFill>
+              </a:rPr>
+              <a:t>tag &lt;tag_name&gt;</a:t>
+            </a:r>
+            <a:endParaRPr lang="en-US" sz="2800" spc="-1" dirty="0" smtClean="0"/>
+          </a:p>
+          <a:p>
+            <a:pPr>
+              <a:lnSpc>
+                <a:spcPct val="90000"/>
+              </a:lnSpc>
+              <a:spcBef>
+                <a:spcPts val="1001"/>
+              </a:spcBef>
+            </a:pPr>
+            <a:r>
+              <a:rPr lang="pl-PL" sz="2400" spc="-1" dirty="0" smtClean="0">
+                <a:solidFill>
+                  <a:srgbClr val="515151"/>
+                </a:solidFill>
+              </a:rPr>
+              <a:t>Utworzenie </a:t>
+            </a:r>
+            <a:r>
+              <a:rPr lang="pl-PL" sz="2400" spc="-1" dirty="0">
+                <a:solidFill>
+                  <a:srgbClr val="515151"/>
+                </a:solidFill>
+              </a:rPr>
+              <a:t>lightweight tag</a:t>
+            </a:r>
+            <a:endParaRPr lang="en-US" sz="2400" spc="-1" dirty="0"/>
+          </a:p>
+        </p:txBody>
+      </p:sp>
+      <p:sp>
+        <p:nvSpPr>
+          <p:cNvPr id="148" name="CustomShape 4"/>
+          <p:cNvSpPr/>
+          <p:nvPr/>
+        </p:nvSpPr>
+        <p:spPr>
+          <a:xfrm>
+            <a:off x="2850480" y="6378120"/>
+            <a:ext cx="6842160" cy="364320"/>
+          </a:xfrm>
+          <a:prstGeom prst="rect">
+            <a:avLst/>
+          </a:prstGeom>
+          <a:noFill/>
+          <a:ln>
+            <a:noFill/>
+          </a:ln>
+        </p:spPr>
+        <p:style>
+          <a:lnRef idx="0">
+            <a:scrgbClr r="0" g="0" b="0"/>
+          </a:lnRef>
+          <a:fillRef idx="0">
+            <a:scrgbClr r="0" g="0" b="0"/>
+          </a:fillRef>
+          <a:effectRef idx="0">
+            <a:scrgbClr r="0" g="0" b="0"/>
+          </a:effectRef>
+          <a:fontRef idx="minor"/>
+        </p:style>
+        <p:txBody>
+          <a:bodyPr lIns="90000" tIns="45000" rIns="90000" bIns="45000" anchor="ctr"/>
+          <a:lstStyle/>
+          <a:p>
+            <a:pPr algn="ctr">
+              <a:lnSpc>
+                <a:spcPct val="100000"/>
+              </a:lnSpc>
+            </a:pPr>
+            <a:r>
+              <a:rPr lang="en-US" sz="1200" b="0" strike="noStrike" spc="-1">
+                <a:solidFill>
+                  <a:srgbClr val="999999"/>
+                </a:solidFill>
+                <a:latin typeface="Calibri"/>
+              </a:rPr>
+              <a:t>Autor: Krzysztof Dziuban</a:t>
+            </a:r>
+            <a:endParaRPr lang="en-US" sz="1200" b="0" strike="noStrike" spc="-1">
+              <a:latin typeface="Arial"/>
+            </a:endParaRPr>
+          </a:p>
+          <a:p>
+            <a:pPr algn="ctr">
+              <a:lnSpc>
+                <a:spcPct val="100000"/>
+              </a:lnSpc>
+            </a:pPr>
+            <a:r>
+              <a:rPr lang="en-US" sz="1200" b="0" strike="noStrike" spc="-1">
+                <a:solidFill>
+                  <a:srgbClr val="999999"/>
+                </a:solidFill>
+                <a:latin typeface="Calibri"/>
+              </a:rPr>
+              <a:t>Prawa do korzystania z materiałów posiada Software Development Academy</a:t>
+            </a:r>
+            <a:endParaRPr lang="en-US" sz="1200" b="0" strike="noStrike" spc="-1">
+              <a:latin typeface="Arial"/>
+            </a:endParaRPr>
+          </a:p>
+        </p:txBody>
+      </p:sp>
+      <p:sp>
+        <p:nvSpPr>
+          <p:cNvPr id="149" name="TextShape 5"/>
+          <p:cNvSpPr txBox="1"/>
+          <p:nvPr/>
+        </p:nvSpPr>
+        <p:spPr>
+          <a:xfrm>
+            <a:off x="838079" y="5001425"/>
+            <a:ext cx="9875520" cy="1042588"/>
+          </a:xfrm>
+          <a:prstGeom prst="rect">
+            <a:avLst/>
+          </a:prstGeom>
+          <a:noFill/>
+          <a:ln>
+            <a:noFill/>
+          </a:ln>
+        </p:spPr>
+        <p:txBody>
+          <a:bodyPr lIns="0" tIns="0" rIns="0" bIns="0"/>
+          <a:lstStyle/>
+          <a:p>
+            <a:pPr>
+              <a:lnSpc>
+                <a:spcPct val="90000"/>
+              </a:lnSpc>
+              <a:spcBef>
+                <a:spcPts val="1001"/>
+              </a:spcBef>
+            </a:pPr>
+            <a:r>
+              <a:rPr lang="en-US" sz="2800" b="1" spc="-1" dirty="0" err="1">
+                <a:solidFill>
+                  <a:srgbClr val="515151"/>
+                </a:solidFill>
+              </a:rPr>
+              <a:t>git</a:t>
+            </a:r>
+            <a:r>
+              <a:rPr lang="en-US" sz="2800" b="1" spc="-1" dirty="0">
+                <a:solidFill>
+                  <a:srgbClr val="515151"/>
+                </a:solidFill>
+              </a:rPr>
+              <a:t> </a:t>
+            </a:r>
+            <a:r>
+              <a:rPr lang="pl-PL" sz="2800" b="1" spc="-1" dirty="0">
+                <a:solidFill>
+                  <a:srgbClr val="515151"/>
+                </a:solidFill>
+              </a:rPr>
+              <a:t>tag –a &lt;tag_name&gt;</a:t>
+            </a:r>
+            <a:endParaRPr lang="en-US" sz="2800" spc="-1" dirty="0">
+              <a:solidFill>
+                <a:srgbClr val="515151"/>
+              </a:solidFill>
+              <a:ea typeface="Noto Sans CJK SC"/>
+            </a:endParaRPr>
+          </a:p>
+          <a:p>
+            <a:pPr>
+              <a:lnSpc>
+                <a:spcPct val="90000"/>
+              </a:lnSpc>
+              <a:spcBef>
+                <a:spcPts val="1001"/>
+              </a:spcBef>
+            </a:pPr>
+            <a:r>
+              <a:rPr lang="pl-PL" sz="2400" spc="-1" dirty="0">
+                <a:solidFill>
+                  <a:srgbClr val="515151"/>
+                </a:solidFill>
+              </a:rPr>
+              <a:t>Utworzenie annotated tag</a:t>
+            </a:r>
+            <a:endParaRPr lang="en-US" sz="2400" spc="-1" dirty="0">
+              <a:solidFill>
+                <a:srgbClr val="515151"/>
+              </a:solidFill>
+              <a:ea typeface="Noto Sans CJK SC"/>
+            </a:endParaRPr>
+          </a:p>
+        </p:txBody>
+      </p:sp>
+      <p:sp>
+        <p:nvSpPr>
+          <p:cNvPr id="7" name="TextShape 3"/>
+          <p:cNvSpPr txBox="1"/>
+          <p:nvPr/>
+        </p:nvSpPr>
+        <p:spPr>
+          <a:xfrm>
+            <a:off x="838079" y="2804553"/>
+            <a:ext cx="9875520" cy="1097280"/>
+          </a:xfrm>
+          <a:prstGeom prst="rect">
+            <a:avLst/>
+          </a:prstGeom>
+          <a:noFill/>
+          <a:ln>
+            <a:noFill/>
+          </a:ln>
+        </p:spPr>
+        <p:txBody>
+          <a:bodyPr lIns="0" tIns="0" rIns="0" bIns="0"/>
+          <a:lstStyle/>
+          <a:p>
+            <a:pPr>
+              <a:lnSpc>
+                <a:spcPct val="90000"/>
+              </a:lnSpc>
+              <a:spcBef>
+                <a:spcPts val="1001"/>
+              </a:spcBef>
+            </a:pPr>
+            <a:r>
+              <a:rPr lang="en-US" sz="2800" b="1" spc="-1" dirty="0" err="1" smtClean="0">
+                <a:solidFill>
+                  <a:srgbClr val="515151"/>
+                </a:solidFill>
+              </a:rPr>
+              <a:t>git</a:t>
+            </a:r>
+            <a:r>
+              <a:rPr lang="en-US" sz="2800" b="1" spc="-1" dirty="0" smtClean="0">
+                <a:solidFill>
+                  <a:srgbClr val="515151"/>
+                </a:solidFill>
+              </a:rPr>
+              <a:t> </a:t>
+            </a:r>
+            <a:r>
+              <a:rPr lang="pl-PL" sz="2800" b="1" spc="-1" dirty="0" smtClean="0">
+                <a:solidFill>
+                  <a:srgbClr val="515151"/>
+                </a:solidFill>
+              </a:rPr>
+              <a:t>tag –l &lt;wildcard&gt;</a:t>
+            </a:r>
+            <a:endParaRPr lang="en-US" sz="2800" spc="-1" dirty="0" smtClean="0"/>
+          </a:p>
+          <a:p>
+            <a:pPr>
+              <a:lnSpc>
+                <a:spcPct val="90000"/>
+              </a:lnSpc>
+              <a:spcBef>
+                <a:spcPts val="1001"/>
+              </a:spcBef>
+            </a:pPr>
+            <a:r>
+              <a:rPr lang="pl-PL" sz="2400" spc="-1" dirty="0" smtClean="0">
+                <a:solidFill>
+                  <a:srgbClr val="515151"/>
+                </a:solidFill>
+              </a:rPr>
+              <a:t>Umożliwia wyszukiwanie po nazwach z wykorzystaniem metaznaków</a:t>
+            </a:r>
+            <a:endParaRPr lang="en-US" sz="2400" spc="-1" dirty="0"/>
+          </a:p>
+        </p:txBody>
+      </p:sp>
+    </p:spTree>
+    <p:extLst>
+      <p:ext uri="{BB962C8B-B14F-4D97-AF65-F5344CB8AC3E}">
+        <p14:creationId xmlns:p14="http://schemas.microsoft.com/office/powerpoint/2010/main" val="3506713296"/>
+      </p:ext>
+    </p:extLst>
+  </p:cSld>
+  <p:clrMapOvr>
+    <a:masterClrMapping/>
+  </p:clrMapOvr>
+  <p:timing>
+    <p:tnLst>
+      <p:par>
+        <p:cTn id="1" dur="indefinite" restart="never" nodeType="tmRoot">
+          <p:childTnLst>
+            <p:seq>
+              <p:cTn id="2" dur="indefinite" nodeType="mainSeq"/>
+              <p:prevCondLst>
+                <p:cond evt="onPrev" delay="0">
+                  <p:tgtEl>
+                    <p:sldTgt/>
+                  </p:tgtEl>
+                </p:cond>
+              </p:prevCondLst>
+              <p:nextCondLst>
+                <p:cond evt="onNext" delay="0">
+                  <p:tgtEl>
+                    <p:sldTgt/>
+                  </p:tgtEl>
+                </p:cond>
+              </p:nextCondLst>
+            </p:seq>
+          </p:childTnLst>
+        </p:cTn>
+      </p:par>
+    </p:tnLst>
+  </p:timing>
+</p:sld>
+</file>
+
+<file path=ppt/slides/slide26.xml><?xml version="1.0" encoding="utf-8"?>
+<p:sld xmlns:a="http://schemas.openxmlformats.org/drawingml/2006/main" xmlns:r="http://schemas.openxmlformats.org/officeDocument/2006/relationships" xmlns:p="http://schemas.openxmlformats.org/presentationml/2006/main">
+  <p:cSld>
+    <p:spTree>
+      <p:nvGrpSpPr>
+        <p:cNvPr id="1" name=""/>
+        <p:cNvGrpSpPr/>
+        <p:nvPr/>
+      </p:nvGrpSpPr>
+      <p:grpSpPr>
+        <a:xfrm>
+          <a:off x="0" y="0"/>
+          <a:ext cx="0" cy="0"/>
+          <a:chOff x="0" y="0"/>
+          <a:chExt cx="0" cy="0"/>
+        </a:xfrm>
+      </p:grpSpPr>
+      <p:sp>
+        <p:nvSpPr>
+          <p:cNvPr id="145" name="CustomShape 1"/>
+          <p:cNvSpPr/>
+          <p:nvPr/>
+        </p:nvSpPr>
+        <p:spPr>
+          <a:xfrm>
+            <a:off x="0" y="0"/>
+            <a:ext cx="10894320" cy="962280"/>
+          </a:xfrm>
+          <a:prstGeom prst="rect">
+            <a:avLst/>
+          </a:prstGeom>
+          <a:noFill/>
+          <a:ln>
+            <a:noFill/>
+          </a:ln>
+        </p:spPr>
+        <p:style>
+          <a:lnRef idx="0">
+            <a:scrgbClr r="0" g="0" b="0"/>
+          </a:lnRef>
+          <a:fillRef idx="0">
+            <a:scrgbClr r="0" g="0" b="0"/>
+          </a:fillRef>
+          <a:effectRef idx="0">
+            <a:scrgbClr r="0" g="0" b="0"/>
+          </a:effectRef>
+          <a:fontRef idx="minor"/>
+        </p:style>
+        <p:txBody>
+          <a:bodyPr lIns="90000" tIns="45000" rIns="90000" bIns="45000" anchor="ctr"/>
+          <a:lstStyle/>
+          <a:p>
+            <a:pPr>
+              <a:lnSpc>
+                <a:spcPct val="90000"/>
+              </a:lnSpc>
+            </a:pPr>
+            <a:r>
+              <a:rPr lang="pl-PL" sz="3200" b="1" spc="-1" dirty="0" smtClean="0">
+                <a:solidFill>
+                  <a:srgbClr val="4A3D53"/>
+                </a:solidFill>
+                <a:latin typeface="Geometr212 BkCn BT"/>
+              </a:rPr>
+              <a:t>Etykiety cd.</a:t>
+            </a:r>
+            <a:endParaRPr lang="en-US" sz="3200" b="0" strike="noStrike" spc="-1" dirty="0">
+              <a:latin typeface="Arial"/>
+            </a:endParaRPr>
+          </a:p>
+        </p:txBody>
+      </p:sp>
+      <p:sp>
+        <p:nvSpPr>
+          <p:cNvPr id="146" name="CustomShape 2"/>
+          <p:cNvSpPr/>
+          <p:nvPr/>
+        </p:nvSpPr>
+        <p:spPr>
+          <a:xfrm>
+            <a:off x="732571" y="1745059"/>
+            <a:ext cx="10284189" cy="1078726"/>
+          </a:xfrm>
+          <a:prstGeom prst="rect">
+            <a:avLst/>
+          </a:prstGeom>
+          <a:noFill/>
+          <a:ln>
+            <a:noFill/>
+          </a:ln>
+        </p:spPr>
+        <p:style>
+          <a:lnRef idx="0">
+            <a:scrgbClr r="0" g="0" b="0"/>
+          </a:lnRef>
+          <a:fillRef idx="0">
+            <a:scrgbClr r="0" g="0" b="0"/>
+          </a:fillRef>
+          <a:effectRef idx="0">
+            <a:scrgbClr r="0" g="0" b="0"/>
+          </a:effectRef>
+          <a:fontRef idx="minor"/>
+        </p:style>
+        <p:txBody>
+          <a:bodyPr lIns="90000" tIns="45000" rIns="90000" bIns="45000"/>
+          <a:lstStyle/>
+          <a:p>
+            <a:pPr>
+              <a:lnSpc>
+                <a:spcPct val="90000"/>
+              </a:lnSpc>
+              <a:spcBef>
+                <a:spcPts val="1001"/>
+              </a:spcBef>
+            </a:pPr>
+            <a:r>
+              <a:rPr lang="en-US" sz="2800" b="1" strike="noStrike" spc="-1" dirty="0" err="1">
+                <a:solidFill>
+                  <a:srgbClr val="515151"/>
+                </a:solidFill>
+                <a:latin typeface="Arial"/>
+              </a:rPr>
+              <a:t>git</a:t>
+            </a:r>
+            <a:r>
+              <a:rPr lang="en-US" sz="2800" b="1" strike="noStrike" spc="-1" dirty="0">
+                <a:solidFill>
+                  <a:srgbClr val="515151"/>
+                </a:solidFill>
+                <a:latin typeface="Arial"/>
+              </a:rPr>
+              <a:t> </a:t>
+            </a:r>
+            <a:r>
+              <a:rPr lang="pl-PL" sz="2800" b="1" strike="noStrike" spc="-1" dirty="0" smtClean="0">
+                <a:solidFill>
+                  <a:srgbClr val="515151"/>
+                </a:solidFill>
+                <a:latin typeface="Arial"/>
+              </a:rPr>
+              <a:t>tag &lt;tag_name&gt; &lt;commit_hash&gt;</a:t>
+            </a:r>
+          </a:p>
+          <a:p>
+            <a:pPr>
+              <a:lnSpc>
+                <a:spcPct val="90000"/>
+              </a:lnSpc>
+              <a:spcBef>
+                <a:spcPts val="1001"/>
+              </a:spcBef>
+            </a:pPr>
+            <a:r>
+              <a:rPr lang="pl-PL" sz="2400" b="0" strike="noStrike" spc="-1" dirty="0" smtClean="0">
+                <a:solidFill>
+                  <a:srgbClr val="515151"/>
+                </a:solidFill>
+                <a:latin typeface="Arial"/>
+              </a:rPr>
+              <a:t>Umożliwia przypisanie taga do konkretnego commita</a:t>
+            </a:r>
+          </a:p>
+        </p:txBody>
+      </p:sp>
+      <p:sp>
+        <p:nvSpPr>
+          <p:cNvPr id="147" name="TextShape 3"/>
+          <p:cNvSpPr txBox="1"/>
+          <p:nvPr/>
+        </p:nvSpPr>
+        <p:spPr>
+          <a:xfrm>
+            <a:off x="838079" y="3909240"/>
+            <a:ext cx="9875520" cy="1097280"/>
+          </a:xfrm>
+          <a:prstGeom prst="rect">
+            <a:avLst/>
+          </a:prstGeom>
+          <a:noFill/>
+          <a:ln>
+            <a:noFill/>
+          </a:ln>
+        </p:spPr>
+        <p:txBody>
+          <a:bodyPr lIns="0" tIns="0" rIns="0" bIns="0"/>
+          <a:lstStyle/>
+          <a:p>
+            <a:pPr>
+              <a:lnSpc>
+                <a:spcPct val="90000"/>
+              </a:lnSpc>
+              <a:spcBef>
+                <a:spcPts val="1001"/>
+              </a:spcBef>
+            </a:pPr>
+            <a:r>
+              <a:rPr lang="en-US" sz="2800" b="1" spc="-1" dirty="0" err="1" smtClean="0">
+                <a:solidFill>
+                  <a:srgbClr val="515151"/>
+                </a:solidFill>
+              </a:rPr>
+              <a:t>git</a:t>
+            </a:r>
+            <a:r>
+              <a:rPr lang="en-US" sz="2800" b="1" spc="-1" dirty="0" smtClean="0">
+                <a:solidFill>
+                  <a:srgbClr val="515151"/>
+                </a:solidFill>
+              </a:rPr>
+              <a:t> </a:t>
+            </a:r>
+            <a:r>
+              <a:rPr lang="pl-PL" sz="2800" b="1" spc="-1" dirty="0" smtClean="0">
+                <a:solidFill>
+                  <a:srgbClr val="515151"/>
+                </a:solidFill>
+              </a:rPr>
+              <a:t>checkout &lt;tag_name&gt;</a:t>
+            </a:r>
+            <a:endParaRPr lang="en-US" sz="2800" spc="-1" dirty="0" smtClean="0"/>
+          </a:p>
+          <a:p>
+            <a:pPr>
+              <a:lnSpc>
+                <a:spcPct val="90000"/>
+              </a:lnSpc>
+              <a:spcBef>
+                <a:spcPts val="1001"/>
+              </a:spcBef>
+            </a:pPr>
+            <a:r>
+              <a:rPr lang="pl-PL" sz="2400" spc="-1" dirty="0" smtClean="0">
+                <a:solidFill>
+                  <a:srgbClr val="515151"/>
+                </a:solidFill>
+              </a:rPr>
+              <a:t>Przełączenie się na konkretnego taga</a:t>
+            </a:r>
+            <a:endParaRPr lang="en-US" sz="2400" spc="-1" dirty="0"/>
+          </a:p>
+        </p:txBody>
+      </p:sp>
+      <p:sp>
+        <p:nvSpPr>
+          <p:cNvPr id="148" name="CustomShape 4"/>
+          <p:cNvSpPr/>
+          <p:nvPr/>
+        </p:nvSpPr>
+        <p:spPr>
+          <a:xfrm>
+            <a:off x="2850480" y="6378120"/>
+            <a:ext cx="6842160" cy="364320"/>
+          </a:xfrm>
+          <a:prstGeom prst="rect">
+            <a:avLst/>
+          </a:prstGeom>
+          <a:noFill/>
+          <a:ln>
+            <a:noFill/>
+          </a:ln>
+        </p:spPr>
+        <p:style>
+          <a:lnRef idx="0">
+            <a:scrgbClr r="0" g="0" b="0"/>
+          </a:lnRef>
+          <a:fillRef idx="0">
+            <a:scrgbClr r="0" g="0" b="0"/>
+          </a:fillRef>
+          <a:effectRef idx="0">
+            <a:scrgbClr r="0" g="0" b="0"/>
+          </a:effectRef>
+          <a:fontRef idx="minor"/>
+        </p:style>
+        <p:txBody>
+          <a:bodyPr lIns="90000" tIns="45000" rIns="90000" bIns="45000" anchor="ctr"/>
+          <a:lstStyle/>
+          <a:p>
+            <a:pPr algn="ctr">
+              <a:lnSpc>
+                <a:spcPct val="100000"/>
+              </a:lnSpc>
+            </a:pPr>
+            <a:r>
+              <a:rPr lang="en-US" sz="1200" b="0" strike="noStrike" spc="-1">
+                <a:solidFill>
+                  <a:srgbClr val="999999"/>
+                </a:solidFill>
+                <a:latin typeface="Calibri"/>
+              </a:rPr>
+              <a:t>Autor: Krzysztof Dziuban</a:t>
+            </a:r>
+            <a:endParaRPr lang="en-US" sz="1200" b="0" strike="noStrike" spc="-1">
+              <a:latin typeface="Arial"/>
+            </a:endParaRPr>
+          </a:p>
+          <a:p>
+            <a:pPr algn="ctr">
+              <a:lnSpc>
+                <a:spcPct val="100000"/>
+              </a:lnSpc>
+            </a:pPr>
+            <a:r>
+              <a:rPr lang="en-US" sz="1200" b="0" strike="noStrike" spc="-1">
+                <a:solidFill>
+                  <a:srgbClr val="999999"/>
+                </a:solidFill>
+                <a:latin typeface="Calibri"/>
+              </a:rPr>
+              <a:t>Prawa do korzystania z materiałów posiada Software Development Academy</a:t>
+            </a:r>
+            <a:endParaRPr lang="en-US" sz="1200" b="0" strike="noStrike" spc="-1">
+              <a:latin typeface="Arial"/>
+            </a:endParaRPr>
+          </a:p>
+        </p:txBody>
+      </p:sp>
+      <p:sp>
+        <p:nvSpPr>
+          <p:cNvPr id="149" name="TextShape 5"/>
+          <p:cNvSpPr txBox="1"/>
+          <p:nvPr/>
+        </p:nvSpPr>
+        <p:spPr>
+          <a:xfrm>
+            <a:off x="838079" y="5006519"/>
+            <a:ext cx="9875520" cy="1244811"/>
+          </a:xfrm>
+          <a:prstGeom prst="rect">
+            <a:avLst/>
+          </a:prstGeom>
+          <a:noFill/>
+          <a:ln>
+            <a:noFill/>
+          </a:ln>
+        </p:spPr>
+        <p:txBody>
+          <a:bodyPr lIns="0" tIns="0" rIns="0" bIns="0"/>
+          <a:lstStyle/>
+          <a:p>
+            <a:pPr>
+              <a:lnSpc>
+                <a:spcPct val="90000"/>
+              </a:lnSpc>
+              <a:spcBef>
+                <a:spcPts val="1001"/>
+              </a:spcBef>
+            </a:pPr>
+            <a:r>
+              <a:rPr lang="pl-PL" sz="3200" b="1" spc="-1" dirty="0" smtClean="0">
+                <a:solidFill>
+                  <a:srgbClr val="FF0000"/>
+                </a:solidFill>
+                <a:ea typeface="Noto Sans CJK SC"/>
+              </a:rPr>
+              <a:t>Uwaga !! </a:t>
+            </a:r>
+            <a:r>
+              <a:rPr lang="pl-PL" sz="2400" b="1" spc="-1" dirty="0" smtClean="0">
+                <a:solidFill>
+                  <a:srgbClr val="FF0000"/>
+                </a:solidFill>
+                <a:ea typeface="Noto Sans CJK SC"/>
+              </a:rPr>
+              <a:t>– </a:t>
+            </a:r>
+            <a:r>
+              <a:rPr lang="pl-PL" sz="2400" spc="-1" dirty="0" smtClean="0">
+                <a:solidFill>
+                  <a:srgbClr val="FF0000"/>
+                </a:solidFill>
+                <a:ea typeface="Noto Sans CJK SC"/>
+              </a:rPr>
+              <a:t>wykonane commity będą odłączone (dostępne będą tylko poprzez odwołanie do hasha – powinno się utworzyć nowego brancha przed commitowaniem zmian)</a:t>
+            </a:r>
+            <a:endParaRPr lang="en-US" sz="2400" spc="-1" dirty="0">
+              <a:solidFill>
+                <a:srgbClr val="FF0000"/>
+              </a:solidFill>
+              <a:ea typeface="Noto Sans CJK SC"/>
+            </a:endParaRPr>
+          </a:p>
+        </p:txBody>
+      </p:sp>
+      <p:sp>
+        <p:nvSpPr>
+          <p:cNvPr id="7" name="TextShape 3"/>
+          <p:cNvSpPr txBox="1"/>
+          <p:nvPr/>
+        </p:nvSpPr>
+        <p:spPr>
+          <a:xfrm>
+            <a:off x="838079" y="2804553"/>
+            <a:ext cx="9875520" cy="1097280"/>
+          </a:xfrm>
+          <a:prstGeom prst="rect">
+            <a:avLst/>
+          </a:prstGeom>
+          <a:noFill/>
+          <a:ln>
+            <a:noFill/>
+          </a:ln>
+        </p:spPr>
+        <p:txBody>
+          <a:bodyPr lIns="0" tIns="0" rIns="0" bIns="0"/>
+          <a:lstStyle/>
+          <a:p>
+            <a:pPr>
+              <a:lnSpc>
+                <a:spcPct val="90000"/>
+              </a:lnSpc>
+              <a:spcBef>
+                <a:spcPts val="1001"/>
+              </a:spcBef>
+            </a:pPr>
+            <a:r>
+              <a:rPr lang="en-US" sz="2800" b="1" spc="-1" dirty="0" err="1" smtClean="0">
+                <a:solidFill>
+                  <a:srgbClr val="515151"/>
+                </a:solidFill>
+              </a:rPr>
+              <a:t>git</a:t>
+            </a:r>
+            <a:r>
+              <a:rPr lang="en-US" sz="2800" b="1" spc="-1" dirty="0" smtClean="0">
+                <a:solidFill>
+                  <a:srgbClr val="515151"/>
+                </a:solidFill>
+              </a:rPr>
+              <a:t> </a:t>
+            </a:r>
+            <a:r>
+              <a:rPr lang="pl-PL" sz="2800" b="1" spc="-1" dirty="0" smtClean="0">
+                <a:solidFill>
+                  <a:srgbClr val="515151"/>
+                </a:solidFill>
+              </a:rPr>
+              <a:t>tag </a:t>
+            </a:r>
+            <a:r>
+              <a:rPr lang="pl-PL" sz="2800" b="1" spc="-1" dirty="0">
+                <a:solidFill>
+                  <a:srgbClr val="515151"/>
+                </a:solidFill>
+              </a:rPr>
+              <a:t>–f &lt;tag_name&gt; &lt;commit_hash&gt;</a:t>
+            </a:r>
+          </a:p>
+          <a:p>
+            <a:pPr>
+              <a:lnSpc>
+                <a:spcPct val="90000"/>
+              </a:lnSpc>
+              <a:spcBef>
+                <a:spcPts val="1001"/>
+              </a:spcBef>
+            </a:pPr>
+            <a:r>
+              <a:rPr lang="pl-PL" sz="2400" spc="-1" dirty="0">
+                <a:solidFill>
+                  <a:srgbClr val="515151"/>
+                </a:solidFill>
+              </a:rPr>
+              <a:t>Umożliwia zastąpienie taga innym</a:t>
+            </a:r>
+          </a:p>
+        </p:txBody>
+      </p:sp>
+    </p:spTree>
+    <p:extLst>
+      <p:ext uri="{BB962C8B-B14F-4D97-AF65-F5344CB8AC3E}">
+        <p14:creationId xmlns:p14="http://schemas.microsoft.com/office/powerpoint/2010/main" val="2160958005"/>
+      </p:ext>
+    </p:extLst>
+  </p:cSld>
+  <p:clrMapOvr>
+    <a:masterClrMapping/>
+  </p:clrMapOvr>
+  <p:timing>
+    <p:tnLst>
+      <p:par>
+        <p:cTn id="1" dur="indefinite" restart="never" nodeType="tmRoot">
+          <p:childTnLst>
+            <p:seq>
+              <p:cTn id="2" dur="indefinite" nodeType="mainSeq"/>
+              <p:prevCondLst>
+                <p:cond evt="onPrev" delay="0">
+                  <p:tgtEl>
+                    <p:sldTgt/>
+                  </p:tgtEl>
+                </p:cond>
+              </p:prevCondLst>
+              <p:nextCondLst>
+                <p:cond evt="onNext" delay="0">
+                  <p:tgtEl>
+                    <p:sldTgt/>
+                  </p:tgtEl>
+                </p:cond>
+              </p:nextCondLst>
+            </p:seq>
+          </p:childTnLst>
+        </p:cTn>
+      </p:par>
+    </p:tnLst>
+  </p:timing>
+</p:sld>
+</file>
+
+<file path=ppt/slides/slide27.xml><?xml version="1.0" encoding="utf-8"?>
+<p:sld xmlns:a="http://schemas.openxmlformats.org/drawingml/2006/main" xmlns:r="http://schemas.openxmlformats.org/officeDocument/2006/relationships" xmlns:p="http://schemas.openxmlformats.org/presentationml/2006/main">
+  <p:cSld>
+    <p:spTree>
+      <p:nvGrpSpPr>
+        <p:cNvPr id="1" name=""/>
+        <p:cNvGrpSpPr/>
+        <p:nvPr/>
+      </p:nvGrpSpPr>
+      <p:grpSpPr>
+        <a:xfrm>
+          <a:off x="0" y="0"/>
+          <a:ext cx="0" cy="0"/>
+          <a:chOff x="0" y="0"/>
+          <a:chExt cx="0" cy="0"/>
+        </a:xfrm>
+      </p:grpSpPr>
+      <p:sp>
+        <p:nvSpPr>
+          <p:cNvPr id="145" name="CustomShape 1"/>
+          <p:cNvSpPr/>
+          <p:nvPr/>
+        </p:nvSpPr>
+        <p:spPr>
+          <a:xfrm>
+            <a:off x="0" y="0"/>
+            <a:ext cx="10894320" cy="962280"/>
+          </a:xfrm>
+          <a:prstGeom prst="rect">
+            <a:avLst/>
+          </a:prstGeom>
+          <a:noFill/>
+          <a:ln>
+            <a:noFill/>
+          </a:ln>
+        </p:spPr>
+        <p:style>
+          <a:lnRef idx="0">
+            <a:scrgbClr r="0" g="0" b="0"/>
+          </a:lnRef>
+          <a:fillRef idx="0">
+            <a:scrgbClr r="0" g="0" b="0"/>
+          </a:fillRef>
+          <a:effectRef idx="0">
+            <a:scrgbClr r="0" g="0" b="0"/>
+          </a:effectRef>
+          <a:fontRef idx="minor"/>
+        </p:style>
+        <p:txBody>
+          <a:bodyPr lIns="90000" tIns="45000" rIns="90000" bIns="45000" anchor="ctr"/>
+          <a:lstStyle/>
+          <a:p>
+            <a:pPr>
+              <a:lnSpc>
+                <a:spcPct val="90000"/>
+              </a:lnSpc>
+            </a:pPr>
+            <a:r>
+              <a:rPr lang="pl-PL" sz="3200" b="1" spc="-1" dirty="0" smtClean="0">
+                <a:solidFill>
+                  <a:srgbClr val="4A3D53"/>
+                </a:solidFill>
+                <a:latin typeface="Geometr212 BkCn BT"/>
+              </a:rPr>
+              <a:t>Etykiety cd.</a:t>
+            </a:r>
+            <a:endParaRPr lang="en-US" sz="3200" b="0" strike="noStrike" spc="-1" dirty="0">
+              <a:latin typeface="Arial"/>
+            </a:endParaRPr>
+          </a:p>
+        </p:txBody>
+      </p:sp>
+      <p:sp>
+        <p:nvSpPr>
+          <p:cNvPr id="146" name="CustomShape 2"/>
+          <p:cNvSpPr/>
+          <p:nvPr/>
+        </p:nvSpPr>
+        <p:spPr>
+          <a:xfrm>
+            <a:off x="732571" y="1745059"/>
+            <a:ext cx="10284189" cy="1078726"/>
+          </a:xfrm>
+          <a:prstGeom prst="rect">
+            <a:avLst/>
+          </a:prstGeom>
+          <a:noFill/>
+          <a:ln>
+            <a:noFill/>
+          </a:ln>
+        </p:spPr>
+        <p:style>
+          <a:lnRef idx="0">
+            <a:scrgbClr r="0" g="0" b="0"/>
+          </a:lnRef>
+          <a:fillRef idx="0">
+            <a:scrgbClr r="0" g="0" b="0"/>
+          </a:fillRef>
+          <a:effectRef idx="0">
+            <a:scrgbClr r="0" g="0" b="0"/>
+          </a:effectRef>
+          <a:fontRef idx="minor"/>
+        </p:style>
+        <p:txBody>
+          <a:bodyPr lIns="90000" tIns="45000" rIns="90000" bIns="45000"/>
+          <a:lstStyle/>
+          <a:p>
+            <a:pPr>
+              <a:lnSpc>
+                <a:spcPct val="90000"/>
+              </a:lnSpc>
+              <a:spcBef>
+                <a:spcPts val="1001"/>
+              </a:spcBef>
+            </a:pPr>
+            <a:r>
+              <a:rPr lang="en-US" sz="2800" b="1" strike="noStrike" spc="-1" dirty="0" err="1">
+                <a:solidFill>
+                  <a:srgbClr val="515151"/>
+                </a:solidFill>
+                <a:latin typeface="Arial"/>
+              </a:rPr>
+              <a:t>git</a:t>
+            </a:r>
+            <a:r>
+              <a:rPr lang="en-US" sz="2800" b="1" strike="noStrike" spc="-1" dirty="0">
+                <a:solidFill>
+                  <a:srgbClr val="515151"/>
+                </a:solidFill>
+                <a:latin typeface="Arial"/>
+              </a:rPr>
+              <a:t> </a:t>
+            </a:r>
+            <a:r>
+              <a:rPr lang="pl-PL" sz="2800" b="1" strike="noStrike" spc="-1" dirty="0" smtClean="0">
+                <a:solidFill>
+                  <a:srgbClr val="515151"/>
+                </a:solidFill>
+                <a:latin typeface="Arial"/>
+              </a:rPr>
+              <a:t>tag –d &lt;tag_name&gt;</a:t>
+            </a:r>
+          </a:p>
+          <a:p>
+            <a:pPr>
+              <a:lnSpc>
+                <a:spcPct val="90000"/>
+              </a:lnSpc>
+              <a:spcBef>
+                <a:spcPts val="1001"/>
+              </a:spcBef>
+            </a:pPr>
+            <a:r>
+              <a:rPr lang="pl-PL" sz="2400" b="0" strike="noStrike" spc="-1" dirty="0" smtClean="0">
+                <a:solidFill>
+                  <a:srgbClr val="515151"/>
+                </a:solidFill>
+                <a:latin typeface="Arial"/>
+              </a:rPr>
+              <a:t>Usuwa taga</a:t>
+            </a:r>
+          </a:p>
+        </p:txBody>
+      </p:sp>
+      <p:sp>
+        <p:nvSpPr>
+          <p:cNvPr id="147" name="TextShape 3"/>
+          <p:cNvSpPr txBox="1"/>
+          <p:nvPr/>
+        </p:nvSpPr>
+        <p:spPr>
+          <a:xfrm>
+            <a:off x="838079" y="3909240"/>
+            <a:ext cx="9875520" cy="1097280"/>
+          </a:xfrm>
+          <a:prstGeom prst="rect">
+            <a:avLst/>
+          </a:prstGeom>
+          <a:noFill/>
+          <a:ln>
+            <a:noFill/>
+          </a:ln>
+        </p:spPr>
+        <p:txBody>
+          <a:bodyPr lIns="0" tIns="0" rIns="0" bIns="0"/>
+          <a:lstStyle/>
+          <a:p>
+            <a:pPr>
+              <a:lnSpc>
+                <a:spcPct val="90000"/>
+              </a:lnSpc>
+              <a:spcBef>
+                <a:spcPts val="1001"/>
+              </a:spcBef>
+            </a:pPr>
+            <a:r>
+              <a:rPr lang="en-US" sz="2800" b="1" spc="-1" dirty="0" err="1" smtClean="0">
+                <a:solidFill>
+                  <a:srgbClr val="515151"/>
+                </a:solidFill>
+              </a:rPr>
+              <a:t>git</a:t>
+            </a:r>
+            <a:r>
+              <a:rPr lang="en-US" sz="2800" b="1" spc="-1" dirty="0" smtClean="0">
+                <a:solidFill>
+                  <a:srgbClr val="515151"/>
+                </a:solidFill>
+              </a:rPr>
+              <a:t> </a:t>
+            </a:r>
+            <a:r>
+              <a:rPr lang="pl-PL" sz="2800" b="1" spc="-1" dirty="0" smtClean="0">
+                <a:solidFill>
+                  <a:srgbClr val="515151"/>
+                </a:solidFill>
+              </a:rPr>
+              <a:t>push --tags</a:t>
+            </a:r>
+            <a:endParaRPr lang="en-US" sz="2800" spc="-1" dirty="0" smtClean="0"/>
+          </a:p>
+          <a:p>
+            <a:pPr>
+              <a:lnSpc>
+                <a:spcPct val="90000"/>
+              </a:lnSpc>
+              <a:spcBef>
+                <a:spcPts val="1001"/>
+              </a:spcBef>
+            </a:pPr>
+            <a:r>
+              <a:rPr lang="pl-PL" sz="2400" spc="-1" dirty="0" smtClean="0">
+                <a:solidFill>
+                  <a:srgbClr val="515151"/>
+                </a:solidFill>
+              </a:rPr>
+              <a:t>Przesyła zmiany wraz z wszystkimi tagami</a:t>
+            </a:r>
+            <a:endParaRPr lang="en-US" sz="2400" spc="-1" dirty="0"/>
+          </a:p>
+        </p:txBody>
+      </p:sp>
+      <p:sp>
+        <p:nvSpPr>
+          <p:cNvPr id="148" name="CustomShape 4"/>
+          <p:cNvSpPr/>
+          <p:nvPr/>
+        </p:nvSpPr>
+        <p:spPr>
+          <a:xfrm>
+            <a:off x="2850480" y="6378120"/>
+            <a:ext cx="6842160" cy="364320"/>
+          </a:xfrm>
+          <a:prstGeom prst="rect">
+            <a:avLst/>
+          </a:prstGeom>
+          <a:noFill/>
+          <a:ln>
+            <a:noFill/>
+          </a:ln>
+        </p:spPr>
+        <p:style>
+          <a:lnRef idx="0">
+            <a:scrgbClr r="0" g="0" b="0"/>
+          </a:lnRef>
+          <a:fillRef idx="0">
+            <a:scrgbClr r="0" g="0" b="0"/>
+          </a:fillRef>
+          <a:effectRef idx="0">
+            <a:scrgbClr r="0" g="0" b="0"/>
+          </a:effectRef>
+          <a:fontRef idx="minor"/>
+        </p:style>
+        <p:txBody>
+          <a:bodyPr lIns="90000" tIns="45000" rIns="90000" bIns="45000" anchor="ctr"/>
+          <a:lstStyle/>
+          <a:p>
+            <a:pPr algn="ctr">
+              <a:lnSpc>
+                <a:spcPct val="100000"/>
+              </a:lnSpc>
+            </a:pPr>
+            <a:r>
+              <a:rPr lang="en-US" sz="1200" b="0" strike="noStrike" spc="-1">
+                <a:solidFill>
+                  <a:srgbClr val="999999"/>
+                </a:solidFill>
+                <a:latin typeface="Calibri"/>
+              </a:rPr>
+              <a:t>Autor: Krzysztof Dziuban</a:t>
+            </a:r>
+            <a:endParaRPr lang="en-US" sz="1200" b="0" strike="noStrike" spc="-1">
+              <a:latin typeface="Arial"/>
+            </a:endParaRPr>
+          </a:p>
+          <a:p>
+            <a:pPr algn="ctr">
+              <a:lnSpc>
+                <a:spcPct val="100000"/>
+              </a:lnSpc>
+            </a:pPr>
+            <a:r>
+              <a:rPr lang="en-US" sz="1200" b="0" strike="noStrike" spc="-1">
+                <a:solidFill>
+                  <a:srgbClr val="999999"/>
+                </a:solidFill>
+                <a:latin typeface="Calibri"/>
+              </a:rPr>
+              <a:t>Prawa do korzystania z materiałów posiada Software Development Academy</a:t>
+            </a:r>
+            <a:endParaRPr lang="en-US" sz="1200" b="0" strike="noStrike" spc="-1">
+              <a:latin typeface="Arial"/>
+            </a:endParaRPr>
+          </a:p>
+        </p:txBody>
+      </p:sp>
+      <p:sp>
+        <p:nvSpPr>
+          <p:cNvPr id="7" name="TextShape 3"/>
+          <p:cNvSpPr txBox="1"/>
+          <p:nvPr/>
+        </p:nvSpPr>
+        <p:spPr>
+          <a:xfrm>
+            <a:off x="838079" y="2804553"/>
+            <a:ext cx="9875520" cy="1097280"/>
+          </a:xfrm>
+          <a:prstGeom prst="rect">
+            <a:avLst/>
+          </a:prstGeom>
+          <a:noFill/>
+          <a:ln>
+            <a:noFill/>
+          </a:ln>
+        </p:spPr>
+        <p:txBody>
+          <a:bodyPr lIns="0" tIns="0" rIns="0" bIns="0"/>
+          <a:lstStyle/>
+          <a:p>
+            <a:pPr>
+              <a:lnSpc>
+                <a:spcPct val="90000"/>
+              </a:lnSpc>
+              <a:spcBef>
+                <a:spcPts val="1001"/>
+              </a:spcBef>
+            </a:pPr>
+            <a:r>
+              <a:rPr lang="en-US" sz="2800" b="1" spc="-1" dirty="0" err="1" smtClean="0">
+                <a:solidFill>
+                  <a:srgbClr val="515151"/>
+                </a:solidFill>
+              </a:rPr>
+              <a:t>git</a:t>
+            </a:r>
+            <a:r>
+              <a:rPr lang="en-US" sz="2800" b="1" spc="-1" dirty="0" smtClean="0">
+                <a:solidFill>
+                  <a:srgbClr val="515151"/>
+                </a:solidFill>
+              </a:rPr>
+              <a:t> </a:t>
+            </a:r>
+            <a:r>
+              <a:rPr lang="pl-PL" sz="2800" b="1" spc="-1" dirty="0" smtClean="0">
+                <a:solidFill>
+                  <a:srgbClr val="515151"/>
+                </a:solidFill>
+              </a:rPr>
+              <a:t>push origin &lt;tag_name&gt;</a:t>
+            </a:r>
+            <a:endParaRPr lang="en-US" sz="2800" spc="-1" dirty="0" smtClean="0"/>
+          </a:p>
+          <a:p>
+            <a:pPr>
+              <a:lnSpc>
+                <a:spcPct val="90000"/>
+              </a:lnSpc>
+              <a:spcBef>
+                <a:spcPts val="1001"/>
+              </a:spcBef>
+            </a:pPr>
+            <a:r>
+              <a:rPr lang="pl-PL" sz="2400" spc="-1" dirty="0" smtClean="0">
+                <a:solidFill>
+                  <a:srgbClr val="515151"/>
+                </a:solidFill>
+              </a:rPr>
+              <a:t>Przesyła taga do zdalnego repozytorium </a:t>
+            </a:r>
+            <a:endParaRPr lang="en-US" sz="2400" spc="-1" dirty="0"/>
+          </a:p>
+        </p:txBody>
+      </p:sp>
+    </p:spTree>
+    <p:extLst>
+      <p:ext uri="{BB962C8B-B14F-4D97-AF65-F5344CB8AC3E}">
+        <p14:creationId xmlns:p14="http://schemas.microsoft.com/office/powerpoint/2010/main" val="310087118"/>
+      </p:ext>
+    </p:extLst>
+  </p:cSld>
+  <p:clrMapOvr>
+    <a:masterClrMapping/>
+  </p:clrMapOvr>
+  <p:timing>
+    <p:tnLst>
+      <p:par>
+        <p:cTn id="1" dur="indefinite" restart="never" nodeType="tmRoot">
+          <p:childTnLst>
+            <p:seq>
+              <p:cTn id="2" dur="indefinite" nodeType="mainSeq"/>
+              <p:prevCondLst>
+                <p:cond evt="onPrev" delay="0">
+                  <p:tgtEl>
+                    <p:sldTgt/>
+                  </p:tgtEl>
+                </p:cond>
+              </p:prevCondLst>
+              <p:nextCondLst>
+                <p:cond evt="onNext" delay="0">
+                  <p:tgtEl>
+                    <p:sldTgt/>
+                  </p:tgtEl>
+                </p:cond>
+              </p:nextCondLst>
+            </p:seq>
+          </p:childTnLst>
+        </p:cTn>
+      </p:par>
+    </p:tnLst>
+  </p:timing>
+</p:sld>
+</file>
+
+<file path=ppt/slides/slide28.xml><?xml version="1.0" encoding="utf-8"?>
+<p:sld xmlns:a="http://schemas.openxmlformats.org/drawingml/2006/main" xmlns:r="http://schemas.openxmlformats.org/officeDocument/2006/relationships" xmlns:p="http://schemas.openxmlformats.org/presentationml/2006/main">
+  <p:cSld>
+    <p:spTree>
+      <p:nvGrpSpPr>
+        <p:cNvPr id="1" name=""/>
+        <p:cNvGrpSpPr/>
+        <p:nvPr/>
+      </p:nvGrpSpPr>
+      <p:grpSpPr>
+        <a:xfrm>
+          <a:off x="0" y="0"/>
+          <a:ext cx="0" cy="0"/>
+          <a:chOff x="0" y="0"/>
+          <a:chExt cx="0" cy="0"/>
+        </a:xfrm>
+      </p:grpSpPr>
+      <p:sp>
+        <p:nvSpPr>
+          <p:cNvPr id="136" name="CustomShape 1"/>
+          <p:cNvSpPr/>
+          <p:nvPr/>
+        </p:nvSpPr>
+        <p:spPr>
+          <a:xfrm>
+            <a:off x="0" y="0"/>
+            <a:ext cx="10894320" cy="962280"/>
+          </a:xfrm>
+          <a:prstGeom prst="rect">
+            <a:avLst/>
+          </a:prstGeom>
+          <a:noFill/>
+          <a:ln>
+            <a:noFill/>
+          </a:ln>
+        </p:spPr>
+        <p:style>
+          <a:lnRef idx="0">
+            <a:scrgbClr r="0" g="0" b="0"/>
+          </a:lnRef>
+          <a:fillRef idx="0">
+            <a:scrgbClr r="0" g="0" b="0"/>
+          </a:fillRef>
+          <a:effectRef idx="0">
+            <a:scrgbClr r="0" g="0" b="0"/>
+          </a:effectRef>
+          <a:fontRef idx="minor"/>
+        </p:style>
+        <p:txBody>
+          <a:bodyPr lIns="90000" tIns="45000" rIns="90000" bIns="45000" anchor="ctr"/>
+          <a:lstStyle/>
+          <a:p>
+            <a:pPr>
+              <a:lnSpc>
+                <a:spcPct val="90000"/>
+              </a:lnSpc>
+            </a:pPr>
+            <a:r>
+              <a:rPr lang="en-US" sz="3200" b="1" strike="noStrike" spc="-1" dirty="0" err="1" smtClean="0">
+                <a:solidFill>
+                  <a:srgbClr val="4A3D53"/>
+                </a:solidFill>
+                <a:latin typeface="Geometr212 BkCn BT"/>
+              </a:rPr>
+              <a:t>Ćwiczenie</a:t>
+            </a:r>
+            <a:r>
+              <a:rPr lang="pl-PL" sz="3200" b="1" strike="noStrike" spc="-1" dirty="0" smtClean="0">
+                <a:solidFill>
+                  <a:srgbClr val="4A3D53"/>
+                </a:solidFill>
+                <a:latin typeface="Geometr212 BkCn BT"/>
+              </a:rPr>
+              <a:t> 8 </a:t>
+            </a:r>
+            <a:r>
+              <a:rPr lang="en-US" sz="3200" b="1" strike="noStrike" spc="-1" dirty="0" smtClean="0">
+                <a:solidFill>
+                  <a:srgbClr val="4A3D53"/>
+                </a:solidFill>
+                <a:latin typeface="Geometr212 BkCn BT"/>
+              </a:rPr>
+              <a:t>  </a:t>
+            </a:r>
+            <a:endParaRPr lang="en-US" sz="3200" b="0" strike="noStrike" spc="-1" dirty="0">
+              <a:latin typeface="Arial"/>
+            </a:endParaRPr>
+          </a:p>
+        </p:txBody>
+      </p:sp>
+      <p:sp>
+        <p:nvSpPr>
+          <p:cNvPr id="137" name="CustomShape 2"/>
+          <p:cNvSpPr/>
+          <p:nvPr/>
+        </p:nvSpPr>
+        <p:spPr>
+          <a:xfrm>
+            <a:off x="289440" y="1298520"/>
+            <a:ext cx="10043280" cy="1536120"/>
+          </a:xfrm>
+          <a:prstGeom prst="rect">
+            <a:avLst/>
+          </a:prstGeom>
+          <a:noFill/>
+          <a:ln>
+            <a:noFill/>
+          </a:ln>
+        </p:spPr>
+        <p:style>
+          <a:lnRef idx="0">
+            <a:scrgbClr r="0" g="0" b="0"/>
+          </a:lnRef>
+          <a:fillRef idx="0">
+            <a:scrgbClr r="0" g="0" b="0"/>
+          </a:fillRef>
+          <a:effectRef idx="0">
+            <a:scrgbClr r="0" g="0" b="0"/>
+          </a:effectRef>
+          <a:fontRef idx="minor"/>
+        </p:style>
+        <p:txBody>
+          <a:bodyPr lIns="90000" tIns="45000" rIns="90000" bIns="45000"/>
+          <a:lstStyle/>
+          <a:p>
+            <a:pPr marL="457200" indent="-456480">
+              <a:lnSpc>
+                <a:spcPct val="90000"/>
+              </a:lnSpc>
+              <a:spcBef>
+                <a:spcPts val="1001"/>
+              </a:spcBef>
+              <a:buClr>
+                <a:srgbClr val="515151"/>
+              </a:buClr>
+              <a:buFont typeface="Arial"/>
+              <a:buAutoNum type="arabicParenR"/>
+            </a:pPr>
+            <a:endParaRPr lang="en-US" sz="2400" b="0" strike="noStrike" spc="-1">
+              <a:latin typeface="Arial"/>
+            </a:endParaRPr>
+          </a:p>
+          <a:p>
+            <a:pPr marL="457200" indent="-456480">
+              <a:lnSpc>
+                <a:spcPct val="90000"/>
+              </a:lnSpc>
+              <a:spcBef>
+                <a:spcPts val="1001"/>
+              </a:spcBef>
+              <a:buClr>
+                <a:srgbClr val="515151"/>
+              </a:buClr>
+              <a:buFont typeface="Arial"/>
+              <a:buAutoNum type="arabicParenR"/>
+            </a:pPr>
+            <a:endParaRPr lang="en-US" sz="2400" b="0" strike="noStrike" spc="-1">
+              <a:latin typeface="Arial"/>
+            </a:endParaRPr>
+          </a:p>
+        </p:txBody>
+      </p:sp>
+      <p:sp>
+        <p:nvSpPr>
+          <p:cNvPr id="138" name="CustomShape 3"/>
+          <p:cNvSpPr/>
+          <p:nvPr/>
+        </p:nvSpPr>
+        <p:spPr>
+          <a:xfrm>
+            <a:off x="2850480" y="6378120"/>
+            <a:ext cx="6842160" cy="364320"/>
+          </a:xfrm>
+          <a:prstGeom prst="rect">
+            <a:avLst/>
+          </a:prstGeom>
+          <a:noFill/>
+          <a:ln>
+            <a:noFill/>
+          </a:ln>
+        </p:spPr>
+        <p:style>
+          <a:lnRef idx="0">
+            <a:scrgbClr r="0" g="0" b="0"/>
+          </a:lnRef>
+          <a:fillRef idx="0">
+            <a:scrgbClr r="0" g="0" b="0"/>
+          </a:fillRef>
+          <a:effectRef idx="0">
+            <a:scrgbClr r="0" g="0" b="0"/>
+          </a:effectRef>
+          <a:fontRef idx="minor"/>
+        </p:style>
+        <p:txBody>
+          <a:bodyPr lIns="90000" tIns="45000" rIns="90000" bIns="45000" anchor="ctr"/>
+          <a:lstStyle/>
+          <a:p>
+            <a:pPr algn="ctr">
+              <a:lnSpc>
+                <a:spcPct val="100000"/>
+              </a:lnSpc>
+            </a:pPr>
+            <a:r>
+              <a:rPr lang="en-US" sz="1200" b="0" strike="noStrike" spc="-1">
+                <a:solidFill>
+                  <a:srgbClr val="999999"/>
+                </a:solidFill>
+                <a:latin typeface="Calibri"/>
+              </a:rPr>
+              <a:t>Autor: Krzysztof Dziuban</a:t>
+            </a:r>
+            <a:endParaRPr lang="en-US" sz="1200" b="0" strike="noStrike" spc="-1">
+              <a:latin typeface="Arial"/>
+            </a:endParaRPr>
+          </a:p>
+          <a:p>
+            <a:pPr algn="ctr">
+              <a:lnSpc>
+                <a:spcPct val="100000"/>
+              </a:lnSpc>
+            </a:pPr>
+            <a:r>
+              <a:rPr lang="en-US" sz="1200" b="0" strike="noStrike" spc="-1">
+                <a:solidFill>
+                  <a:srgbClr val="999999"/>
+                </a:solidFill>
+                <a:latin typeface="Calibri"/>
+              </a:rPr>
+              <a:t>Prawa do korzystania z materiałów posiada Software Development Academy</a:t>
+            </a:r>
+            <a:endParaRPr lang="en-US" sz="1200" b="0" strike="noStrike" spc="-1">
+              <a:latin typeface="Arial"/>
+            </a:endParaRPr>
+          </a:p>
+        </p:txBody>
+      </p:sp>
+      <p:sp>
+        <p:nvSpPr>
+          <p:cNvPr id="139" name="TextShape 4"/>
+          <p:cNvSpPr txBox="1"/>
+          <p:nvPr/>
+        </p:nvSpPr>
+        <p:spPr>
+          <a:xfrm>
+            <a:off x="439560" y="1371600"/>
+            <a:ext cx="10899000" cy="2469600"/>
+          </a:xfrm>
+          <a:prstGeom prst="rect">
+            <a:avLst/>
+          </a:prstGeom>
+          <a:noFill/>
+          <a:ln>
+            <a:noFill/>
+          </a:ln>
+        </p:spPr>
+        <p:txBody>
+          <a:bodyPr lIns="0" tIns="0" rIns="0" bIns="0"/>
+          <a:lstStyle/>
+          <a:p>
+            <a:pPr marL="457200" indent="-456480">
+              <a:lnSpc>
+                <a:spcPct val="90000"/>
+              </a:lnSpc>
+              <a:spcBef>
+                <a:spcPts val="1001"/>
+              </a:spcBef>
+              <a:buClr>
+                <a:srgbClr val="515151"/>
+              </a:buClr>
+              <a:buFont typeface="Arial"/>
+              <a:buAutoNum type="arabicParenR"/>
+            </a:pPr>
+            <a:r>
+              <a:rPr lang="pl-PL" sz="2400" spc="-1" dirty="0" smtClean="0">
+                <a:solidFill>
+                  <a:srgbClr val="515151"/>
+                </a:solidFill>
+                <a:latin typeface="Arial"/>
+                <a:ea typeface="Noto Sans CJK SC"/>
+              </a:rPr>
+              <a:t>Utwórzyć tag v0.9 (git tag)</a:t>
+            </a:r>
+            <a:endParaRPr lang="pl-PL" sz="2400" spc="-1" dirty="0" smtClean="0">
+              <a:solidFill>
+                <a:srgbClr val="515151"/>
+              </a:solidFill>
+              <a:latin typeface="Arial"/>
+              <a:ea typeface="Noto Sans CJK SC"/>
+            </a:endParaRPr>
+          </a:p>
+          <a:p>
+            <a:pPr marL="457200" indent="-456480">
+              <a:lnSpc>
+                <a:spcPct val="90000"/>
+              </a:lnSpc>
+              <a:spcBef>
+                <a:spcPts val="1001"/>
+              </a:spcBef>
+              <a:buClr>
+                <a:srgbClr val="515151"/>
+              </a:buClr>
+              <a:buFont typeface="Arial"/>
+              <a:buAutoNum type="arabicParenR"/>
+            </a:pPr>
+            <a:r>
+              <a:rPr lang="pl-PL" sz="2400" spc="-1" dirty="0" smtClean="0">
+                <a:solidFill>
+                  <a:srgbClr val="515151"/>
+                </a:solidFill>
+                <a:latin typeface="Arial"/>
+                <a:ea typeface="Noto Sans CJK SC"/>
+              </a:rPr>
+              <a:t>Wylistować obecne tagi</a:t>
+            </a:r>
+            <a:r>
+              <a:rPr lang="pl-PL" sz="2400" spc="-1" dirty="0" smtClean="0">
+                <a:solidFill>
+                  <a:srgbClr val="515151"/>
+                </a:solidFill>
+                <a:latin typeface="Arial"/>
+                <a:ea typeface="Noto Sans CJK SC"/>
+              </a:rPr>
+              <a:t> </a:t>
+            </a:r>
+            <a:endParaRPr lang="pl-PL" sz="2400" spc="-1" dirty="0" smtClean="0">
+              <a:solidFill>
+                <a:srgbClr val="515151"/>
+              </a:solidFill>
+              <a:latin typeface="Arial"/>
+              <a:ea typeface="Noto Sans CJK SC"/>
+            </a:endParaRPr>
+          </a:p>
+          <a:p>
+            <a:pPr marL="457200" indent="-456480">
+              <a:lnSpc>
+                <a:spcPct val="90000"/>
+              </a:lnSpc>
+              <a:spcBef>
+                <a:spcPts val="1001"/>
+              </a:spcBef>
+              <a:buClr>
+                <a:srgbClr val="515151"/>
+              </a:buClr>
+              <a:buFont typeface="Arial"/>
+              <a:buAutoNum type="arabicParenR"/>
+            </a:pPr>
+            <a:r>
+              <a:rPr lang="pl-PL" sz="2400" spc="-1" dirty="0" smtClean="0">
+                <a:solidFill>
+                  <a:srgbClr val="515151"/>
+                </a:solidFill>
+                <a:latin typeface="Arial"/>
+                <a:ea typeface="Noto Sans CJK SC"/>
+              </a:rPr>
+              <a:t>Dodać nowy plik, zacommitować</a:t>
+            </a:r>
+            <a:endParaRPr lang="pl-PL" sz="2400" spc="-1" dirty="0" smtClean="0">
+              <a:solidFill>
+                <a:srgbClr val="515151"/>
+              </a:solidFill>
+              <a:latin typeface="Arial"/>
+              <a:ea typeface="Noto Sans CJK SC"/>
+            </a:endParaRPr>
+          </a:p>
+          <a:p>
+            <a:pPr marL="457200" indent="-456480">
+              <a:lnSpc>
+                <a:spcPct val="90000"/>
+              </a:lnSpc>
+              <a:spcBef>
+                <a:spcPts val="1001"/>
+              </a:spcBef>
+              <a:buClr>
+                <a:srgbClr val="515151"/>
+              </a:buClr>
+              <a:buFont typeface="Arial"/>
+              <a:buAutoNum type="arabicParenR"/>
+            </a:pPr>
+            <a:r>
+              <a:rPr lang="pl-PL" sz="2400" spc="-1" dirty="0" smtClean="0">
+                <a:solidFill>
+                  <a:srgbClr val="515151"/>
+                </a:solidFill>
+                <a:latin typeface="Arial"/>
+                <a:ea typeface="Noto Sans CJK SC"/>
+              </a:rPr>
+              <a:t>Dodać annotated tag v1.0 (git tag –a)</a:t>
+            </a:r>
+          </a:p>
+          <a:p>
+            <a:pPr marL="457200" indent="-456480">
+              <a:lnSpc>
+                <a:spcPct val="90000"/>
+              </a:lnSpc>
+              <a:spcBef>
+                <a:spcPts val="1001"/>
+              </a:spcBef>
+              <a:buClr>
+                <a:srgbClr val="515151"/>
+              </a:buClr>
+              <a:buFont typeface="Arial"/>
+              <a:buAutoNum type="arabicParenR"/>
+            </a:pPr>
+            <a:r>
+              <a:rPr lang="pl-PL" sz="2400" spc="-1" dirty="0" smtClean="0">
+                <a:solidFill>
+                  <a:srgbClr val="515151"/>
+                </a:solidFill>
+                <a:latin typeface="Arial"/>
+                <a:ea typeface="Noto Sans CJK SC"/>
+              </a:rPr>
+              <a:t>Ponownie wylistować tagi, wyświetlić tylko ostatnio utworzony</a:t>
+            </a:r>
+          </a:p>
+          <a:p>
+            <a:pPr marL="457200" indent="-456480">
+              <a:lnSpc>
+                <a:spcPct val="90000"/>
+              </a:lnSpc>
+              <a:spcBef>
+                <a:spcPts val="1001"/>
+              </a:spcBef>
+              <a:buClr>
+                <a:srgbClr val="515151"/>
+              </a:buClr>
+              <a:buFont typeface="Arial"/>
+              <a:buAutoNum type="arabicParenR"/>
+            </a:pPr>
+            <a:r>
+              <a:rPr lang="pl-PL" sz="2400" spc="-1" dirty="0" smtClean="0">
+                <a:solidFill>
+                  <a:srgbClr val="515151"/>
+                </a:solidFill>
+                <a:latin typeface="Arial"/>
+                <a:ea typeface="Noto Sans CJK SC"/>
+              </a:rPr>
+              <a:t>Dodać tag v0.8 dla jednego z wcześniejszych commitów</a:t>
+            </a:r>
+          </a:p>
+          <a:p>
+            <a:pPr marL="457200" indent="-456480">
+              <a:lnSpc>
+                <a:spcPct val="90000"/>
+              </a:lnSpc>
+              <a:spcBef>
+                <a:spcPts val="1001"/>
+              </a:spcBef>
+              <a:buClr>
+                <a:srgbClr val="515151"/>
+              </a:buClr>
+              <a:buFont typeface="Arial"/>
+              <a:buAutoNum type="arabicParenR"/>
+            </a:pPr>
+            <a:r>
+              <a:rPr lang="pl-PL" sz="2400" spc="-1" dirty="0" smtClean="0">
+                <a:solidFill>
+                  <a:srgbClr val="515151"/>
+                </a:solidFill>
+                <a:latin typeface="Arial"/>
+                <a:ea typeface="Noto Sans CJK SC"/>
+              </a:rPr>
+              <a:t>Zastąpić tag v0.8 tagiem v0.8a</a:t>
+            </a:r>
+          </a:p>
+          <a:p>
+            <a:pPr marL="457200" indent="-456480">
+              <a:lnSpc>
+                <a:spcPct val="90000"/>
+              </a:lnSpc>
+              <a:spcBef>
+                <a:spcPts val="1001"/>
+              </a:spcBef>
+              <a:buClr>
+                <a:srgbClr val="515151"/>
+              </a:buClr>
+              <a:buFont typeface="Arial"/>
+              <a:buAutoNum type="arabicParenR"/>
+            </a:pPr>
+            <a:r>
+              <a:rPr lang="pl-PL" sz="2400" spc="-1" dirty="0" smtClean="0">
+                <a:solidFill>
+                  <a:srgbClr val="515151"/>
+                </a:solidFill>
+                <a:latin typeface="Arial"/>
+                <a:ea typeface="Noto Sans CJK SC"/>
+              </a:rPr>
+              <a:t>Podpiąć się pod taga v0.8a</a:t>
+            </a:r>
+          </a:p>
+          <a:p>
+            <a:pPr marL="457200" indent="-456480">
+              <a:lnSpc>
+                <a:spcPct val="90000"/>
+              </a:lnSpc>
+              <a:spcBef>
+                <a:spcPts val="1001"/>
+              </a:spcBef>
+              <a:buClr>
+                <a:srgbClr val="515151"/>
+              </a:buClr>
+              <a:buFont typeface="Arial"/>
+              <a:buAutoNum type="arabicParenR"/>
+            </a:pPr>
+            <a:r>
+              <a:rPr lang="pl-PL" sz="2400" spc="-1" dirty="0" smtClean="0">
+                <a:solidFill>
+                  <a:srgbClr val="515151"/>
+                </a:solidFill>
+                <a:latin typeface="Arial"/>
+                <a:ea typeface="Noto Sans CJK SC"/>
+              </a:rPr>
+              <a:t>Wrócić do master branch i usunąć tag v0.8a</a:t>
+            </a:r>
+          </a:p>
+          <a:p>
+            <a:pPr marL="457200" indent="-456480">
+              <a:lnSpc>
+                <a:spcPct val="90000"/>
+              </a:lnSpc>
+              <a:spcBef>
+                <a:spcPts val="1001"/>
+              </a:spcBef>
+              <a:buClr>
+                <a:srgbClr val="515151"/>
+              </a:buClr>
+              <a:buFont typeface="Arial"/>
+              <a:buAutoNum type="arabicParenR"/>
+            </a:pPr>
+            <a:r>
+              <a:rPr lang="pl-PL" sz="2400" spc="-1" dirty="0" smtClean="0">
+                <a:solidFill>
+                  <a:srgbClr val="515151"/>
+                </a:solidFill>
+                <a:latin typeface="Arial"/>
+                <a:ea typeface="Noto Sans CJK SC"/>
+              </a:rPr>
+              <a:t>Wykonać push wpierw dla taga v1.0, a potem dla pozostałych</a:t>
+            </a:r>
+            <a:endParaRPr lang="pl-PL" sz="2400" spc="-1" dirty="0" smtClean="0">
+              <a:solidFill>
+                <a:srgbClr val="515151"/>
+              </a:solidFill>
+              <a:latin typeface="Arial"/>
+              <a:ea typeface="Noto Sans CJK SC"/>
+            </a:endParaRPr>
+          </a:p>
+          <a:p>
+            <a:pPr marL="457200" indent="-456480">
+              <a:lnSpc>
+                <a:spcPct val="90000"/>
+              </a:lnSpc>
+              <a:spcBef>
+                <a:spcPts val="1001"/>
+              </a:spcBef>
+              <a:buClr>
+                <a:srgbClr val="515151"/>
+              </a:buClr>
+              <a:buFont typeface="Arial"/>
+              <a:buAutoNum type="arabicParenR"/>
+            </a:pPr>
+            <a:endParaRPr lang="pl-PL" sz="2400" spc="-1" dirty="0" smtClean="0">
+              <a:solidFill>
+                <a:srgbClr val="515151"/>
+              </a:solidFill>
+              <a:latin typeface="Arial"/>
+              <a:ea typeface="Noto Sans CJK SC"/>
+            </a:endParaRPr>
+          </a:p>
+        </p:txBody>
+      </p:sp>
+    </p:spTree>
+    <p:extLst>
+      <p:ext uri="{BB962C8B-B14F-4D97-AF65-F5344CB8AC3E}">
+        <p14:creationId xmlns:p14="http://schemas.microsoft.com/office/powerpoint/2010/main" val="1729105323"/>
+      </p:ext>
+    </p:extLst>
+  </p:cSld>
+  <p:clrMapOvr>
+    <a:masterClrMapping/>
+  </p:clrMapOvr>
+  <p:timing>
+    <p:tnLst>
+      <p:par>
+        <p:cTn id="1" dur="indefinite" restart="never" nodeType="tmRoot">
+          <p:childTnLst>
+            <p:seq>
+              <p:cTn id="2" dur="indefinite" nodeType="mainSeq"/>
+              <p:prevCondLst>
+                <p:cond evt="onPrev" delay="0">
+                  <p:tgtEl>
+                    <p:sldTgt/>
+                  </p:tgtEl>
+                </p:cond>
+              </p:prevCondLst>
+              <p:nextCondLst>
+                <p:cond evt="onNext" delay="0">
+                  <p:tgtEl>
+                    <p:sldTgt/>
+                  </p:tgtEl>
+                </p:cond>
+              </p:nextCondLst>
+            </p:seq>
+          </p:childTnLst>
+        </p:cTn>
+      </p:par>
+    </p:tnLst>
+  </p:timing>
+</p:sld>
+</file>
+
 <file path=ppt/slides/slide3.xml><?xml version="1.0" encoding="utf-8"?>
 <p:sld xmlns:a="http://schemas.openxmlformats.org/drawingml/2006/main" xmlns:r="http://schemas.openxmlformats.org/officeDocument/2006/relationships" xmlns:p="http://schemas.openxmlformats.org/presentationml/2006/main">
   <p:cSld>
@@ -13338,15 +16306,33 @@
               </a:spcBef>
             </a:pPr>
             <a:r>
-              <a:rPr lang="en-US" sz="2800" b="1" strike="noStrike" spc="-1">
-                <a:solidFill>
-                  <a:srgbClr val="515151"/>
-                </a:solidFill>
-                <a:latin typeface="Arial"/>
-              </a:rPr>
-              <a:t>git init</a:t>
-            </a:r>
-            <a:endParaRPr lang="en-US" sz="2800" b="0" strike="noStrike" spc="-1">
+              <a:rPr lang="en-US" sz="2800" b="1" strike="noStrike" spc="-1" dirty="0" err="1">
+                <a:solidFill>
+                  <a:srgbClr val="515151"/>
+                </a:solidFill>
+                <a:latin typeface="Arial"/>
+              </a:rPr>
+              <a:t>git</a:t>
+            </a:r>
+            <a:r>
+              <a:rPr lang="en-US" sz="2800" b="1" strike="noStrike" spc="-1" dirty="0">
+                <a:solidFill>
+                  <a:srgbClr val="515151"/>
+                </a:solidFill>
+                <a:latin typeface="Arial"/>
+              </a:rPr>
+              <a:t> </a:t>
+            </a:r>
+            <a:r>
+              <a:rPr lang="en-US" sz="2800" b="1" strike="noStrike" spc="-1" dirty="0" err="1">
+                <a:solidFill>
+                  <a:srgbClr val="515151"/>
+                </a:solidFill>
+                <a:latin typeface="Arial"/>
+              </a:rPr>
+              <a:t>init</a:t>
+            </a:r>
+            <a:endParaRPr lang="en-US" sz="2800" b="0" strike="noStrike" spc="-1" dirty="0">
               <a:latin typeface="Arial"/>
             </a:endParaRPr>
           </a:p>
@@ -13360,15 +16346,87 @@
               </a:spcBef>
             </a:pPr>
             <a:r>
-              <a:rPr lang="en-US" sz="2400" b="0" strike="noStrike" spc="-1">
-                <a:solidFill>
-                  <a:srgbClr val="515151"/>
-                </a:solidFill>
-                <a:latin typeface="Arial"/>
-              </a:rPr>
-              <a:t>Utworzenie lokalnego repozytorium w wybranym katalogu</a:t>
-            </a:r>
-            <a:endParaRPr lang="en-US" sz="2400" b="0" strike="noStrike" spc="-1">
+              <a:rPr lang="en-US" sz="2400" b="0" strike="noStrike" spc="-1" dirty="0" err="1">
+                <a:solidFill>
+                  <a:srgbClr val="515151"/>
+                </a:solidFill>
+                <a:latin typeface="Arial"/>
+              </a:rPr>
+              <a:t>Utworzenie</a:t>
+            </a:r>
+            <a:r>
+              <a:rPr lang="en-US" sz="2400" b="0" strike="noStrike" spc="-1" dirty="0">
+                <a:solidFill>
+                  <a:srgbClr val="515151"/>
+                </a:solidFill>
+                <a:latin typeface="Arial"/>
+              </a:rPr>
+              <a:t> </a:t>
+            </a:r>
+            <a:r>
+              <a:rPr lang="en-US" sz="2400" b="0" strike="noStrike" spc="-1" dirty="0" err="1">
+                <a:solidFill>
+                  <a:srgbClr val="515151"/>
+                </a:solidFill>
+                <a:latin typeface="Arial"/>
+              </a:rPr>
+              <a:t>lokalnego</a:t>
+            </a:r>
+            <a:r>
+              <a:rPr lang="en-US" sz="2400" b="0" strike="noStrike" spc="-1" dirty="0">
+                <a:solidFill>
+                  <a:srgbClr val="515151"/>
+                </a:solidFill>
+                <a:latin typeface="Arial"/>
+              </a:rPr>
+              <a:t> </a:t>
+            </a:r>
+            <a:r>
+              <a:rPr lang="en-US" sz="2400" b="0" strike="noStrike" spc="-1" dirty="0" err="1">
+                <a:solidFill>
+                  <a:srgbClr val="515151"/>
+                </a:solidFill>
+                <a:latin typeface="Arial"/>
+              </a:rPr>
+              <a:t>repozytorium</a:t>
+            </a:r>
+            <a:r>
+              <a:rPr lang="en-US" sz="2400" b="0" strike="noStrike" spc="-1" dirty="0">
+                <a:solidFill>
+                  <a:srgbClr val="515151"/>
+                </a:solidFill>
+                <a:latin typeface="Arial"/>
+              </a:rPr>
+              <a:t> w </a:t>
+            </a:r>
+            <a:r>
+              <a:rPr lang="en-US" sz="2400" b="0" strike="noStrike" spc="-1" dirty="0" err="1">
+                <a:solidFill>
+                  <a:srgbClr val="515151"/>
+                </a:solidFill>
+                <a:latin typeface="Arial"/>
+              </a:rPr>
+              <a:t>wybranym</a:t>
+            </a:r>
+            <a:r>
+              <a:rPr lang="en-US" sz="2400" b="0" strike="noStrike" spc="-1" dirty="0">
+                <a:solidFill>
+                  <a:srgbClr val="515151"/>
+                </a:solidFill>
+                <a:latin typeface="Arial"/>
+              </a:rPr>
+              <a:t> </a:t>
+            </a:r>
+            <a:r>
+              <a:rPr lang="en-US" sz="2400" b="0" strike="noStrike" spc="-1" dirty="0" err="1">
+                <a:solidFill>
+                  <a:srgbClr val="515151"/>
+                </a:solidFill>
+                <a:latin typeface="Arial"/>
+              </a:rPr>
+              <a:t>katalogu</a:t>
+            </a:r>
+            <a:endParaRPr lang="en-US" sz="2400" b="0" strike="noStrike" spc="-1" dirty="0">
               <a:latin typeface="Arial"/>
             </a:endParaRPr>
           </a:p>
@@ -13387,15 +16445,78 @@
               <a:buChar char="•"/>
             </a:pPr>
             <a:r>
-              <a:rPr lang="en-US" sz="2400" b="0" strike="noStrike" spc="-1">
-                <a:solidFill>
-                  <a:srgbClr val="515151"/>
-                </a:solidFill>
-                <a:latin typeface="Arial"/>
-              </a:rPr>
-              <a:t>Używa się tylko raz!</a:t>
-            </a:r>
-            <a:endParaRPr lang="en-US" sz="2400" b="0" strike="noStrike" spc="-1">
+              <a:rPr lang="en-US" sz="2400" b="0" strike="noStrike" spc="-1" dirty="0" err="1">
+                <a:solidFill>
+                  <a:srgbClr val="515151"/>
+                </a:solidFill>
+                <a:latin typeface="Arial"/>
+              </a:rPr>
+              <a:t>Używa</a:t>
+            </a:r>
+            <a:r>
+              <a:rPr lang="en-US" sz="2400" b="0" strike="noStrike" spc="-1" dirty="0">
+                <a:solidFill>
+                  <a:srgbClr val="515151"/>
+                </a:solidFill>
+                <a:latin typeface="Arial"/>
+              </a:rPr>
+              <a:t> </a:t>
+            </a:r>
+            <a:r>
+              <a:rPr lang="en-US" sz="2400" b="0" strike="noStrike" spc="-1" dirty="0" err="1">
+                <a:solidFill>
+                  <a:srgbClr val="515151"/>
+                </a:solidFill>
+                <a:latin typeface="Arial"/>
+              </a:rPr>
+              <a:t>się</a:t>
+            </a:r>
+            <a:r>
+              <a:rPr lang="en-US" sz="2400" b="0" strike="noStrike" spc="-1" dirty="0">
+                <a:solidFill>
+                  <a:srgbClr val="515151"/>
+                </a:solidFill>
+                <a:latin typeface="Arial"/>
+              </a:rPr>
+              <a:t> </a:t>
+            </a:r>
+            <a:r>
+              <a:rPr lang="en-US" sz="2400" b="0" strike="noStrike" spc="-1" dirty="0" err="1">
+                <a:solidFill>
+                  <a:srgbClr val="515151"/>
+                </a:solidFill>
+                <a:latin typeface="Arial"/>
+              </a:rPr>
+              <a:t>tylko</a:t>
+            </a:r>
+            <a:r>
+              <a:rPr lang="en-US" sz="2400" b="0" strike="noStrike" spc="-1" dirty="0">
+                <a:solidFill>
+                  <a:srgbClr val="515151"/>
+                </a:solidFill>
+                <a:latin typeface="Arial"/>
+              </a:rPr>
+              <a:t> </a:t>
+            </a:r>
+            <a:r>
+              <a:rPr lang="en-US" sz="2400" b="0" strike="noStrike" spc="-1" dirty="0" err="1">
+                <a:solidFill>
+                  <a:srgbClr val="515151"/>
+                </a:solidFill>
+                <a:latin typeface="Arial"/>
+              </a:rPr>
+              <a:t>raz</a:t>
+            </a:r>
+            <a:r>
+              <a:rPr lang="en-US" sz="2400" b="0" strike="noStrike" spc="-1" dirty="0">
+                <a:solidFill>
+                  <a:srgbClr val="515151"/>
+                </a:solidFill>
+                <a:latin typeface="Arial"/>
+              </a:rPr>
+              <a:t>!</a:t>
+            </a:r>
+            <a:endParaRPr lang="en-US" sz="2400" b="0" strike="noStrike" spc="-1" dirty="0">
               <a:latin typeface="Arial"/>
             </a:endParaRPr>
           </a:p>

--- a/GIT.pptx
+++ b/GIT.pptx
@@ -34,6 +34,11 @@
     <p:sldId id="282" r:id="rId28"/>
     <p:sldId id="283" r:id="rId29"/>
     <p:sldId id="281" r:id="rId30"/>
+    <p:sldId id="284" r:id="rId31"/>
+    <p:sldId id="285" r:id="rId32"/>
+    <p:sldId id="286" r:id="rId33"/>
+    <p:sldId id="287" r:id="rId34"/>
+    <p:sldId id="288" r:id="rId35"/>
   </p:sldIdLst>
   <p:sldSz cx="12192000" cy="6858000"/>
   <p:notesSz cx="7559675" cy="10691813"/>
@@ -11760,13 +11765,6 @@
               </a:rPr>
               <a:t>Przesłać dotychczasowe zmiany do zdalnego repozytorium (git push)</a:t>
             </a:r>
-            <a:endParaRPr lang="pl-PL" sz="2400" spc="-1" dirty="0" smtClean="0">
-              <a:solidFill>
-                <a:srgbClr val="515151"/>
-              </a:solidFill>
-              <a:latin typeface="Arial"/>
-              <a:ea typeface="Noto Sans CJK SC"/>
-            </a:endParaRPr>
           </a:p>
           <a:p>
             <a:pPr marL="457200" indent="-456480">
@@ -11790,25 +11788,8 @@
                 <a:latin typeface="Arial"/>
                 <a:ea typeface="Noto Sans CJK SC"/>
               </a:rPr>
-              <a:t>Stworzyć </a:t>
-            </a:r>
-            <a:r>
-              <a:rPr lang="pl-PL" sz="2400" spc="-1" dirty="0" smtClean="0">
-                <a:solidFill>
-                  <a:srgbClr val="515151"/>
-                </a:solidFill>
-                <a:latin typeface="Arial"/>
-                <a:ea typeface="Noto Sans CJK SC"/>
-              </a:rPr>
-              <a:t>nowy branch my_new_branch i przełączyć się na niego </a:t>
-            </a:r>
-            <a:endParaRPr lang="pl-PL" sz="2400" spc="-1" dirty="0" smtClean="0">
-              <a:solidFill>
-                <a:srgbClr val="515151"/>
-              </a:solidFill>
-              <a:latin typeface="Arial"/>
-              <a:ea typeface="Noto Sans CJK SC"/>
-            </a:endParaRPr>
+              <a:t>Stworzyć nowy branch my_new_branch i przełączyć się na niego </a:t>
+            </a:r>
           </a:p>
           <a:p>
             <a:pPr marL="457200" indent="-456480">
@@ -11832,25 +11813,8 @@
                 <a:latin typeface="Arial"/>
                 <a:ea typeface="Noto Sans CJK SC"/>
               </a:rPr>
-              <a:t>Dodać </a:t>
-            </a:r>
-            <a:r>
-              <a:rPr lang="pl-PL" sz="2400" spc="-1" dirty="0" smtClean="0">
-                <a:solidFill>
-                  <a:srgbClr val="515151"/>
-                </a:solidFill>
-                <a:latin typeface="Arial"/>
-                <a:ea typeface="Noto Sans CJK SC"/>
-              </a:rPr>
-              <a:t>dowolny nowy plik, zacommitować lokalnie</a:t>
-            </a:r>
-            <a:endParaRPr lang="pl-PL" sz="2400" spc="-1" dirty="0" smtClean="0">
-              <a:solidFill>
-                <a:srgbClr val="515151"/>
-              </a:solidFill>
-              <a:latin typeface="Arial"/>
-              <a:ea typeface="Noto Sans CJK SC"/>
-            </a:endParaRPr>
+              <a:t>Dodać dowolny nowy plik, zacommitować lokalnie</a:t>
+            </a:r>
           </a:p>
           <a:p>
             <a:pPr marL="457200" indent="-456480">
@@ -11901,13 +11865,6 @@
               </a:rPr>
               <a:t>Przesłać do zdalnego repo z utworzeniem nowego brancha</a:t>
             </a:r>
-            <a:endParaRPr lang="pl-PL" sz="2400" spc="-1" dirty="0" smtClean="0">
-              <a:solidFill>
-                <a:srgbClr val="515151"/>
-              </a:solidFill>
-              <a:latin typeface="Arial"/>
-              <a:ea typeface="Noto Sans CJK SC"/>
-            </a:endParaRPr>
           </a:p>
           <a:p>
             <a:pPr marL="457200" indent="-456480">
@@ -14107,13 +14064,6 @@
               </a:rPr>
               <a:t>Utwórzyć tag v0.9 (git tag)</a:t>
             </a:r>
-            <a:endParaRPr lang="pl-PL" sz="2400" spc="-1" dirty="0" smtClean="0">
-              <a:solidFill>
-                <a:srgbClr val="515151"/>
-              </a:solidFill>
-              <a:latin typeface="Arial"/>
-              <a:ea typeface="Noto Sans CJK SC"/>
-            </a:endParaRPr>
           </a:p>
           <a:p>
             <a:pPr marL="457200" indent="-456480">
@@ -14137,25 +14087,8 @@
                 <a:latin typeface="Arial"/>
                 <a:ea typeface="Noto Sans CJK SC"/>
               </a:rPr>
-              <a:t>Wylistować obecne tagi</a:t>
-            </a:r>
-            <a:r>
-              <a:rPr lang="pl-PL" sz="2400" spc="-1" dirty="0" smtClean="0">
-                <a:solidFill>
-                  <a:srgbClr val="515151"/>
-                </a:solidFill>
-                <a:latin typeface="Arial"/>
-                <a:ea typeface="Noto Sans CJK SC"/>
-              </a:rPr>
-              <a:t> </a:t>
-            </a:r>
-            <a:endParaRPr lang="pl-PL" sz="2400" spc="-1" dirty="0" smtClean="0">
-              <a:solidFill>
-                <a:srgbClr val="515151"/>
-              </a:solidFill>
-              <a:latin typeface="Arial"/>
-              <a:ea typeface="Noto Sans CJK SC"/>
-            </a:endParaRPr>
+              <a:t>Wylistować obecne tagi </a:t>
+            </a:r>
           </a:p>
           <a:p>
             <a:pPr marL="457200" indent="-456480">
@@ -14181,13 +14114,6 @@
               </a:rPr>
               <a:t>Dodać nowy plik, zacommitować</a:t>
             </a:r>
-            <a:endParaRPr lang="pl-PL" sz="2400" spc="-1" dirty="0" smtClean="0">
-              <a:solidFill>
-                <a:srgbClr val="515151"/>
-              </a:solidFill>
-              <a:latin typeface="Arial"/>
-              <a:ea typeface="Noto Sans CJK SC"/>
-            </a:endParaRPr>
           </a:p>
           <a:p>
             <a:pPr marL="457200" indent="-456480">
@@ -14363,13 +14289,6 @@
               </a:rPr>
               <a:t>Wykonać push wpierw dla taga v1.0, a potem dla pozostałych</a:t>
             </a:r>
-            <a:endParaRPr lang="pl-PL" sz="2400" spc="-1" dirty="0" smtClean="0">
-              <a:solidFill>
-                <a:srgbClr val="515151"/>
-              </a:solidFill>
-              <a:latin typeface="Arial"/>
-              <a:ea typeface="Noto Sans CJK SC"/>
-            </a:endParaRPr>
           </a:p>
           <a:p>
             <a:pPr marL="457200" indent="-456480">
@@ -14399,6 +14318,444 @@
     <p:extLst>
       <p:ext uri="{BB962C8B-B14F-4D97-AF65-F5344CB8AC3E}">
         <p14:creationId xmlns:p14="http://schemas.microsoft.com/office/powerpoint/2010/main" val="1729105323"/>
+      </p:ext>
+    </p:extLst>
+  </p:cSld>
+  <p:clrMapOvr>
+    <a:masterClrMapping/>
+  </p:clrMapOvr>
+  <p:timing>
+    <p:tnLst>
+      <p:par>
+        <p:cTn id="1" dur="indefinite" restart="never" nodeType="tmRoot">
+          <p:childTnLst>
+            <p:seq>
+              <p:cTn id="2" dur="indefinite" nodeType="mainSeq"/>
+              <p:prevCondLst>
+                <p:cond evt="onPrev" delay="0">
+                  <p:tgtEl>
+                    <p:sldTgt/>
+                  </p:tgtEl>
+                </p:cond>
+              </p:prevCondLst>
+              <p:nextCondLst>
+                <p:cond evt="onNext" delay="0">
+                  <p:tgtEl>
+                    <p:sldTgt/>
+                  </p:tgtEl>
+                </p:cond>
+              </p:nextCondLst>
+            </p:seq>
+          </p:childTnLst>
+        </p:cTn>
+      </p:par>
+    </p:tnLst>
+  </p:timing>
+</p:sld>
+</file>
+
+<file path=ppt/slides/slide29.xml><?xml version="1.0" encoding="utf-8"?>
+<p:sld xmlns:a="http://schemas.openxmlformats.org/drawingml/2006/main" xmlns:r="http://schemas.openxmlformats.org/officeDocument/2006/relationships" xmlns:p="http://schemas.openxmlformats.org/presentationml/2006/main">
+  <p:cSld>
+    <p:spTree>
+      <p:nvGrpSpPr>
+        <p:cNvPr id="1" name=""/>
+        <p:cNvGrpSpPr/>
+        <p:nvPr/>
+      </p:nvGrpSpPr>
+      <p:grpSpPr>
+        <a:xfrm>
+          <a:off x="0" y="0"/>
+          <a:ext cx="0" cy="0"/>
+          <a:chOff x="0" y="0"/>
+          <a:chExt cx="0" cy="0"/>
+        </a:xfrm>
+      </p:grpSpPr>
+      <p:sp>
+        <p:nvSpPr>
+          <p:cNvPr id="145" name="CustomShape 1"/>
+          <p:cNvSpPr/>
+          <p:nvPr/>
+        </p:nvSpPr>
+        <p:spPr>
+          <a:xfrm>
+            <a:off x="0" y="0"/>
+            <a:ext cx="10894320" cy="962280"/>
+          </a:xfrm>
+          <a:prstGeom prst="rect">
+            <a:avLst/>
+          </a:prstGeom>
+          <a:noFill/>
+          <a:ln>
+            <a:noFill/>
+          </a:ln>
+        </p:spPr>
+        <p:style>
+          <a:lnRef idx="0">
+            <a:scrgbClr r="0" g="0" b="0"/>
+          </a:lnRef>
+          <a:fillRef idx="0">
+            <a:scrgbClr r="0" g="0" b="0"/>
+          </a:fillRef>
+          <a:effectRef idx="0">
+            <a:scrgbClr r="0" g="0" b="0"/>
+          </a:effectRef>
+          <a:fontRef idx="minor"/>
+        </p:style>
+        <p:txBody>
+          <a:bodyPr lIns="90000" tIns="45000" rIns="90000" bIns="45000" anchor="ctr"/>
+          <a:lstStyle/>
+          <a:p>
+            <a:pPr>
+              <a:lnSpc>
+                <a:spcPct val="90000"/>
+              </a:lnSpc>
+            </a:pPr>
+            <a:r>
+              <a:rPr lang="pl-PL" sz="3200" b="1" spc="-1" dirty="0" smtClean="0">
+                <a:solidFill>
+                  <a:srgbClr val="4A3D53"/>
+                </a:solidFill>
+                <a:latin typeface="Geometr212 BkCn BT"/>
+              </a:rPr>
+              <a:t>Rozwiązywanie problemów</a:t>
+            </a:r>
+            <a:endParaRPr lang="en-US" sz="3200" b="0" strike="noStrike" spc="-1" dirty="0">
+              <a:latin typeface="Arial"/>
+            </a:endParaRPr>
+          </a:p>
+        </p:txBody>
+      </p:sp>
+      <p:sp>
+        <p:nvSpPr>
+          <p:cNvPr id="146" name="CustomShape 2"/>
+          <p:cNvSpPr/>
+          <p:nvPr/>
+        </p:nvSpPr>
+        <p:spPr>
+          <a:xfrm>
+            <a:off x="732571" y="1745059"/>
+            <a:ext cx="10284189" cy="1078726"/>
+          </a:xfrm>
+          <a:prstGeom prst="rect">
+            <a:avLst/>
+          </a:prstGeom>
+          <a:noFill/>
+          <a:ln>
+            <a:noFill/>
+          </a:ln>
+        </p:spPr>
+        <p:style>
+          <a:lnRef idx="0">
+            <a:scrgbClr r="0" g="0" b="0"/>
+          </a:lnRef>
+          <a:fillRef idx="0">
+            <a:scrgbClr r="0" g="0" b="0"/>
+          </a:fillRef>
+          <a:effectRef idx="0">
+            <a:scrgbClr r="0" g="0" b="0"/>
+          </a:effectRef>
+          <a:fontRef idx="minor"/>
+        </p:style>
+        <p:txBody>
+          <a:bodyPr lIns="90000" tIns="45000" rIns="90000" bIns="45000"/>
+          <a:lstStyle/>
+          <a:p>
+            <a:pPr>
+              <a:lnSpc>
+                <a:spcPct val="90000"/>
+              </a:lnSpc>
+              <a:spcBef>
+                <a:spcPts val="1001"/>
+              </a:spcBef>
+            </a:pPr>
+            <a:r>
+              <a:rPr lang="en-US" sz="2800" b="1" strike="noStrike" spc="-1" dirty="0" err="1">
+                <a:solidFill>
+                  <a:srgbClr val="515151"/>
+                </a:solidFill>
+                <a:latin typeface="Arial"/>
+              </a:rPr>
+              <a:t>git</a:t>
+            </a:r>
+            <a:r>
+              <a:rPr lang="en-US" sz="2800" b="1" strike="noStrike" spc="-1" dirty="0">
+                <a:solidFill>
+                  <a:srgbClr val="515151"/>
+                </a:solidFill>
+                <a:latin typeface="Arial"/>
+              </a:rPr>
+              <a:t> </a:t>
+            </a:r>
+            <a:r>
+              <a:rPr lang="pl-PL" sz="2800" b="1" strike="noStrike" spc="-1" dirty="0" smtClean="0">
+                <a:solidFill>
+                  <a:srgbClr val="515151"/>
+                </a:solidFill>
+                <a:latin typeface="Arial"/>
+              </a:rPr>
+              <a:t>blame &lt;file_name&gt;</a:t>
+            </a:r>
+            <a:endParaRPr lang="pl-PL" sz="2800" b="1" strike="noStrike" spc="-1" dirty="0" smtClean="0">
+              <a:solidFill>
+                <a:srgbClr val="515151"/>
+              </a:solidFill>
+              <a:latin typeface="Arial"/>
+            </a:endParaRPr>
+          </a:p>
+          <a:p>
+            <a:pPr>
+              <a:lnSpc>
+                <a:spcPct val="90000"/>
+              </a:lnSpc>
+              <a:spcBef>
+                <a:spcPts val="1001"/>
+              </a:spcBef>
+            </a:pPr>
+            <a:r>
+              <a:rPr lang="pl-PL" sz="2400" b="0" strike="noStrike" spc="-1" dirty="0" smtClean="0">
+                <a:solidFill>
+                  <a:srgbClr val="515151"/>
+                </a:solidFill>
+                <a:latin typeface="Arial"/>
+              </a:rPr>
+              <a:t>Wylistowanie zawartości pliku, wraz z commitami</a:t>
+            </a:r>
+            <a:endParaRPr lang="pl-PL" sz="2400" b="0" strike="noStrike" spc="-1" dirty="0" smtClean="0">
+              <a:solidFill>
+                <a:srgbClr val="515151"/>
+              </a:solidFill>
+              <a:latin typeface="Arial"/>
+            </a:endParaRPr>
+          </a:p>
+        </p:txBody>
+      </p:sp>
+      <p:sp>
+        <p:nvSpPr>
+          <p:cNvPr id="147" name="TextShape 3"/>
+          <p:cNvSpPr txBox="1"/>
+          <p:nvPr/>
+        </p:nvSpPr>
+        <p:spPr>
+          <a:xfrm>
+            <a:off x="838079" y="3909240"/>
+            <a:ext cx="9875520" cy="1097280"/>
+          </a:xfrm>
+          <a:prstGeom prst="rect">
+            <a:avLst/>
+          </a:prstGeom>
+          <a:noFill/>
+          <a:ln>
+            <a:noFill/>
+          </a:ln>
+        </p:spPr>
+        <p:txBody>
+          <a:bodyPr lIns="0" tIns="0" rIns="0" bIns="0"/>
+          <a:lstStyle/>
+          <a:p>
+            <a:pPr>
+              <a:lnSpc>
+                <a:spcPct val="90000"/>
+              </a:lnSpc>
+              <a:spcBef>
+                <a:spcPts val="1001"/>
+              </a:spcBef>
+            </a:pPr>
+            <a:r>
+              <a:rPr lang="en-US" sz="2800" b="1" spc="-1" dirty="0" err="1" smtClean="0">
+                <a:solidFill>
+                  <a:srgbClr val="515151"/>
+                </a:solidFill>
+              </a:rPr>
+              <a:t>git</a:t>
+            </a:r>
+            <a:r>
+              <a:rPr lang="en-US" sz="2800" b="1" spc="-1" dirty="0" smtClean="0">
+                <a:solidFill>
+                  <a:srgbClr val="515151"/>
+                </a:solidFill>
+              </a:rPr>
+              <a:t> </a:t>
+            </a:r>
+            <a:r>
+              <a:rPr lang="pl-PL" sz="2800" b="1" spc="-1" dirty="0" smtClean="0">
+                <a:solidFill>
+                  <a:srgbClr val="515151"/>
+                </a:solidFill>
+              </a:rPr>
+              <a:t>blame –e &lt;file_name&gt;</a:t>
+            </a:r>
+            <a:endParaRPr lang="en-US" sz="2800" spc="-1" dirty="0" smtClean="0"/>
+          </a:p>
+          <a:p>
+            <a:pPr>
+              <a:lnSpc>
+                <a:spcPct val="90000"/>
+              </a:lnSpc>
+              <a:spcBef>
+                <a:spcPts val="1001"/>
+              </a:spcBef>
+            </a:pPr>
+            <a:r>
+              <a:rPr lang="pl-PL" sz="2400" spc="-1" dirty="0" smtClean="0">
+                <a:solidFill>
+                  <a:srgbClr val="515151"/>
+                </a:solidFill>
+              </a:rPr>
+              <a:t>Podmienia username na email</a:t>
+            </a:r>
+            <a:endParaRPr lang="en-US" sz="2400" spc="-1" dirty="0"/>
+          </a:p>
+        </p:txBody>
+      </p:sp>
+      <p:sp>
+        <p:nvSpPr>
+          <p:cNvPr id="148" name="CustomShape 4"/>
+          <p:cNvSpPr/>
+          <p:nvPr/>
+        </p:nvSpPr>
+        <p:spPr>
+          <a:xfrm>
+            <a:off x="2850480" y="6378120"/>
+            <a:ext cx="6842160" cy="364320"/>
+          </a:xfrm>
+          <a:prstGeom prst="rect">
+            <a:avLst/>
+          </a:prstGeom>
+          <a:noFill/>
+          <a:ln>
+            <a:noFill/>
+          </a:ln>
+        </p:spPr>
+        <p:style>
+          <a:lnRef idx="0">
+            <a:scrgbClr r="0" g="0" b="0"/>
+          </a:lnRef>
+          <a:fillRef idx="0">
+            <a:scrgbClr r="0" g="0" b="0"/>
+          </a:fillRef>
+          <a:effectRef idx="0">
+            <a:scrgbClr r="0" g="0" b="0"/>
+          </a:effectRef>
+          <a:fontRef idx="minor"/>
+        </p:style>
+        <p:txBody>
+          <a:bodyPr lIns="90000" tIns="45000" rIns="90000" bIns="45000" anchor="ctr"/>
+          <a:lstStyle/>
+          <a:p>
+            <a:pPr algn="ctr">
+              <a:lnSpc>
+                <a:spcPct val="100000"/>
+              </a:lnSpc>
+            </a:pPr>
+            <a:r>
+              <a:rPr lang="en-US" sz="1200" b="0" strike="noStrike" spc="-1">
+                <a:solidFill>
+                  <a:srgbClr val="999999"/>
+                </a:solidFill>
+                <a:latin typeface="Calibri"/>
+              </a:rPr>
+              <a:t>Autor: Krzysztof Dziuban</a:t>
+            </a:r>
+            <a:endParaRPr lang="en-US" sz="1200" b="0" strike="noStrike" spc="-1">
+              <a:latin typeface="Arial"/>
+            </a:endParaRPr>
+          </a:p>
+          <a:p>
+            <a:pPr algn="ctr">
+              <a:lnSpc>
+                <a:spcPct val="100000"/>
+              </a:lnSpc>
+            </a:pPr>
+            <a:r>
+              <a:rPr lang="en-US" sz="1200" b="0" strike="noStrike" spc="-1">
+                <a:solidFill>
+                  <a:srgbClr val="999999"/>
+                </a:solidFill>
+                <a:latin typeface="Calibri"/>
+              </a:rPr>
+              <a:t>Prawa do korzystania z materiałów posiada Software Development Academy</a:t>
+            </a:r>
+            <a:endParaRPr lang="en-US" sz="1200" b="0" strike="noStrike" spc="-1">
+              <a:latin typeface="Arial"/>
+            </a:endParaRPr>
+          </a:p>
+        </p:txBody>
+      </p:sp>
+      <p:sp>
+        <p:nvSpPr>
+          <p:cNvPr id="7" name="TextShape 3"/>
+          <p:cNvSpPr txBox="1"/>
+          <p:nvPr/>
+        </p:nvSpPr>
+        <p:spPr>
+          <a:xfrm>
+            <a:off x="838079" y="2804553"/>
+            <a:ext cx="9875520" cy="1097280"/>
+          </a:xfrm>
+          <a:prstGeom prst="rect">
+            <a:avLst/>
+          </a:prstGeom>
+          <a:noFill/>
+          <a:ln>
+            <a:noFill/>
+          </a:ln>
+        </p:spPr>
+        <p:txBody>
+          <a:bodyPr lIns="0" tIns="0" rIns="0" bIns="0"/>
+          <a:lstStyle/>
+          <a:p>
+            <a:pPr>
+              <a:lnSpc>
+                <a:spcPct val="90000"/>
+              </a:lnSpc>
+              <a:spcBef>
+                <a:spcPts val="1001"/>
+              </a:spcBef>
+            </a:pPr>
+            <a:r>
+              <a:rPr lang="pl-PL" sz="2800" b="1" spc="-1" dirty="0">
+                <a:solidFill>
+                  <a:srgbClr val="515151"/>
+                </a:solidFill>
+              </a:rPr>
+              <a:t>g</a:t>
+            </a:r>
+            <a:r>
+              <a:rPr lang="pl-PL" sz="2800" b="1" spc="-1" dirty="0" smtClean="0">
+                <a:solidFill>
+                  <a:srgbClr val="515151"/>
+                </a:solidFill>
+              </a:rPr>
+              <a:t>it blame –L min,max &lt;file_name&gt;</a:t>
+            </a:r>
+            <a:endParaRPr lang="en-US" sz="2800" spc="-1" dirty="0" smtClean="0"/>
+          </a:p>
+          <a:p>
+            <a:pPr>
+              <a:lnSpc>
+                <a:spcPct val="90000"/>
+              </a:lnSpc>
+              <a:spcBef>
+                <a:spcPts val="1001"/>
+              </a:spcBef>
+            </a:pPr>
+            <a:r>
+              <a:rPr lang="pl-PL" sz="2400" spc="-1" dirty="0" smtClean="0">
+                <a:solidFill>
+                  <a:srgbClr val="515151"/>
+                </a:solidFill>
+              </a:rPr>
+              <a:t>Wyświetlenie linii z podanego zakresu</a:t>
+            </a:r>
+            <a:endParaRPr lang="en-US" sz="2400" spc="-1" dirty="0"/>
+          </a:p>
+        </p:txBody>
+      </p:sp>
+    </p:spTree>
+    <p:extLst>
+      <p:ext uri="{BB962C8B-B14F-4D97-AF65-F5344CB8AC3E}">
+        <p14:creationId xmlns:p14="http://schemas.microsoft.com/office/powerpoint/2010/main" val="2472426716"/>
       </p:ext>
     </p:extLst>
   </p:cSld>
@@ -14940,6 +15297,1217 @@
         </p:txBody>
       </p:sp>
     </p:spTree>
+  </p:cSld>
+  <p:clrMapOvr>
+    <a:masterClrMapping/>
+  </p:clrMapOvr>
+  <p:timing>
+    <p:tnLst>
+      <p:par>
+        <p:cTn id="1" dur="indefinite" restart="never" nodeType="tmRoot">
+          <p:childTnLst>
+            <p:seq>
+              <p:cTn id="2" dur="indefinite" nodeType="mainSeq"/>
+              <p:prevCondLst>
+                <p:cond evt="onPrev" delay="0">
+                  <p:tgtEl>
+                    <p:sldTgt/>
+                  </p:tgtEl>
+                </p:cond>
+              </p:prevCondLst>
+              <p:nextCondLst>
+                <p:cond evt="onNext" delay="0">
+                  <p:tgtEl>
+                    <p:sldTgt/>
+                  </p:tgtEl>
+                </p:cond>
+              </p:nextCondLst>
+            </p:seq>
+          </p:childTnLst>
+        </p:cTn>
+      </p:par>
+    </p:tnLst>
+  </p:timing>
+</p:sld>
+</file>
+
+<file path=ppt/slides/slide30.xml><?xml version="1.0" encoding="utf-8"?>
+<p:sld xmlns:a="http://schemas.openxmlformats.org/drawingml/2006/main" xmlns:r="http://schemas.openxmlformats.org/officeDocument/2006/relationships" xmlns:p="http://schemas.openxmlformats.org/presentationml/2006/main">
+  <p:cSld>
+    <p:spTree>
+      <p:nvGrpSpPr>
+        <p:cNvPr id="1" name=""/>
+        <p:cNvGrpSpPr/>
+        <p:nvPr/>
+      </p:nvGrpSpPr>
+      <p:grpSpPr>
+        <a:xfrm>
+          <a:off x="0" y="0"/>
+          <a:ext cx="0" cy="0"/>
+          <a:chOff x="0" y="0"/>
+          <a:chExt cx="0" cy="0"/>
+        </a:xfrm>
+      </p:grpSpPr>
+      <p:sp>
+        <p:nvSpPr>
+          <p:cNvPr id="145" name="CustomShape 1"/>
+          <p:cNvSpPr/>
+          <p:nvPr/>
+        </p:nvSpPr>
+        <p:spPr>
+          <a:xfrm>
+            <a:off x="0" y="0"/>
+            <a:ext cx="10894320" cy="962280"/>
+          </a:xfrm>
+          <a:prstGeom prst="rect">
+            <a:avLst/>
+          </a:prstGeom>
+          <a:noFill/>
+          <a:ln>
+            <a:noFill/>
+          </a:ln>
+        </p:spPr>
+        <p:style>
+          <a:lnRef idx="0">
+            <a:scrgbClr r="0" g="0" b="0"/>
+          </a:lnRef>
+          <a:fillRef idx="0">
+            <a:scrgbClr r="0" g="0" b="0"/>
+          </a:fillRef>
+          <a:effectRef idx="0">
+            <a:scrgbClr r="0" g="0" b="0"/>
+          </a:effectRef>
+          <a:fontRef idx="minor"/>
+        </p:style>
+        <p:txBody>
+          <a:bodyPr lIns="90000" tIns="45000" rIns="90000" bIns="45000" anchor="ctr"/>
+          <a:lstStyle/>
+          <a:p>
+            <a:pPr>
+              <a:lnSpc>
+                <a:spcPct val="90000"/>
+              </a:lnSpc>
+            </a:pPr>
+            <a:r>
+              <a:rPr lang="pl-PL" sz="3200" b="1" spc="-1" dirty="0" smtClean="0">
+                <a:solidFill>
+                  <a:srgbClr val="4A3D53"/>
+                </a:solidFill>
+                <a:latin typeface="Geometr212 BkCn BT"/>
+              </a:rPr>
+              <a:t>Rozwiązywanie problemów cd.</a:t>
+            </a:r>
+            <a:endParaRPr lang="en-US" sz="3200" b="0" strike="noStrike" spc="-1" dirty="0">
+              <a:latin typeface="Arial"/>
+            </a:endParaRPr>
+          </a:p>
+        </p:txBody>
+      </p:sp>
+      <p:sp>
+        <p:nvSpPr>
+          <p:cNvPr id="146" name="CustomShape 2"/>
+          <p:cNvSpPr/>
+          <p:nvPr/>
+        </p:nvSpPr>
+        <p:spPr>
+          <a:xfrm>
+            <a:off x="732571" y="1745059"/>
+            <a:ext cx="10284189" cy="1078726"/>
+          </a:xfrm>
+          <a:prstGeom prst="rect">
+            <a:avLst/>
+          </a:prstGeom>
+          <a:noFill/>
+          <a:ln>
+            <a:noFill/>
+          </a:ln>
+        </p:spPr>
+        <p:style>
+          <a:lnRef idx="0">
+            <a:scrgbClr r="0" g="0" b="0"/>
+          </a:lnRef>
+          <a:fillRef idx="0">
+            <a:scrgbClr r="0" g="0" b="0"/>
+          </a:fillRef>
+          <a:effectRef idx="0">
+            <a:scrgbClr r="0" g="0" b="0"/>
+          </a:effectRef>
+          <a:fontRef idx="minor"/>
+        </p:style>
+        <p:txBody>
+          <a:bodyPr lIns="90000" tIns="45000" rIns="90000" bIns="45000"/>
+          <a:lstStyle/>
+          <a:p>
+            <a:pPr>
+              <a:lnSpc>
+                <a:spcPct val="90000"/>
+              </a:lnSpc>
+              <a:spcBef>
+                <a:spcPts val="1001"/>
+              </a:spcBef>
+            </a:pPr>
+            <a:r>
+              <a:rPr lang="en-US" sz="2800" b="1" strike="noStrike" spc="-1" dirty="0" err="1">
+                <a:solidFill>
+                  <a:srgbClr val="515151"/>
+                </a:solidFill>
+                <a:latin typeface="Arial"/>
+              </a:rPr>
+              <a:t>git</a:t>
+            </a:r>
+            <a:r>
+              <a:rPr lang="en-US" sz="2800" b="1" strike="noStrike" spc="-1" dirty="0">
+                <a:solidFill>
+                  <a:srgbClr val="515151"/>
+                </a:solidFill>
+                <a:latin typeface="Arial"/>
+              </a:rPr>
+              <a:t> </a:t>
+            </a:r>
+            <a:r>
+              <a:rPr lang="pl-PL" sz="2800" b="1" strike="noStrike" spc="-1" dirty="0" smtClean="0">
+                <a:solidFill>
+                  <a:srgbClr val="515151"/>
+                </a:solidFill>
+                <a:latin typeface="Arial"/>
+              </a:rPr>
+              <a:t>blame –w &lt;file_name&gt;</a:t>
+            </a:r>
+            <a:endParaRPr lang="pl-PL" sz="2800" b="1" strike="noStrike" spc="-1" dirty="0" smtClean="0">
+              <a:solidFill>
+                <a:srgbClr val="515151"/>
+              </a:solidFill>
+              <a:latin typeface="Arial"/>
+            </a:endParaRPr>
+          </a:p>
+          <a:p>
+            <a:pPr>
+              <a:lnSpc>
+                <a:spcPct val="90000"/>
+              </a:lnSpc>
+              <a:spcBef>
+                <a:spcPts val="1001"/>
+              </a:spcBef>
+            </a:pPr>
+            <a:r>
+              <a:rPr lang="pl-PL" sz="2400" b="0" strike="noStrike" spc="-1" dirty="0" smtClean="0">
+                <a:solidFill>
+                  <a:srgbClr val="515151"/>
+                </a:solidFill>
+                <a:latin typeface="Arial"/>
+              </a:rPr>
+              <a:t>Ignoruje zmiany związane z białymi znakami</a:t>
+            </a:r>
+            <a:endParaRPr lang="pl-PL" sz="2400" b="0" strike="noStrike" spc="-1" dirty="0" smtClean="0">
+              <a:solidFill>
+                <a:srgbClr val="515151"/>
+              </a:solidFill>
+              <a:latin typeface="Arial"/>
+            </a:endParaRPr>
+          </a:p>
+        </p:txBody>
+      </p:sp>
+      <p:sp>
+        <p:nvSpPr>
+          <p:cNvPr id="147" name="TextShape 3"/>
+          <p:cNvSpPr txBox="1"/>
+          <p:nvPr/>
+        </p:nvSpPr>
+        <p:spPr>
+          <a:xfrm>
+            <a:off x="838079" y="3909240"/>
+            <a:ext cx="9875520" cy="1390832"/>
+          </a:xfrm>
+          <a:prstGeom prst="rect">
+            <a:avLst/>
+          </a:prstGeom>
+          <a:noFill/>
+          <a:ln>
+            <a:noFill/>
+          </a:ln>
+        </p:spPr>
+        <p:txBody>
+          <a:bodyPr lIns="0" tIns="0" rIns="0" bIns="0"/>
+          <a:lstStyle/>
+          <a:p>
+            <a:pPr>
+              <a:lnSpc>
+                <a:spcPct val="90000"/>
+              </a:lnSpc>
+              <a:spcBef>
+                <a:spcPts val="1001"/>
+              </a:spcBef>
+            </a:pPr>
+            <a:r>
+              <a:rPr lang="en-US" sz="2800" b="1" spc="-1" dirty="0" err="1" smtClean="0">
+                <a:solidFill>
+                  <a:srgbClr val="515151"/>
+                </a:solidFill>
+              </a:rPr>
+              <a:t>git</a:t>
+            </a:r>
+            <a:r>
+              <a:rPr lang="en-US" sz="2800" b="1" spc="-1" dirty="0" smtClean="0">
+                <a:solidFill>
+                  <a:srgbClr val="515151"/>
+                </a:solidFill>
+              </a:rPr>
+              <a:t> </a:t>
+            </a:r>
+            <a:r>
+              <a:rPr lang="pl-PL" sz="2800" b="1" spc="-1" dirty="0" smtClean="0">
+                <a:solidFill>
+                  <a:srgbClr val="515151"/>
+                </a:solidFill>
+              </a:rPr>
+              <a:t>blame –C &lt;file_name&gt;</a:t>
+            </a:r>
+            <a:endParaRPr lang="en-US" sz="2800" spc="-1" dirty="0" smtClean="0"/>
+          </a:p>
+          <a:p>
+            <a:pPr>
+              <a:lnSpc>
+                <a:spcPct val="90000"/>
+              </a:lnSpc>
+              <a:spcBef>
+                <a:spcPts val="1001"/>
+              </a:spcBef>
+            </a:pPr>
+            <a:r>
+              <a:rPr lang="pl-PL" sz="2400" spc="-1" dirty="0">
+                <a:solidFill>
+                  <a:srgbClr val="515151"/>
+                </a:solidFill>
+              </a:rPr>
+              <a:t>Wykrywa przeniesione lub skopiowane linie </a:t>
+            </a:r>
+            <a:r>
+              <a:rPr lang="pl-PL" sz="2400" spc="-1" dirty="0" smtClean="0">
+                <a:solidFill>
+                  <a:srgbClr val="515151"/>
+                </a:solidFill>
+              </a:rPr>
+              <a:t>z innych plików i </a:t>
+            </a:r>
+            <a:r>
+              <a:rPr lang="pl-PL" sz="2400" spc="-1" dirty="0">
+                <a:solidFill>
+                  <a:srgbClr val="515151"/>
+                </a:solidFill>
+              </a:rPr>
+              <a:t>wyświetla oryginalnego autora</a:t>
+            </a:r>
+            <a:endParaRPr lang="en-US" sz="2400" spc="-1" dirty="0"/>
+          </a:p>
+        </p:txBody>
+      </p:sp>
+      <p:sp>
+        <p:nvSpPr>
+          <p:cNvPr id="148" name="CustomShape 4"/>
+          <p:cNvSpPr/>
+          <p:nvPr/>
+        </p:nvSpPr>
+        <p:spPr>
+          <a:xfrm>
+            <a:off x="2850480" y="6378120"/>
+            <a:ext cx="6842160" cy="364320"/>
+          </a:xfrm>
+          <a:prstGeom prst="rect">
+            <a:avLst/>
+          </a:prstGeom>
+          <a:noFill/>
+          <a:ln>
+            <a:noFill/>
+          </a:ln>
+        </p:spPr>
+        <p:style>
+          <a:lnRef idx="0">
+            <a:scrgbClr r="0" g="0" b="0"/>
+          </a:lnRef>
+          <a:fillRef idx="0">
+            <a:scrgbClr r="0" g="0" b="0"/>
+          </a:fillRef>
+          <a:effectRef idx="0">
+            <a:scrgbClr r="0" g="0" b="0"/>
+          </a:effectRef>
+          <a:fontRef idx="minor"/>
+        </p:style>
+        <p:txBody>
+          <a:bodyPr lIns="90000" tIns="45000" rIns="90000" bIns="45000" anchor="ctr"/>
+          <a:lstStyle/>
+          <a:p>
+            <a:pPr algn="ctr">
+              <a:lnSpc>
+                <a:spcPct val="100000"/>
+              </a:lnSpc>
+            </a:pPr>
+            <a:r>
+              <a:rPr lang="en-US" sz="1200" b="0" strike="noStrike" spc="-1">
+                <a:solidFill>
+                  <a:srgbClr val="999999"/>
+                </a:solidFill>
+                <a:latin typeface="Calibri"/>
+              </a:rPr>
+              <a:t>Autor: Krzysztof Dziuban</a:t>
+            </a:r>
+            <a:endParaRPr lang="en-US" sz="1200" b="0" strike="noStrike" spc="-1">
+              <a:latin typeface="Arial"/>
+            </a:endParaRPr>
+          </a:p>
+          <a:p>
+            <a:pPr algn="ctr">
+              <a:lnSpc>
+                <a:spcPct val="100000"/>
+              </a:lnSpc>
+            </a:pPr>
+            <a:r>
+              <a:rPr lang="en-US" sz="1200" b="0" strike="noStrike" spc="-1">
+                <a:solidFill>
+                  <a:srgbClr val="999999"/>
+                </a:solidFill>
+                <a:latin typeface="Calibri"/>
+              </a:rPr>
+              <a:t>Prawa do korzystania z materiałów posiada Software Development Academy</a:t>
+            </a:r>
+            <a:endParaRPr lang="en-US" sz="1200" b="0" strike="noStrike" spc="-1">
+              <a:latin typeface="Arial"/>
+            </a:endParaRPr>
+          </a:p>
+        </p:txBody>
+      </p:sp>
+      <p:sp>
+        <p:nvSpPr>
+          <p:cNvPr id="7" name="TextShape 3"/>
+          <p:cNvSpPr txBox="1"/>
+          <p:nvPr/>
+        </p:nvSpPr>
+        <p:spPr>
+          <a:xfrm>
+            <a:off x="838078" y="2804553"/>
+            <a:ext cx="10433659" cy="1097280"/>
+          </a:xfrm>
+          <a:prstGeom prst="rect">
+            <a:avLst/>
+          </a:prstGeom>
+          <a:noFill/>
+          <a:ln>
+            <a:noFill/>
+          </a:ln>
+        </p:spPr>
+        <p:txBody>
+          <a:bodyPr lIns="0" tIns="0" rIns="0" bIns="0"/>
+          <a:lstStyle/>
+          <a:p>
+            <a:pPr>
+              <a:lnSpc>
+                <a:spcPct val="90000"/>
+              </a:lnSpc>
+              <a:spcBef>
+                <a:spcPts val="1001"/>
+              </a:spcBef>
+            </a:pPr>
+            <a:r>
+              <a:rPr lang="pl-PL" sz="2800" b="1" spc="-1" dirty="0">
+                <a:solidFill>
+                  <a:srgbClr val="515151"/>
+                </a:solidFill>
+              </a:rPr>
+              <a:t>g</a:t>
+            </a:r>
+            <a:r>
+              <a:rPr lang="pl-PL" sz="2800" b="1" spc="-1" dirty="0" smtClean="0">
+                <a:solidFill>
+                  <a:srgbClr val="515151"/>
+                </a:solidFill>
+              </a:rPr>
+              <a:t>it blame –M &lt;file_name&gt;</a:t>
+            </a:r>
+            <a:endParaRPr lang="en-US" sz="2800" spc="-1" dirty="0" smtClean="0"/>
+          </a:p>
+          <a:p>
+            <a:pPr>
+              <a:lnSpc>
+                <a:spcPct val="90000"/>
+              </a:lnSpc>
+              <a:spcBef>
+                <a:spcPts val="1001"/>
+              </a:spcBef>
+            </a:pPr>
+            <a:r>
+              <a:rPr lang="pl-PL" sz="2400" spc="-1" dirty="0" smtClean="0">
+                <a:solidFill>
+                  <a:srgbClr val="515151"/>
+                </a:solidFill>
+              </a:rPr>
+              <a:t>Wykrywa przeniesione lub skopiowane linie i wyświetla oryginalnego autora</a:t>
+            </a:r>
+            <a:endParaRPr lang="en-US" sz="2400" spc="-1" dirty="0"/>
+          </a:p>
+        </p:txBody>
+      </p:sp>
+    </p:spTree>
+    <p:extLst>
+      <p:ext uri="{BB962C8B-B14F-4D97-AF65-F5344CB8AC3E}">
+        <p14:creationId xmlns:p14="http://schemas.microsoft.com/office/powerpoint/2010/main" val="2764782899"/>
+      </p:ext>
+    </p:extLst>
+  </p:cSld>
+  <p:clrMapOvr>
+    <a:masterClrMapping/>
+  </p:clrMapOvr>
+  <p:timing>
+    <p:tnLst>
+      <p:par>
+        <p:cTn id="1" dur="indefinite" restart="never" nodeType="tmRoot">
+          <p:childTnLst>
+            <p:seq>
+              <p:cTn id="2" dur="indefinite" nodeType="mainSeq"/>
+              <p:prevCondLst>
+                <p:cond evt="onPrev" delay="0">
+                  <p:tgtEl>
+                    <p:sldTgt/>
+                  </p:tgtEl>
+                </p:cond>
+              </p:prevCondLst>
+              <p:nextCondLst>
+                <p:cond evt="onNext" delay="0">
+                  <p:tgtEl>
+                    <p:sldTgt/>
+                  </p:tgtEl>
+                </p:cond>
+              </p:nextCondLst>
+            </p:seq>
+          </p:childTnLst>
+        </p:cTn>
+      </p:par>
+    </p:tnLst>
+  </p:timing>
+</p:sld>
+</file>
+
+<file path=ppt/slides/slide31.xml><?xml version="1.0" encoding="utf-8"?>
+<p:sld xmlns:a="http://schemas.openxmlformats.org/drawingml/2006/main" xmlns:r="http://schemas.openxmlformats.org/officeDocument/2006/relationships" xmlns:p="http://schemas.openxmlformats.org/presentationml/2006/main">
+  <p:cSld>
+    <p:spTree>
+      <p:nvGrpSpPr>
+        <p:cNvPr id="1" name=""/>
+        <p:cNvGrpSpPr/>
+        <p:nvPr/>
+      </p:nvGrpSpPr>
+      <p:grpSpPr>
+        <a:xfrm>
+          <a:off x="0" y="0"/>
+          <a:ext cx="0" cy="0"/>
+          <a:chOff x="0" y="0"/>
+          <a:chExt cx="0" cy="0"/>
+        </a:xfrm>
+      </p:grpSpPr>
+      <p:sp>
+        <p:nvSpPr>
+          <p:cNvPr id="145" name="CustomShape 1"/>
+          <p:cNvSpPr/>
+          <p:nvPr/>
+        </p:nvSpPr>
+        <p:spPr>
+          <a:xfrm>
+            <a:off x="0" y="0"/>
+            <a:ext cx="10894320" cy="962280"/>
+          </a:xfrm>
+          <a:prstGeom prst="rect">
+            <a:avLst/>
+          </a:prstGeom>
+          <a:noFill/>
+          <a:ln>
+            <a:noFill/>
+          </a:ln>
+        </p:spPr>
+        <p:style>
+          <a:lnRef idx="0">
+            <a:scrgbClr r="0" g="0" b="0"/>
+          </a:lnRef>
+          <a:fillRef idx="0">
+            <a:scrgbClr r="0" g="0" b="0"/>
+          </a:fillRef>
+          <a:effectRef idx="0">
+            <a:scrgbClr r="0" g="0" b="0"/>
+          </a:effectRef>
+          <a:fontRef idx="minor"/>
+        </p:style>
+        <p:txBody>
+          <a:bodyPr lIns="90000" tIns="45000" rIns="90000" bIns="45000" anchor="ctr"/>
+          <a:lstStyle/>
+          <a:p>
+            <a:pPr>
+              <a:lnSpc>
+                <a:spcPct val="90000"/>
+              </a:lnSpc>
+            </a:pPr>
+            <a:r>
+              <a:rPr lang="pl-PL" sz="3200" b="1" spc="-1" dirty="0" smtClean="0">
+                <a:solidFill>
+                  <a:srgbClr val="4A3D53"/>
+                </a:solidFill>
+                <a:latin typeface="Geometr212 BkCn BT"/>
+              </a:rPr>
+              <a:t>GitFlow</a:t>
+            </a:r>
+            <a:endParaRPr lang="en-US" sz="3200" b="0" strike="noStrike" spc="-1" dirty="0">
+              <a:latin typeface="Arial"/>
+            </a:endParaRPr>
+          </a:p>
+        </p:txBody>
+      </p:sp>
+      <p:sp>
+        <p:nvSpPr>
+          <p:cNvPr id="148" name="CustomShape 4"/>
+          <p:cNvSpPr/>
+          <p:nvPr/>
+        </p:nvSpPr>
+        <p:spPr>
+          <a:xfrm>
+            <a:off x="2850480" y="6378120"/>
+            <a:ext cx="6842160" cy="364320"/>
+          </a:xfrm>
+          <a:prstGeom prst="rect">
+            <a:avLst/>
+          </a:prstGeom>
+          <a:noFill/>
+          <a:ln>
+            <a:noFill/>
+          </a:ln>
+        </p:spPr>
+        <p:style>
+          <a:lnRef idx="0">
+            <a:scrgbClr r="0" g="0" b="0"/>
+          </a:lnRef>
+          <a:fillRef idx="0">
+            <a:scrgbClr r="0" g="0" b="0"/>
+          </a:fillRef>
+          <a:effectRef idx="0">
+            <a:scrgbClr r="0" g="0" b="0"/>
+          </a:effectRef>
+          <a:fontRef idx="minor"/>
+        </p:style>
+        <p:txBody>
+          <a:bodyPr lIns="90000" tIns="45000" rIns="90000" bIns="45000" anchor="ctr"/>
+          <a:lstStyle/>
+          <a:p>
+            <a:pPr algn="ctr">
+              <a:lnSpc>
+                <a:spcPct val="100000"/>
+              </a:lnSpc>
+            </a:pPr>
+            <a:r>
+              <a:rPr lang="en-US" sz="1200" b="0" strike="noStrike" spc="-1">
+                <a:solidFill>
+                  <a:srgbClr val="999999"/>
+                </a:solidFill>
+                <a:latin typeface="Calibri"/>
+              </a:rPr>
+              <a:t>Autor: Krzysztof Dziuban</a:t>
+            </a:r>
+            <a:endParaRPr lang="en-US" sz="1200" b="0" strike="noStrike" spc="-1">
+              <a:latin typeface="Arial"/>
+            </a:endParaRPr>
+          </a:p>
+          <a:p>
+            <a:pPr algn="ctr">
+              <a:lnSpc>
+                <a:spcPct val="100000"/>
+              </a:lnSpc>
+            </a:pPr>
+            <a:r>
+              <a:rPr lang="en-US" sz="1200" b="0" strike="noStrike" spc="-1">
+                <a:solidFill>
+                  <a:srgbClr val="999999"/>
+                </a:solidFill>
+                <a:latin typeface="Calibri"/>
+              </a:rPr>
+              <a:t>Prawa do korzystania z materiałów posiada Software Development Academy</a:t>
+            </a:r>
+            <a:endParaRPr lang="en-US" sz="1200" b="0" strike="noStrike" spc="-1">
+              <a:latin typeface="Arial"/>
+            </a:endParaRPr>
+          </a:p>
+        </p:txBody>
+      </p:sp>
+      <p:pic>
+        <p:nvPicPr>
+          <p:cNvPr id="5" name="Picture 4"/>
+          <p:cNvPicPr>
+            <a:picLocks noChangeAspect="1"/>
+          </p:cNvPicPr>
+          <p:nvPr/>
+        </p:nvPicPr>
+        <p:blipFill>
+          <a:blip r:embed="rId2"/>
+          <a:stretch>
+            <a:fillRect/>
+          </a:stretch>
+        </p:blipFill>
+        <p:spPr>
+          <a:xfrm>
+            <a:off x="3214321" y="2390775"/>
+            <a:ext cx="5657850" cy="3676650"/>
+          </a:xfrm>
+          <a:prstGeom prst="rect">
+            <a:avLst/>
+          </a:prstGeom>
+        </p:spPr>
+      </p:pic>
+      <p:sp>
+        <p:nvSpPr>
+          <p:cNvPr id="6" name="TextBox 5"/>
+          <p:cNvSpPr txBox="1"/>
+          <p:nvPr/>
+        </p:nvSpPr>
+        <p:spPr>
+          <a:xfrm>
+            <a:off x="413238" y="1169377"/>
+            <a:ext cx="10278208" cy="461665"/>
+          </a:xfrm>
+          <a:prstGeom prst="rect">
+            <a:avLst/>
+          </a:prstGeom>
+          <a:noFill/>
+        </p:spPr>
+        <p:txBody>
+          <a:bodyPr wrap="square" rtlCol="0">
+            <a:spAutoFit/>
+          </a:bodyPr>
+          <a:lstStyle/>
+          <a:p>
+            <a:r>
+              <a:rPr lang="pl-PL" sz="2400" b="1" dirty="0" smtClean="0"/>
+              <a:t>GitFlow</a:t>
+            </a:r>
+            <a:r>
+              <a:rPr lang="pl-PL" sz="2400" dirty="0" smtClean="0"/>
+              <a:t> – metodyka pracy oparta o tworzenie określonego typu branchy </a:t>
+            </a:r>
+            <a:endParaRPr lang="en-US" sz="2400" dirty="0"/>
+          </a:p>
+        </p:txBody>
+      </p:sp>
+    </p:spTree>
+    <p:extLst>
+      <p:ext uri="{BB962C8B-B14F-4D97-AF65-F5344CB8AC3E}">
+        <p14:creationId xmlns:p14="http://schemas.microsoft.com/office/powerpoint/2010/main" val="3770339658"/>
+      </p:ext>
+    </p:extLst>
+  </p:cSld>
+  <p:clrMapOvr>
+    <a:masterClrMapping/>
+  </p:clrMapOvr>
+  <p:timing>
+    <p:tnLst>
+      <p:par>
+        <p:cTn id="1" dur="indefinite" restart="never" nodeType="tmRoot">
+          <p:childTnLst>
+            <p:seq>
+              <p:cTn id="2" dur="indefinite" nodeType="mainSeq"/>
+              <p:prevCondLst>
+                <p:cond evt="onPrev" delay="0">
+                  <p:tgtEl>
+                    <p:sldTgt/>
+                  </p:tgtEl>
+                </p:cond>
+              </p:prevCondLst>
+              <p:nextCondLst>
+                <p:cond evt="onNext" delay="0">
+                  <p:tgtEl>
+                    <p:sldTgt/>
+                  </p:tgtEl>
+                </p:cond>
+              </p:nextCondLst>
+            </p:seq>
+          </p:childTnLst>
+        </p:cTn>
+      </p:par>
+    </p:tnLst>
+  </p:timing>
+</p:sld>
+</file>
+
+<file path=ppt/slides/slide32.xml><?xml version="1.0" encoding="utf-8"?>
+<p:sld xmlns:a="http://schemas.openxmlformats.org/drawingml/2006/main" xmlns:r="http://schemas.openxmlformats.org/officeDocument/2006/relationships" xmlns:p="http://schemas.openxmlformats.org/presentationml/2006/main">
+  <p:cSld>
+    <p:spTree>
+      <p:nvGrpSpPr>
+        <p:cNvPr id="1" name=""/>
+        <p:cNvGrpSpPr/>
+        <p:nvPr/>
+      </p:nvGrpSpPr>
+      <p:grpSpPr>
+        <a:xfrm>
+          <a:off x="0" y="0"/>
+          <a:ext cx="0" cy="0"/>
+          <a:chOff x="0" y="0"/>
+          <a:chExt cx="0" cy="0"/>
+        </a:xfrm>
+      </p:grpSpPr>
+      <p:sp>
+        <p:nvSpPr>
+          <p:cNvPr id="145" name="CustomShape 1"/>
+          <p:cNvSpPr/>
+          <p:nvPr/>
+        </p:nvSpPr>
+        <p:spPr>
+          <a:xfrm>
+            <a:off x="0" y="0"/>
+            <a:ext cx="10894320" cy="962280"/>
+          </a:xfrm>
+          <a:prstGeom prst="rect">
+            <a:avLst/>
+          </a:prstGeom>
+          <a:noFill/>
+          <a:ln>
+            <a:noFill/>
+          </a:ln>
+        </p:spPr>
+        <p:style>
+          <a:lnRef idx="0">
+            <a:scrgbClr r="0" g="0" b="0"/>
+          </a:lnRef>
+          <a:fillRef idx="0">
+            <a:scrgbClr r="0" g="0" b="0"/>
+          </a:fillRef>
+          <a:effectRef idx="0">
+            <a:scrgbClr r="0" g="0" b="0"/>
+          </a:effectRef>
+          <a:fontRef idx="minor"/>
+        </p:style>
+        <p:txBody>
+          <a:bodyPr lIns="90000" tIns="45000" rIns="90000" bIns="45000" anchor="ctr"/>
+          <a:lstStyle/>
+          <a:p>
+            <a:pPr>
+              <a:lnSpc>
+                <a:spcPct val="90000"/>
+              </a:lnSpc>
+            </a:pPr>
+            <a:r>
+              <a:rPr lang="pl-PL" sz="3200" b="1" spc="-1" dirty="0" smtClean="0">
+                <a:solidFill>
+                  <a:srgbClr val="4A3D53"/>
+                </a:solidFill>
+                <a:latin typeface="Geometr212 BkCn BT"/>
+              </a:rPr>
+              <a:t>GitFlow</a:t>
+            </a:r>
+            <a:endParaRPr lang="en-US" sz="3200" b="0" strike="noStrike" spc="-1" dirty="0">
+              <a:latin typeface="Arial"/>
+            </a:endParaRPr>
+          </a:p>
+        </p:txBody>
+      </p:sp>
+      <p:sp>
+        <p:nvSpPr>
+          <p:cNvPr id="148" name="CustomShape 4"/>
+          <p:cNvSpPr/>
+          <p:nvPr/>
+        </p:nvSpPr>
+        <p:spPr>
+          <a:xfrm>
+            <a:off x="2850480" y="6378120"/>
+            <a:ext cx="6842160" cy="364320"/>
+          </a:xfrm>
+          <a:prstGeom prst="rect">
+            <a:avLst/>
+          </a:prstGeom>
+          <a:noFill/>
+          <a:ln>
+            <a:noFill/>
+          </a:ln>
+        </p:spPr>
+        <p:style>
+          <a:lnRef idx="0">
+            <a:scrgbClr r="0" g="0" b="0"/>
+          </a:lnRef>
+          <a:fillRef idx="0">
+            <a:scrgbClr r="0" g="0" b="0"/>
+          </a:fillRef>
+          <a:effectRef idx="0">
+            <a:scrgbClr r="0" g="0" b="0"/>
+          </a:effectRef>
+          <a:fontRef idx="minor"/>
+        </p:style>
+        <p:txBody>
+          <a:bodyPr lIns="90000" tIns="45000" rIns="90000" bIns="45000" anchor="ctr"/>
+          <a:lstStyle/>
+          <a:p>
+            <a:pPr algn="ctr">
+              <a:lnSpc>
+                <a:spcPct val="100000"/>
+              </a:lnSpc>
+            </a:pPr>
+            <a:r>
+              <a:rPr lang="en-US" sz="1200" b="0" strike="noStrike" spc="-1">
+                <a:solidFill>
+                  <a:srgbClr val="999999"/>
+                </a:solidFill>
+                <a:latin typeface="Calibri"/>
+              </a:rPr>
+              <a:t>Autor: Krzysztof Dziuban</a:t>
+            </a:r>
+            <a:endParaRPr lang="en-US" sz="1200" b="0" strike="noStrike" spc="-1">
+              <a:latin typeface="Arial"/>
+            </a:endParaRPr>
+          </a:p>
+          <a:p>
+            <a:pPr algn="ctr">
+              <a:lnSpc>
+                <a:spcPct val="100000"/>
+              </a:lnSpc>
+            </a:pPr>
+            <a:r>
+              <a:rPr lang="en-US" sz="1200" b="0" strike="noStrike" spc="-1">
+                <a:solidFill>
+                  <a:srgbClr val="999999"/>
+                </a:solidFill>
+                <a:latin typeface="Calibri"/>
+              </a:rPr>
+              <a:t>Prawa do korzystania z materiałów posiada Software Development Academy</a:t>
+            </a:r>
+            <a:endParaRPr lang="en-US" sz="1200" b="0" strike="noStrike" spc="-1">
+              <a:latin typeface="Arial"/>
+            </a:endParaRPr>
+          </a:p>
+        </p:txBody>
+      </p:sp>
+      <p:sp>
+        <p:nvSpPr>
+          <p:cNvPr id="6" name="TextBox 5"/>
+          <p:cNvSpPr txBox="1"/>
+          <p:nvPr/>
+        </p:nvSpPr>
+        <p:spPr>
+          <a:xfrm>
+            <a:off x="616112" y="2331372"/>
+            <a:ext cx="10278208" cy="2677656"/>
+          </a:xfrm>
+          <a:prstGeom prst="rect">
+            <a:avLst/>
+          </a:prstGeom>
+          <a:noFill/>
+        </p:spPr>
+        <p:txBody>
+          <a:bodyPr wrap="square" rtlCol="0">
+            <a:spAutoFit/>
+          </a:bodyPr>
+          <a:lstStyle/>
+          <a:p>
+            <a:r>
+              <a:rPr lang="pl-PL" sz="2400" b="1" dirty="0" smtClean="0"/>
+              <a:t>Typy branchy:</a:t>
+            </a:r>
+          </a:p>
+          <a:p>
+            <a:pPr marL="342900" indent="-342900">
+              <a:buFont typeface="Arial" panose="020B0604020202020204" pitchFamily="34" charset="0"/>
+              <a:buChar char="•"/>
+            </a:pPr>
+            <a:r>
+              <a:rPr lang="pl-PL" sz="2400" dirty="0"/>
+              <a:t>m</a:t>
+            </a:r>
+            <a:r>
+              <a:rPr lang="pl-PL" sz="2400" dirty="0" smtClean="0"/>
+              <a:t>aster – główny branch</a:t>
+            </a:r>
+          </a:p>
+          <a:p>
+            <a:pPr marL="342900" indent="-342900">
+              <a:buFont typeface="Arial" panose="020B0604020202020204" pitchFamily="34" charset="0"/>
+              <a:buChar char="•"/>
+            </a:pPr>
+            <a:r>
+              <a:rPr lang="pl-PL" sz="2400" dirty="0" smtClean="0"/>
+              <a:t>develop – podstawowy branch developerski</a:t>
+            </a:r>
+          </a:p>
+          <a:p>
+            <a:pPr marL="342900" indent="-342900">
+              <a:buFont typeface="Arial" panose="020B0604020202020204" pitchFamily="34" charset="0"/>
+              <a:buChar char="•"/>
+            </a:pPr>
+            <a:r>
+              <a:rPr lang="pl-PL" sz="2400" dirty="0"/>
+              <a:t>f</a:t>
+            </a:r>
+            <a:r>
+              <a:rPr lang="pl-PL" sz="2400" dirty="0" smtClean="0"/>
+              <a:t>eature – branch poświęcony konkretnej historyjce/elementowi aplikacji</a:t>
+            </a:r>
+          </a:p>
+          <a:p>
+            <a:pPr marL="342900" indent="-342900">
+              <a:buFont typeface="Arial" panose="020B0604020202020204" pitchFamily="34" charset="0"/>
+              <a:buChar char="•"/>
+            </a:pPr>
+            <a:r>
+              <a:rPr lang="pl-PL" sz="2400" dirty="0"/>
+              <a:t>t</a:t>
+            </a:r>
+            <a:r>
+              <a:rPr lang="pl-PL" sz="2400" dirty="0" smtClean="0"/>
+              <a:t>ask – branch poświęcony konkretnemu zadaniu</a:t>
+            </a:r>
+          </a:p>
+          <a:p>
+            <a:pPr marL="342900" indent="-342900">
+              <a:buFont typeface="Arial" panose="020B0604020202020204" pitchFamily="34" charset="0"/>
+              <a:buChar char="•"/>
+            </a:pPr>
+            <a:r>
+              <a:rPr lang="pl-PL" sz="2400" dirty="0"/>
+              <a:t>r</a:t>
+            </a:r>
+            <a:r>
+              <a:rPr lang="pl-PL" sz="2400" dirty="0" smtClean="0"/>
+              <a:t>elease – branch poświęcony konkretnej wersji</a:t>
+            </a:r>
+          </a:p>
+          <a:p>
+            <a:pPr marL="342900" indent="-342900">
+              <a:buFont typeface="Arial" panose="020B0604020202020204" pitchFamily="34" charset="0"/>
+              <a:buChar char="•"/>
+            </a:pPr>
+            <a:r>
+              <a:rPr lang="pl-PL" sz="2400" dirty="0"/>
+              <a:t>h</a:t>
+            </a:r>
+            <a:r>
+              <a:rPr lang="pl-PL" sz="2400" dirty="0" smtClean="0"/>
+              <a:t>otfix – branch poświęcony konkretnej poprawce</a:t>
+            </a:r>
+          </a:p>
+        </p:txBody>
+      </p:sp>
+    </p:spTree>
+    <p:extLst>
+      <p:ext uri="{BB962C8B-B14F-4D97-AF65-F5344CB8AC3E}">
+        <p14:creationId xmlns:p14="http://schemas.microsoft.com/office/powerpoint/2010/main" val="3137903706"/>
+      </p:ext>
+    </p:extLst>
+  </p:cSld>
+  <p:clrMapOvr>
+    <a:masterClrMapping/>
+  </p:clrMapOvr>
+  <p:timing>
+    <p:tnLst>
+      <p:par>
+        <p:cTn id="1" dur="indefinite" restart="never" nodeType="tmRoot">
+          <p:childTnLst>
+            <p:seq>
+              <p:cTn id="2" dur="indefinite" nodeType="mainSeq"/>
+              <p:prevCondLst>
+                <p:cond evt="onPrev" delay="0">
+                  <p:tgtEl>
+                    <p:sldTgt/>
+                  </p:tgtEl>
+                </p:cond>
+              </p:prevCondLst>
+              <p:nextCondLst>
+                <p:cond evt="onNext" delay="0">
+                  <p:tgtEl>
+                    <p:sldTgt/>
+                  </p:tgtEl>
+                </p:cond>
+              </p:nextCondLst>
+            </p:seq>
+          </p:childTnLst>
+        </p:cTn>
+      </p:par>
+    </p:tnLst>
+  </p:timing>
+</p:sld>
+</file>
+
+<file path=ppt/slides/slide33.xml><?xml version="1.0" encoding="utf-8"?>
+<p:sld xmlns:a="http://schemas.openxmlformats.org/drawingml/2006/main" xmlns:r="http://schemas.openxmlformats.org/officeDocument/2006/relationships" xmlns:p="http://schemas.openxmlformats.org/presentationml/2006/main">
+  <p:cSld>
+    <p:spTree>
+      <p:nvGrpSpPr>
+        <p:cNvPr id="1" name=""/>
+        <p:cNvGrpSpPr/>
+        <p:nvPr/>
+      </p:nvGrpSpPr>
+      <p:grpSpPr>
+        <a:xfrm>
+          <a:off x="0" y="0"/>
+          <a:ext cx="0" cy="0"/>
+          <a:chOff x="0" y="0"/>
+          <a:chExt cx="0" cy="0"/>
+        </a:xfrm>
+      </p:grpSpPr>
+      <p:sp>
+        <p:nvSpPr>
+          <p:cNvPr id="145" name="CustomShape 1"/>
+          <p:cNvSpPr/>
+          <p:nvPr/>
+        </p:nvSpPr>
+        <p:spPr>
+          <a:xfrm>
+            <a:off x="0" y="0"/>
+            <a:ext cx="10894320" cy="962280"/>
+          </a:xfrm>
+          <a:prstGeom prst="rect">
+            <a:avLst/>
+          </a:prstGeom>
+          <a:noFill/>
+          <a:ln>
+            <a:noFill/>
+          </a:ln>
+        </p:spPr>
+        <p:style>
+          <a:lnRef idx="0">
+            <a:scrgbClr r="0" g="0" b="0"/>
+          </a:lnRef>
+          <a:fillRef idx="0">
+            <a:scrgbClr r="0" g="0" b="0"/>
+          </a:fillRef>
+          <a:effectRef idx="0">
+            <a:scrgbClr r="0" g="0" b="0"/>
+          </a:effectRef>
+          <a:fontRef idx="minor"/>
+        </p:style>
+        <p:txBody>
+          <a:bodyPr lIns="90000" tIns="45000" rIns="90000" bIns="45000" anchor="ctr"/>
+          <a:lstStyle/>
+          <a:p>
+            <a:pPr>
+              <a:lnSpc>
+                <a:spcPct val="90000"/>
+              </a:lnSpc>
+            </a:pPr>
+            <a:r>
+              <a:rPr lang="pl-PL" sz="3200" b="1" spc="-1" dirty="0" smtClean="0">
+                <a:solidFill>
+                  <a:srgbClr val="4A3D53"/>
+                </a:solidFill>
+                <a:latin typeface="Geometr212 BkCn BT"/>
+              </a:rPr>
+              <a:t>Dodatkowe tutoriale</a:t>
+            </a:r>
+            <a:endParaRPr lang="en-US" sz="3200" b="0" strike="noStrike" spc="-1" dirty="0">
+              <a:latin typeface="Arial"/>
+            </a:endParaRPr>
+          </a:p>
+        </p:txBody>
+      </p:sp>
+      <p:sp>
+        <p:nvSpPr>
+          <p:cNvPr id="148" name="CustomShape 4"/>
+          <p:cNvSpPr/>
+          <p:nvPr/>
+        </p:nvSpPr>
+        <p:spPr>
+          <a:xfrm>
+            <a:off x="2850480" y="6378120"/>
+            <a:ext cx="6842160" cy="364320"/>
+          </a:xfrm>
+          <a:prstGeom prst="rect">
+            <a:avLst/>
+          </a:prstGeom>
+          <a:noFill/>
+          <a:ln>
+            <a:noFill/>
+          </a:ln>
+        </p:spPr>
+        <p:style>
+          <a:lnRef idx="0">
+            <a:scrgbClr r="0" g="0" b="0"/>
+          </a:lnRef>
+          <a:fillRef idx="0">
+            <a:scrgbClr r="0" g="0" b="0"/>
+          </a:fillRef>
+          <a:effectRef idx="0">
+            <a:scrgbClr r="0" g="0" b="0"/>
+          </a:effectRef>
+          <a:fontRef idx="minor"/>
+        </p:style>
+        <p:txBody>
+          <a:bodyPr lIns="90000" tIns="45000" rIns="90000" bIns="45000" anchor="ctr"/>
+          <a:lstStyle/>
+          <a:p>
+            <a:pPr algn="ctr">
+              <a:lnSpc>
+                <a:spcPct val="100000"/>
+              </a:lnSpc>
+            </a:pPr>
+            <a:r>
+              <a:rPr lang="en-US" sz="1200" b="0" strike="noStrike" spc="-1">
+                <a:solidFill>
+                  <a:srgbClr val="999999"/>
+                </a:solidFill>
+                <a:latin typeface="Calibri"/>
+              </a:rPr>
+              <a:t>Autor: Krzysztof Dziuban</a:t>
+            </a:r>
+            <a:endParaRPr lang="en-US" sz="1200" b="0" strike="noStrike" spc="-1">
+              <a:latin typeface="Arial"/>
+            </a:endParaRPr>
+          </a:p>
+          <a:p>
+            <a:pPr algn="ctr">
+              <a:lnSpc>
+                <a:spcPct val="100000"/>
+              </a:lnSpc>
+            </a:pPr>
+            <a:r>
+              <a:rPr lang="en-US" sz="1200" b="0" strike="noStrike" spc="-1">
+                <a:solidFill>
+                  <a:srgbClr val="999999"/>
+                </a:solidFill>
+                <a:latin typeface="Calibri"/>
+              </a:rPr>
+              <a:t>Prawa do korzystania z materiałów posiada Software Development Academy</a:t>
+            </a:r>
+            <a:endParaRPr lang="en-US" sz="1200" b="0" strike="noStrike" spc="-1">
+              <a:latin typeface="Arial"/>
+            </a:endParaRPr>
+          </a:p>
+        </p:txBody>
+      </p:sp>
+      <p:sp>
+        <p:nvSpPr>
+          <p:cNvPr id="6" name="TextBox 5"/>
+          <p:cNvSpPr txBox="1"/>
+          <p:nvPr/>
+        </p:nvSpPr>
+        <p:spPr>
+          <a:xfrm>
+            <a:off x="1548097" y="3439367"/>
+            <a:ext cx="10278208" cy="461665"/>
+          </a:xfrm>
+          <a:prstGeom prst="rect">
+            <a:avLst/>
+          </a:prstGeom>
+          <a:noFill/>
+        </p:spPr>
+        <p:txBody>
+          <a:bodyPr wrap="square" rtlCol="0">
+            <a:spAutoFit/>
+          </a:bodyPr>
+          <a:lstStyle/>
+          <a:p>
+            <a:r>
+              <a:rPr lang="en-US" sz="2400">
+                <a:hlinkClick r:id="rId2"/>
+              </a:rPr>
+              <a:t>https://www.atlassian.com/git/tutorials/learn-git-with-bitbucket-cloud</a:t>
+            </a:r>
+            <a:endParaRPr lang="pl-PL" sz="2400" dirty="0" smtClean="0"/>
+          </a:p>
+        </p:txBody>
+      </p:sp>
+    </p:spTree>
+    <p:extLst>
+      <p:ext uri="{BB962C8B-B14F-4D97-AF65-F5344CB8AC3E}">
+        <p14:creationId xmlns:p14="http://schemas.microsoft.com/office/powerpoint/2010/main" val="2210549491"/>
+      </p:ext>
+    </p:extLst>
   </p:cSld>
   <p:clrMapOvr>
     <a:masterClrMapping/>

--- a/GIT.pptx
+++ b/GIT.pptx
@@ -114,10 +114,8 @@
         <p:txBody>
           <a:bodyPr lIns="0" rIns="0" tIns="0" bIns="0" anchor="ctr"/>
           <a:p>
-            <a:endParaRPr b="0" lang="en-US" sz="1800" spc="-1" strike="noStrike">
-              <a:solidFill>
-                <a:srgbClr val="000000"/>
-              </a:solidFill>
+            <a:pPr algn="ctr"/>
+            <a:endParaRPr b="0" lang="en-US" sz="4400" spc="-1" strike="noStrike">
               <a:latin typeface="Arial"/>
             </a:endParaRPr>
           </a:p>
@@ -147,10 +145,7 @@
             <a:normAutofit/>
           </a:bodyPr>
           <a:p>
-            <a:endParaRPr b="0" lang="en-US" sz="2800" spc="-1" strike="noStrike">
-              <a:solidFill>
-                <a:srgbClr val="000000"/>
-              </a:solidFill>
+            <a:endParaRPr b="0" lang="en-US" sz="3200" spc="-1" strike="noStrike">
               <a:latin typeface="Arial"/>
             </a:endParaRPr>
           </a:p>
@@ -180,10 +175,7 @@
             <a:normAutofit/>
           </a:bodyPr>
           <a:p>
-            <a:endParaRPr b="0" lang="en-US" sz="2800" spc="-1" strike="noStrike">
-              <a:solidFill>
-                <a:srgbClr val="000000"/>
-              </a:solidFill>
+            <a:endParaRPr b="0" lang="en-US" sz="3200" spc="-1" strike="noStrike">
               <a:latin typeface="Arial"/>
             </a:endParaRPr>
           </a:p>
@@ -233,10 +225,8 @@
         <p:txBody>
           <a:bodyPr lIns="0" rIns="0" tIns="0" bIns="0" anchor="ctr"/>
           <a:p>
-            <a:endParaRPr b="0" lang="en-US" sz="1800" spc="-1" strike="noStrike">
-              <a:solidFill>
-                <a:srgbClr val="000000"/>
-              </a:solidFill>
+            <a:pPr algn="ctr"/>
+            <a:endParaRPr b="0" lang="en-US" sz="4400" spc="-1" strike="noStrike">
               <a:latin typeface="Arial"/>
             </a:endParaRPr>
           </a:p>
@@ -266,10 +256,7 @@
             <a:normAutofit/>
           </a:bodyPr>
           <a:p>
-            <a:endParaRPr b="0" lang="en-US" sz="2800" spc="-1" strike="noStrike">
-              <a:solidFill>
-                <a:srgbClr val="000000"/>
-              </a:solidFill>
+            <a:endParaRPr b="0" lang="en-US" sz="3200" spc="-1" strike="noStrike">
               <a:latin typeface="Arial"/>
             </a:endParaRPr>
           </a:p>
@@ -299,10 +286,7 @@
             <a:normAutofit/>
           </a:bodyPr>
           <a:p>
-            <a:endParaRPr b="0" lang="en-US" sz="2800" spc="-1" strike="noStrike">
-              <a:solidFill>
-                <a:srgbClr val="000000"/>
-              </a:solidFill>
+            <a:endParaRPr b="0" lang="en-US" sz="3200" spc="-1" strike="noStrike">
               <a:latin typeface="Arial"/>
             </a:endParaRPr>
           </a:p>
@@ -332,10 +316,7 @@
             <a:normAutofit/>
           </a:bodyPr>
           <a:p>
-            <a:endParaRPr b="0" lang="en-US" sz="2800" spc="-1" strike="noStrike">
-              <a:solidFill>
-                <a:srgbClr val="000000"/>
-              </a:solidFill>
+            <a:endParaRPr b="0" lang="en-US" sz="3200" spc="-1" strike="noStrike">
               <a:latin typeface="Arial"/>
             </a:endParaRPr>
           </a:p>
@@ -365,10 +346,7 @@
             <a:normAutofit/>
           </a:bodyPr>
           <a:p>
-            <a:endParaRPr b="0" lang="en-US" sz="2800" spc="-1" strike="noStrike">
-              <a:solidFill>
-                <a:srgbClr val="000000"/>
-              </a:solidFill>
+            <a:endParaRPr b="0" lang="en-US" sz="3200" spc="-1" strike="noStrike">
               <a:latin typeface="Arial"/>
             </a:endParaRPr>
           </a:p>
@@ -418,10 +396,8 @@
         <p:txBody>
           <a:bodyPr lIns="0" rIns="0" tIns="0" bIns="0" anchor="ctr"/>
           <a:p>
-            <a:endParaRPr b="0" lang="en-US" sz="1800" spc="-1" strike="noStrike">
-              <a:solidFill>
-                <a:srgbClr val="000000"/>
-              </a:solidFill>
+            <a:pPr algn="ctr"/>
+            <a:endParaRPr b="0" lang="en-US" sz="4400" spc="-1" strike="noStrike">
               <a:latin typeface="Arial"/>
             </a:endParaRPr>
           </a:p>
@@ -451,10 +427,7 @@
             <a:normAutofit/>
           </a:bodyPr>
           <a:p>
-            <a:endParaRPr b="0" lang="en-US" sz="2800" spc="-1" strike="noStrike">
-              <a:solidFill>
-                <a:srgbClr val="000000"/>
-              </a:solidFill>
+            <a:endParaRPr b="0" lang="en-US" sz="3200" spc="-1" strike="noStrike">
               <a:latin typeface="Arial"/>
             </a:endParaRPr>
           </a:p>
@@ -484,10 +457,7 @@
             <a:normAutofit/>
           </a:bodyPr>
           <a:p>
-            <a:endParaRPr b="0" lang="en-US" sz="2800" spc="-1" strike="noStrike">
-              <a:solidFill>
-                <a:srgbClr val="000000"/>
-              </a:solidFill>
+            <a:endParaRPr b="0" lang="en-US" sz="3200" spc="-1" strike="noStrike">
               <a:latin typeface="Arial"/>
             </a:endParaRPr>
           </a:p>
@@ -517,10 +487,7 @@
             <a:normAutofit/>
           </a:bodyPr>
           <a:p>
-            <a:endParaRPr b="0" lang="en-US" sz="2800" spc="-1" strike="noStrike">
-              <a:solidFill>
-                <a:srgbClr val="000000"/>
-              </a:solidFill>
+            <a:endParaRPr b="0" lang="en-US" sz="3200" spc="-1" strike="noStrike">
               <a:latin typeface="Arial"/>
             </a:endParaRPr>
           </a:p>
@@ -550,10 +517,7 @@
             <a:normAutofit/>
           </a:bodyPr>
           <a:p>
-            <a:endParaRPr b="0" lang="en-US" sz="2800" spc="-1" strike="noStrike">
-              <a:solidFill>
-                <a:srgbClr val="000000"/>
-              </a:solidFill>
+            <a:endParaRPr b="0" lang="en-US" sz="3200" spc="-1" strike="noStrike">
               <a:latin typeface="Arial"/>
             </a:endParaRPr>
           </a:p>
@@ -583,10 +547,7 @@
             <a:normAutofit/>
           </a:bodyPr>
           <a:p>
-            <a:endParaRPr b="0" lang="en-US" sz="2800" spc="-1" strike="noStrike">
-              <a:solidFill>
-                <a:srgbClr val="000000"/>
-              </a:solidFill>
+            <a:endParaRPr b="0" lang="en-US" sz="3200" spc="-1" strike="noStrike">
               <a:latin typeface="Arial"/>
             </a:endParaRPr>
           </a:p>
@@ -616,10 +577,7 @@
             <a:normAutofit/>
           </a:bodyPr>
           <a:p>
-            <a:endParaRPr b="0" lang="en-US" sz="2800" spc="-1" strike="noStrike">
-              <a:solidFill>
-                <a:srgbClr val="000000"/>
-              </a:solidFill>
+            <a:endParaRPr b="0" lang="en-US" sz="3200" spc="-1" strike="noStrike">
               <a:latin typeface="Arial"/>
             </a:endParaRPr>
           </a:p>
@@ -691,10 +649,8 @@
         <p:txBody>
           <a:bodyPr lIns="0" rIns="0" tIns="0" bIns="0" anchor="ctr"/>
           <a:p>
-            <a:endParaRPr b="0" lang="en-US" sz="1800" spc="-1" strike="noStrike">
-              <a:solidFill>
-                <a:srgbClr val="000000"/>
-              </a:solidFill>
+            <a:pPr algn="ctr"/>
+            <a:endParaRPr b="0" lang="en-US" sz="4400" spc="-1" strike="noStrike">
               <a:latin typeface="Arial"/>
             </a:endParaRPr>
           </a:p>
@@ -773,10 +729,8 @@
         <p:txBody>
           <a:bodyPr lIns="0" rIns="0" tIns="0" bIns="0" anchor="ctr"/>
           <a:p>
-            <a:endParaRPr b="0" lang="en-US" sz="1800" spc="-1" strike="noStrike">
-              <a:solidFill>
-                <a:srgbClr val="000000"/>
-              </a:solidFill>
+            <a:pPr algn="ctr"/>
+            <a:endParaRPr b="0" lang="en-US" sz="4400" spc="-1" strike="noStrike">
               <a:latin typeface="Arial"/>
             </a:endParaRPr>
           </a:p>
@@ -806,10 +760,7 @@
             <a:normAutofit/>
           </a:bodyPr>
           <a:p>
-            <a:endParaRPr b="0" lang="en-US" sz="2800" spc="-1" strike="noStrike">
-              <a:solidFill>
-                <a:srgbClr val="000000"/>
-              </a:solidFill>
+            <a:endParaRPr b="0" lang="en-US" sz="3200" spc="-1" strike="noStrike">
               <a:latin typeface="Arial"/>
             </a:endParaRPr>
           </a:p>
@@ -859,10 +810,8 @@
         <p:txBody>
           <a:bodyPr lIns="0" rIns="0" tIns="0" bIns="0" anchor="ctr"/>
           <a:p>
-            <a:endParaRPr b="0" lang="en-US" sz="1800" spc="-1" strike="noStrike">
-              <a:solidFill>
-                <a:srgbClr val="000000"/>
-              </a:solidFill>
+            <a:pPr algn="ctr"/>
+            <a:endParaRPr b="0" lang="en-US" sz="4400" spc="-1" strike="noStrike">
               <a:latin typeface="Arial"/>
             </a:endParaRPr>
           </a:p>
@@ -892,10 +841,7 @@
             <a:normAutofit/>
           </a:bodyPr>
           <a:p>
-            <a:endParaRPr b="0" lang="en-US" sz="2800" spc="-1" strike="noStrike">
-              <a:solidFill>
-                <a:srgbClr val="000000"/>
-              </a:solidFill>
+            <a:endParaRPr b="0" lang="en-US" sz="3200" spc="-1" strike="noStrike">
               <a:latin typeface="Arial"/>
             </a:endParaRPr>
           </a:p>
@@ -925,10 +871,7 @@
             <a:normAutofit/>
           </a:bodyPr>
           <a:p>
-            <a:endParaRPr b="0" lang="en-US" sz="2800" spc="-1" strike="noStrike">
-              <a:solidFill>
-                <a:srgbClr val="000000"/>
-              </a:solidFill>
+            <a:endParaRPr b="0" lang="en-US" sz="3200" spc="-1" strike="noStrike">
               <a:latin typeface="Arial"/>
             </a:endParaRPr>
           </a:p>
@@ -978,10 +921,8 @@
         <p:txBody>
           <a:bodyPr lIns="0" rIns="0" tIns="0" bIns="0" anchor="ctr"/>
           <a:p>
-            <a:endParaRPr b="0" lang="en-US" sz="1800" spc="-1" strike="noStrike">
-              <a:solidFill>
-                <a:srgbClr val="000000"/>
-              </a:solidFill>
+            <a:pPr algn="ctr"/>
+            <a:endParaRPr b="0" lang="en-US" sz="4400" spc="-1" strike="noStrike">
               <a:latin typeface="Arial"/>
             </a:endParaRPr>
           </a:p>
@@ -1082,10 +1023,8 @@
         <p:txBody>
           <a:bodyPr lIns="0" rIns="0" tIns="0" bIns="0" anchor="ctr"/>
           <a:p>
-            <a:endParaRPr b="0" lang="en-US" sz="1800" spc="-1" strike="noStrike">
-              <a:solidFill>
-                <a:srgbClr val="000000"/>
-              </a:solidFill>
+            <a:pPr algn="ctr"/>
+            <a:endParaRPr b="0" lang="en-US" sz="4400" spc="-1" strike="noStrike">
               <a:latin typeface="Arial"/>
             </a:endParaRPr>
           </a:p>
@@ -1115,10 +1054,7 @@
             <a:normAutofit/>
           </a:bodyPr>
           <a:p>
-            <a:endParaRPr b="0" lang="en-US" sz="2800" spc="-1" strike="noStrike">
-              <a:solidFill>
-                <a:srgbClr val="000000"/>
-              </a:solidFill>
+            <a:endParaRPr b="0" lang="en-US" sz="3200" spc="-1" strike="noStrike">
               <a:latin typeface="Arial"/>
             </a:endParaRPr>
           </a:p>
@@ -1148,10 +1084,7 @@
             <a:normAutofit/>
           </a:bodyPr>
           <a:p>
-            <a:endParaRPr b="0" lang="en-US" sz="2800" spc="-1" strike="noStrike">
-              <a:solidFill>
-                <a:srgbClr val="000000"/>
-              </a:solidFill>
+            <a:endParaRPr b="0" lang="en-US" sz="3200" spc="-1" strike="noStrike">
               <a:latin typeface="Arial"/>
             </a:endParaRPr>
           </a:p>
@@ -1181,10 +1114,7 @@
             <a:normAutofit/>
           </a:bodyPr>
           <a:p>
-            <a:endParaRPr b="0" lang="en-US" sz="2800" spc="-1" strike="noStrike">
-              <a:solidFill>
-                <a:srgbClr val="000000"/>
-              </a:solidFill>
+            <a:endParaRPr b="0" lang="en-US" sz="3200" spc="-1" strike="noStrike">
               <a:latin typeface="Arial"/>
             </a:endParaRPr>
           </a:p>
@@ -1234,10 +1164,8 @@
         <p:txBody>
           <a:bodyPr lIns="0" rIns="0" tIns="0" bIns="0" anchor="ctr"/>
           <a:p>
-            <a:endParaRPr b="0" lang="en-US" sz="1800" spc="-1" strike="noStrike">
-              <a:solidFill>
-                <a:srgbClr val="000000"/>
-              </a:solidFill>
+            <a:pPr algn="ctr"/>
+            <a:endParaRPr b="0" lang="en-US" sz="4400" spc="-1" strike="noStrike">
               <a:latin typeface="Arial"/>
             </a:endParaRPr>
           </a:p>
@@ -1316,10 +1244,8 @@
         <p:txBody>
           <a:bodyPr lIns="0" rIns="0" tIns="0" bIns="0" anchor="ctr"/>
           <a:p>
-            <a:endParaRPr b="0" lang="en-US" sz="1800" spc="-1" strike="noStrike">
-              <a:solidFill>
-                <a:srgbClr val="000000"/>
-              </a:solidFill>
+            <a:pPr algn="ctr"/>
+            <a:endParaRPr b="0" lang="en-US" sz="4400" spc="-1" strike="noStrike">
               <a:latin typeface="Arial"/>
             </a:endParaRPr>
           </a:p>
@@ -1349,10 +1275,7 @@
             <a:normAutofit/>
           </a:bodyPr>
           <a:p>
-            <a:endParaRPr b="0" lang="en-US" sz="2800" spc="-1" strike="noStrike">
-              <a:solidFill>
-                <a:srgbClr val="000000"/>
-              </a:solidFill>
+            <a:endParaRPr b="0" lang="en-US" sz="3200" spc="-1" strike="noStrike">
               <a:latin typeface="Arial"/>
             </a:endParaRPr>
           </a:p>
@@ -1382,10 +1305,7 @@
             <a:normAutofit/>
           </a:bodyPr>
           <a:p>
-            <a:endParaRPr b="0" lang="en-US" sz="2800" spc="-1" strike="noStrike">
-              <a:solidFill>
-                <a:srgbClr val="000000"/>
-              </a:solidFill>
+            <a:endParaRPr b="0" lang="en-US" sz="3200" spc="-1" strike="noStrike">
               <a:latin typeface="Arial"/>
             </a:endParaRPr>
           </a:p>
@@ -1415,10 +1335,7 @@
             <a:normAutofit/>
           </a:bodyPr>
           <a:p>
-            <a:endParaRPr b="0" lang="en-US" sz="2800" spc="-1" strike="noStrike">
-              <a:solidFill>
-                <a:srgbClr val="000000"/>
-              </a:solidFill>
+            <a:endParaRPr b="0" lang="en-US" sz="3200" spc="-1" strike="noStrike">
               <a:latin typeface="Arial"/>
             </a:endParaRPr>
           </a:p>
@@ -1468,10 +1385,8 @@
         <p:txBody>
           <a:bodyPr lIns="0" rIns="0" tIns="0" bIns="0" anchor="ctr"/>
           <a:p>
-            <a:endParaRPr b="0" lang="en-US" sz="1800" spc="-1" strike="noStrike">
-              <a:solidFill>
-                <a:srgbClr val="000000"/>
-              </a:solidFill>
+            <a:pPr algn="ctr"/>
+            <a:endParaRPr b="0" lang="en-US" sz="4400" spc="-1" strike="noStrike">
               <a:latin typeface="Arial"/>
             </a:endParaRPr>
           </a:p>
@@ -1501,10 +1416,7 @@
             <a:normAutofit/>
           </a:bodyPr>
           <a:p>
-            <a:endParaRPr b="0" lang="en-US" sz="2800" spc="-1" strike="noStrike">
-              <a:solidFill>
-                <a:srgbClr val="000000"/>
-              </a:solidFill>
+            <a:endParaRPr b="0" lang="en-US" sz="3200" spc="-1" strike="noStrike">
               <a:latin typeface="Arial"/>
             </a:endParaRPr>
           </a:p>
@@ -1534,10 +1446,7 @@
             <a:normAutofit/>
           </a:bodyPr>
           <a:p>
-            <a:endParaRPr b="0" lang="en-US" sz="2800" spc="-1" strike="noStrike">
-              <a:solidFill>
-                <a:srgbClr val="000000"/>
-              </a:solidFill>
+            <a:endParaRPr b="0" lang="en-US" sz="3200" spc="-1" strike="noStrike">
               <a:latin typeface="Arial"/>
             </a:endParaRPr>
           </a:p>
@@ -1567,10 +1476,7 @@
             <a:normAutofit/>
           </a:bodyPr>
           <a:p>
-            <a:endParaRPr b="0" lang="en-US" sz="2800" spc="-1" strike="noStrike">
-              <a:solidFill>
-                <a:srgbClr val="000000"/>
-              </a:solidFill>
+            <a:endParaRPr b="0" lang="en-US" sz="3200" spc="-1" strike="noStrike">
               <a:latin typeface="Arial"/>
             </a:endParaRPr>
           </a:p>
@@ -1620,10 +1526,8 @@
         <p:txBody>
           <a:bodyPr lIns="0" rIns="0" tIns="0" bIns="0" anchor="ctr"/>
           <a:p>
-            <a:endParaRPr b="0" lang="en-US" sz="1800" spc="-1" strike="noStrike">
-              <a:solidFill>
-                <a:srgbClr val="000000"/>
-              </a:solidFill>
+            <a:pPr algn="ctr"/>
+            <a:endParaRPr b="0" lang="en-US" sz="4400" spc="-1" strike="noStrike">
               <a:latin typeface="Arial"/>
             </a:endParaRPr>
           </a:p>
@@ -1653,10 +1557,7 @@
             <a:normAutofit/>
           </a:bodyPr>
           <a:p>
-            <a:endParaRPr b="0" lang="en-US" sz="2800" spc="-1" strike="noStrike">
-              <a:solidFill>
-                <a:srgbClr val="000000"/>
-              </a:solidFill>
+            <a:endParaRPr b="0" lang="en-US" sz="3200" spc="-1" strike="noStrike">
               <a:latin typeface="Arial"/>
             </a:endParaRPr>
           </a:p>
@@ -1686,10 +1587,7 @@
             <a:normAutofit/>
           </a:bodyPr>
           <a:p>
-            <a:endParaRPr b="0" lang="en-US" sz="2800" spc="-1" strike="noStrike">
-              <a:solidFill>
-                <a:srgbClr val="000000"/>
-              </a:solidFill>
+            <a:endParaRPr b="0" lang="en-US" sz="3200" spc="-1" strike="noStrike">
               <a:latin typeface="Arial"/>
             </a:endParaRPr>
           </a:p>
@@ -1739,10 +1637,8 @@
         <p:txBody>
           <a:bodyPr lIns="0" rIns="0" tIns="0" bIns="0" anchor="ctr"/>
           <a:p>
-            <a:endParaRPr b="0" lang="en-US" sz="1800" spc="-1" strike="noStrike">
-              <a:solidFill>
-                <a:srgbClr val="000000"/>
-              </a:solidFill>
+            <a:pPr algn="ctr"/>
+            <a:endParaRPr b="0" lang="en-US" sz="4400" spc="-1" strike="noStrike">
               <a:latin typeface="Arial"/>
             </a:endParaRPr>
           </a:p>
@@ -1772,10 +1668,7 @@
             <a:normAutofit/>
           </a:bodyPr>
           <a:p>
-            <a:endParaRPr b="0" lang="en-US" sz="2800" spc="-1" strike="noStrike">
-              <a:solidFill>
-                <a:srgbClr val="000000"/>
-              </a:solidFill>
+            <a:endParaRPr b="0" lang="en-US" sz="3200" spc="-1" strike="noStrike">
               <a:latin typeface="Arial"/>
             </a:endParaRPr>
           </a:p>
@@ -1805,10 +1698,7 @@
             <a:normAutofit/>
           </a:bodyPr>
           <a:p>
-            <a:endParaRPr b="0" lang="en-US" sz="2800" spc="-1" strike="noStrike">
-              <a:solidFill>
-                <a:srgbClr val="000000"/>
-              </a:solidFill>
+            <a:endParaRPr b="0" lang="en-US" sz="3200" spc="-1" strike="noStrike">
               <a:latin typeface="Arial"/>
             </a:endParaRPr>
           </a:p>
@@ -1838,10 +1728,7 @@
             <a:normAutofit/>
           </a:bodyPr>
           <a:p>
-            <a:endParaRPr b="0" lang="en-US" sz="2800" spc="-1" strike="noStrike">
-              <a:solidFill>
-                <a:srgbClr val="000000"/>
-              </a:solidFill>
+            <a:endParaRPr b="0" lang="en-US" sz="3200" spc="-1" strike="noStrike">
               <a:latin typeface="Arial"/>
             </a:endParaRPr>
           </a:p>
@@ -1871,10 +1758,7 @@
             <a:normAutofit/>
           </a:bodyPr>
           <a:p>
-            <a:endParaRPr b="0" lang="en-US" sz="2800" spc="-1" strike="noStrike">
-              <a:solidFill>
-                <a:srgbClr val="000000"/>
-              </a:solidFill>
+            <a:endParaRPr b="0" lang="en-US" sz="3200" spc="-1" strike="noStrike">
               <a:latin typeface="Arial"/>
             </a:endParaRPr>
           </a:p>
@@ -1924,10 +1808,8 @@
         <p:txBody>
           <a:bodyPr lIns="0" rIns="0" tIns="0" bIns="0" anchor="ctr"/>
           <a:p>
-            <a:endParaRPr b="0" lang="en-US" sz="1800" spc="-1" strike="noStrike">
-              <a:solidFill>
-                <a:srgbClr val="000000"/>
-              </a:solidFill>
+            <a:pPr algn="ctr"/>
+            <a:endParaRPr b="0" lang="en-US" sz="4400" spc="-1" strike="noStrike">
               <a:latin typeface="Arial"/>
             </a:endParaRPr>
           </a:p>
@@ -1957,10 +1839,7 @@
             <a:normAutofit/>
           </a:bodyPr>
           <a:p>
-            <a:endParaRPr b="0" lang="en-US" sz="2800" spc="-1" strike="noStrike">
-              <a:solidFill>
-                <a:srgbClr val="000000"/>
-              </a:solidFill>
+            <a:endParaRPr b="0" lang="en-US" sz="3200" spc="-1" strike="noStrike">
               <a:latin typeface="Arial"/>
             </a:endParaRPr>
           </a:p>
@@ -1990,10 +1869,7 @@
             <a:normAutofit/>
           </a:bodyPr>
           <a:p>
-            <a:endParaRPr b="0" lang="en-US" sz="2800" spc="-1" strike="noStrike">
-              <a:solidFill>
-                <a:srgbClr val="000000"/>
-              </a:solidFill>
+            <a:endParaRPr b="0" lang="en-US" sz="3200" spc="-1" strike="noStrike">
               <a:latin typeface="Arial"/>
             </a:endParaRPr>
           </a:p>
@@ -2023,10 +1899,7 @@
             <a:normAutofit/>
           </a:bodyPr>
           <a:p>
-            <a:endParaRPr b="0" lang="en-US" sz="2800" spc="-1" strike="noStrike">
-              <a:solidFill>
-                <a:srgbClr val="000000"/>
-              </a:solidFill>
+            <a:endParaRPr b="0" lang="en-US" sz="3200" spc="-1" strike="noStrike">
               <a:latin typeface="Arial"/>
             </a:endParaRPr>
           </a:p>
@@ -2056,10 +1929,7 @@
             <a:normAutofit/>
           </a:bodyPr>
           <a:p>
-            <a:endParaRPr b="0" lang="en-US" sz="2800" spc="-1" strike="noStrike">
-              <a:solidFill>
-                <a:srgbClr val="000000"/>
-              </a:solidFill>
+            <a:endParaRPr b="0" lang="en-US" sz="3200" spc="-1" strike="noStrike">
               <a:latin typeface="Arial"/>
             </a:endParaRPr>
           </a:p>
@@ -2089,10 +1959,7 @@
             <a:normAutofit/>
           </a:bodyPr>
           <a:p>
-            <a:endParaRPr b="0" lang="en-US" sz="2800" spc="-1" strike="noStrike">
-              <a:solidFill>
-                <a:srgbClr val="000000"/>
-              </a:solidFill>
+            <a:endParaRPr b="0" lang="en-US" sz="3200" spc="-1" strike="noStrike">
               <a:latin typeface="Arial"/>
             </a:endParaRPr>
           </a:p>
@@ -2122,10 +1989,7 @@
             <a:normAutofit/>
           </a:bodyPr>
           <a:p>
-            <a:endParaRPr b="0" lang="en-US" sz="2800" spc="-1" strike="noStrike">
-              <a:solidFill>
-                <a:srgbClr val="000000"/>
-              </a:solidFill>
+            <a:endParaRPr b="0" lang="en-US" sz="3200" spc="-1" strike="noStrike">
               <a:latin typeface="Arial"/>
             </a:endParaRPr>
           </a:p>
@@ -2175,10 +2039,8 @@
         <p:txBody>
           <a:bodyPr lIns="0" rIns="0" tIns="0" bIns="0" anchor="ctr"/>
           <a:p>
-            <a:endParaRPr b="0" lang="en-US" sz="1800" spc="-1" strike="noStrike">
-              <a:solidFill>
-                <a:srgbClr val="000000"/>
-              </a:solidFill>
+            <a:pPr algn="ctr"/>
+            <a:endParaRPr b="0" lang="en-US" sz="4400" spc="-1" strike="noStrike">
               <a:latin typeface="Arial"/>
             </a:endParaRPr>
           </a:p>
@@ -2208,10 +2070,7 @@
             <a:normAutofit/>
           </a:bodyPr>
           <a:p>
-            <a:endParaRPr b="0" lang="en-US" sz="2800" spc="-1" strike="noStrike">
-              <a:solidFill>
-                <a:srgbClr val="000000"/>
-              </a:solidFill>
+            <a:endParaRPr b="0" lang="en-US" sz="3200" spc="-1" strike="noStrike">
               <a:latin typeface="Arial"/>
             </a:endParaRPr>
           </a:p>
@@ -2261,10 +2120,8 @@
         <p:txBody>
           <a:bodyPr lIns="0" rIns="0" tIns="0" bIns="0" anchor="ctr"/>
           <a:p>
-            <a:endParaRPr b="0" lang="en-US" sz="1800" spc="-1" strike="noStrike">
-              <a:solidFill>
-                <a:srgbClr val="000000"/>
-              </a:solidFill>
+            <a:pPr algn="ctr"/>
+            <a:endParaRPr b="0" lang="en-US" sz="4400" spc="-1" strike="noStrike">
               <a:latin typeface="Arial"/>
             </a:endParaRPr>
           </a:p>
@@ -2294,10 +2151,7 @@
             <a:normAutofit/>
           </a:bodyPr>
           <a:p>
-            <a:endParaRPr b="0" lang="en-US" sz="2800" spc="-1" strike="noStrike">
-              <a:solidFill>
-                <a:srgbClr val="000000"/>
-              </a:solidFill>
+            <a:endParaRPr b="0" lang="en-US" sz="3200" spc="-1" strike="noStrike">
               <a:latin typeface="Arial"/>
             </a:endParaRPr>
           </a:p>
@@ -2327,10 +2181,7 @@
             <a:normAutofit/>
           </a:bodyPr>
           <a:p>
-            <a:endParaRPr b="0" lang="en-US" sz="2800" spc="-1" strike="noStrike">
-              <a:solidFill>
-                <a:srgbClr val="000000"/>
-              </a:solidFill>
+            <a:endParaRPr b="0" lang="en-US" sz="3200" spc="-1" strike="noStrike">
               <a:latin typeface="Arial"/>
             </a:endParaRPr>
           </a:p>
@@ -2380,10 +2231,8 @@
         <p:txBody>
           <a:bodyPr lIns="0" rIns="0" tIns="0" bIns="0" anchor="ctr"/>
           <a:p>
-            <a:endParaRPr b="0" lang="en-US" sz="1800" spc="-1" strike="noStrike">
-              <a:solidFill>
-                <a:srgbClr val="000000"/>
-              </a:solidFill>
+            <a:pPr algn="ctr"/>
+            <a:endParaRPr b="0" lang="en-US" sz="4400" spc="-1" strike="noStrike">
               <a:latin typeface="Arial"/>
             </a:endParaRPr>
           </a:p>
@@ -2484,10 +2333,8 @@
         <p:txBody>
           <a:bodyPr lIns="0" rIns="0" tIns="0" bIns="0" anchor="ctr"/>
           <a:p>
-            <a:endParaRPr b="0" lang="en-US" sz="1800" spc="-1" strike="noStrike">
-              <a:solidFill>
-                <a:srgbClr val="000000"/>
-              </a:solidFill>
+            <a:pPr algn="ctr"/>
+            <a:endParaRPr b="0" lang="en-US" sz="4400" spc="-1" strike="noStrike">
               <a:latin typeface="Arial"/>
             </a:endParaRPr>
           </a:p>
@@ -2517,10 +2364,7 @@
             <a:normAutofit/>
           </a:bodyPr>
           <a:p>
-            <a:endParaRPr b="0" lang="en-US" sz="2800" spc="-1" strike="noStrike">
-              <a:solidFill>
-                <a:srgbClr val="000000"/>
-              </a:solidFill>
+            <a:endParaRPr b="0" lang="en-US" sz="3200" spc="-1" strike="noStrike">
               <a:latin typeface="Arial"/>
             </a:endParaRPr>
           </a:p>
@@ -2550,10 +2394,7 @@
             <a:normAutofit/>
           </a:bodyPr>
           <a:p>
-            <a:endParaRPr b="0" lang="en-US" sz="2800" spc="-1" strike="noStrike">
-              <a:solidFill>
-                <a:srgbClr val="000000"/>
-              </a:solidFill>
+            <a:endParaRPr b="0" lang="en-US" sz="3200" spc="-1" strike="noStrike">
               <a:latin typeface="Arial"/>
             </a:endParaRPr>
           </a:p>
@@ -2583,10 +2424,7 @@
             <a:normAutofit/>
           </a:bodyPr>
           <a:p>
-            <a:endParaRPr b="0" lang="en-US" sz="2800" spc="-1" strike="noStrike">
-              <a:solidFill>
-                <a:srgbClr val="000000"/>
-              </a:solidFill>
+            <a:endParaRPr b="0" lang="en-US" sz="3200" spc="-1" strike="noStrike">
               <a:latin typeface="Arial"/>
             </a:endParaRPr>
           </a:p>
@@ -2636,10 +2474,8 @@
         <p:txBody>
           <a:bodyPr lIns="0" rIns="0" tIns="0" bIns="0" anchor="ctr"/>
           <a:p>
-            <a:endParaRPr b="0" lang="en-US" sz="1800" spc="-1" strike="noStrike">
-              <a:solidFill>
-                <a:srgbClr val="000000"/>
-              </a:solidFill>
+            <a:pPr algn="ctr"/>
+            <a:endParaRPr b="0" lang="en-US" sz="4400" spc="-1" strike="noStrike">
               <a:latin typeface="Arial"/>
             </a:endParaRPr>
           </a:p>
@@ -2669,10 +2505,7 @@
             <a:normAutofit/>
           </a:bodyPr>
           <a:p>
-            <a:endParaRPr b="0" lang="en-US" sz="2800" spc="-1" strike="noStrike">
-              <a:solidFill>
-                <a:srgbClr val="000000"/>
-              </a:solidFill>
+            <a:endParaRPr b="0" lang="en-US" sz="3200" spc="-1" strike="noStrike">
               <a:latin typeface="Arial"/>
             </a:endParaRPr>
           </a:p>
@@ -2702,10 +2535,7 @@
             <a:normAutofit/>
           </a:bodyPr>
           <a:p>
-            <a:endParaRPr b="0" lang="en-US" sz="2800" spc="-1" strike="noStrike">
-              <a:solidFill>
-                <a:srgbClr val="000000"/>
-              </a:solidFill>
+            <a:endParaRPr b="0" lang="en-US" sz="3200" spc="-1" strike="noStrike">
               <a:latin typeface="Arial"/>
             </a:endParaRPr>
           </a:p>
@@ -2735,10 +2565,7 @@
             <a:normAutofit/>
           </a:bodyPr>
           <a:p>
-            <a:endParaRPr b="0" lang="en-US" sz="2800" spc="-1" strike="noStrike">
-              <a:solidFill>
-                <a:srgbClr val="000000"/>
-              </a:solidFill>
+            <a:endParaRPr b="0" lang="en-US" sz="3200" spc="-1" strike="noStrike">
               <a:latin typeface="Arial"/>
             </a:endParaRPr>
           </a:p>
@@ -2788,10 +2615,8 @@
         <p:txBody>
           <a:bodyPr lIns="0" rIns="0" tIns="0" bIns="0" anchor="ctr"/>
           <a:p>
-            <a:endParaRPr b="0" lang="en-US" sz="1800" spc="-1" strike="noStrike">
-              <a:solidFill>
-                <a:srgbClr val="000000"/>
-              </a:solidFill>
+            <a:pPr algn="ctr"/>
+            <a:endParaRPr b="0" lang="en-US" sz="4400" spc="-1" strike="noStrike">
               <a:latin typeface="Arial"/>
             </a:endParaRPr>
           </a:p>
@@ -2821,10 +2646,7 @@
             <a:normAutofit/>
           </a:bodyPr>
           <a:p>
-            <a:endParaRPr b="0" lang="en-US" sz="2800" spc="-1" strike="noStrike">
-              <a:solidFill>
-                <a:srgbClr val="000000"/>
-              </a:solidFill>
+            <a:endParaRPr b="0" lang="en-US" sz="3200" spc="-1" strike="noStrike">
               <a:latin typeface="Arial"/>
             </a:endParaRPr>
           </a:p>
@@ -2854,10 +2676,7 @@
             <a:normAutofit/>
           </a:bodyPr>
           <a:p>
-            <a:endParaRPr b="0" lang="en-US" sz="2800" spc="-1" strike="noStrike">
-              <a:solidFill>
-                <a:srgbClr val="000000"/>
-              </a:solidFill>
+            <a:endParaRPr b="0" lang="en-US" sz="3200" spc="-1" strike="noStrike">
               <a:latin typeface="Arial"/>
             </a:endParaRPr>
           </a:p>
@@ -2887,10 +2706,7 @@
             <a:normAutofit/>
           </a:bodyPr>
           <a:p>
-            <a:endParaRPr b="0" lang="en-US" sz="2800" spc="-1" strike="noStrike">
-              <a:solidFill>
-                <a:srgbClr val="000000"/>
-              </a:solidFill>
+            <a:endParaRPr b="0" lang="en-US" sz="3200" spc="-1" strike="noStrike">
               <a:latin typeface="Arial"/>
             </a:endParaRPr>
           </a:p>
@@ -2937,7 +2753,7 @@
         <p:spPr>
           <a:xfrm rot="5400000">
             <a:off x="0" y="0"/>
-            <a:ext cx="2498400" cy="2498400"/>
+            <a:ext cx="2498040" cy="2498040"/>
           </a:xfrm>
           <a:prstGeom prst="rtTriangle">
             <a:avLst/>
@@ -2977,7 +2793,7 @@
         <p:spPr>
           <a:xfrm>
             <a:off x="0" y="0"/>
-            <a:ext cx="2751480" cy="1295280"/>
+            <a:ext cx="2751120" cy="1294920"/>
           </a:xfrm>
           <a:prstGeom prst="rect">
             <a:avLst/>
@@ -3009,19 +2825,14 @@
         <p:txBody>
           <a:bodyPr lIns="0" rIns="0" tIns="0" bIns="0" anchor="ctr"/>
           <a:p>
-            <a:r>
-              <a:rPr b="0" lang="en-US" sz="1800" spc="-1" strike="noStrike">
-                <a:solidFill>
-                  <a:srgbClr val="000000"/>
-                </a:solidFill>
+            <a:pPr algn="ctr"/>
+            <a:r>
+              <a:rPr b="0" lang="en-US" sz="4400" spc="-1" strike="noStrike">
                 <a:latin typeface="Arial"/>
               </a:rPr>
               <a:t>Click to edit the title text format</a:t>
             </a:r>
-            <a:endParaRPr b="0" lang="en-US" sz="1800" spc="-1" strike="noStrike">
-              <a:solidFill>
-                <a:srgbClr val="000000"/>
-              </a:solidFill>
+            <a:endParaRPr b="0" lang="en-US" sz="4400" spc="-1" strike="noStrike">
               <a:latin typeface="Arial"/>
             </a:endParaRPr>
           </a:p>
@@ -3063,18 +2874,12 @@
               <a:buChar char=""/>
             </a:pPr>
             <a:r>
-              <a:rPr b="0" lang="en-US" sz="2800" spc="-1" strike="noStrike">
-                <a:solidFill>
-                  <a:srgbClr val="000000"/>
-                </a:solidFill>
+              <a:rPr b="0" lang="en-US" sz="3200" spc="-1" strike="noStrike">
                 <a:latin typeface="Arial"/>
               </a:rPr>
               <a:t>Click to edit the outline text format</a:t>
             </a:r>
-            <a:endParaRPr b="0" lang="en-US" sz="2800" spc="-1" strike="noStrike">
-              <a:solidFill>
-                <a:srgbClr val="000000"/>
-              </a:solidFill>
+            <a:endParaRPr b="0" lang="en-US" sz="3200" spc="-1" strike="noStrike">
               <a:latin typeface="Arial"/>
             </a:endParaRPr>
           </a:p>
@@ -3091,18 +2896,12 @@
               <a:buChar char=""/>
             </a:pPr>
             <a:r>
-              <a:rPr b="0" lang="en-US" sz="2000" spc="-1" strike="noStrike">
-                <a:solidFill>
-                  <a:srgbClr val="000000"/>
-                </a:solidFill>
+              <a:rPr b="0" lang="en-US" sz="2800" spc="-1" strike="noStrike">
                 <a:latin typeface="Arial"/>
               </a:rPr>
               <a:t>Second Outline Level</a:t>
             </a:r>
-            <a:endParaRPr b="0" lang="en-US" sz="2000" spc="-1" strike="noStrike">
-              <a:solidFill>
-                <a:srgbClr val="000000"/>
-              </a:solidFill>
+            <a:endParaRPr b="0" lang="en-US" sz="2800" spc="-1" strike="noStrike">
               <a:latin typeface="Arial"/>
             </a:endParaRPr>
           </a:p>
@@ -3119,18 +2918,12 @@
               <a:buChar char=""/>
             </a:pPr>
             <a:r>
-              <a:rPr b="0" lang="en-US" sz="1800" spc="-1" strike="noStrike">
-                <a:solidFill>
-                  <a:srgbClr val="000000"/>
-                </a:solidFill>
+              <a:rPr b="0" lang="en-US" sz="2400" spc="-1" strike="noStrike">
                 <a:latin typeface="Arial"/>
               </a:rPr>
               <a:t>Third Outline Level</a:t>
             </a:r>
-            <a:endParaRPr b="0" lang="en-US" sz="1800" spc="-1" strike="noStrike">
-              <a:solidFill>
-                <a:srgbClr val="000000"/>
-              </a:solidFill>
+            <a:endParaRPr b="0" lang="en-US" sz="2400" spc="-1" strike="noStrike">
               <a:latin typeface="Arial"/>
             </a:endParaRPr>
           </a:p>
@@ -3147,18 +2940,12 @@
               <a:buChar char=""/>
             </a:pPr>
             <a:r>
-              <a:rPr b="0" lang="en-US" sz="1800" spc="-1" strike="noStrike">
-                <a:solidFill>
-                  <a:srgbClr val="000000"/>
-                </a:solidFill>
+              <a:rPr b="0" lang="en-US" sz="2000" spc="-1" strike="noStrike">
                 <a:latin typeface="Arial"/>
               </a:rPr>
               <a:t>Fourth Outline Level</a:t>
             </a:r>
-            <a:endParaRPr b="0" lang="en-US" sz="1800" spc="-1" strike="noStrike">
-              <a:solidFill>
-                <a:srgbClr val="000000"/>
-              </a:solidFill>
+            <a:endParaRPr b="0" lang="en-US" sz="2000" spc="-1" strike="noStrike">
               <a:latin typeface="Arial"/>
             </a:endParaRPr>
           </a:p>
@@ -3176,17 +2963,11 @@
             </a:pPr>
             <a:r>
               <a:rPr b="0" lang="en-US" sz="2000" spc="-1" strike="noStrike">
-                <a:solidFill>
-                  <a:srgbClr val="000000"/>
-                </a:solidFill>
                 <a:latin typeface="Arial"/>
               </a:rPr>
               <a:t>Fifth Outline Level</a:t>
             </a:r>
             <a:endParaRPr b="0" lang="en-US" sz="2000" spc="-1" strike="noStrike">
-              <a:solidFill>
-                <a:srgbClr val="000000"/>
-              </a:solidFill>
               <a:latin typeface="Arial"/>
             </a:endParaRPr>
           </a:p>
@@ -3204,17 +2985,11 @@
             </a:pPr>
             <a:r>
               <a:rPr b="0" lang="en-US" sz="2000" spc="-1" strike="noStrike">
-                <a:solidFill>
-                  <a:srgbClr val="000000"/>
-                </a:solidFill>
                 <a:latin typeface="Arial"/>
               </a:rPr>
               <a:t>Sixth Outline Level</a:t>
             </a:r>
             <a:endParaRPr b="0" lang="en-US" sz="2000" spc="-1" strike="noStrike">
-              <a:solidFill>
-                <a:srgbClr val="000000"/>
-              </a:solidFill>
               <a:latin typeface="Arial"/>
             </a:endParaRPr>
           </a:p>
@@ -3232,17 +3007,11 @@
             </a:pPr>
             <a:r>
               <a:rPr b="0" lang="en-US" sz="2000" spc="-1" strike="noStrike">
-                <a:solidFill>
-                  <a:srgbClr val="000000"/>
-                </a:solidFill>
                 <a:latin typeface="Arial"/>
               </a:rPr>
               <a:t>Seventh Outline Level</a:t>
             </a:r>
             <a:endParaRPr b="0" lang="en-US" sz="2000" spc="-1" strike="noStrike">
-              <a:solidFill>
-                <a:srgbClr val="000000"/>
-              </a:solidFill>
               <a:latin typeface="Arial"/>
             </a:endParaRPr>
           </a:p>
@@ -3301,7 +3070,7 @@
         <p:spPr>
           <a:xfrm>
             <a:off x="0" y="0"/>
-            <a:ext cx="12190680" cy="961560"/>
+            <a:ext cx="12190320" cy="961200"/>
           </a:xfrm>
           <a:prstGeom prst="rect">
             <a:avLst/>
@@ -3341,7 +3110,7 @@
         <p:spPr>
           <a:xfrm>
             <a:off x="10895040" y="-23400"/>
-            <a:ext cx="2193840" cy="1032480"/>
+            <a:ext cx="2193480" cy="1032120"/>
           </a:xfrm>
           <a:prstGeom prst="rect">
             <a:avLst/>
@@ -3373,19 +3142,14 @@
         <p:txBody>
           <a:bodyPr lIns="0" rIns="0" tIns="0" bIns="0" anchor="ctr"/>
           <a:p>
-            <a:r>
-              <a:rPr b="0" lang="en-US" sz="1800" spc="-1" strike="noStrike">
-                <a:solidFill>
-                  <a:srgbClr val="000000"/>
-                </a:solidFill>
+            <a:pPr algn="ctr"/>
+            <a:r>
+              <a:rPr b="0" lang="en-US" sz="4400" spc="-1" strike="noStrike">
                 <a:latin typeface="Arial"/>
               </a:rPr>
               <a:t>Click to edit the title text format</a:t>
             </a:r>
-            <a:endParaRPr b="0" lang="en-US" sz="1800" spc="-1" strike="noStrike">
-              <a:solidFill>
-                <a:srgbClr val="000000"/>
-              </a:solidFill>
+            <a:endParaRPr b="0" lang="en-US" sz="4400" spc="-1" strike="noStrike">
               <a:latin typeface="Arial"/>
             </a:endParaRPr>
           </a:p>
@@ -3427,18 +3191,12 @@
               <a:buChar char=""/>
             </a:pPr>
             <a:r>
-              <a:rPr b="0" lang="en-US" sz="2800" spc="-1" strike="noStrike">
-                <a:solidFill>
-                  <a:srgbClr val="000000"/>
-                </a:solidFill>
+              <a:rPr b="0" lang="en-US" sz="3200" spc="-1" strike="noStrike">
                 <a:latin typeface="Arial"/>
               </a:rPr>
               <a:t>Click to edit the outline text format</a:t>
             </a:r>
-            <a:endParaRPr b="0" lang="en-US" sz="2800" spc="-1" strike="noStrike">
-              <a:solidFill>
-                <a:srgbClr val="000000"/>
-              </a:solidFill>
+            <a:endParaRPr b="0" lang="en-US" sz="3200" spc="-1" strike="noStrike">
               <a:latin typeface="Arial"/>
             </a:endParaRPr>
           </a:p>
@@ -3455,18 +3213,12 @@
               <a:buChar char=""/>
             </a:pPr>
             <a:r>
-              <a:rPr b="0" lang="en-US" sz="2000" spc="-1" strike="noStrike">
-                <a:solidFill>
-                  <a:srgbClr val="000000"/>
-                </a:solidFill>
+              <a:rPr b="0" lang="en-US" sz="2800" spc="-1" strike="noStrike">
                 <a:latin typeface="Arial"/>
               </a:rPr>
               <a:t>Second Outline Level</a:t>
             </a:r>
-            <a:endParaRPr b="0" lang="en-US" sz="2000" spc="-1" strike="noStrike">
-              <a:solidFill>
-                <a:srgbClr val="000000"/>
-              </a:solidFill>
+            <a:endParaRPr b="0" lang="en-US" sz="2800" spc="-1" strike="noStrike">
               <a:latin typeface="Arial"/>
             </a:endParaRPr>
           </a:p>
@@ -3483,18 +3235,12 @@
               <a:buChar char=""/>
             </a:pPr>
             <a:r>
-              <a:rPr b="0" lang="en-US" sz="1800" spc="-1" strike="noStrike">
-                <a:solidFill>
-                  <a:srgbClr val="000000"/>
-                </a:solidFill>
+              <a:rPr b="0" lang="en-US" sz="2400" spc="-1" strike="noStrike">
                 <a:latin typeface="Arial"/>
               </a:rPr>
               <a:t>Third Outline Level</a:t>
             </a:r>
-            <a:endParaRPr b="0" lang="en-US" sz="1800" spc="-1" strike="noStrike">
-              <a:solidFill>
-                <a:srgbClr val="000000"/>
-              </a:solidFill>
+            <a:endParaRPr b="0" lang="en-US" sz="2400" spc="-1" strike="noStrike">
               <a:latin typeface="Arial"/>
             </a:endParaRPr>
           </a:p>
@@ -3511,18 +3257,12 @@
               <a:buChar char=""/>
             </a:pPr>
             <a:r>
-              <a:rPr b="0" lang="en-US" sz="1800" spc="-1" strike="noStrike">
-                <a:solidFill>
-                  <a:srgbClr val="000000"/>
-                </a:solidFill>
+              <a:rPr b="0" lang="en-US" sz="2000" spc="-1" strike="noStrike">
                 <a:latin typeface="Arial"/>
               </a:rPr>
               <a:t>Fourth Outline Level</a:t>
             </a:r>
-            <a:endParaRPr b="0" lang="en-US" sz="1800" spc="-1" strike="noStrike">
-              <a:solidFill>
-                <a:srgbClr val="000000"/>
-              </a:solidFill>
+            <a:endParaRPr b="0" lang="en-US" sz="2000" spc="-1" strike="noStrike">
               <a:latin typeface="Arial"/>
             </a:endParaRPr>
           </a:p>
@@ -3540,17 +3280,11 @@
             </a:pPr>
             <a:r>
               <a:rPr b="0" lang="en-US" sz="2000" spc="-1" strike="noStrike">
-                <a:solidFill>
-                  <a:srgbClr val="000000"/>
-                </a:solidFill>
                 <a:latin typeface="Arial"/>
               </a:rPr>
               <a:t>Fifth Outline Level</a:t>
             </a:r>
             <a:endParaRPr b="0" lang="en-US" sz="2000" spc="-1" strike="noStrike">
-              <a:solidFill>
-                <a:srgbClr val="000000"/>
-              </a:solidFill>
               <a:latin typeface="Arial"/>
             </a:endParaRPr>
           </a:p>
@@ -3568,17 +3302,11 @@
             </a:pPr>
             <a:r>
               <a:rPr b="0" lang="en-US" sz="2000" spc="-1" strike="noStrike">
-                <a:solidFill>
-                  <a:srgbClr val="000000"/>
-                </a:solidFill>
                 <a:latin typeface="Arial"/>
               </a:rPr>
               <a:t>Sixth Outline Level</a:t>
             </a:r>
             <a:endParaRPr b="0" lang="en-US" sz="2000" spc="-1" strike="noStrike">
-              <a:solidFill>
-                <a:srgbClr val="000000"/>
-              </a:solidFill>
               <a:latin typeface="Arial"/>
             </a:endParaRPr>
           </a:p>
@@ -3596,17 +3324,11 @@
             </a:pPr>
             <a:r>
               <a:rPr b="0" lang="en-US" sz="2000" spc="-1" strike="noStrike">
-                <a:solidFill>
-                  <a:srgbClr val="000000"/>
-                </a:solidFill>
                 <a:latin typeface="Arial"/>
               </a:rPr>
               <a:t>Seventh Outline Level</a:t>
             </a:r>
             <a:endParaRPr b="0" lang="en-US" sz="2000" spc="-1" strike="noStrike">
-              <a:solidFill>
-                <a:srgbClr val="000000"/>
-              </a:solidFill>
               <a:latin typeface="Arial"/>
             </a:endParaRPr>
           </a:p>
@@ -3658,7 +3380,7 @@
         <p:spPr>
           <a:xfrm>
             <a:off x="1523880" y="1122480"/>
-            <a:ext cx="9142560" cy="1950120"/>
+            <a:ext cx="9142200" cy="1949760"/>
           </a:xfrm>
           <a:prstGeom prst="rect">
             <a:avLst/>
@@ -3707,7 +3429,7 @@
         <p:spPr>
           <a:xfrm>
             <a:off x="1523880" y="3169440"/>
-            <a:ext cx="9142560" cy="1654200"/>
+            <a:ext cx="9142200" cy="1653840"/>
           </a:xfrm>
           <a:prstGeom prst="rect">
             <a:avLst/>
@@ -3782,7 +3504,7 @@
         <p:spPr>
           <a:xfrm>
             <a:off x="2850480" y="6377040"/>
-            <a:ext cx="6841440" cy="363600"/>
+            <a:ext cx="6841080" cy="363240"/>
           </a:xfrm>
           <a:prstGeom prst="rect">
             <a:avLst/>
@@ -3900,7 +3622,7 @@
         <p:spPr>
           <a:xfrm>
             <a:off x="0" y="0"/>
-            <a:ext cx="10893600" cy="961560"/>
+            <a:ext cx="10893240" cy="961200"/>
           </a:xfrm>
           <a:prstGeom prst="rect">
             <a:avLst/>
@@ -3949,7 +3671,7 @@
         <p:spPr>
           <a:xfrm>
             <a:off x="289440" y="1298520"/>
-            <a:ext cx="10042560" cy="1535400"/>
+            <a:ext cx="10042200" cy="1535040"/>
           </a:xfrm>
           <a:prstGeom prst="rect">
             <a:avLst/>
@@ -3968,7 +3690,7 @@
         <p:txBody>
           <a:bodyPr lIns="90000" rIns="90000" tIns="45000" bIns="45000"/>
           <a:p>
-            <a:pPr marL="457200" indent="-455760">
+            <a:pPr marL="457200" indent="-455400">
               <a:lnSpc>
                 <a:spcPct val="90000"/>
               </a:lnSpc>
@@ -3996,7 +3718,7 @@
             </a:endParaRPr>
           </a:p>
           <a:p>
-            <a:pPr marL="457200" indent="-455760">
+            <a:pPr marL="457200" indent="-455400">
               <a:lnSpc>
                 <a:spcPct val="90000"/>
               </a:lnSpc>
@@ -4024,7 +3746,7 @@
             </a:endParaRPr>
           </a:p>
           <a:p>
-            <a:pPr marL="457200" indent="-455760">
+            <a:pPr marL="457200" indent="-455400">
               <a:lnSpc>
                 <a:spcPct val="90000"/>
               </a:lnSpc>
@@ -4052,7 +3774,7 @@
             </a:endParaRPr>
           </a:p>
           <a:p>
-            <a:pPr marL="457200" indent="-455760">
+            <a:pPr marL="457200" indent="-455400">
               <a:lnSpc>
                 <a:spcPct val="90000"/>
               </a:lnSpc>
@@ -4090,7 +3812,7 @@
         <p:spPr>
           <a:xfrm>
             <a:off x="2850480" y="6378120"/>
-            <a:ext cx="6841440" cy="363600"/>
+            <a:ext cx="6841080" cy="363240"/>
           </a:xfrm>
           <a:prstGeom prst="rect">
             <a:avLst/>
@@ -4208,7 +3930,7 @@
         <p:spPr>
           <a:xfrm>
             <a:off x="0" y="0"/>
-            <a:ext cx="10893600" cy="961560"/>
+            <a:ext cx="10893240" cy="961200"/>
           </a:xfrm>
           <a:prstGeom prst="rect">
             <a:avLst/>
@@ -4257,7 +3979,7 @@
         <p:spPr>
           <a:xfrm>
             <a:off x="2850480" y="6377040"/>
-            <a:ext cx="6841440" cy="363600"/>
+            <a:ext cx="6841080" cy="363240"/>
           </a:xfrm>
           <a:prstGeom prst="rect">
             <a:avLst/>
@@ -4330,7 +4052,7 @@
         <p:spPr>
           <a:xfrm>
             <a:off x="3108960" y="1371600"/>
-            <a:ext cx="5701320" cy="4829760"/>
+            <a:ext cx="5700960" cy="4829400"/>
           </a:xfrm>
           <a:prstGeom prst="rect">
             <a:avLst/>
@@ -4398,7 +4120,7 @@
         <p:spPr>
           <a:xfrm>
             <a:off x="0" y="0"/>
-            <a:ext cx="10893600" cy="961560"/>
+            <a:ext cx="10893240" cy="961200"/>
           </a:xfrm>
           <a:prstGeom prst="rect">
             <a:avLst/>
@@ -4447,7 +4169,7 @@
         <p:spPr>
           <a:xfrm>
             <a:off x="838080" y="1207080"/>
-            <a:ext cx="10042560" cy="1078200"/>
+            <a:ext cx="10042200" cy="1077840"/>
           </a:xfrm>
           <a:prstGeom prst="rect">
             <a:avLst/>
@@ -4522,7 +4244,7 @@
         <p:spPr>
           <a:xfrm>
             <a:off x="914400" y="3291840"/>
-            <a:ext cx="9874800" cy="1370880"/>
+            <a:ext cx="9874440" cy="1370520"/>
           </a:xfrm>
           <a:prstGeom prst="rect">
             <a:avLst/>
@@ -4587,7 +4309,7 @@
             </a:endParaRPr>
           </a:p>
           <a:p>
-            <a:pPr marL="457200" indent="-455760">
+            <a:pPr marL="457200" indent="-455400">
               <a:lnSpc>
                 <a:spcPct val="90000"/>
               </a:lnSpc>
@@ -4625,7 +4347,7 @@
         <p:spPr>
           <a:xfrm>
             <a:off x="2850480" y="6378120"/>
-            <a:ext cx="6841440" cy="363600"/>
+            <a:ext cx="6841080" cy="363240"/>
           </a:xfrm>
           <a:prstGeom prst="rect">
             <a:avLst/>
@@ -4694,7 +4416,7 @@
         <p:spPr>
           <a:xfrm>
             <a:off x="914400" y="4663440"/>
-            <a:ext cx="9874800" cy="1370880"/>
+            <a:ext cx="9874440" cy="1370520"/>
           </a:xfrm>
           <a:prstGeom prst="rect">
             <a:avLst/>
@@ -4759,7 +4481,7 @@
             </a:endParaRPr>
           </a:p>
           <a:p>
-            <a:pPr marL="457200" indent="-455760">
+            <a:pPr marL="457200" indent="-455400">
               <a:lnSpc>
                 <a:spcPct val="90000"/>
               </a:lnSpc>
@@ -4797,7 +4519,7 @@
         <p:spPr>
           <a:xfrm>
             <a:off x="822960" y="2194560"/>
-            <a:ext cx="10042560" cy="1169640"/>
+            <a:ext cx="10042200" cy="1169280"/>
           </a:xfrm>
           <a:prstGeom prst="rect">
             <a:avLst/>
@@ -4921,7 +4643,7 @@
         <p:spPr>
           <a:xfrm>
             <a:off x="0" y="0"/>
-            <a:ext cx="10893600" cy="961560"/>
+            <a:ext cx="10893240" cy="961200"/>
           </a:xfrm>
           <a:prstGeom prst="rect">
             <a:avLst/>
@@ -4970,7 +4692,7 @@
         <p:spPr>
           <a:xfrm>
             <a:off x="838080" y="1593360"/>
-            <a:ext cx="10042560" cy="1078200"/>
+            <a:ext cx="10042200" cy="1077840"/>
           </a:xfrm>
           <a:prstGeom prst="rect">
             <a:avLst/>
@@ -5045,7 +4767,7 @@
         <p:spPr>
           <a:xfrm>
             <a:off x="914400" y="4480560"/>
-            <a:ext cx="9874800" cy="1221480"/>
+            <a:ext cx="9874440" cy="1221120"/>
           </a:xfrm>
           <a:prstGeom prst="rect">
             <a:avLst/>
@@ -5110,7 +4832,7 @@
             </a:endParaRPr>
           </a:p>
           <a:p>
-            <a:pPr marL="457200" indent="-455760">
+            <a:pPr marL="457200" indent="-455400">
               <a:lnSpc>
                 <a:spcPct val="90000"/>
               </a:lnSpc>
@@ -5148,7 +4870,7 @@
         <p:spPr>
           <a:xfrm>
             <a:off x="2850480" y="6378120"/>
-            <a:ext cx="6841440" cy="363600"/>
+            <a:ext cx="6841080" cy="363240"/>
           </a:xfrm>
           <a:prstGeom prst="rect">
             <a:avLst/>
@@ -5217,7 +4939,7 @@
         <p:spPr>
           <a:xfrm>
             <a:off x="838080" y="2853000"/>
-            <a:ext cx="10042560" cy="1078200"/>
+            <a:ext cx="10042200" cy="1077840"/>
           </a:xfrm>
           <a:prstGeom prst="rect">
             <a:avLst/>
@@ -5282,7 +5004,7 @@
             </a:endParaRPr>
           </a:p>
           <a:p>
-            <a:pPr marL="457200" indent="-455760">
+            <a:pPr marL="457200" indent="-455400">
               <a:lnSpc>
                 <a:spcPct val="90000"/>
               </a:lnSpc>
@@ -5369,7 +5091,7 @@
         <p:spPr>
           <a:xfrm>
             <a:off x="0" y="0"/>
-            <a:ext cx="10893600" cy="961560"/>
+            <a:ext cx="10893240" cy="961200"/>
           </a:xfrm>
           <a:prstGeom prst="rect">
             <a:avLst/>
@@ -5418,7 +5140,7 @@
         <p:spPr>
           <a:xfrm>
             <a:off x="289440" y="1298520"/>
-            <a:ext cx="10042560" cy="1535400"/>
+            <a:ext cx="10042200" cy="1535040"/>
           </a:xfrm>
           <a:prstGeom prst="rect">
             <a:avLst/>
@@ -5437,7 +5159,7 @@
         <p:txBody>
           <a:bodyPr lIns="90000" rIns="90000" tIns="45000" bIns="45000"/>
           <a:p>
-            <a:pPr marL="457200" indent="-455760">
+            <a:pPr marL="457200" indent="-455400">
               <a:lnSpc>
                 <a:spcPct val="90000"/>
               </a:lnSpc>
@@ -5465,7 +5187,7 @@
             </a:endParaRPr>
           </a:p>
           <a:p>
-            <a:pPr marL="457200" indent="-455760">
+            <a:pPr marL="457200" indent="-455400">
               <a:lnSpc>
                 <a:spcPct val="90000"/>
               </a:lnSpc>
@@ -5493,7 +5215,7 @@
             </a:endParaRPr>
           </a:p>
           <a:p>
-            <a:pPr marL="457200" indent="-455760">
+            <a:pPr marL="457200" indent="-455400">
               <a:lnSpc>
                 <a:spcPct val="90000"/>
               </a:lnSpc>
@@ -5521,7 +5243,7 @@
             </a:endParaRPr>
           </a:p>
           <a:p>
-            <a:pPr marL="457200" indent="-455760">
+            <a:pPr marL="457200" indent="-455400">
               <a:lnSpc>
                 <a:spcPct val="90000"/>
               </a:lnSpc>
@@ -5549,7 +5271,7 @@
             </a:endParaRPr>
           </a:p>
           <a:p>
-            <a:pPr marL="457200" indent="-455760">
+            <a:pPr marL="457200" indent="-455400">
               <a:lnSpc>
                 <a:spcPct val="90000"/>
               </a:lnSpc>
@@ -5577,7 +5299,7 @@
             </a:endParaRPr>
           </a:p>
           <a:p>
-            <a:pPr marL="457200" indent="-455760">
+            <a:pPr marL="457200" indent="-455400">
               <a:lnSpc>
                 <a:spcPct val="90000"/>
               </a:lnSpc>
@@ -5605,7 +5327,7 @@
             </a:endParaRPr>
           </a:p>
           <a:p>
-            <a:pPr marL="457200" indent="-455760">
+            <a:pPr marL="457200" indent="-455400">
               <a:lnSpc>
                 <a:spcPct val="90000"/>
               </a:lnSpc>
@@ -5633,7 +5355,7 @@
             </a:endParaRPr>
           </a:p>
           <a:p>
-            <a:pPr marL="457200" indent="-455760">
+            <a:pPr marL="457200" indent="-455400">
               <a:lnSpc>
                 <a:spcPct val="90000"/>
               </a:lnSpc>
@@ -5684,7 +5406,7 @@
         <p:spPr>
           <a:xfrm>
             <a:off x="2850480" y="6378120"/>
-            <a:ext cx="6841440" cy="363600"/>
+            <a:ext cx="6841080" cy="363240"/>
           </a:xfrm>
           <a:prstGeom prst="rect">
             <a:avLst/>
@@ -5802,7 +5524,7 @@
         <p:spPr>
           <a:xfrm>
             <a:off x="0" y="0"/>
-            <a:ext cx="10893600" cy="961560"/>
+            <a:ext cx="10893240" cy="961200"/>
           </a:xfrm>
           <a:prstGeom prst="rect">
             <a:avLst/>
@@ -5851,7 +5573,7 @@
         <p:spPr>
           <a:xfrm>
             <a:off x="2850480" y="6378120"/>
-            <a:ext cx="6841440" cy="363600"/>
+            <a:ext cx="6841080" cy="363240"/>
           </a:xfrm>
           <a:prstGeom prst="rect">
             <a:avLst/>
@@ -5924,7 +5646,7 @@
         <p:spPr>
           <a:xfrm>
             <a:off x="274320" y="1645920"/>
-            <a:ext cx="3094920" cy="1553760"/>
+            <a:ext cx="3094560" cy="1553400"/>
           </a:xfrm>
           <a:prstGeom prst="rect">
             <a:avLst/>
@@ -5947,7 +5669,7 @@
         <p:spPr>
           <a:xfrm>
             <a:off x="3854160" y="1703520"/>
-            <a:ext cx="3081240" cy="2502000"/>
+            <a:ext cx="3080880" cy="2501640"/>
           </a:xfrm>
           <a:prstGeom prst="rect">
             <a:avLst/>
@@ -5970,7 +5692,7 @@
         <p:spPr>
           <a:xfrm>
             <a:off x="7846920" y="1693800"/>
-            <a:ext cx="4151160" cy="2511720"/>
+            <a:ext cx="4150800" cy="2511360"/>
           </a:xfrm>
           <a:prstGeom prst="rect">
             <a:avLst/>
@@ -6038,7 +5760,7 @@
         <p:spPr>
           <a:xfrm>
             <a:off x="0" y="0"/>
-            <a:ext cx="10893600" cy="961560"/>
+            <a:ext cx="10893240" cy="961200"/>
           </a:xfrm>
           <a:prstGeom prst="rect">
             <a:avLst/>
@@ -6087,7 +5809,7 @@
         <p:spPr>
           <a:xfrm>
             <a:off x="2850480" y="6378120"/>
-            <a:ext cx="6841440" cy="363600"/>
+            <a:ext cx="6841080" cy="363240"/>
           </a:xfrm>
           <a:prstGeom prst="rect">
             <a:avLst/>
@@ -6160,7 +5882,7 @@
         <p:spPr>
           <a:xfrm>
             <a:off x="1371600" y="1097280"/>
-            <a:ext cx="9291240" cy="5028840"/>
+            <a:ext cx="9290880" cy="5028480"/>
           </a:xfrm>
           <a:prstGeom prst="rect">
             <a:avLst/>
@@ -6228,7 +5950,7 @@
         <p:spPr>
           <a:xfrm>
             <a:off x="0" y="0"/>
-            <a:ext cx="10893600" cy="961560"/>
+            <a:ext cx="10893240" cy="961200"/>
           </a:xfrm>
           <a:prstGeom prst="rect">
             <a:avLst/>
@@ -6277,7 +5999,7 @@
         <p:spPr>
           <a:xfrm>
             <a:off x="2850480" y="6378120"/>
-            <a:ext cx="6841440" cy="363600"/>
+            <a:ext cx="6841080" cy="363240"/>
           </a:xfrm>
           <a:prstGeom prst="rect">
             <a:avLst/>
@@ -6346,7 +6068,7 @@
         <p:spPr>
           <a:xfrm>
             <a:off x="334080" y="1441800"/>
-            <a:ext cx="10225080" cy="1553400"/>
+            <a:ext cx="10224720" cy="1553040"/>
           </a:xfrm>
           <a:prstGeom prst="rect">
             <a:avLst/>
@@ -6365,7 +6087,7 @@
         <p:txBody>
           <a:bodyPr lIns="90000" rIns="90000" tIns="45000" bIns="45000"/>
           <a:p>
-            <a:pPr marL="343080" indent="-342720">
+            <a:pPr marL="343080" indent="-342360">
               <a:lnSpc>
                 <a:spcPct val="100000"/>
               </a:lnSpc>
@@ -6390,7 +6112,7 @@
             </a:endParaRPr>
           </a:p>
           <a:p>
-            <a:pPr marL="343080" indent="-342720">
+            <a:pPr marL="343080" indent="-342360">
               <a:lnSpc>
                 <a:spcPct val="100000"/>
               </a:lnSpc>
@@ -6514,7 +6236,7 @@
         <p:spPr>
           <a:xfrm>
             <a:off x="0" y="0"/>
-            <a:ext cx="10893600" cy="961560"/>
+            <a:ext cx="10893240" cy="961200"/>
           </a:xfrm>
           <a:prstGeom prst="rect">
             <a:avLst/>
@@ -6563,7 +6285,7 @@
         <p:spPr>
           <a:xfrm>
             <a:off x="822960" y="1298520"/>
-            <a:ext cx="10042560" cy="1078200"/>
+            <a:ext cx="10042200" cy="1077840"/>
           </a:xfrm>
           <a:prstGeom prst="rect">
             <a:avLst/>
@@ -6638,7 +6360,7 @@
         <p:spPr>
           <a:xfrm>
             <a:off x="914400" y="2560320"/>
-            <a:ext cx="9874800" cy="1005120"/>
+            <a:ext cx="9874440" cy="1004760"/>
           </a:xfrm>
           <a:prstGeom prst="rect">
             <a:avLst/>
@@ -6713,7 +6435,7 @@
         <p:spPr>
           <a:xfrm>
             <a:off x="2850480" y="6378120"/>
-            <a:ext cx="6841440" cy="363600"/>
+            <a:ext cx="6841080" cy="363240"/>
           </a:xfrm>
           <a:prstGeom prst="rect">
             <a:avLst/>
@@ -6782,7 +6504,7 @@
         <p:spPr>
           <a:xfrm>
             <a:off x="914400" y="3657600"/>
-            <a:ext cx="9874800" cy="913680"/>
+            <a:ext cx="9874440" cy="913320"/>
           </a:xfrm>
           <a:prstGeom prst="rect">
             <a:avLst/>
@@ -6857,7 +6579,7 @@
         <p:spPr>
           <a:xfrm>
             <a:off x="914400" y="4754880"/>
-            <a:ext cx="9874800" cy="1221480"/>
+            <a:ext cx="9874440" cy="1221120"/>
           </a:xfrm>
           <a:prstGeom prst="rect">
             <a:avLst/>
@@ -6922,7 +6644,7 @@
             </a:endParaRPr>
           </a:p>
           <a:p>
-            <a:pPr marL="457200" indent="-455760">
+            <a:pPr marL="457200" indent="-455400">
               <a:lnSpc>
                 <a:spcPct val="90000"/>
               </a:lnSpc>
@@ -7029,7 +6751,7 @@
         <p:spPr>
           <a:xfrm>
             <a:off x="0" y="0"/>
-            <a:ext cx="10893600" cy="961560"/>
+            <a:ext cx="10893240" cy="961200"/>
           </a:xfrm>
           <a:prstGeom prst="rect">
             <a:avLst/>
@@ -7078,7 +6800,7 @@
         <p:spPr>
           <a:xfrm>
             <a:off x="289440" y="1298520"/>
-            <a:ext cx="10042560" cy="1535400"/>
+            <a:ext cx="10042200" cy="1535040"/>
           </a:xfrm>
           <a:prstGeom prst="rect">
             <a:avLst/>
@@ -7133,7 +6855,7 @@
         <p:spPr>
           <a:xfrm>
             <a:off x="2850480" y="6378120"/>
-            <a:ext cx="6841440" cy="363600"/>
+            <a:ext cx="6841080" cy="363240"/>
           </a:xfrm>
           <a:prstGeom prst="rect">
             <a:avLst/>
@@ -7202,7 +6924,7 @@
         <p:spPr>
           <a:xfrm>
             <a:off x="439560" y="1371600"/>
-            <a:ext cx="10898280" cy="2468880"/>
+            <a:ext cx="10897920" cy="2468520"/>
           </a:xfrm>
           <a:prstGeom prst="rect">
             <a:avLst/>
@@ -7221,7 +6943,7 @@
         <p:txBody>
           <a:bodyPr lIns="0" rIns="0" tIns="0" bIns="0"/>
           <a:p>
-            <a:pPr marL="457200" indent="-455760">
+            <a:pPr marL="457200" indent="-455400">
               <a:lnSpc>
                 <a:spcPct val="90000"/>
               </a:lnSpc>
@@ -7249,7 +6971,7 @@
             </a:endParaRPr>
           </a:p>
           <a:p>
-            <a:pPr marL="457200" indent="-455760">
+            <a:pPr marL="457200" indent="-455400">
               <a:lnSpc>
                 <a:spcPct val="90000"/>
               </a:lnSpc>
@@ -7277,7 +6999,7 @@
             </a:endParaRPr>
           </a:p>
           <a:p>
-            <a:pPr marL="457200" indent="-455760">
+            <a:pPr marL="457200" indent="-455400">
               <a:lnSpc>
                 <a:spcPct val="90000"/>
               </a:lnSpc>
@@ -7305,7 +7027,7 @@
             </a:endParaRPr>
           </a:p>
           <a:p>
-            <a:pPr marL="457200" indent="-455760">
+            <a:pPr marL="457200" indent="-455400">
               <a:lnSpc>
                 <a:spcPct val="90000"/>
               </a:lnSpc>
@@ -7333,7 +7055,7 @@
             </a:endParaRPr>
           </a:p>
           <a:p>
-            <a:pPr marL="457200" indent="-455760">
+            <a:pPr marL="457200" indent="-455400">
               <a:lnSpc>
                 <a:spcPct val="90000"/>
               </a:lnSpc>
@@ -7361,7 +7083,7 @@
             </a:endParaRPr>
           </a:p>
           <a:p>
-            <a:pPr marL="457200" indent="-455760">
+            <a:pPr marL="457200" indent="-455400">
               <a:lnSpc>
                 <a:spcPct val="90000"/>
               </a:lnSpc>
@@ -7389,7 +7111,7 @@
             </a:endParaRPr>
           </a:p>
           <a:p>
-            <a:pPr marL="457200" indent="-455760">
+            <a:pPr marL="457200" indent="-455400">
               <a:lnSpc>
                 <a:spcPct val="90000"/>
               </a:lnSpc>
@@ -7476,7 +7198,7 @@
         <p:spPr>
           <a:xfrm>
             <a:off x="0" y="0"/>
-            <a:ext cx="10893600" cy="961560"/>
+            <a:ext cx="10893240" cy="961200"/>
           </a:xfrm>
           <a:prstGeom prst="rect">
             <a:avLst/>
@@ -7525,7 +7247,7 @@
         <p:spPr>
           <a:xfrm>
             <a:off x="838080" y="1755720"/>
-            <a:ext cx="10514160" cy="4520520"/>
+            <a:ext cx="10513800" cy="4520160"/>
           </a:xfrm>
           <a:prstGeom prst="rect">
             <a:avLst/>
@@ -7544,7 +7266,7 @@
         <p:txBody>
           <a:bodyPr lIns="90000" rIns="90000" tIns="45000" bIns="45000"/>
           <a:p>
-            <a:pPr marL="457200" indent="-455760">
+            <a:pPr marL="457200" indent="-455400">
               <a:lnSpc>
                 <a:spcPct val="90000"/>
               </a:lnSpc>
@@ -7572,7 +7294,7 @@
             </a:endParaRPr>
           </a:p>
           <a:p>
-            <a:pPr marL="457200" indent="-455760">
+            <a:pPr marL="457200" indent="-455400">
               <a:lnSpc>
                 <a:spcPct val="90000"/>
               </a:lnSpc>
@@ -7600,7 +7322,7 @@
             </a:endParaRPr>
           </a:p>
           <a:p>
-            <a:pPr marL="457200" indent="-455760">
+            <a:pPr marL="457200" indent="-455400">
               <a:lnSpc>
                 <a:spcPct val="90000"/>
               </a:lnSpc>
@@ -7628,7 +7350,7 @@
             </a:endParaRPr>
           </a:p>
           <a:p>
-            <a:pPr marL="457200" indent="-455760">
+            <a:pPr marL="457200" indent="-455400">
               <a:lnSpc>
                 <a:spcPct val="90000"/>
               </a:lnSpc>
@@ -7656,7 +7378,7 @@
             </a:endParaRPr>
           </a:p>
           <a:p>
-            <a:pPr marL="457200" indent="-455760">
+            <a:pPr marL="457200" indent="-455400">
               <a:lnSpc>
                 <a:spcPct val="90000"/>
               </a:lnSpc>
@@ -7684,7 +7406,7 @@
             </a:endParaRPr>
           </a:p>
           <a:p>
-            <a:pPr marL="457200" indent="-455760">
+            <a:pPr marL="457200" indent="-455400">
               <a:lnSpc>
                 <a:spcPct val="90000"/>
               </a:lnSpc>
@@ -7735,7 +7457,7 @@
         <p:spPr>
           <a:xfrm>
             <a:off x="2850480" y="6377040"/>
-            <a:ext cx="6841440" cy="363600"/>
+            <a:ext cx="6841080" cy="363240"/>
           </a:xfrm>
           <a:prstGeom prst="rect">
             <a:avLst/>
@@ -7853,7 +7575,7 @@
         <p:spPr>
           <a:xfrm>
             <a:off x="0" y="0"/>
-            <a:ext cx="10893600" cy="961560"/>
+            <a:ext cx="10893240" cy="961200"/>
           </a:xfrm>
           <a:prstGeom prst="rect">
             <a:avLst/>
@@ -7902,7 +7624,7 @@
         <p:spPr>
           <a:xfrm>
             <a:off x="822960" y="1298520"/>
-            <a:ext cx="10042560" cy="1078200"/>
+            <a:ext cx="10042200" cy="1077840"/>
           </a:xfrm>
           <a:prstGeom prst="rect">
             <a:avLst/>
@@ -7977,7 +7699,7 @@
         <p:spPr>
           <a:xfrm>
             <a:off x="914400" y="2560320"/>
-            <a:ext cx="9874800" cy="1005120"/>
+            <a:ext cx="9874440" cy="1004760"/>
           </a:xfrm>
           <a:prstGeom prst="rect">
             <a:avLst/>
@@ -8052,7 +7774,7 @@
         <p:spPr>
           <a:xfrm>
             <a:off x="2850480" y="6378120"/>
-            <a:ext cx="6841440" cy="363600"/>
+            <a:ext cx="6841080" cy="363240"/>
           </a:xfrm>
           <a:prstGeom prst="rect">
             <a:avLst/>
@@ -8121,7 +7843,7 @@
         <p:spPr>
           <a:xfrm>
             <a:off x="914400" y="3657600"/>
-            <a:ext cx="9874800" cy="913680"/>
+            <a:ext cx="9874440" cy="913320"/>
           </a:xfrm>
           <a:prstGeom prst="rect">
             <a:avLst/>
@@ -8196,7 +7918,7 @@
         <p:spPr>
           <a:xfrm>
             <a:off x="914400" y="4754880"/>
-            <a:ext cx="9874800" cy="1221480"/>
+            <a:ext cx="9874440" cy="1221120"/>
           </a:xfrm>
           <a:prstGeom prst="rect">
             <a:avLst/>
@@ -8261,7 +7983,7 @@
             </a:endParaRPr>
           </a:p>
           <a:p>
-            <a:pPr marL="457200" indent="-455760">
+            <a:pPr marL="457200" indent="-455400">
               <a:lnSpc>
                 <a:spcPct val="90000"/>
               </a:lnSpc>
@@ -8368,7 +8090,7 @@
         <p:spPr>
           <a:xfrm>
             <a:off x="0" y="0"/>
-            <a:ext cx="10893600" cy="961560"/>
+            <a:ext cx="10893240" cy="961200"/>
           </a:xfrm>
           <a:prstGeom prst="rect">
             <a:avLst/>
@@ -8417,7 +8139,7 @@
         <p:spPr>
           <a:xfrm>
             <a:off x="289440" y="1298520"/>
-            <a:ext cx="10042560" cy="1535400"/>
+            <a:ext cx="10042200" cy="1535040"/>
           </a:xfrm>
           <a:prstGeom prst="rect">
             <a:avLst/>
@@ -8472,7 +8194,7 @@
         <p:spPr>
           <a:xfrm>
             <a:off x="2850480" y="6378120"/>
-            <a:ext cx="6841440" cy="363600"/>
+            <a:ext cx="6841080" cy="363240"/>
           </a:xfrm>
           <a:prstGeom prst="rect">
             <a:avLst/>
@@ -8541,7 +8263,7 @@
         <p:spPr>
           <a:xfrm>
             <a:off x="439560" y="1371600"/>
-            <a:ext cx="10898280" cy="2468880"/>
+            <a:ext cx="10897920" cy="2468520"/>
           </a:xfrm>
           <a:prstGeom prst="rect">
             <a:avLst/>
@@ -8560,7 +8282,7 @@
         <p:txBody>
           <a:bodyPr lIns="0" rIns="0" tIns="0" bIns="0"/>
           <a:p>
-            <a:pPr marL="457200" indent="-455760">
+            <a:pPr marL="457200" indent="-455400">
               <a:lnSpc>
                 <a:spcPct val="90000"/>
               </a:lnSpc>
@@ -8588,7 +8310,7 @@
             </a:endParaRPr>
           </a:p>
           <a:p>
-            <a:pPr marL="457200" indent="-455760">
+            <a:pPr marL="457200" indent="-455400">
               <a:lnSpc>
                 <a:spcPct val="90000"/>
               </a:lnSpc>
@@ -8616,7 +8338,7 @@
             </a:endParaRPr>
           </a:p>
           <a:p>
-            <a:pPr marL="457200" indent="-455760">
+            <a:pPr marL="457200" indent="-455400">
               <a:lnSpc>
                 <a:spcPct val="90000"/>
               </a:lnSpc>
@@ -8644,7 +8366,7 @@
             </a:endParaRPr>
           </a:p>
           <a:p>
-            <a:pPr marL="457200" indent="-455760">
+            <a:pPr marL="457200" indent="-455400">
               <a:lnSpc>
                 <a:spcPct val="90000"/>
               </a:lnSpc>
@@ -8672,7 +8394,7 @@
             </a:endParaRPr>
           </a:p>
           <a:p>
-            <a:pPr marL="457200" indent="-455760">
+            <a:pPr marL="457200" indent="-455400">
               <a:lnSpc>
                 <a:spcPct val="90000"/>
               </a:lnSpc>
@@ -8700,7 +8422,7 @@
             </a:endParaRPr>
           </a:p>
           <a:p>
-            <a:pPr marL="457200" indent="-455760">
+            <a:pPr marL="457200" indent="-455400">
               <a:lnSpc>
                 <a:spcPct val="90000"/>
               </a:lnSpc>
@@ -8728,7 +8450,7 @@
             </a:endParaRPr>
           </a:p>
           <a:p>
-            <a:pPr marL="457200" indent="-455760">
+            <a:pPr marL="457200" indent="-455400">
               <a:lnSpc>
                 <a:spcPct val="90000"/>
               </a:lnSpc>
@@ -8815,7 +8537,7 @@
         <p:spPr>
           <a:xfrm>
             <a:off x="0" y="0"/>
-            <a:ext cx="10893600" cy="961560"/>
+            <a:ext cx="10893240" cy="961200"/>
           </a:xfrm>
           <a:prstGeom prst="rect">
             <a:avLst/>
@@ -8864,7 +8586,7 @@
         <p:spPr>
           <a:xfrm>
             <a:off x="838080" y="1755720"/>
-            <a:ext cx="10042560" cy="1078200"/>
+            <a:ext cx="10042200" cy="1077840"/>
           </a:xfrm>
           <a:prstGeom prst="rect">
             <a:avLst/>
@@ -8939,7 +8661,7 @@
         <p:spPr>
           <a:xfrm>
             <a:off x="2850480" y="6378120"/>
-            <a:ext cx="6841440" cy="363600"/>
+            <a:ext cx="6841080" cy="363240"/>
           </a:xfrm>
           <a:prstGeom prst="rect">
             <a:avLst/>
@@ -9008,7 +8730,7 @@
         <p:spPr>
           <a:xfrm>
             <a:off x="1845000" y="3427200"/>
-            <a:ext cx="9404640" cy="912960"/>
+            <a:ext cx="9404280" cy="912600"/>
           </a:xfrm>
           <a:prstGeom prst="rect">
             <a:avLst/>
@@ -9106,7 +8828,7 @@
         <p:spPr>
           <a:xfrm>
             <a:off x="0" y="0"/>
-            <a:ext cx="10893600" cy="961560"/>
+            <a:ext cx="10893240" cy="961200"/>
           </a:xfrm>
           <a:prstGeom prst="rect">
             <a:avLst/>
@@ -9155,7 +8877,7 @@
         <p:spPr>
           <a:xfrm>
             <a:off x="289440" y="1298520"/>
-            <a:ext cx="10042560" cy="1535400"/>
+            <a:ext cx="10042200" cy="1535040"/>
           </a:xfrm>
           <a:prstGeom prst="rect">
             <a:avLst/>
@@ -9210,7 +8932,7 @@
         <p:spPr>
           <a:xfrm>
             <a:off x="2850480" y="6378120"/>
-            <a:ext cx="6841440" cy="363600"/>
+            <a:ext cx="6841080" cy="363240"/>
           </a:xfrm>
           <a:prstGeom prst="rect">
             <a:avLst/>
@@ -9279,7 +9001,7 @@
         <p:spPr>
           <a:xfrm>
             <a:off x="439560" y="1371600"/>
-            <a:ext cx="10898280" cy="2468880"/>
+            <a:ext cx="10897920" cy="2468520"/>
           </a:xfrm>
           <a:prstGeom prst="rect">
             <a:avLst/>
@@ -9298,7 +9020,7 @@
         <p:txBody>
           <a:bodyPr lIns="0" rIns="0" tIns="0" bIns="0"/>
           <a:p>
-            <a:pPr marL="457200" indent="-455760">
+            <a:pPr marL="457200" indent="-455400">
               <a:lnSpc>
                 <a:spcPct val="90000"/>
               </a:lnSpc>
@@ -9326,7 +9048,7 @@
             </a:endParaRPr>
           </a:p>
           <a:p>
-            <a:pPr marL="457200" indent="-455760">
+            <a:pPr marL="457200" indent="-455400">
               <a:lnSpc>
                 <a:spcPct val="90000"/>
               </a:lnSpc>
@@ -9354,7 +9076,7 @@
             </a:endParaRPr>
           </a:p>
           <a:p>
-            <a:pPr marL="457200" indent="-455760">
+            <a:pPr marL="457200" indent="-455400">
               <a:lnSpc>
                 <a:spcPct val="90000"/>
               </a:lnSpc>
@@ -9382,7 +9104,7 @@
             </a:endParaRPr>
           </a:p>
           <a:p>
-            <a:pPr marL="457200" indent="-455760">
+            <a:pPr marL="457200" indent="-455400">
               <a:lnSpc>
                 <a:spcPct val="90000"/>
               </a:lnSpc>
@@ -9410,7 +9132,7 @@
             </a:endParaRPr>
           </a:p>
           <a:p>
-            <a:pPr marL="457200" indent="-455760">
+            <a:pPr marL="457200" indent="-455400">
               <a:lnSpc>
                 <a:spcPct val="90000"/>
               </a:lnSpc>
@@ -9438,7 +9160,7 @@
             </a:endParaRPr>
           </a:p>
           <a:p>
-            <a:pPr marL="457200" indent="-455760">
+            <a:pPr marL="457200" indent="-455400">
               <a:lnSpc>
                 <a:spcPct val="90000"/>
               </a:lnSpc>
@@ -9466,7 +9188,7 @@
             </a:endParaRPr>
           </a:p>
           <a:p>
-            <a:pPr marL="457200" indent="-455760">
+            <a:pPr marL="457200" indent="-455400">
               <a:lnSpc>
                 <a:spcPct val="90000"/>
               </a:lnSpc>
@@ -9494,7 +9216,7 @@
             </a:endParaRPr>
           </a:p>
           <a:p>
-            <a:pPr marL="457200" indent="-455760">
+            <a:pPr marL="457200" indent="-455400">
               <a:lnSpc>
                 <a:spcPct val="90000"/>
               </a:lnSpc>
@@ -9515,14 +9237,14 @@
                 <a:latin typeface="Arial"/>
                 <a:ea typeface="Noto Sans CJK SC"/>
               </a:rPr>
-              <a:t>Rozwiązać konflikt i ponownie zacommitować plik (git commit –a)</a:t>
+              <a:t>Rozwiązać konflikt i ponownie zacommitować plik (git add […] &amp;&amp; git commit)</a:t>
             </a:r>
             <a:endParaRPr b="0" lang="en-US" sz="2400" spc="-1" strike="noStrike">
               <a:latin typeface="Arial"/>
             </a:endParaRPr>
           </a:p>
           <a:p>
-            <a:pPr marL="457200" indent="-455760">
+            <a:pPr marL="457200" indent="-455400">
               <a:lnSpc>
                 <a:spcPct val="90000"/>
               </a:lnSpc>
@@ -9543,7 +9265,7 @@
                 <a:latin typeface="Arial"/>
                 <a:ea typeface="Noto Sans CJK SC"/>
               </a:rPr>
-              <a:t>Sprawdzić logi (powinien być dodatkowy commit z mergem</a:t>
+              <a:t>Sprawdzić logi (powinien być dodatkowy commit z mergem)</a:t>
             </a:r>
             <a:endParaRPr b="0" lang="en-US" sz="2400" spc="-1" strike="noStrike">
               <a:latin typeface="Arial"/>
@@ -9609,7 +9331,7 @@
         <p:spPr>
           <a:xfrm>
             <a:off x="0" y="0"/>
-            <a:ext cx="10893600" cy="961560"/>
+            <a:ext cx="10893240" cy="961200"/>
           </a:xfrm>
           <a:prstGeom prst="rect">
             <a:avLst/>
@@ -9658,7 +9380,7 @@
         <p:spPr>
           <a:xfrm>
             <a:off x="838080" y="1755720"/>
-            <a:ext cx="10042560" cy="1078200"/>
+            <a:ext cx="10042200" cy="1077840"/>
           </a:xfrm>
           <a:prstGeom prst="rect">
             <a:avLst/>
@@ -9733,7 +9455,7 @@
         <p:spPr>
           <a:xfrm>
             <a:off x="914400" y="3108960"/>
-            <a:ext cx="9874800" cy="1096560"/>
+            <a:ext cx="9874440" cy="1096200"/>
           </a:xfrm>
           <a:prstGeom prst="rect">
             <a:avLst/>
@@ -9808,7 +9530,7 @@
         <p:spPr>
           <a:xfrm>
             <a:off x="2850480" y="6378120"/>
-            <a:ext cx="6841440" cy="363600"/>
+            <a:ext cx="6841080" cy="363240"/>
           </a:xfrm>
           <a:prstGeom prst="rect">
             <a:avLst/>
@@ -9926,7 +9648,7 @@
         <p:spPr>
           <a:xfrm>
             <a:off x="0" y="0"/>
-            <a:ext cx="10893600" cy="961560"/>
+            <a:ext cx="10893240" cy="961200"/>
           </a:xfrm>
           <a:prstGeom prst="rect">
             <a:avLst/>
@@ -9975,7 +9697,7 @@
         <p:spPr>
           <a:xfrm>
             <a:off x="838080" y="1755720"/>
-            <a:ext cx="10042560" cy="1078200"/>
+            <a:ext cx="10042200" cy="1077840"/>
           </a:xfrm>
           <a:prstGeom prst="rect">
             <a:avLst/>
@@ -10050,7 +9772,7 @@
         <p:spPr>
           <a:xfrm>
             <a:off x="914400" y="3108960"/>
-            <a:ext cx="9874800" cy="1096560"/>
+            <a:ext cx="9874440" cy="1096200"/>
           </a:xfrm>
           <a:prstGeom prst="rect">
             <a:avLst/>
@@ -10125,7 +9847,7 @@
         <p:spPr>
           <a:xfrm>
             <a:off x="2850480" y="6378120"/>
-            <a:ext cx="6841440" cy="363600"/>
+            <a:ext cx="6841080" cy="363240"/>
           </a:xfrm>
           <a:prstGeom prst="rect">
             <a:avLst/>
@@ -10194,7 +9916,7 @@
         <p:spPr>
           <a:xfrm>
             <a:off x="914400" y="4480560"/>
-            <a:ext cx="9874800" cy="1096560"/>
+            <a:ext cx="9874440" cy="1096200"/>
           </a:xfrm>
           <a:prstGeom prst="rect">
             <a:avLst/>
@@ -10318,7 +10040,7 @@
         <p:spPr>
           <a:xfrm>
             <a:off x="0" y="0"/>
-            <a:ext cx="10893600" cy="961560"/>
+            <a:ext cx="10893240" cy="961200"/>
           </a:xfrm>
           <a:prstGeom prst="rect">
             <a:avLst/>
@@ -10367,7 +10089,7 @@
         <p:spPr>
           <a:xfrm>
             <a:off x="289440" y="1298520"/>
-            <a:ext cx="10042560" cy="1535400"/>
+            <a:ext cx="10042200" cy="1535040"/>
           </a:xfrm>
           <a:prstGeom prst="rect">
             <a:avLst/>
@@ -10422,7 +10144,7 @@
         <p:spPr>
           <a:xfrm>
             <a:off x="2850480" y="6378120"/>
-            <a:ext cx="6841440" cy="363600"/>
+            <a:ext cx="6841080" cy="363240"/>
           </a:xfrm>
           <a:prstGeom prst="rect">
             <a:avLst/>
@@ -10491,7 +10213,7 @@
         <p:spPr>
           <a:xfrm>
             <a:off x="439560" y="1371600"/>
-            <a:ext cx="10898280" cy="2468880"/>
+            <a:ext cx="10897920" cy="2468520"/>
           </a:xfrm>
           <a:prstGeom prst="rect">
             <a:avLst/>
@@ -10510,7 +10232,7 @@
         <p:txBody>
           <a:bodyPr lIns="0" rIns="0" tIns="0" bIns="0"/>
           <a:p>
-            <a:pPr marL="457200" indent="-455760">
+            <a:pPr marL="457200" indent="-455400">
               <a:lnSpc>
                 <a:spcPct val="90000"/>
               </a:lnSpc>
@@ -10550,7 +10272,7 @@
             </a:endParaRPr>
           </a:p>
           <a:p>
-            <a:pPr marL="457200" indent="-455760">
+            <a:pPr marL="457200" indent="-455400">
               <a:lnSpc>
                 <a:spcPct val="90000"/>
               </a:lnSpc>
@@ -10578,7 +10300,7 @@
             </a:endParaRPr>
           </a:p>
           <a:p>
-            <a:pPr marL="457200" indent="-455760">
+            <a:pPr marL="457200" indent="-455400">
               <a:lnSpc>
                 <a:spcPct val="90000"/>
               </a:lnSpc>
@@ -10606,7 +10328,7 @@
             </a:endParaRPr>
           </a:p>
           <a:p>
-            <a:pPr marL="457200" indent="-455760">
+            <a:pPr marL="457200" indent="-455400">
               <a:lnSpc>
                 <a:spcPct val="90000"/>
               </a:lnSpc>
@@ -10706,7 +10428,7 @@
         <p:spPr>
           <a:xfrm>
             <a:off x="0" y="0"/>
-            <a:ext cx="10893600" cy="961560"/>
+            <a:ext cx="10893240" cy="961200"/>
           </a:xfrm>
           <a:prstGeom prst="rect">
             <a:avLst/>
@@ -10755,7 +10477,7 @@
         <p:spPr>
           <a:xfrm>
             <a:off x="851040" y="1321200"/>
-            <a:ext cx="10042560" cy="1078200"/>
+            <a:ext cx="10042200" cy="1077840"/>
           </a:xfrm>
           <a:prstGeom prst="rect">
             <a:avLst/>
@@ -10830,7 +10552,7 @@
         <p:spPr>
           <a:xfrm>
             <a:off x="914400" y="2560680"/>
-            <a:ext cx="9874800" cy="1096560"/>
+            <a:ext cx="9874440" cy="1096200"/>
           </a:xfrm>
           <a:prstGeom prst="rect">
             <a:avLst/>
@@ -10905,7 +10627,7 @@
         <p:spPr>
           <a:xfrm>
             <a:off x="2850480" y="6378120"/>
-            <a:ext cx="6841440" cy="363600"/>
+            <a:ext cx="6841080" cy="363240"/>
           </a:xfrm>
           <a:prstGeom prst="rect">
             <a:avLst/>
@@ -10974,7 +10696,7 @@
         <p:spPr>
           <a:xfrm>
             <a:off x="914400" y="3646440"/>
-            <a:ext cx="9874800" cy="1370880"/>
+            <a:ext cx="9874440" cy="1370520"/>
           </a:xfrm>
           <a:prstGeom prst="rect">
             <a:avLst/>
@@ -11049,7 +10771,7 @@
         <p:spPr>
           <a:xfrm>
             <a:off x="914400" y="4743360"/>
-            <a:ext cx="9874800" cy="1370880"/>
+            <a:ext cx="9874440" cy="1370520"/>
           </a:xfrm>
           <a:prstGeom prst="rect">
             <a:avLst/>
@@ -11173,7 +10895,7 @@
         <p:spPr>
           <a:xfrm>
             <a:off x="0" y="0"/>
-            <a:ext cx="10893600" cy="961560"/>
+            <a:ext cx="10893240" cy="961200"/>
           </a:xfrm>
           <a:prstGeom prst="rect">
             <a:avLst/>
@@ -11222,7 +10944,7 @@
         <p:spPr>
           <a:xfrm>
             <a:off x="289440" y="1298520"/>
-            <a:ext cx="10042560" cy="1535400"/>
+            <a:ext cx="10042200" cy="1535040"/>
           </a:xfrm>
           <a:prstGeom prst="rect">
             <a:avLst/>
@@ -11277,7 +10999,7 @@
         <p:spPr>
           <a:xfrm>
             <a:off x="2850480" y="6378120"/>
-            <a:ext cx="6841440" cy="363600"/>
+            <a:ext cx="6841080" cy="363240"/>
           </a:xfrm>
           <a:prstGeom prst="rect">
             <a:avLst/>
@@ -11346,7 +11068,7 @@
         <p:spPr>
           <a:xfrm>
             <a:off x="439560" y="1371600"/>
-            <a:ext cx="10898280" cy="2468880"/>
+            <a:ext cx="10897920" cy="2468520"/>
           </a:xfrm>
           <a:prstGeom prst="rect">
             <a:avLst/>
@@ -11365,7 +11087,7 @@
         <p:txBody>
           <a:bodyPr lIns="0" rIns="0" tIns="0" bIns="0"/>
           <a:p>
-            <a:pPr marL="457200" indent="-455760">
+            <a:pPr marL="457200" indent="-455400">
               <a:lnSpc>
                 <a:spcPct val="90000"/>
               </a:lnSpc>
@@ -11393,7 +11115,7 @@
             </a:endParaRPr>
           </a:p>
           <a:p>
-            <a:pPr marL="457200" indent="-455760">
+            <a:pPr marL="457200" indent="-455400">
               <a:lnSpc>
                 <a:spcPct val="90000"/>
               </a:lnSpc>
@@ -11421,7 +11143,7 @@
             </a:endParaRPr>
           </a:p>
           <a:p>
-            <a:pPr marL="457200" indent="-455760">
+            <a:pPr marL="457200" indent="-455400">
               <a:lnSpc>
                 <a:spcPct val="90000"/>
               </a:lnSpc>
@@ -11449,7 +11171,7 @@
             </a:endParaRPr>
           </a:p>
           <a:p>
-            <a:pPr marL="457200" indent="-455760">
+            <a:pPr marL="457200" indent="-455400">
               <a:lnSpc>
                 <a:spcPct val="90000"/>
               </a:lnSpc>
@@ -11477,7 +11199,7 @@
             </a:endParaRPr>
           </a:p>
           <a:p>
-            <a:pPr marL="457200" indent="-455760">
+            <a:pPr marL="457200" indent="-455400">
               <a:lnSpc>
                 <a:spcPct val="90000"/>
               </a:lnSpc>
@@ -11577,7 +11299,7 @@
         <p:spPr>
           <a:xfrm>
             <a:off x="0" y="0"/>
-            <a:ext cx="10893600" cy="961560"/>
+            <a:ext cx="10893240" cy="961200"/>
           </a:xfrm>
           <a:prstGeom prst="rect">
             <a:avLst/>
@@ -11626,7 +11348,7 @@
         <p:spPr>
           <a:xfrm>
             <a:off x="838080" y="1755720"/>
-            <a:ext cx="10042560" cy="643680"/>
+            <a:ext cx="10042200" cy="643320"/>
           </a:xfrm>
           <a:prstGeom prst="rect">
             <a:avLst/>
@@ -11688,7 +11410,7 @@
         <p:spPr>
           <a:xfrm>
             <a:off x="914400" y="2491560"/>
-            <a:ext cx="9874800" cy="3715200"/>
+            <a:ext cx="9874440" cy="3714840"/>
           </a:xfrm>
           <a:prstGeom prst="rect">
             <a:avLst/>
@@ -11730,7 +11452,7 @@
             </a:endParaRPr>
           </a:p>
           <a:p>
-            <a:pPr marL="343080" indent="-342360">
+            <a:pPr marL="343080" indent="-342000">
               <a:lnSpc>
                 <a:spcPct val="90000"/>
               </a:lnSpc>
@@ -11768,7 +11490,7 @@
             </a:endParaRPr>
           </a:p>
           <a:p>
-            <a:pPr marL="343080" indent="-342360">
+            <a:pPr marL="343080" indent="-342000">
               <a:lnSpc>
                 <a:spcPct val="90000"/>
               </a:lnSpc>
@@ -11816,7 +11538,7 @@
         <p:spPr>
           <a:xfrm>
             <a:off x="2850480" y="6378120"/>
-            <a:ext cx="6841440" cy="363600"/>
+            <a:ext cx="6841080" cy="363240"/>
           </a:xfrm>
           <a:prstGeom prst="rect">
             <a:avLst/>
@@ -11934,7 +11656,7 @@
         <p:spPr>
           <a:xfrm>
             <a:off x="0" y="0"/>
-            <a:ext cx="10893600" cy="961560"/>
+            <a:ext cx="10893240" cy="961200"/>
           </a:xfrm>
           <a:prstGeom prst="rect">
             <a:avLst/>
@@ -11983,7 +11705,7 @@
         <p:spPr>
           <a:xfrm>
             <a:off x="2850480" y="6377040"/>
-            <a:ext cx="6841440" cy="363600"/>
+            <a:ext cx="6841080" cy="363240"/>
           </a:xfrm>
           <a:prstGeom prst="rect">
             <a:avLst/>
@@ -12056,7 +11778,7 @@
         <p:spPr>
           <a:xfrm>
             <a:off x="1645920" y="961920"/>
-            <a:ext cx="8753040" cy="4923360"/>
+            <a:ext cx="8752680" cy="4923000"/>
           </a:xfrm>
           <a:prstGeom prst="rect">
             <a:avLst/>
@@ -12124,7 +11846,7 @@
         <p:spPr>
           <a:xfrm>
             <a:off x="0" y="0"/>
-            <a:ext cx="10893600" cy="961560"/>
+            <a:ext cx="10893240" cy="961200"/>
           </a:xfrm>
           <a:prstGeom prst="rect">
             <a:avLst/>
@@ -12173,7 +11895,7 @@
         <p:spPr>
           <a:xfrm>
             <a:off x="732600" y="1744920"/>
-            <a:ext cx="10283400" cy="1077840"/>
+            <a:ext cx="10283040" cy="1077480"/>
           </a:xfrm>
           <a:prstGeom prst="rect">
             <a:avLst/>
@@ -12248,7 +11970,7 @@
         <p:spPr>
           <a:xfrm>
             <a:off x="838080" y="3909240"/>
-            <a:ext cx="9874800" cy="1096560"/>
+            <a:ext cx="9874440" cy="1096200"/>
           </a:xfrm>
           <a:prstGeom prst="rect">
             <a:avLst/>
@@ -12323,7 +12045,7 @@
         <p:spPr>
           <a:xfrm>
             <a:off x="2850480" y="6378120"/>
-            <a:ext cx="6841440" cy="363600"/>
+            <a:ext cx="6841080" cy="363240"/>
           </a:xfrm>
           <a:prstGeom prst="rect">
             <a:avLst/>
@@ -12392,7 +12114,7 @@
         <p:spPr>
           <a:xfrm>
             <a:off x="838080" y="5001480"/>
-            <a:ext cx="9874800" cy="1041840"/>
+            <a:ext cx="9874440" cy="1041480"/>
           </a:xfrm>
           <a:prstGeom prst="rect">
             <a:avLst/>
@@ -12467,7 +12189,7 @@
         <p:spPr>
           <a:xfrm>
             <a:off x="838080" y="2804400"/>
-            <a:ext cx="9874800" cy="1096560"/>
+            <a:ext cx="9874440" cy="1096200"/>
           </a:xfrm>
           <a:prstGeom prst="rect">
             <a:avLst/>
@@ -12591,7 +12313,7 @@
         <p:spPr>
           <a:xfrm>
             <a:off x="0" y="0"/>
-            <a:ext cx="10893600" cy="961560"/>
+            <a:ext cx="10893240" cy="961200"/>
           </a:xfrm>
           <a:prstGeom prst="rect">
             <a:avLst/>
@@ -12640,7 +12362,7 @@
         <p:spPr>
           <a:xfrm>
             <a:off x="732600" y="1744920"/>
-            <a:ext cx="10283400" cy="1077840"/>
+            <a:ext cx="10283040" cy="1077480"/>
           </a:xfrm>
           <a:prstGeom prst="rect">
             <a:avLst/>
@@ -12715,7 +12437,7 @@
         <p:spPr>
           <a:xfrm>
             <a:off x="838080" y="3909240"/>
-            <a:ext cx="9874800" cy="1096560"/>
+            <a:ext cx="9874440" cy="1096200"/>
           </a:xfrm>
           <a:prstGeom prst="rect">
             <a:avLst/>
@@ -12790,7 +12512,7 @@
         <p:spPr>
           <a:xfrm>
             <a:off x="2850480" y="6378120"/>
-            <a:ext cx="6841440" cy="363600"/>
+            <a:ext cx="6841080" cy="363240"/>
           </a:xfrm>
           <a:prstGeom prst="rect">
             <a:avLst/>
@@ -12859,7 +12581,7 @@
         <p:spPr>
           <a:xfrm>
             <a:off x="838080" y="5006520"/>
-            <a:ext cx="9874800" cy="1244160"/>
+            <a:ext cx="9874440" cy="1243800"/>
           </a:xfrm>
           <a:prstGeom prst="rect">
             <a:avLst/>
@@ -12931,7 +12653,7 @@
         <p:spPr>
           <a:xfrm>
             <a:off x="838080" y="2804400"/>
-            <a:ext cx="9874800" cy="1096560"/>
+            <a:ext cx="9874440" cy="1096200"/>
           </a:xfrm>
           <a:prstGeom prst="rect">
             <a:avLst/>
@@ -13055,7 +12777,7 @@
         <p:spPr>
           <a:xfrm>
             <a:off x="0" y="0"/>
-            <a:ext cx="10893600" cy="961560"/>
+            <a:ext cx="10893240" cy="961200"/>
           </a:xfrm>
           <a:prstGeom prst="rect">
             <a:avLst/>
@@ -13104,7 +12826,7 @@
         <p:spPr>
           <a:xfrm>
             <a:off x="732600" y="1744920"/>
-            <a:ext cx="10283400" cy="1077840"/>
+            <a:ext cx="10283040" cy="1077480"/>
           </a:xfrm>
           <a:prstGeom prst="rect">
             <a:avLst/>
@@ -13179,7 +12901,7 @@
         <p:spPr>
           <a:xfrm>
             <a:off x="838080" y="3909240"/>
-            <a:ext cx="9874800" cy="1096560"/>
+            <a:ext cx="9874440" cy="1096200"/>
           </a:xfrm>
           <a:prstGeom prst="rect">
             <a:avLst/>
@@ -13254,7 +12976,7 @@
         <p:spPr>
           <a:xfrm>
             <a:off x="2850480" y="6378120"/>
-            <a:ext cx="6841440" cy="363600"/>
+            <a:ext cx="6841080" cy="363240"/>
           </a:xfrm>
           <a:prstGeom prst="rect">
             <a:avLst/>
@@ -13323,7 +13045,7 @@
         <p:spPr>
           <a:xfrm>
             <a:off x="838080" y="2804400"/>
-            <a:ext cx="9874800" cy="1096560"/>
+            <a:ext cx="9874440" cy="1096200"/>
           </a:xfrm>
           <a:prstGeom prst="rect">
             <a:avLst/>
@@ -13447,7 +13169,7 @@
         <p:spPr>
           <a:xfrm>
             <a:off x="0" y="0"/>
-            <a:ext cx="10893600" cy="961560"/>
+            <a:ext cx="10893240" cy="961200"/>
           </a:xfrm>
           <a:prstGeom prst="rect">
             <a:avLst/>
@@ -13496,7 +13218,7 @@
         <p:spPr>
           <a:xfrm>
             <a:off x="289440" y="1298520"/>
-            <a:ext cx="10042560" cy="1535400"/>
+            <a:ext cx="10042200" cy="1535040"/>
           </a:xfrm>
           <a:prstGeom prst="rect">
             <a:avLst/>
@@ -13551,7 +13273,7 @@
         <p:spPr>
           <a:xfrm>
             <a:off x="2850480" y="6378120"/>
-            <a:ext cx="6841440" cy="363600"/>
+            <a:ext cx="6841080" cy="363240"/>
           </a:xfrm>
           <a:prstGeom prst="rect">
             <a:avLst/>
@@ -13620,7 +13342,7 @@
         <p:spPr>
           <a:xfrm>
             <a:off x="439560" y="1371600"/>
-            <a:ext cx="10898280" cy="2468880"/>
+            <a:ext cx="10897920" cy="2468520"/>
           </a:xfrm>
           <a:prstGeom prst="rect">
             <a:avLst/>
@@ -13639,7 +13361,7 @@
         <p:txBody>
           <a:bodyPr lIns="0" rIns="0" tIns="0" bIns="0"/>
           <a:p>
-            <a:pPr marL="457200" indent="-455760">
+            <a:pPr marL="457200" indent="-455400">
               <a:lnSpc>
                 <a:spcPct val="90000"/>
               </a:lnSpc>
@@ -13667,7 +13389,7 @@
             </a:endParaRPr>
           </a:p>
           <a:p>
-            <a:pPr marL="457200" indent="-455760">
+            <a:pPr marL="457200" indent="-455400">
               <a:lnSpc>
                 <a:spcPct val="90000"/>
               </a:lnSpc>
@@ -13695,7 +13417,7 @@
             </a:endParaRPr>
           </a:p>
           <a:p>
-            <a:pPr marL="457200" indent="-455760">
+            <a:pPr marL="457200" indent="-455400">
               <a:lnSpc>
                 <a:spcPct val="90000"/>
               </a:lnSpc>
@@ -13723,7 +13445,7 @@
             </a:endParaRPr>
           </a:p>
           <a:p>
-            <a:pPr marL="457200" indent="-455760">
+            <a:pPr marL="457200" indent="-455400">
               <a:lnSpc>
                 <a:spcPct val="90000"/>
               </a:lnSpc>
@@ -13751,7 +13473,7 @@
             </a:endParaRPr>
           </a:p>
           <a:p>
-            <a:pPr marL="457200" indent="-455760">
+            <a:pPr marL="457200" indent="-455400">
               <a:lnSpc>
                 <a:spcPct val="90000"/>
               </a:lnSpc>
@@ -13779,7 +13501,7 @@
             </a:endParaRPr>
           </a:p>
           <a:p>
-            <a:pPr marL="457200" indent="-455760">
+            <a:pPr marL="457200" indent="-455400">
               <a:lnSpc>
                 <a:spcPct val="90000"/>
               </a:lnSpc>
@@ -13807,7 +13529,7 @@
             </a:endParaRPr>
           </a:p>
           <a:p>
-            <a:pPr marL="457200" indent="-455760">
+            <a:pPr marL="457200" indent="-455400">
               <a:lnSpc>
                 <a:spcPct val="90000"/>
               </a:lnSpc>
@@ -13835,7 +13557,7 @@
             </a:endParaRPr>
           </a:p>
           <a:p>
-            <a:pPr marL="457200" indent="-455760">
+            <a:pPr marL="457200" indent="-455400">
               <a:lnSpc>
                 <a:spcPct val="90000"/>
               </a:lnSpc>
@@ -13863,7 +13585,7 @@
             </a:endParaRPr>
           </a:p>
           <a:p>
-            <a:pPr marL="457200" indent="-455760">
+            <a:pPr marL="457200" indent="-455400">
               <a:lnSpc>
                 <a:spcPct val="90000"/>
               </a:lnSpc>
@@ -13891,7 +13613,7 @@
             </a:endParaRPr>
           </a:p>
           <a:p>
-            <a:pPr marL="457200" indent="-455760">
+            <a:pPr marL="457200" indent="-455400">
               <a:lnSpc>
                 <a:spcPct val="90000"/>
               </a:lnSpc>
@@ -13991,7 +13713,7 @@
         <p:spPr>
           <a:xfrm>
             <a:off x="0" y="0"/>
-            <a:ext cx="10893600" cy="961560"/>
+            <a:ext cx="10893240" cy="961200"/>
           </a:xfrm>
           <a:prstGeom prst="rect">
             <a:avLst/>
@@ -14040,7 +13762,7 @@
         <p:spPr>
           <a:xfrm>
             <a:off x="732600" y="1744920"/>
-            <a:ext cx="10283400" cy="1077840"/>
+            <a:ext cx="10283040" cy="1077480"/>
           </a:xfrm>
           <a:prstGeom prst="rect">
             <a:avLst/>
@@ -14115,7 +13837,7 @@
         <p:spPr>
           <a:xfrm>
             <a:off x="838080" y="3909240"/>
-            <a:ext cx="9874800" cy="1096560"/>
+            <a:ext cx="9874440" cy="1096200"/>
           </a:xfrm>
           <a:prstGeom prst="rect">
             <a:avLst/>
@@ -14190,7 +13912,7 @@
         <p:spPr>
           <a:xfrm>
             <a:off x="2850480" y="6378120"/>
-            <a:ext cx="6841440" cy="363600"/>
+            <a:ext cx="6841080" cy="363240"/>
           </a:xfrm>
           <a:prstGeom prst="rect">
             <a:avLst/>
@@ -14259,7 +13981,7 @@
         <p:spPr>
           <a:xfrm>
             <a:off x="838080" y="2804400"/>
-            <a:ext cx="9874800" cy="1096560"/>
+            <a:ext cx="9874440" cy="1096200"/>
           </a:xfrm>
           <a:prstGeom prst="rect">
             <a:avLst/>
@@ -14383,7 +14105,7 @@
         <p:spPr>
           <a:xfrm>
             <a:off x="0" y="0"/>
-            <a:ext cx="10893600" cy="961560"/>
+            <a:ext cx="10893240" cy="961200"/>
           </a:xfrm>
           <a:prstGeom prst="rect">
             <a:avLst/>
@@ -14432,7 +14154,7 @@
         <p:spPr>
           <a:xfrm>
             <a:off x="732600" y="1744920"/>
-            <a:ext cx="10283400" cy="1077840"/>
+            <a:ext cx="10283040" cy="1077480"/>
           </a:xfrm>
           <a:prstGeom prst="rect">
             <a:avLst/>
@@ -14507,7 +14229,7 @@
         <p:spPr>
           <a:xfrm>
             <a:off x="838080" y="3909240"/>
-            <a:ext cx="9874800" cy="1389960"/>
+            <a:ext cx="9874440" cy="1389600"/>
           </a:xfrm>
           <a:prstGeom prst="rect">
             <a:avLst/>
@@ -14582,7 +14304,7 @@
         <p:spPr>
           <a:xfrm>
             <a:off x="2850480" y="6378120"/>
-            <a:ext cx="6841440" cy="363600"/>
+            <a:ext cx="6841080" cy="363240"/>
           </a:xfrm>
           <a:prstGeom prst="rect">
             <a:avLst/>
@@ -14651,7 +14373,7 @@
         <p:spPr>
           <a:xfrm>
             <a:off x="838080" y="2804400"/>
-            <a:ext cx="10432800" cy="1096560"/>
+            <a:ext cx="10432440" cy="1096200"/>
           </a:xfrm>
           <a:prstGeom prst="rect">
             <a:avLst/>
@@ -14775,7 +14497,7 @@
         <p:spPr>
           <a:xfrm>
             <a:off x="0" y="0"/>
-            <a:ext cx="10893600" cy="961560"/>
+            <a:ext cx="10893240" cy="961200"/>
           </a:xfrm>
           <a:prstGeom prst="rect">
             <a:avLst/>
@@ -14824,7 +14546,7 @@
         <p:spPr>
           <a:xfrm>
             <a:off x="732600" y="1744920"/>
-            <a:ext cx="10283400" cy="1077840"/>
+            <a:ext cx="10283040" cy="1077480"/>
           </a:xfrm>
           <a:prstGeom prst="rect">
             <a:avLst/>
@@ -14899,7 +14621,7 @@
         <p:spPr>
           <a:xfrm>
             <a:off x="838080" y="3909240"/>
-            <a:ext cx="9874800" cy="1389960"/>
+            <a:ext cx="9874440" cy="1389600"/>
           </a:xfrm>
           <a:prstGeom prst="rect">
             <a:avLst/>
@@ -14974,7 +14696,7 @@
         <p:spPr>
           <a:xfrm>
             <a:off x="2850480" y="6378120"/>
-            <a:ext cx="6841440" cy="363600"/>
+            <a:ext cx="6841080" cy="363240"/>
           </a:xfrm>
           <a:prstGeom prst="rect">
             <a:avLst/>
@@ -15043,7 +14765,7 @@
         <p:spPr>
           <a:xfrm>
             <a:off x="838080" y="2804400"/>
-            <a:ext cx="10432800" cy="1096560"/>
+            <a:ext cx="10432440" cy="1096200"/>
           </a:xfrm>
           <a:prstGeom prst="rect">
             <a:avLst/>
@@ -15167,7 +14889,7 @@
         <p:spPr>
           <a:xfrm>
             <a:off x="0" y="0"/>
-            <a:ext cx="10893600" cy="961560"/>
+            <a:ext cx="10893240" cy="961200"/>
           </a:xfrm>
           <a:prstGeom prst="rect">
             <a:avLst/>
@@ -15216,7 +14938,7 @@
         <p:spPr>
           <a:xfrm>
             <a:off x="732600" y="1744920"/>
-            <a:ext cx="10283400" cy="1077840"/>
+            <a:ext cx="10283040" cy="1077480"/>
           </a:xfrm>
           <a:prstGeom prst="rect">
             <a:avLst/>
@@ -15291,7 +15013,7 @@
         <p:spPr>
           <a:xfrm>
             <a:off x="838080" y="3909240"/>
-            <a:ext cx="9874800" cy="1389960"/>
+            <a:ext cx="9874440" cy="1389600"/>
           </a:xfrm>
           <a:prstGeom prst="rect">
             <a:avLst/>
@@ -15366,7 +15088,7 @@
         <p:spPr>
           <a:xfrm>
             <a:off x="2850480" y="6378120"/>
-            <a:ext cx="6841440" cy="363600"/>
+            <a:ext cx="6841080" cy="363240"/>
           </a:xfrm>
           <a:prstGeom prst="rect">
             <a:avLst/>
@@ -15435,7 +15157,7 @@
         <p:spPr>
           <a:xfrm>
             <a:off x="838080" y="2804400"/>
-            <a:ext cx="10432800" cy="1096560"/>
+            <a:ext cx="10432440" cy="1096200"/>
           </a:xfrm>
           <a:prstGeom prst="rect">
             <a:avLst/>
@@ -15559,7 +15281,7 @@
         <p:spPr>
           <a:xfrm>
             <a:off x="0" y="0"/>
-            <a:ext cx="10893600" cy="961560"/>
+            <a:ext cx="10893240" cy="961200"/>
           </a:xfrm>
           <a:prstGeom prst="rect">
             <a:avLst/>
@@ -15608,7 +15330,7 @@
         <p:spPr>
           <a:xfrm>
             <a:off x="2850480" y="6378120"/>
-            <a:ext cx="6841440" cy="363600"/>
+            <a:ext cx="6841080" cy="363240"/>
           </a:xfrm>
           <a:prstGeom prst="rect">
             <a:avLst/>
@@ -15681,7 +15403,7 @@
         <p:spPr>
           <a:xfrm>
             <a:off x="3214440" y="2390760"/>
-            <a:ext cx="5657040" cy="3675960"/>
+            <a:ext cx="5656680" cy="3675600"/>
           </a:xfrm>
           <a:prstGeom prst="rect">
             <a:avLst/>
@@ -15700,7 +15422,7 @@
         <p:spPr>
           <a:xfrm>
             <a:off x="413280" y="1169280"/>
-            <a:ext cx="10277640" cy="455760"/>
+            <a:ext cx="10277280" cy="455400"/>
           </a:xfrm>
           <a:prstGeom prst="rect">
             <a:avLst/>
@@ -15808,7 +15530,7 @@
         <p:spPr>
           <a:xfrm>
             <a:off x="0" y="0"/>
-            <a:ext cx="10893600" cy="961560"/>
+            <a:ext cx="10893240" cy="961200"/>
           </a:xfrm>
           <a:prstGeom prst="rect">
             <a:avLst/>
@@ -15857,7 +15579,7 @@
         <p:spPr>
           <a:xfrm>
             <a:off x="2850480" y="6378120"/>
-            <a:ext cx="6841440" cy="363600"/>
+            <a:ext cx="6841080" cy="363240"/>
           </a:xfrm>
           <a:prstGeom prst="rect">
             <a:avLst/>
@@ -15926,7 +15648,7 @@
         <p:spPr>
           <a:xfrm>
             <a:off x="615960" y="2331360"/>
-            <a:ext cx="10277640" cy="2650320"/>
+            <a:ext cx="10277280" cy="2649960"/>
           </a:xfrm>
           <a:prstGeom prst="rect">
             <a:avLst/>
@@ -15965,7 +15687,7 @@
             </a:endParaRPr>
           </a:p>
           <a:p>
-            <a:pPr marL="343080" indent="-342360">
+            <a:pPr marL="343080" indent="-342000">
               <a:lnSpc>
                 <a:spcPct val="100000"/>
               </a:lnSpc>
@@ -15990,7 +15712,7 @@
             </a:endParaRPr>
           </a:p>
           <a:p>
-            <a:pPr marL="343080" indent="-342360">
+            <a:pPr marL="343080" indent="-342000">
               <a:lnSpc>
                 <a:spcPct val="100000"/>
               </a:lnSpc>
@@ -16015,7 +15737,7 @@
             </a:endParaRPr>
           </a:p>
           <a:p>
-            <a:pPr marL="343080" indent="-342360">
+            <a:pPr marL="343080" indent="-342000">
               <a:lnSpc>
                 <a:spcPct val="100000"/>
               </a:lnSpc>
@@ -16040,7 +15762,7 @@
             </a:endParaRPr>
           </a:p>
           <a:p>
-            <a:pPr marL="343080" indent="-342360">
+            <a:pPr marL="343080" indent="-342000">
               <a:lnSpc>
                 <a:spcPct val="100000"/>
               </a:lnSpc>
@@ -16065,7 +15787,7 @@
             </a:endParaRPr>
           </a:p>
           <a:p>
-            <a:pPr marL="343080" indent="-342360">
+            <a:pPr marL="343080" indent="-342000">
               <a:lnSpc>
                 <a:spcPct val="100000"/>
               </a:lnSpc>
@@ -16090,7 +15812,7 @@
             </a:endParaRPr>
           </a:p>
           <a:p>
-            <a:pPr marL="343080" indent="-342360">
+            <a:pPr marL="343080" indent="-342000">
               <a:lnSpc>
                 <a:spcPct val="100000"/>
               </a:lnSpc>
@@ -16174,7 +15896,7 @@
         <p:spPr>
           <a:xfrm>
             <a:off x="0" y="0"/>
-            <a:ext cx="10893600" cy="961560"/>
+            <a:ext cx="10893240" cy="961200"/>
           </a:xfrm>
           <a:prstGeom prst="rect">
             <a:avLst/>
@@ -16223,7 +15945,7 @@
         <p:spPr>
           <a:xfrm>
             <a:off x="274320" y="1188720"/>
-            <a:ext cx="11063520" cy="857160"/>
+            <a:ext cx="11063160" cy="856800"/>
           </a:xfrm>
           <a:prstGeom prst="rect">
             <a:avLst/>
@@ -16242,7 +15964,7 @@
         <p:txBody>
           <a:bodyPr lIns="90000" rIns="90000" tIns="45000" bIns="45000"/>
           <a:p>
-            <a:pPr marL="457200" indent="-455760">
+            <a:pPr marL="457200" indent="-455400">
               <a:lnSpc>
                 <a:spcPct val="90000"/>
               </a:lnSpc>
@@ -16270,7 +15992,7 @@
             </a:endParaRPr>
           </a:p>
           <a:p>
-            <a:pPr marL="457200" indent="-455760">
+            <a:pPr marL="457200" indent="-455400">
               <a:lnSpc>
                 <a:spcPct val="90000"/>
               </a:lnSpc>
@@ -16298,7 +16020,7 @@
             </a:endParaRPr>
           </a:p>
           <a:p>
-            <a:pPr marL="457200" indent="-455760">
+            <a:pPr marL="457200" indent="-455400">
               <a:lnSpc>
                 <a:spcPct val="90000"/>
               </a:lnSpc>
@@ -16336,7 +16058,7 @@
         <p:spPr>
           <a:xfrm>
             <a:off x="2850120" y="6375960"/>
-            <a:ext cx="6841440" cy="363600"/>
+            <a:ext cx="6841080" cy="363240"/>
           </a:xfrm>
           <a:prstGeom prst="rect">
             <a:avLst/>
@@ -16409,7 +16131,7 @@
         <p:spPr>
           <a:xfrm>
             <a:off x="284760" y="2479320"/>
-            <a:ext cx="3372120" cy="3372120"/>
+            <a:ext cx="3371760" cy="3371760"/>
           </a:xfrm>
           <a:prstGeom prst="rect">
             <a:avLst/>
@@ -16428,7 +16150,7 @@
         <p:spPr>
           <a:xfrm>
             <a:off x="4340880" y="3657600"/>
-            <a:ext cx="6722640" cy="1334880"/>
+            <a:ext cx="6722280" cy="1334520"/>
           </a:xfrm>
           <a:prstGeom prst="rect">
             <a:avLst/>
@@ -16447,7 +16169,7 @@
         <p:txBody>
           <a:bodyPr wrap="none" lIns="0" rIns="0" tIns="0" bIns="0"/>
           <a:p>
-            <a:pPr marL="457200" indent="-455760">
+            <a:pPr marL="457200" indent="-455400">
               <a:lnSpc>
                 <a:spcPct val="90000"/>
               </a:lnSpc>
@@ -16475,7 +16197,7 @@
             </a:endParaRPr>
           </a:p>
           <a:p>
-            <a:pPr marL="457200" indent="-455760">
+            <a:pPr marL="457200" indent="-455400">
               <a:lnSpc>
                 <a:spcPct val="90000"/>
               </a:lnSpc>
@@ -16503,7 +16225,7 @@
             </a:endParaRPr>
           </a:p>
           <a:p>
-            <a:pPr marL="457200" indent="-455760">
+            <a:pPr marL="457200" indent="-455400">
               <a:lnSpc>
                 <a:spcPct val="90000"/>
               </a:lnSpc>
@@ -16531,7 +16253,7 @@
             </a:endParaRPr>
           </a:p>
           <a:p>
-            <a:pPr marL="457200" indent="-455760">
+            <a:pPr marL="457200" indent="-455400">
               <a:lnSpc>
                 <a:spcPct val="90000"/>
               </a:lnSpc>
@@ -16569,7 +16291,7 @@
         <p:spPr>
           <a:xfrm>
             <a:off x="4206240" y="3044880"/>
-            <a:ext cx="1828080" cy="429120"/>
+            <a:ext cx="1827720" cy="428760"/>
           </a:xfrm>
           <a:prstGeom prst="rect">
             <a:avLst/>
@@ -16670,7 +16392,7 @@
         <p:spPr>
           <a:xfrm>
             <a:off x="0" y="0"/>
-            <a:ext cx="10893600" cy="961560"/>
+            <a:ext cx="10893240" cy="961200"/>
           </a:xfrm>
           <a:prstGeom prst="rect">
             <a:avLst/>
@@ -16719,7 +16441,7 @@
         <p:spPr>
           <a:xfrm>
             <a:off x="2850480" y="6378120"/>
-            <a:ext cx="6841440" cy="363600"/>
+            <a:ext cx="6841080" cy="363240"/>
           </a:xfrm>
           <a:prstGeom prst="rect">
             <a:avLst/>
@@ -16788,7 +16510,7 @@
         <p:spPr>
           <a:xfrm>
             <a:off x="1548000" y="3439440"/>
-            <a:ext cx="10277640" cy="455760"/>
+            <a:ext cx="10277280" cy="455400"/>
           </a:xfrm>
           <a:prstGeom prst="rect">
             <a:avLst/>
@@ -16888,7 +16610,7 @@
         <p:spPr>
           <a:xfrm>
             <a:off x="1645920" y="2962440"/>
-            <a:ext cx="9142560" cy="878040"/>
+            <a:ext cx="9142200" cy="877680"/>
           </a:xfrm>
           <a:prstGeom prst="rect">
             <a:avLst/>
@@ -16937,7 +16659,7 @@
         <p:spPr>
           <a:xfrm>
             <a:off x="2850480" y="6377040"/>
-            <a:ext cx="6841440" cy="363600"/>
+            <a:ext cx="6841080" cy="363240"/>
           </a:xfrm>
           <a:prstGeom prst="rect">
             <a:avLst/>
@@ -17055,7 +16777,7 @@
         <p:spPr>
           <a:xfrm>
             <a:off x="0" y="0"/>
-            <a:ext cx="10893600" cy="961560"/>
+            <a:ext cx="10893240" cy="961200"/>
           </a:xfrm>
           <a:prstGeom prst="rect">
             <a:avLst/>
@@ -17104,7 +16826,7 @@
         <p:spPr>
           <a:xfrm>
             <a:off x="274320" y="1188720"/>
-            <a:ext cx="11063520" cy="857160"/>
+            <a:ext cx="11063160" cy="856800"/>
           </a:xfrm>
           <a:prstGeom prst="rect">
             <a:avLst/>
@@ -17179,7 +16901,7 @@
         <p:spPr>
           <a:xfrm>
             <a:off x="2850120" y="6375960"/>
-            <a:ext cx="6841440" cy="363600"/>
+            <a:ext cx="6841080" cy="363240"/>
           </a:xfrm>
           <a:prstGeom prst="rect">
             <a:avLst/>
@@ -17248,7 +16970,7 @@
         <p:spPr>
           <a:xfrm>
             <a:off x="365760" y="2743200"/>
-            <a:ext cx="7582320" cy="684000"/>
+            <a:ext cx="7581960" cy="683640"/>
           </a:xfrm>
           <a:prstGeom prst="rect">
             <a:avLst/>
@@ -17323,7 +17045,7 @@
         <p:spPr>
           <a:xfrm>
             <a:off x="365760" y="3910320"/>
-            <a:ext cx="4401720" cy="684000"/>
+            <a:ext cx="4401360" cy="683640"/>
           </a:xfrm>
           <a:prstGeom prst="rect">
             <a:avLst/>
@@ -17447,7 +17169,7 @@
         <p:spPr>
           <a:xfrm>
             <a:off x="0" y="0"/>
-            <a:ext cx="10893600" cy="961560"/>
+            <a:ext cx="10893240" cy="961200"/>
           </a:xfrm>
           <a:prstGeom prst="rect">
             <a:avLst/>
@@ -17496,7 +17218,7 @@
         <p:spPr>
           <a:xfrm>
             <a:off x="274320" y="1188720"/>
-            <a:ext cx="11063520" cy="857160"/>
+            <a:ext cx="11063160" cy="856800"/>
           </a:xfrm>
           <a:prstGeom prst="rect">
             <a:avLst/>
@@ -17538,7 +17260,7 @@
             </a:endParaRPr>
           </a:p>
           <a:p>
-            <a:pPr marL="457200" indent="-455760">
+            <a:pPr marL="457200" indent="-455400">
               <a:lnSpc>
                 <a:spcPct val="90000"/>
               </a:lnSpc>
@@ -17576,7 +17298,7 @@
         <p:spPr>
           <a:xfrm>
             <a:off x="2850120" y="6375960"/>
-            <a:ext cx="6841440" cy="363600"/>
+            <a:ext cx="6841080" cy="363240"/>
           </a:xfrm>
           <a:prstGeom prst="rect">
             <a:avLst/>
@@ -17645,7 +17367,7 @@
         <p:spPr>
           <a:xfrm>
             <a:off x="403560" y="2377440"/>
-            <a:ext cx="6110280" cy="684720"/>
+            <a:ext cx="6109920" cy="684360"/>
           </a:xfrm>
           <a:prstGeom prst="rect">
             <a:avLst/>
@@ -17687,7 +17409,7 @@
             </a:endParaRPr>
           </a:p>
           <a:p>
-            <a:pPr marL="457200" indent="-455760">
+            <a:pPr marL="457200" indent="-455400">
               <a:lnSpc>
                 <a:spcPct val="90000"/>
               </a:lnSpc>
@@ -17774,7 +17496,7 @@
         <p:spPr>
           <a:xfrm>
             <a:off x="0" y="0"/>
-            <a:ext cx="10893600" cy="961560"/>
+            <a:ext cx="10893240" cy="961200"/>
           </a:xfrm>
           <a:prstGeom prst="rect">
             <a:avLst/>
@@ -17823,7 +17545,7 @@
         <p:spPr>
           <a:xfrm>
             <a:off x="2850480" y="6377040"/>
-            <a:ext cx="6841440" cy="363600"/>
+            <a:ext cx="6841080" cy="363240"/>
           </a:xfrm>
           <a:prstGeom prst="rect">
             <a:avLst/>
@@ -17896,7 +17618,7 @@
         <p:spPr>
           <a:xfrm>
             <a:off x="3095280" y="1096920"/>
-            <a:ext cx="6322680" cy="5029200"/>
+            <a:ext cx="6322320" cy="5028840"/>
           </a:xfrm>
           <a:prstGeom prst="rect">
             <a:avLst/>
@@ -17964,7 +17686,7 @@
         <p:spPr>
           <a:xfrm>
             <a:off x="0" y="0"/>
-            <a:ext cx="10893600" cy="961560"/>
+            <a:ext cx="10893240" cy="961200"/>
           </a:xfrm>
           <a:prstGeom prst="rect">
             <a:avLst/>
@@ -18013,7 +17735,7 @@
         <p:spPr>
           <a:xfrm>
             <a:off x="914760" y="1787760"/>
-            <a:ext cx="10514160" cy="4520520"/>
+            <a:ext cx="10513800" cy="4520160"/>
           </a:xfrm>
           <a:prstGeom prst="rect">
             <a:avLst/>
@@ -18177,7 +17899,7 @@
         <p:spPr>
           <a:xfrm>
             <a:off x="2850480" y="6377040"/>
-            <a:ext cx="6841440" cy="363600"/>
+            <a:ext cx="6841080" cy="363240"/>
           </a:xfrm>
           <a:prstGeom prst="rect">
             <a:avLst/>
@@ -18295,7 +18017,7 @@
         <p:spPr>
           <a:xfrm>
             <a:off x="0" y="0"/>
-            <a:ext cx="10893600" cy="961560"/>
+            <a:ext cx="10893240" cy="961200"/>
           </a:xfrm>
           <a:prstGeom prst="rect">
             <a:avLst/>
@@ -18344,7 +18066,7 @@
         <p:spPr>
           <a:xfrm>
             <a:off x="838080" y="1755720"/>
-            <a:ext cx="10042560" cy="1535400"/>
+            <a:ext cx="10042200" cy="1535040"/>
           </a:xfrm>
           <a:prstGeom prst="rect">
             <a:avLst/>
@@ -18409,7 +18131,7 @@
             </a:endParaRPr>
           </a:p>
           <a:p>
-            <a:pPr marL="457200" indent="-455760">
+            <a:pPr marL="457200" indent="-455400">
               <a:lnSpc>
                 <a:spcPct val="90000"/>
               </a:lnSpc>
@@ -18447,7 +18169,7 @@
         <p:spPr>
           <a:xfrm>
             <a:off x="914400" y="3657600"/>
-            <a:ext cx="9874800" cy="1654200"/>
+            <a:ext cx="9874440" cy="1653840"/>
           </a:xfrm>
           <a:prstGeom prst="rect">
             <a:avLst/>
@@ -18512,7 +18234,7 @@
             </a:endParaRPr>
           </a:p>
           <a:p>
-            <a:pPr marL="457200" indent="-455760">
+            <a:pPr marL="457200" indent="-455400">
               <a:lnSpc>
                 <a:spcPct val="90000"/>
               </a:lnSpc>
@@ -18540,7 +18262,7 @@
             </a:endParaRPr>
           </a:p>
           <a:p>
-            <a:pPr marL="457200" indent="-455760">
+            <a:pPr marL="457200" indent="-455400">
               <a:lnSpc>
                 <a:spcPct val="90000"/>
               </a:lnSpc>
@@ -18578,7 +18300,7 @@
         <p:spPr>
           <a:xfrm>
             <a:off x="2850480" y="6378120"/>
-            <a:ext cx="6841440" cy="363600"/>
+            <a:ext cx="6841080" cy="363240"/>
           </a:xfrm>
           <a:prstGeom prst="rect">
             <a:avLst/>

--- a/GIT.pptx
+++ b/GIT.pptx
@@ -2753,7 +2753,7 @@
         <p:spPr>
           <a:xfrm rot="5400000">
             <a:off x="0" y="0"/>
-            <a:ext cx="2498040" cy="2498040"/>
+            <a:ext cx="2497680" cy="2497680"/>
           </a:xfrm>
           <a:prstGeom prst="rtTriangle">
             <a:avLst/>
@@ -2793,7 +2793,7 @@
         <p:spPr>
           <a:xfrm>
             <a:off x="0" y="0"/>
-            <a:ext cx="2751120" cy="1294920"/>
+            <a:ext cx="2750760" cy="1294560"/>
           </a:xfrm>
           <a:prstGeom prst="rect">
             <a:avLst/>
@@ -3070,7 +3070,7 @@
         <p:spPr>
           <a:xfrm>
             <a:off x="0" y="0"/>
-            <a:ext cx="12190320" cy="961200"/>
+            <a:ext cx="12189960" cy="960840"/>
           </a:xfrm>
           <a:prstGeom prst="rect">
             <a:avLst/>
@@ -3110,7 +3110,7 @@
         <p:spPr>
           <a:xfrm>
             <a:off x="10895040" y="-23400"/>
-            <a:ext cx="2193480" cy="1032120"/>
+            <a:ext cx="2193120" cy="1031760"/>
           </a:xfrm>
           <a:prstGeom prst="rect">
             <a:avLst/>
@@ -3380,7 +3380,7 @@
         <p:spPr>
           <a:xfrm>
             <a:off x="1523880" y="1122480"/>
-            <a:ext cx="9142200" cy="1949760"/>
+            <a:ext cx="9141840" cy="1949400"/>
           </a:xfrm>
           <a:prstGeom prst="rect">
             <a:avLst/>
@@ -3429,7 +3429,7 @@
         <p:spPr>
           <a:xfrm>
             <a:off x="1523880" y="3169440"/>
-            <a:ext cx="9142200" cy="1653840"/>
+            <a:ext cx="9141840" cy="1653480"/>
           </a:xfrm>
           <a:prstGeom prst="rect">
             <a:avLst/>
@@ -3504,7 +3504,7 @@
         <p:spPr>
           <a:xfrm>
             <a:off x="2850480" y="6377040"/>
-            <a:ext cx="6841080" cy="363240"/>
+            <a:ext cx="6840720" cy="362880"/>
           </a:xfrm>
           <a:prstGeom prst="rect">
             <a:avLst/>
@@ -3622,7 +3622,7 @@
         <p:spPr>
           <a:xfrm>
             <a:off x="0" y="0"/>
-            <a:ext cx="10893240" cy="961200"/>
+            <a:ext cx="10892880" cy="960840"/>
           </a:xfrm>
           <a:prstGeom prst="rect">
             <a:avLst/>
@@ -3671,7 +3671,7 @@
         <p:spPr>
           <a:xfrm>
             <a:off x="289440" y="1298520"/>
-            <a:ext cx="10042200" cy="1535040"/>
+            <a:ext cx="10041840" cy="1534680"/>
           </a:xfrm>
           <a:prstGeom prst="rect">
             <a:avLst/>
@@ -3690,7 +3690,7 @@
         <p:txBody>
           <a:bodyPr lIns="90000" rIns="90000" tIns="45000" bIns="45000"/>
           <a:p>
-            <a:pPr marL="457200" indent="-455400">
+            <a:pPr marL="457200" indent="-455040">
               <a:lnSpc>
                 <a:spcPct val="90000"/>
               </a:lnSpc>
@@ -3718,7 +3718,7 @@
             </a:endParaRPr>
           </a:p>
           <a:p>
-            <a:pPr marL="457200" indent="-455400">
+            <a:pPr marL="457200" indent="-455040">
               <a:lnSpc>
                 <a:spcPct val="90000"/>
               </a:lnSpc>
@@ -3746,7 +3746,7 @@
             </a:endParaRPr>
           </a:p>
           <a:p>
-            <a:pPr marL="457200" indent="-455400">
+            <a:pPr marL="457200" indent="-455040">
               <a:lnSpc>
                 <a:spcPct val="90000"/>
               </a:lnSpc>
@@ -3774,7 +3774,7 @@
             </a:endParaRPr>
           </a:p>
           <a:p>
-            <a:pPr marL="457200" indent="-455400">
+            <a:pPr marL="457200" indent="-455040">
               <a:lnSpc>
                 <a:spcPct val="90000"/>
               </a:lnSpc>
@@ -3812,7 +3812,7 @@
         <p:spPr>
           <a:xfrm>
             <a:off x="2850480" y="6378120"/>
-            <a:ext cx="6841080" cy="363240"/>
+            <a:ext cx="6840720" cy="362880"/>
           </a:xfrm>
           <a:prstGeom prst="rect">
             <a:avLst/>
@@ -3930,7 +3930,7 @@
         <p:spPr>
           <a:xfrm>
             <a:off x="0" y="0"/>
-            <a:ext cx="10893240" cy="961200"/>
+            <a:ext cx="10892880" cy="960840"/>
           </a:xfrm>
           <a:prstGeom prst="rect">
             <a:avLst/>
@@ -3979,7 +3979,7 @@
         <p:spPr>
           <a:xfrm>
             <a:off x="2850480" y="6377040"/>
-            <a:ext cx="6841080" cy="363240"/>
+            <a:ext cx="6840720" cy="362880"/>
           </a:xfrm>
           <a:prstGeom prst="rect">
             <a:avLst/>
@@ -4052,7 +4052,7 @@
         <p:spPr>
           <a:xfrm>
             <a:off x="3108960" y="1371600"/>
-            <a:ext cx="5700960" cy="4829400"/>
+            <a:ext cx="5700600" cy="4829040"/>
           </a:xfrm>
           <a:prstGeom prst="rect">
             <a:avLst/>
@@ -4120,7 +4120,7 @@
         <p:spPr>
           <a:xfrm>
             <a:off x="0" y="0"/>
-            <a:ext cx="10893240" cy="961200"/>
+            <a:ext cx="10892880" cy="960840"/>
           </a:xfrm>
           <a:prstGeom prst="rect">
             <a:avLst/>
@@ -4169,7 +4169,7 @@
         <p:spPr>
           <a:xfrm>
             <a:off x="838080" y="1207080"/>
-            <a:ext cx="10042200" cy="1077840"/>
+            <a:ext cx="10041840" cy="1077480"/>
           </a:xfrm>
           <a:prstGeom prst="rect">
             <a:avLst/>
@@ -4244,7 +4244,7 @@
         <p:spPr>
           <a:xfrm>
             <a:off x="914400" y="3291840"/>
-            <a:ext cx="9874440" cy="1370520"/>
+            <a:ext cx="9874080" cy="1370160"/>
           </a:xfrm>
           <a:prstGeom prst="rect">
             <a:avLst/>
@@ -4309,7 +4309,7 @@
             </a:endParaRPr>
           </a:p>
           <a:p>
-            <a:pPr marL="457200" indent="-455400">
+            <a:pPr marL="457200" indent="-455040">
               <a:lnSpc>
                 <a:spcPct val="90000"/>
               </a:lnSpc>
@@ -4347,7 +4347,7 @@
         <p:spPr>
           <a:xfrm>
             <a:off x="2850480" y="6378120"/>
-            <a:ext cx="6841080" cy="363240"/>
+            <a:ext cx="6840720" cy="362880"/>
           </a:xfrm>
           <a:prstGeom prst="rect">
             <a:avLst/>
@@ -4416,7 +4416,7 @@
         <p:spPr>
           <a:xfrm>
             <a:off x="914400" y="4663440"/>
-            <a:ext cx="9874440" cy="1370520"/>
+            <a:ext cx="9874080" cy="1370160"/>
           </a:xfrm>
           <a:prstGeom prst="rect">
             <a:avLst/>
@@ -4481,7 +4481,7 @@
             </a:endParaRPr>
           </a:p>
           <a:p>
-            <a:pPr marL="457200" indent="-455400">
+            <a:pPr marL="457200" indent="-455040">
               <a:lnSpc>
                 <a:spcPct val="90000"/>
               </a:lnSpc>
@@ -4519,7 +4519,7 @@
         <p:spPr>
           <a:xfrm>
             <a:off x="822960" y="2194560"/>
-            <a:ext cx="10042200" cy="1169280"/>
+            <a:ext cx="10041840" cy="1168920"/>
           </a:xfrm>
           <a:prstGeom prst="rect">
             <a:avLst/>
@@ -4643,7 +4643,7 @@
         <p:spPr>
           <a:xfrm>
             <a:off x="0" y="0"/>
-            <a:ext cx="10893240" cy="961200"/>
+            <a:ext cx="10892880" cy="960840"/>
           </a:xfrm>
           <a:prstGeom prst="rect">
             <a:avLst/>
@@ -4692,7 +4692,7 @@
         <p:spPr>
           <a:xfrm>
             <a:off x="838080" y="1593360"/>
-            <a:ext cx="10042200" cy="1077840"/>
+            <a:ext cx="10041840" cy="1077480"/>
           </a:xfrm>
           <a:prstGeom prst="rect">
             <a:avLst/>
@@ -4767,7 +4767,7 @@
         <p:spPr>
           <a:xfrm>
             <a:off x="914400" y="4480560"/>
-            <a:ext cx="9874440" cy="1221120"/>
+            <a:ext cx="9874080" cy="1220760"/>
           </a:xfrm>
           <a:prstGeom prst="rect">
             <a:avLst/>
@@ -4832,7 +4832,7 @@
             </a:endParaRPr>
           </a:p>
           <a:p>
-            <a:pPr marL="457200" indent="-455400">
+            <a:pPr marL="457200" indent="-455040">
               <a:lnSpc>
                 <a:spcPct val="90000"/>
               </a:lnSpc>
@@ -4870,7 +4870,7 @@
         <p:spPr>
           <a:xfrm>
             <a:off x="2850480" y="6378120"/>
-            <a:ext cx="6841080" cy="363240"/>
+            <a:ext cx="6840720" cy="362880"/>
           </a:xfrm>
           <a:prstGeom prst="rect">
             <a:avLst/>
@@ -4939,7 +4939,7 @@
         <p:spPr>
           <a:xfrm>
             <a:off x="838080" y="2853000"/>
-            <a:ext cx="10042200" cy="1077840"/>
+            <a:ext cx="10041840" cy="1077480"/>
           </a:xfrm>
           <a:prstGeom prst="rect">
             <a:avLst/>
@@ -5004,7 +5004,7 @@
             </a:endParaRPr>
           </a:p>
           <a:p>
-            <a:pPr marL="457200" indent="-455400">
+            <a:pPr marL="457200" indent="-455040">
               <a:lnSpc>
                 <a:spcPct val="90000"/>
               </a:lnSpc>
@@ -5091,7 +5091,7 @@
         <p:spPr>
           <a:xfrm>
             <a:off x="0" y="0"/>
-            <a:ext cx="10893240" cy="961200"/>
+            <a:ext cx="10892880" cy="960840"/>
           </a:xfrm>
           <a:prstGeom prst="rect">
             <a:avLst/>
@@ -5140,7 +5140,7 @@
         <p:spPr>
           <a:xfrm>
             <a:off x="289440" y="1298520"/>
-            <a:ext cx="10042200" cy="1535040"/>
+            <a:ext cx="10041840" cy="1534680"/>
           </a:xfrm>
           <a:prstGeom prst="rect">
             <a:avLst/>
@@ -5159,7 +5159,7 @@
         <p:txBody>
           <a:bodyPr lIns="90000" rIns="90000" tIns="45000" bIns="45000"/>
           <a:p>
-            <a:pPr marL="457200" indent="-455400">
+            <a:pPr marL="457200" indent="-455040">
               <a:lnSpc>
                 <a:spcPct val="90000"/>
               </a:lnSpc>
@@ -5187,7 +5187,7 @@
             </a:endParaRPr>
           </a:p>
           <a:p>
-            <a:pPr marL="457200" indent="-455400">
+            <a:pPr marL="457200" indent="-455040">
               <a:lnSpc>
                 <a:spcPct val="90000"/>
               </a:lnSpc>
@@ -5215,7 +5215,7 @@
             </a:endParaRPr>
           </a:p>
           <a:p>
-            <a:pPr marL="457200" indent="-455400">
+            <a:pPr marL="457200" indent="-455040">
               <a:lnSpc>
                 <a:spcPct val="90000"/>
               </a:lnSpc>
@@ -5243,7 +5243,7 @@
             </a:endParaRPr>
           </a:p>
           <a:p>
-            <a:pPr marL="457200" indent="-455400">
+            <a:pPr marL="457200" indent="-455040">
               <a:lnSpc>
                 <a:spcPct val="90000"/>
               </a:lnSpc>
@@ -5271,7 +5271,7 @@
             </a:endParaRPr>
           </a:p>
           <a:p>
-            <a:pPr marL="457200" indent="-455400">
+            <a:pPr marL="457200" indent="-455040">
               <a:lnSpc>
                 <a:spcPct val="90000"/>
               </a:lnSpc>
@@ -5299,7 +5299,7 @@
             </a:endParaRPr>
           </a:p>
           <a:p>
-            <a:pPr marL="457200" indent="-455400">
+            <a:pPr marL="457200" indent="-455040">
               <a:lnSpc>
                 <a:spcPct val="90000"/>
               </a:lnSpc>
@@ -5327,7 +5327,7 @@
             </a:endParaRPr>
           </a:p>
           <a:p>
-            <a:pPr marL="457200" indent="-455400">
+            <a:pPr marL="457200" indent="-455040">
               <a:lnSpc>
                 <a:spcPct val="90000"/>
               </a:lnSpc>
@@ -5355,7 +5355,7 @@
             </a:endParaRPr>
           </a:p>
           <a:p>
-            <a:pPr marL="457200" indent="-455400">
+            <a:pPr marL="457200" indent="-455040">
               <a:lnSpc>
                 <a:spcPct val="90000"/>
               </a:lnSpc>
@@ -5406,7 +5406,7 @@
         <p:spPr>
           <a:xfrm>
             <a:off x="2850480" y="6378120"/>
-            <a:ext cx="6841080" cy="363240"/>
+            <a:ext cx="6840720" cy="362880"/>
           </a:xfrm>
           <a:prstGeom prst="rect">
             <a:avLst/>
@@ -5524,7 +5524,7 @@
         <p:spPr>
           <a:xfrm>
             <a:off x="0" y="0"/>
-            <a:ext cx="10893240" cy="961200"/>
+            <a:ext cx="10892880" cy="960840"/>
           </a:xfrm>
           <a:prstGeom prst="rect">
             <a:avLst/>
@@ -5573,7 +5573,7 @@
         <p:spPr>
           <a:xfrm>
             <a:off x="2850480" y="6378120"/>
-            <a:ext cx="6841080" cy="363240"/>
+            <a:ext cx="6840720" cy="362880"/>
           </a:xfrm>
           <a:prstGeom prst="rect">
             <a:avLst/>
@@ -5646,7 +5646,7 @@
         <p:spPr>
           <a:xfrm>
             <a:off x="274320" y="1645920"/>
-            <a:ext cx="3094560" cy="1553400"/>
+            <a:ext cx="3094200" cy="1553040"/>
           </a:xfrm>
           <a:prstGeom prst="rect">
             <a:avLst/>
@@ -5669,7 +5669,7 @@
         <p:spPr>
           <a:xfrm>
             <a:off x="3854160" y="1703520"/>
-            <a:ext cx="3080880" cy="2501640"/>
+            <a:ext cx="3080520" cy="2501280"/>
           </a:xfrm>
           <a:prstGeom prst="rect">
             <a:avLst/>
@@ -5692,7 +5692,7 @@
         <p:spPr>
           <a:xfrm>
             <a:off x="7846920" y="1693800"/>
-            <a:ext cx="4150800" cy="2511360"/>
+            <a:ext cx="4150440" cy="2511000"/>
           </a:xfrm>
           <a:prstGeom prst="rect">
             <a:avLst/>
@@ -5760,7 +5760,7 @@
         <p:spPr>
           <a:xfrm>
             <a:off x="0" y="0"/>
-            <a:ext cx="10893240" cy="961200"/>
+            <a:ext cx="10892880" cy="960840"/>
           </a:xfrm>
           <a:prstGeom prst="rect">
             <a:avLst/>
@@ -5809,7 +5809,7 @@
         <p:spPr>
           <a:xfrm>
             <a:off x="2850480" y="6378120"/>
-            <a:ext cx="6841080" cy="363240"/>
+            <a:ext cx="6840720" cy="362880"/>
           </a:xfrm>
           <a:prstGeom prst="rect">
             <a:avLst/>
@@ -5882,7 +5882,7 @@
         <p:spPr>
           <a:xfrm>
             <a:off x="1371600" y="1097280"/>
-            <a:ext cx="9290880" cy="5028480"/>
+            <a:ext cx="9290520" cy="5028120"/>
           </a:xfrm>
           <a:prstGeom prst="rect">
             <a:avLst/>
@@ -5950,7 +5950,7 @@
         <p:spPr>
           <a:xfrm>
             <a:off x="0" y="0"/>
-            <a:ext cx="10893240" cy="961200"/>
+            <a:ext cx="10892880" cy="960840"/>
           </a:xfrm>
           <a:prstGeom prst="rect">
             <a:avLst/>
@@ -5999,7 +5999,7 @@
         <p:spPr>
           <a:xfrm>
             <a:off x="2850480" y="6378120"/>
-            <a:ext cx="6841080" cy="363240"/>
+            <a:ext cx="6840720" cy="362880"/>
           </a:xfrm>
           <a:prstGeom prst="rect">
             <a:avLst/>
@@ -6068,7 +6068,7 @@
         <p:spPr>
           <a:xfrm>
             <a:off x="334080" y="1441800"/>
-            <a:ext cx="10224720" cy="1553040"/>
+            <a:ext cx="10224360" cy="1552680"/>
           </a:xfrm>
           <a:prstGeom prst="rect">
             <a:avLst/>
@@ -6087,7 +6087,7 @@
         <p:txBody>
           <a:bodyPr lIns="90000" rIns="90000" tIns="45000" bIns="45000"/>
           <a:p>
-            <a:pPr marL="343080" indent="-342360">
+            <a:pPr marL="343080" indent="-342000">
               <a:lnSpc>
                 <a:spcPct val="100000"/>
               </a:lnSpc>
@@ -6112,7 +6112,7 @@
             </a:endParaRPr>
           </a:p>
           <a:p>
-            <a:pPr marL="343080" indent="-342360">
+            <a:pPr marL="343080" indent="-342000">
               <a:lnSpc>
                 <a:spcPct val="100000"/>
               </a:lnSpc>
@@ -6236,7 +6236,7 @@
         <p:spPr>
           <a:xfrm>
             <a:off x="0" y="0"/>
-            <a:ext cx="10893240" cy="961200"/>
+            <a:ext cx="10892880" cy="960840"/>
           </a:xfrm>
           <a:prstGeom prst="rect">
             <a:avLst/>
@@ -6285,7 +6285,7 @@
         <p:spPr>
           <a:xfrm>
             <a:off x="822960" y="1298520"/>
-            <a:ext cx="10042200" cy="1077840"/>
+            <a:ext cx="10041840" cy="1077480"/>
           </a:xfrm>
           <a:prstGeom prst="rect">
             <a:avLst/>
@@ -6360,7 +6360,7 @@
         <p:spPr>
           <a:xfrm>
             <a:off x="914400" y="2560320"/>
-            <a:ext cx="9874440" cy="1004760"/>
+            <a:ext cx="9874080" cy="1004400"/>
           </a:xfrm>
           <a:prstGeom prst="rect">
             <a:avLst/>
@@ -6435,7 +6435,7 @@
         <p:spPr>
           <a:xfrm>
             <a:off x="2850480" y="6378120"/>
-            <a:ext cx="6841080" cy="363240"/>
+            <a:ext cx="6840720" cy="362880"/>
           </a:xfrm>
           <a:prstGeom prst="rect">
             <a:avLst/>
@@ -6504,7 +6504,7 @@
         <p:spPr>
           <a:xfrm>
             <a:off x="914400" y="3657600"/>
-            <a:ext cx="9874440" cy="913320"/>
+            <a:ext cx="9874080" cy="912960"/>
           </a:xfrm>
           <a:prstGeom prst="rect">
             <a:avLst/>
@@ -6579,7 +6579,7 @@
         <p:spPr>
           <a:xfrm>
             <a:off x="914400" y="4754880"/>
-            <a:ext cx="9874440" cy="1221120"/>
+            <a:ext cx="9874080" cy="1220760"/>
           </a:xfrm>
           <a:prstGeom prst="rect">
             <a:avLst/>
@@ -6644,7 +6644,7 @@
             </a:endParaRPr>
           </a:p>
           <a:p>
-            <a:pPr marL="457200" indent="-455400">
+            <a:pPr marL="457200" indent="-455040">
               <a:lnSpc>
                 <a:spcPct val="90000"/>
               </a:lnSpc>
@@ -6751,7 +6751,7 @@
         <p:spPr>
           <a:xfrm>
             <a:off x="0" y="0"/>
-            <a:ext cx="10893240" cy="961200"/>
+            <a:ext cx="10892880" cy="960840"/>
           </a:xfrm>
           <a:prstGeom prst="rect">
             <a:avLst/>
@@ -6800,7 +6800,7 @@
         <p:spPr>
           <a:xfrm>
             <a:off x="289440" y="1298520"/>
-            <a:ext cx="10042200" cy="1535040"/>
+            <a:ext cx="10041840" cy="1534680"/>
           </a:xfrm>
           <a:prstGeom prst="rect">
             <a:avLst/>
@@ -6855,7 +6855,7 @@
         <p:spPr>
           <a:xfrm>
             <a:off x="2850480" y="6378120"/>
-            <a:ext cx="6841080" cy="363240"/>
+            <a:ext cx="6840720" cy="362880"/>
           </a:xfrm>
           <a:prstGeom prst="rect">
             <a:avLst/>
@@ -6924,7 +6924,7 @@
         <p:spPr>
           <a:xfrm>
             <a:off x="439560" y="1371600"/>
-            <a:ext cx="10897920" cy="2468520"/>
+            <a:ext cx="10897560" cy="2468160"/>
           </a:xfrm>
           <a:prstGeom prst="rect">
             <a:avLst/>
@@ -6943,7 +6943,7 @@
         <p:txBody>
           <a:bodyPr lIns="0" rIns="0" tIns="0" bIns="0"/>
           <a:p>
-            <a:pPr marL="457200" indent="-455400">
+            <a:pPr marL="457200" indent="-455040">
               <a:lnSpc>
                 <a:spcPct val="90000"/>
               </a:lnSpc>
@@ -6971,7 +6971,7 @@
             </a:endParaRPr>
           </a:p>
           <a:p>
-            <a:pPr marL="457200" indent="-455400">
+            <a:pPr marL="457200" indent="-455040">
               <a:lnSpc>
                 <a:spcPct val="90000"/>
               </a:lnSpc>
@@ -6999,7 +6999,7 @@
             </a:endParaRPr>
           </a:p>
           <a:p>
-            <a:pPr marL="457200" indent="-455400">
+            <a:pPr marL="457200" indent="-455040">
               <a:lnSpc>
                 <a:spcPct val="90000"/>
               </a:lnSpc>
@@ -7027,7 +7027,7 @@
             </a:endParaRPr>
           </a:p>
           <a:p>
-            <a:pPr marL="457200" indent="-455400">
+            <a:pPr marL="457200" indent="-455040">
               <a:lnSpc>
                 <a:spcPct val="90000"/>
               </a:lnSpc>
@@ -7055,7 +7055,7 @@
             </a:endParaRPr>
           </a:p>
           <a:p>
-            <a:pPr marL="457200" indent="-455400">
+            <a:pPr marL="457200" indent="-455040">
               <a:lnSpc>
                 <a:spcPct val="90000"/>
               </a:lnSpc>
@@ -7083,7 +7083,7 @@
             </a:endParaRPr>
           </a:p>
           <a:p>
-            <a:pPr marL="457200" indent="-455400">
+            <a:pPr marL="457200" indent="-455040">
               <a:lnSpc>
                 <a:spcPct val="90000"/>
               </a:lnSpc>
@@ -7111,7 +7111,7 @@
             </a:endParaRPr>
           </a:p>
           <a:p>
-            <a:pPr marL="457200" indent="-455400">
+            <a:pPr marL="457200" indent="-455040">
               <a:lnSpc>
                 <a:spcPct val="90000"/>
               </a:lnSpc>
@@ -7198,7 +7198,7 @@
         <p:spPr>
           <a:xfrm>
             <a:off x="0" y="0"/>
-            <a:ext cx="10893240" cy="961200"/>
+            <a:ext cx="10892880" cy="960840"/>
           </a:xfrm>
           <a:prstGeom prst="rect">
             <a:avLst/>
@@ -7247,7 +7247,7 @@
         <p:spPr>
           <a:xfrm>
             <a:off x="838080" y="1755720"/>
-            <a:ext cx="10513800" cy="4520160"/>
+            <a:ext cx="10513440" cy="4519800"/>
           </a:xfrm>
           <a:prstGeom prst="rect">
             <a:avLst/>
@@ -7266,7 +7266,7 @@
         <p:txBody>
           <a:bodyPr lIns="90000" rIns="90000" tIns="45000" bIns="45000"/>
           <a:p>
-            <a:pPr marL="457200" indent="-455400">
+            <a:pPr marL="457200" indent="-455040">
               <a:lnSpc>
                 <a:spcPct val="90000"/>
               </a:lnSpc>
@@ -7294,7 +7294,7 @@
             </a:endParaRPr>
           </a:p>
           <a:p>
-            <a:pPr marL="457200" indent="-455400">
+            <a:pPr marL="457200" indent="-455040">
               <a:lnSpc>
                 <a:spcPct val="90000"/>
               </a:lnSpc>
@@ -7322,7 +7322,7 @@
             </a:endParaRPr>
           </a:p>
           <a:p>
-            <a:pPr marL="457200" indent="-455400">
+            <a:pPr marL="457200" indent="-455040">
               <a:lnSpc>
                 <a:spcPct val="90000"/>
               </a:lnSpc>
@@ -7350,7 +7350,7 @@
             </a:endParaRPr>
           </a:p>
           <a:p>
-            <a:pPr marL="457200" indent="-455400">
+            <a:pPr marL="457200" indent="-455040">
               <a:lnSpc>
                 <a:spcPct val="90000"/>
               </a:lnSpc>
@@ -7378,7 +7378,7 @@
             </a:endParaRPr>
           </a:p>
           <a:p>
-            <a:pPr marL="457200" indent="-455400">
+            <a:pPr marL="457200" indent="-455040">
               <a:lnSpc>
                 <a:spcPct val="90000"/>
               </a:lnSpc>
@@ -7406,7 +7406,7 @@
             </a:endParaRPr>
           </a:p>
           <a:p>
-            <a:pPr marL="457200" indent="-455400">
+            <a:pPr marL="457200" indent="-455040">
               <a:lnSpc>
                 <a:spcPct val="90000"/>
               </a:lnSpc>
@@ -7457,7 +7457,7 @@
         <p:spPr>
           <a:xfrm>
             <a:off x="2850480" y="6377040"/>
-            <a:ext cx="6841080" cy="363240"/>
+            <a:ext cx="6840720" cy="362880"/>
           </a:xfrm>
           <a:prstGeom prst="rect">
             <a:avLst/>
@@ -7575,7 +7575,7 @@
         <p:spPr>
           <a:xfrm>
             <a:off x="0" y="0"/>
-            <a:ext cx="10893240" cy="961200"/>
+            <a:ext cx="10892880" cy="960840"/>
           </a:xfrm>
           <a:prstGeom prst="rect">
             <a:avLst/>
@@ -7624,7 +7624,7 @@
         <p:spPr>
           <a:xfrm>
             <a:off x="822960" y="1298520"/>
-            <a:ext cx="10042200" cy="1077840"/>
+            <a:ext cx="10041840" cy="1077480"/>
           </a:xfrm>
           <a:prstGeom prst="rect">
             <a:avLst/>
@@ -7699,7 +7699,7 @@
         <p:spPr>
           <a:xfrm>
             <a:off x="914400" y="2560320"/>
-            <a:ext cx="9874440" cy="1004760"/>
+            <a:ext cx="9874080" cy="1004400"/>
           </a:xfrm>
           <a:prstGeom prst="rect">
             <a:avLst/>
@@ -7774,7 +7774,7 @@
         <p:spPr>
           <a:xfrm>
             <a:off x="2850480" y="6378120"/>
-            <a:ext cx="6841080" cy="363240"/>
+            <a:ext cx="6840720" cy="362880"/>
           </a:xfrm>
           <a:prstGeom prst="rect">
             <a:avLst/>
@@ -7843,7 +7843,7 @@
         <p:spPr>
           <a:xfrm>
             <a:off x="914400" y="3657600"/>
-            <a:ext cx="9874440" cy="913320"/>
+            <a:ext cx="9874080" cy="912960"/>
           </a:xfrm>
           <a:prstGeom prst="rect">
             <a:avLst/>
@@ -7918,7 +7918,7 @@
         <p:spPr>
           <a:xfrm>
             <a:off x="914400" y="4754880"/>
-            <a:ext cx="9874440" cy="1221120"/>
+            <a:ext cx="9874080" cy="1220760"/>
           </a:xfrm>
           <a:prstGeom prst="rect">
             <a:avLst/>
@@ -7983,7 +7983,7 @@
             </a:endParaRPr>
           </a:p>
           <a:p>
-            <a:pPr marL="457200" indent="-455400">
+            <a:pPr marL="457200" indent="-455040">
               <a:lnSpc>
                 <a:spcPct val="90000"/>
               </a:lnSpc>
@@ -8090,7 +8090,7 @@
         <p:spPr>
           <a:xfrm>
             <a:off x="0" y="0"/>
-            <a:ext cx="10893240" cy="961200"/>
+            <a:ext cx="10892880" cy="960840"/>
           </a:xfrm>
           <a:prstGeom prst="rect">
             <a:avLst/>
@@ -8139,7 +8139,7 @@
         <p:spPr>
           <a:xfrm>
             <a:off x="289440" y="1298520"/>
-            <a:ext cx="10042200" cy="1535040"/>
+            <a:ext cx="10041840" cy="1534680"/>
           </a:xfrm>
           <a:prstGeom prst="rect">
             <a:avLst/>
@@ -8194,7 +8194,7 @@
         <p:spPr>
           <a:xfrm>
             <a:off x="2850480" y="6378120"/>
-            <a:ext cx="6841080" cy="363240"/>
+            <a:ext cx="6840720" cy="362880"/>
           </a:xfrm>
           <a:prstGeom prst="rect">
             <a:avLst/>
@@ -8263,7 +8263,7 @@
         <p:spPr>
           <a:xfrm>
             <a:off x="439560" y="1371600"/>
-            <a:ext cx="10897920" cy="2468520"/>
+            <a:ext cx="10897560" cy="2468160"/>
           </a:xfrm>
           <a:prstGeom prst="rect">
             <a:avLst/>
@@ -8282,7 +8282,7 @@
         <p:txBody>
           <a:bodyPr lIns="0" rIns="0" tIns="0" bIns="0"/>
           <a:p>
-            <a:pPr marL="457200" indent="-455400">
+            <a:pPr marL="457200" indent="-455040">
               <a:lnSpc>
                 <a:spcPct val="90000"/>
               </a:lnSpc>
@@ -8310,7 +8310,7 @@
             </a:endParaRPr>
           </a:p>
           <a:p>
-            <a:pPr marL="457200" indent="-455400">
+            <a:pPr marL="457200" indent="-455040">
               <a:lnSpc>
                 <a:spcPct val="90000"/>
               </a:lnSpc>
@@ -8338,7 +8338,7 @@
             </a:endParaRPr>
           </a:p>
           <a:p>
-            <a:pPr marL="457200" indent="-455400">
+            <a:pPr marL="457200" indent="-455040">
               <a:lnSpc>
                 <a:spcPct val="90000"/>
               </a:lnSpc>
@@ -8366,7 +8366,7 @@
             </a:endParaRPr>
           </a:p>
           <a:p>
-            <a:pPr marL="457200" indent="-455400">
+            <a:pPr marL="457200" indent="-455040">
               <a:lnSpc>
                 <a:spcPct val="90000"/>
               </a:lnSpc>
@@ -8394,7 +8394,7 @@
             </a:endParaRPr>
           </a:p>
           <a:p>
-            <a:pPr marL="457200" indent="-455400">
+            <a:pPr marL="457200" indent="-455040">
               <a:lnSpc>
                 <a:spcPct val="90000"/>
               </a:lnSpc>
@@ -8422,7 +8422,7 @@
             </a:endParaRPr>
           </a:p>
           <a:p>
-            <a:pPr marL="457200" indent="-455400">
+            <a:pPr marL="457200" indent="-455040">
               <a:lnSpc>
                 <a:spcPct val="90000"/>
               </a:lnSpc>
@@ -8450,7 +8450,7 @@
             </a:endParaRPr>
           </a:p>
           <a:p>
-            <a:pPr marL="457200" indent="-455400">
+            <a:pPr marL="457200" indent="-455040">
               <a:lnSpc>
                 <a:spcPct val="90000"/>
               </a:lnSpc>
@@ -8537,7 +8537,7 @@
         <p:spPr>
           <a:xfrm>
             <a:off x="0" y="0"/>
-            <a:ext cx="10893240" cy="961200"/>
+            <a:ext cx="10892880" cy="960840"/>
           </a:xfrm>
           <a:prstGeom prst="rect">
             <a:avLst/>
@@ -8586,7 +8586,7 @@
         <p:spPr>
           <a:xfrm>
             <a:off x="838080" y="1755720"/>
-            <a:ext cx="10042200" cy="1077840"/>
+            <a:ext cx="10041840" cy="1077480"/>
           </a:xfrm>
           <a:prstGeom prst="rect">
             <a:avLst/>
@@ -8661,7 +8661,7 @@
         <p:spPr>
           <a:xfrm>
             <a:off x="2850480" y="6378120"/>
-            <a:ext cx="6841080" cy="363240"/>
+            <a:ext cx="6840720" cy="362880"/>
           </a:xfrm>
           <a:prstGeom prst="rect">
             <a:avLst/>
@@ -8730,7 +8730,7 @@
         <p:spPr>
           <a:xfrm>
             <a:off x="1845000" y="3427200"/>
-            <a:ext cx="9404280" cy="912600"/>
+            <a:ext cx="9403920" cy="912240"/>
           </a:xfrm>
           <a:prstGeom prst="rect">
             <a:avLst/>
@@ -8828,7 +8828,7 @@
         <p:spPr>
           <a:xfrm>
             <a:off x="0" y="0"/>
-            <a:ext cx="10893240" cy="961200"/>
+            <a:ext cx="10892880" cy="960840"/>
           </a:xfrm>
           <a:prstGeom prst="rect">
             <a:avLst/>
@@ -8877,7 +8877,7 @@
         <p:spPr>
           <a:xfrm>
             <a:off x="289440" y="1298520"/>
-            <a:ext cx="10042200" cy="1535040"/>
+            <a:ext cx="10041840" cy="1534680"/>
           </a:xfrm>
           <a:prstGeom prst="rect">
             <a:avLst/>
@@ -8932,7 +8932,7 @@
         <p:spPr>
           <a:xfrm>
             <a:off x="2850480" y="6378120"/>
-            <a:ext cx="6841080" cy="363240"/>
+            <a:ext cx="6840720" cy="362880"/>
           </a:xfrm>
           <a:prstGeom prst="rect">
             <a:avLst/>
@@ -9001,7 +9001,7 @@
         <p:spPr>
           <a:xfrm>
             <a:off x="439560" y="1371600"/>
-            <a:ext cx="10897920" cy="2468520"/>
+            <a:ext cx="10897560" cy="2468160"/>
           </a:xfrm>
           <a:prstGeom prst="rect">
             <a:avLst/>
@@ -9020,7 +9020,7 @@
         <p:txBody>
           <a:bodyPr lIns="0" rIns="0" tIns="0" bIns="0"/>
           <a:p>
-            <a:pPr marL="457200" indent="-455400">
+            <a:pPr marL="457200" indent="-455040">
               <a:lnSpc>
                 <a:spcPct val="90000"/>
               </a:lnSpc>
@@ -9048,7 +9048,7 @@
             </a:endParaRPr>
           </a:p>
           <a:p>
-            <a:pPr marL="457200" indent="-455400">
+            <a:pPr marL="457200" indent="-455040">
               <a:lnSpc>
                 <a:spcPct val="90000"/>
               </a:lnSpc>
@@ -9076,7 +9076,7 @@
             </a:endParaRPr>
           </a:p>
           <a:p>
-            <a:pPr marL="457200" indent="-455400">
+            <a:pPr marL="457200" indent="-455040">
               <a:lnSpc>
                 <a:spcPct val="90000"/>
               </a:lnSpc>
@@ -9104,7 +9104,7 @@
             </a:endParaRPr>
           </a:p>
           <a:p>
-            <a:pPr marL="457200" indent="-455400">
+            <a:pPr marL="457200" indent="-455040">
               <a:lnSpc>
                 <a:spcPct val="90000"/>
               </a:lnSpc>
@@ -9132,7 +9132,7 @@
             </a:endParaRPr>
           </a:p>
           <a:p>
-            <a:pPr marL="457200" indent="-455400">
+            <a:pPr marL="457200" indent="-455040">
               <a:lnSpc>
                 <a:spcPct val="90000"/>
               </a:lnSpc>
@@ -9160,7 +9160,7 @@
             </a:endParaRPr>
           </a:p>
           <a:p>
-            <a:pPr marL="457200" indent="-455400">
+            <a:pPr marL="457200" indent="-455040">
               <a:lnSpc>
                 <a:spcPct val="90000"/>
               </a:lnSpc>
@@ -9188,7 +9188,7 @@
             </a:endParaRPr>
           </a:p>
           <a:p>
-            <a:pPr marL="457200" indent="-455400">
+            <a:pPr marL="457200" indent="-455040">
               <a:lnSpc>
                 <a:spcPct val="90000"/>
               </a:lnSpc>
@@ -9216,7 +9216,7 @@
             </a:endParaRPr>
           </a:p>
           <a:p>
-            <a:pPr marL="457200" indent="-455400">
+            <a:pPr marL="457200" indent="-455040">
               <a:lnSpc>
                 <a:spcPct val="90000"/>
               </a:lnSpc>
@@ -9244,7 +9244,7 @@
             </a:endParaRPr>
           </a:p>
           <a:p>
-            <a:pPr marL="457200" indent="-455400">
+            <a:pPr marL="457200" indent="-455040">
               <a:lnSpc>
                 <a:spcPct val="90000"/>
               </a:lnSpc>
@@ -9331,7 +9331,7 @@
         <p:spPr>
           <a:xfrm>
             <a:off x="0" y="0"/>
-            <a:ext cx="10893240" cy="961200"/>
+            <a:ext cx="10892880" cy="960840"/>
           </a:xfrm>
           <a:prstGeom prst="rect">
             <a:avLst/>
@@ -9380,7 +9380,7 @@
         <p:spPr>
           <a:xfrm>
             <a:off x="838080" y="1755720"/>
-            <a:ext cx="10042200" cy="1077840"/>
+            <a:ext cx="10041840" cy="1077480"/>
           </a:xfrm>
           <a:prstGeom prst="rect">
             <a:avLst/>
@@ -9455,7 +9455,7 @@
         <p:spPr>
           <a:xfrm>
             <a:off x="914400" y="3108960"/>
-            <a:ext cx="9874440" cy="1096200"/>
+            <a:ext cx="9874080" cy="1095840"/>
           </a:xfrm>
           <a:prstGeom prst="rect">
             <a:avLst/>
@@ -9490,7 +9490,7 @@
                 <a:latin typeface="Arial"/>
                 <a:ea typeface="DejaVu Sans"/>
               </a:rPr>
-              <a:t>git remote set-url origin &lt;link&gt;</a:t>
+              <a:t>git remote add origin &lt;link&gt;</a:t>
             </a:r>
             <a:endParaRPr b="0" lang="en-US" sz="2800" spc="-1" strike="noStrike">
               <a:latin typeface="Arial"/>
@@ -9513,7 +9513,7 @@
                 <a:latin typeface="Arial"/>
                 <a:ea typeface="DejaVu Sans"/>
               </a:rPr>
-              <a:t>Ustawianie urla do zdalnego repozytorium</a:t>
+              <a:t>Dodawanie urla do zdalnego repozytorium</a:t>
             </a:r>
             <a:endParaRPr b="0" lang="en-US" sz="2400" spc="-1" strike="noStrike">
               <a:latin typeface="Arial"/>
@@ -9530,7 +9530,7 @@
         <p:spPr>
           <a:xfrm>
             <a:off x="2850480" y="6378120"/>
-            <a:ext cx="6841080" cy="363240"/>
+            <a:ext cx="6840720" cy="362880"/>
           </a:xfrm>
           <a:prstGeom prst="rect">
             <a:avLst/>
@@ -9585,6 +9585,81 @@
               <a:t>Prawa do korzystania z materiałów posiada Software Development Academy</a:t>
             </a:r>
             <a:endParaRPr b="0" lang="en-US" sz="1200" spc="-1" strike="noStrike">
+              <a:latin typeface="Arial"/>
+            </a:endParaRPr>
+          </a:p>
+        </p:txBody>
+      </p:sp>
+      <p:sp>
+        <p:nvSpPr>
+          <p:cNvPr id="177" name="CustomShape 5"/>
+          <p:cNvSpPr/>
+          <p:nvPr/>
+        </p:nvSpPr>
+        <p:spPr>
+          <a:xfrm>
+            <a:off x="915840" y="4390560"/>
+            <a:ext cx="9874080" cy="1095840"/>
+          </a:xfrm>
+          <a:prstGeom prst="rect">
+            <a:avLst/>
+          </a:prstGeom>
+          <a:noFill/>
+          <a:ln>
+            <a:noFill/>
+          </a:ln>
+        </p:spPr>
+        <p:style>
+          <a:lnRef idx="0"/>
+          <a:fillRef idx="0"/>
+          <a:effectRef idx="0"/>
+          <a:fontRef idx="minor"/>
+        </p:style>
+        <p:txBody>
+          <a:bodyPr lIns="0" rIns="0" tIns="0" bIns="0"/>
+          <a:p>
+            <a:pPr>
+              <a:lnSpc>
+                <a:spcPct val="90000"/>
+              </a:lnSpc>
+              <a:spcBef>
+                <a:spcPts val="1001"/>
+              </a:spcBef>
+            </a:pPr>
+            <a:r>
+              <a:rPr b="1" lang="en-US" sz="2800" spc="-1" strike="noStrike">
+                <a:solidFill>
+                  <a:srgbClr val="515151"/>
+                </a:solidFill>
+                <a:latin typeface="Arial"/>
+                <a:ea typeface="DejaVu Sans"/>
+              </a:rPr>
+              <a:t>git remote set-url origin &lt;link&gt;</a:t>
+            </a:r>
+            <a:endParaRPr b="0" lang="en-US" sz="2800" spc="-1" strike="noStrike">
+              <a:latin typeface="Arial"/>
+            </a:endParaRPr>
+          </a:p>
+          <a:p>
+            <a:pPr>
+              <a:lnSpc>
+                <a:spcPct val="90000"/>
+              </a:lnSpc>
+              <a:spcBef>
+                <a:spcPts val="1001"/>
+              </a:spcBef>
+            </a:pPr>
+            <a:r>
+              <a:rPr b="0" lang="en-US" sz="2400" spc="-1" strike="noStrike">
+                <a:solidFill>
+                  <a:srgbClr val="515151"/>
+                </a:solidFill>
+                <a:latin typeface="Arial"/>
+                <a:ea typeface="DejaVu Sans"/>
+              </a:rPr>
+              <a:t>Ustawianie urla do zdalnego repozytorium</a:t>
+            </a:r>
+            <a:endParaRPr b="0" lang="en-US" sz="2400" spc="-1" strike="noStrike">
               <a:latin typeface="Arial"/>
             </a:endParaRPr>
           </a:p>
@@ -9641,14 +9716,14 @@
       </p:grpSpPr>
       <p:sp>
         <p:nvSpPr>
-          <p:cNvPr id="177" name="CustomShape 1"/>
+          <p:cNvPr id="178" name="CustomShape 1"/>
           <p:cNvSpPr/>
           <p:nvPr/>
         </p:nvSpPr>
         <p:spPr>
           <a:xfrm>
             <a:off x="0" y="0"/>
-            <a:ext cx="10893240" cy="961200"/>
+            <a:ext cx="10892880" cy="960840"/>
           </a:xfrm>
           <a:prstGeom prst="rect">
             <a:avLst/>
@@ -9690,14 +9765,14 @@
       </p:sp>
       <p:sp>
         <p:nvSpPr>
-          <p:cNvPr id="178" name="CustomShape 2"/>
+          <p:cNvPr id="179" name="CustomShape 2"/>
           <p:cNvSpPr/>
           <p:nvPr/>
         </p:nvSpPr>
         <p:spPr>
           <a:xfrm>
             <a:off x="838080" y="1755720"/>
-            <a:ext cx="10042200" cy="1077840"/>
+            <a:ext cx="10041840" cy="1077480"/>
           </a:xfrm>
           <a:prstGeom prst="rect">
             <a:avLst/>
@@ -9765,14 +9840,14 @@
       </p:sp>
       <p:sp>
         <p:nvSpPr>
-          <p:cNvPr id="179" name="CustomShape 3"/>
+          <p:cNvPr id="180" name="CustomShape 3"/>
           <p:cNvSpPr/>
           <p:nvPr/>
         </p:nvSpPr>
         <p:spPr>
           <a:xfrm>
             <a:off x="914400" y="3108960"/>
-            <a:ext cx="9874440" cy="1096200"/>
+            <a:ext cx="9874080" cy="1095840"/>
           </a:xfrm>
           <a:prstGeom prst="rect">
             <a:avLst/>
@@ -9840,14 +9915,14 @@
       </p:sp>
       <p:sp>
         <p:nvSpPr>
-          <p:cNvPr id="180" name="CustomShape 4"/>
+          <p:cNvPr id="181" name="CustomShape 4"/>
           <p:cNvSpPr/>
           <p:nvPr/>
         </p:nvSpPr>
         <p:spPr>
           <a:xfrm>
             <a:off x="2850480" y="6378120"/>
-            <a:ext cx="6841080" cy="363240"/>
+            <a:ext cx="6840720" cy="362880"/>
           </a:xfrm>
           <a:prstGeom prst="rect">
             <a:avLst/>
@@ -9909,14 +9984,14 @@
       </p:sp>
       <p:sp>
         <p:nvSpPr>
-          <p:cNvPr id="181" name="CustomShape 5"/>
+          <p:cNvPr id="182" name="CustomShape 5"/>
           <p:cNvSpPr/>
           <p:nvPr/>
         </p:nvSpPr>
         <p:spPr>
           <a:xfrm>
             <a:off x="914400" y="4480560"/>
-            <a:ext cx="9874440" cy="1096200"/>
+            <a:ext cx="9874080" cy="1095840"/>
           </a:xfrm>
           <a:prstGeom prst="rect">
             <a:avLst/>
@@ -10033,14 +10108,14 @@
       </p:grpSpPr>
       <p:sp>
         <p:nvSpPr>
-          <p:cNvPr id="182" name="CustomShape 1"/>
+          <p:cNvPr id="183" name="CustomShape 1"/>
           <p:cNvSpPr/>
           <p:nvPr/>
         </p:nvSpPr>
         <p:spPr>
           <a:xfrm>
             <a:off x="0" y="0"/>
-            <a:ext cx="10893240" cy="961200"/>
+            <a:ext cx="10892880" cy="960840"/>
           </a:xfrm>
           <a:prstGeom prst="rect">
             <a:avLst/>
@@ -10082,14 +10157,14 @@
       </p:sp>
       <p:sp>
         <p:nvSpPr>
-          <p:cNvPr id="183" name="CustomShape 2"/>
+          <p:cNvPr id="184" name="CustomShape 2"/>
           <p:cNvSpPr/>
           <p:nvPr/>
         </p:nvSpPr>
         <p:spPr>
           <a:xfrm>
             <a:off x="289440" y="1298520"/>
-            <a:ext cx="10042200" cy="1535040"/>
+            <a:ext cx="10041840" cy="1534680"/>
           </a:xfrm>
           <a:prstGeom prst="rect">
             <a:avLst/>
@@ -10137,14 +10212,14 @@
       </p:sp>
       <p:sp>
         <p:nvSpPr>
-          <p:cNvPr id="184" name="CustomShape 3"/>
+          <p:cNvPr id="185" name="CustomShape 3"/>
           <p:cNvSpPr/>
           <p:nvPr/>
         </p:nvSpPr>
         <p:spPr>
           <a:xfrm>
             <a:off x="2850480" y="6378120"/>
-            <a:ext cx="6841080" cy="363240"/>
+            <a:ext cx="6840720" cy="362880"/>
           </a:xfrm>
           <a:prstGeom prst="rect">
             <a:avLst/>
@@ -10206,14 +10281,14 @@
       </p:sp>
       <p:sp>
         <p:nvSpPr>
-          <p:cNvPr id="185" name="CustomShape 4"/>
+          <p:cNvPr id="186" name="CustomShape 4"/>
           <p:cNvSpPr/>
           <p:nvPr/>
         </p:nvSpPr>
         <p:spPr>
           <a:xfrm>
             <a:off x="439560" y="1371600"/>
-            <a:ext cx="10897920" cy="2468520"/>
+            <a:ext cx="10897560" cy="2468160"/>
           </a:xfrm>
           <a:prstGeom prst="rect">
             <a:avLst/>
@@ -10232,7 +10307,7 @@
         <p:txBody>
           <a:bodyPr lIns="0" rIns="0" tIns="0" bIns="0"/>
           <a:p>
-            <a:pPr marL="457200" indent="-455400">
+            <a:pPr marL="457200" indent="-455040">
               <a:lnSpc>
                 <a:spcPct val="90000"/>
               </a:lnSpc>
@@ -10272,7 +10347,7 @@
             </a:endParaRPr>
           </a:p>
           <a:p>
-            <a:pPr marL="457200" indent="-455400">
+            <a:pPr marL="457200" indent="-455040">
               <a:lnSpc>
                 <a:spcPct val="90000"/>
               </a:lnSpc>
@@ -10300,7 +10375,7 @@
             </a:endParaRPr>
           </a:p>
           <a:p>
-            <a:pPr marL="457200" indent="-455400">
+            <a:pPr marL="457200" indent="-455040">
               <a:lnSpc>
                 <a:spcPct val="90000"/>
               </a:lnSpc>
@@ -10328,7 +10403,7 @@
             </a:endParaRPr>
           </a:p>
           <a:p>
-            <a:pPr marL="457200" indent="-455400">
+            <a:pPr marL="457200" indent="-455040">
               <a:lnSpc>
                 <a:spcPct val="90000"/>
               </a:lnSpc>
@@ -10421,14 +10496,14 @@
       </p:grpSpPr>
       <p:sp>
         <p:nvSpPr>
-          <p:cNvPr id="186" name="CustomShape 1"/>
+          <p:cNvPr id="187" name="CustomShape 1"/>
           <p:cNvSpPr/>
           <p:nvPr/>
         </p:nvSpPr>
         <p:spPr>
           <a:xfrm>
             <a:off x="0" y="0"/>
-            <a:ext cx="10893240" cy="961200"/>
+            <a:ext cx="10892880" cy="960840"/>
           </a:xfrm>
           <a:prstGeom prst="rect">
             <a:avLst/>
@@ -10470,14 +10545,14 @@
       </p:sp>
       <p:sp>
         <p:nvSpPr>
-          <p:cNvPr id="187" name="CustomShape 2"/>
+          <p:cNvPr id="188" name="CustomShape 2"/>
           <p:cNvSpPr/>
           <p:nvPr/>
         </p:nvSpPr>
         <p:spPr>
           <a:xfrm>
             <a:off x="851040" y="1321200"/>
-            <a:ext cx="10042200" cy="1077840"/>
+            <a:ext cx="10041840" cy="1077480"/>
           </a:xfrm>
           <a:prstGeom prst="rect">
             <a:avLst/>
@@ -10545,14 +10620,14 @@
       </p:sp>
       <p:sp>
         <p:nvSpPr>
-          <p:cNvPr id="188" name="CustomShape 3"/>
+          <p:cNvPr id="189" name="CustomShape 3"/>
           <p:cNvSpPr/>
           <p:nvPr/>
         </p:nvSpPr>
         <p:spPr>
           <a:xfrm>
             <a:off x="914400" y="2560680"/>
-            <a:ext cx="9874440" cy="1096200"/>
+            <a:ext cx="9874080" cy="1095840"/>
           </a:xfrm>
           <a:prstGeom prst="rect">
             <a:avLst/>
@@ -10620,14 +10695,14 @@
       </p:sp>
       <p:sp>
         <p:nvSpPr>
-          <p:cNvPr id="189" name="CustomShape 4"/>
+          <p:cNvPr id="190" name="CustomShape 4"/>
           <p:cNvSpPr/>
           <p:nvPr/>
         </p:nvSpPr>
         <p:spPr>
           <a:xfrm>
             <a:off x="2850480" y="6378120"/>
-            <a:ext cx="6841080" cy="363240"/>
+            <a:ext cx="6840720" cy="362880"/>
           </a:xfrm>
           <a:prstGeom prst="rect">
             <a:avLst/>
@@ -10689,14 +10764,14 @@
       </p:sp>
       <p:sp>
         <p:nvSpPr>
-          <p:cNvPr id="190" name="CustomShape 5"/>
+          <p:cNvPr id="191" name="CustomShape 5"/>
           <p:cNvSpPr/>
           <p:nvPr/>
         </p:nvSpPr>
         <p:spPr>
           <a:xfrm>
             <a:off x="914400" y="3646440"/>
-            <a:ext cx="9874440" cy="1370520"/>
+            <a:ext cx="9874080" cy="1370160"/>
           </a:xfrm>
           <a:prstGeom prst="rect">
             <a:avLst/>
@@ -10764,14 +10839,14 @@
       </p:sp>
       <p:sp>
         <p:nvSpPr>
-          <p:cNvPr id="191" name="CustomShape 6"/>
+          <p:cNvPr id="192" name="CustomShape 6"/>
           <p:cNvSpPr/>
           <p:nvPr/>
         </p:nvSpPr>
         <p:spPr>
           <a:xfrm>
             <a:off x="914400" y="4743360"/>
-            <a:ext cx="9874440" cy="1370520"/>
+            <a:ext cx="9874080" cy="1370160"/>
           </a:xfrm>
           <a:prstGeom prst="rect">
             <a:avLst/>
@@ -10888,14 +10963,14 @@
       </p:grpSpPr>
       <p:sp>
         <p:nvSpPr>
-          <p:cNvPr id="192" name="CustomShape 1"/>
+          <p:cNvPr id="193" name="CustomShape 1"/>
           <p:cNvSpPr/>
           <p:nvPr/>
         </p:nvSpPr>
         <p:spPr>
           <a:xfrm>
             <a:off x="0" y="0"/>
-            <a:ext cx="10893240" cy="961200"/>
+            <a:ext cx="10892880" cy="960840"/>
           </a:xfrm>
           <a:prstGeom prst="rect">
             <a:avLst/>
@@ -10937,14 +11012,14 @@
       </p:sp>
       <p:sp>
         <p:nvSpPr>
-          <p:cNvPr id="193" name="CustomShape 2"/>
+          <p:cNvPr id="194" name="CustomShape 2"/>
           <p:cNvSpPr/>
           <p:nvPr/>
         </p:nvSpPr>
         <p:spPr>
           <a:xfrm>
             <a:off x="289440" y="1298520"/>
-            <a:ext cx="10042200" cy="1535040"/>
+            <a:ext cx="10041840" cy="1534680"/>
           </a:xfrm>
           <a:prstGeom prst="rect">
             <a:avLst/>
@@ -10992,14 +11067,14 @@
       </p:sp>
       <p:sp>
         <p:nvSpPr>
-          <p:cNvPr id="194" name="CustomShape 3"/>
+          <p:cNvPr id="195" name="CustomShape 3"/>
           <p:cNvSpPr/>
           <p:nvPr/>
         </p:nvSpPr>
         <p:spPr>
           <a:xfrm>
             <a:off x="2850480" y="6378120"/>
-            <a:ext cx="6841080" cy="363240"/>
+            <a:ext cx="6840720" cy="362880"/>
           </a:xfrm>
           <a:prstGeom prst="rect">
             <a:avLst/>
@@ -11061,14 +11136,14 @@
       </p:sp>
       <p:sp>
         <p:nvSpPr>
-          <p:cNvPr id="195" name="CustomShape 4"/>
+          <p:cNvPr id="196" name="CustomShape 4"/>
           <p:cNvSpPr/>
           <p:nvPr/>
         </p:nvSpPr>
         <p:spPr>
           <a:xfrm>
             <a:off x="439560" y="1371600"/>
-            <a:ext cx="10897920" cy="2468520"/>
+            <a:ext cx="10897560" cy="2468160"/>
           </a:xfrm>
           <a:prstGeom prst="rect">
             <a:avLst/>
@@ -11087,7 +11162,7 @@
         <p:txBody>
           <a:bodyPr lIns="0" rIns="0" tIns="0" bIns="0"/>
           <a:p>
-            <a:pPr marL="457200" indent="-455400">
+            <a:pPr marL="457200" indent="-455040">
               <a:lnSpc>
                 <a:spcPct val="90000"/>
               </a:lnSpc>
@@ -11115,7 +11190,7 @@
             </a:endParaRPr>
           </a:p>
           <a:p>
-            <a:pPr marL="457200" indent="-455400">
+            <a:pPr marL="457200" indent="-455040">
               <a:lnSpc>
                 <a:spcPct val="90000"/>
               </a:lnSpc>
@@ -11143,7 +11218,7 @@
             </a:endParaRPr>
           </a:p>
           <a:p>
-            <a:pPr marL="457200" indent="-455400">
+            <a:pPr marL="457200" indent="-455040">
               <a:lnSpc>
                 <a:spcPct val="90000"/>
               </a:lnSpc>
@@ -11171,7 +11246,7 @@
             </a:endParaRPr>
           </a:p>
           <a:p>
-            <a:pPr marL="457200" indent="-455400">
+            <a:pPr marL="457200" indent="-455040">
               <a:lnSpc>
                 <a:spcPct val="90000"/>
               </a:lnSpc>
@@ -11199,7 +11274,7 @@
             </a:endParaRPr>
           </a:p>
           <a:p>
-            <a:pPr marL="457200" indent="-455400">
+            <a:pPr marL="457200" indent="-455040">
               <a:lnSpc>
                 <a:spcPct val="90000"/>
               </a:lnSpc>
@@ -11292,14 +11367,14 @@
       </p:grpSpPr>
       <p:sp>
         <p:nvSpPr>
-          <p:cNvPr id="196" name="CustomShape 1"/>
+          <p:cNvPr id="197" name="CustomShape 1"/>
           <p:cNvSpPr/>
           <p:nvPr/>
         </p:nvSpPr>
         <p:spPr>
           <a:xfrm>
             <a:off x="0" y="0"/>
-            <a:ext cx="10893240" cy="961200"/>
+            <a:ext cx="10892880" cy="960840"/>
           </a:xfrm>
           <a:prstGeom prst="rect">
             <a:avLst/>
@@ -11341,14 +11416,14 @@
       </p:sp>
       <p:sp>
         <p:nvSpPr>
-          <p:cNvPr id="197" name="CustomShape 2"/>
+          <p:cNvPr id="198" name="CustomShape 2"/>
           <p:cNvSpPr/>
           <p:nvPr/>
         </p:nvSpPr>
         <p:spPr>
           <a:xfrm>
             <a:off x="838080" y="1755720"/>
-            <a:ext cx="10042200" cy="643320"/>
+            <a:ext cx="10041840" cy="642960"/>
           </a:xfrm>
           <a:prstGeom prst="rect">
             <a:avLst/>
@@ -11403,14 +11478,14 @@
       </p:sp>
       <p:sp>
         <p:nvSpPr>
-          <p:cNvPr id="198" name="CustomShape 3"/>
+          <p:cNvPr id="199" name="CustomShape 3"/>
           <p:cNvSpPr/>
           <p:nvPr/>
         </p:nvSpPr>
         <p:spPr>
           <a:xfrm>
             <a:off x="914400" y="2491560"/>
-            <a:ext cx="9874440" cy="3714840"/>
+            <a:ext cx="9874080" cy="3714480"/>
           </a:xfrm>
           <a:prstGeom prst="rect">
             <a:avLst/>
@@ -11452,7 +11527,7 @@
             </a:endParaRPr>
           </a:p>
           <a:p>
-            <a:pPr marL="343080" indent="-342000">
+            <a:pPr marL="343080" indent="-341640">
               <a:lnSpc>
                 <a:spcPct val="90000"/>
               </a:lnSpc>
@@ -11490,7 +11565,7 @@
             </a:endParaRPr>
           </a:p>
           <a:p>
-            <a:pPr marL="343080" indent="-342000">
+            <a:pPr marL="343080" indent="-341640">
               <a:lnSpc>
                 <a:spcPct val="90000"/>
               </a:lnSpc>
@@ -11531,14 +11606,14 @@
       </p:sp>
       <p:sp>
         <p:nvSpPr>
-          <p:cNvPr id="199" name="CustomShape 4"/>
+          <p:cNvPr id="200" name="CustomShape 4"/>
           <p:cNvSpPr/>
           <p:nvPr/>
         </p:nvSpPr>
         <p:spPr>
           <a:xfrm>
             <a:off x="2850480" y="6378120"/>
-            <a:ext cx="6841080" cy="363240"/>
+            <a:ext cx="6840720" cy="362880"/>
           </a:xfrm>
           <a:prstGeom prst="rect">
             <a:avLst/>
@@ -11656,7 +11731,7 @@
         <p:spPr>
           <a:xfrm>
             <a:off x="0" y="0"/>
-            <a:ext cx="10893240" cy="961200"/>
+            <a:ext cx="10892880" cy="960840"/>
           </a:xfrm>
           <a:prstGeom prst="rect">
             <a:avLst/>
@@ -11705,7 +11780,7 @@
         <p:spPr>
           <a:xfrm>
             <a:off x="2850480" y="6377040"/>
-            <a:ext cx="6841080" cy="363240"/>
+            <a:ext cx="6840720" cy="362880"/>
           </a:xfrm>
           <a:prstGeom prst="rect">
             <a:avLst/>
@@ -11778,7 +11853,7 @@
         <p:spPr>
           <a:xfrm>
             <a:off x="1645920" y="961920"/>
-            <a:ext cx="8752680" cy="4923000"/>
+            <a:ext cx="8752320" cy="4922640"/>
           </a:xfrm>
           <a:prstGeom prst="rect">
             <a:avLst/>
@@ -11839,14 +11914,14 @@
       </p:grpSpPr>
       <p:sp>
         <p:nvSpPr>
-          <p:cNvPr id="200" name="CustomShape 1"/>
+          <p:cNvPr id="201" name="CustomShape 1"/>
           <p:cNvSpPr/>
           <p:nvPr/>
         </p:nvSpPr>
         <p:spPr>
           <a:xfrm>
             <a:off x="0" y="0"/>
-            <a:ext cx="10893240" cy="961200"/>
+            <a:ext cx="10892880" cy="960840"/>
           </a:xfrm>
           <a:prstGeom prst="rect">
             <a:avLst/>
@@ -11888,14 +11963,14 @@
       </p:sp>
       <p:sp>
         <p:nvSpPr>
-          <p:cNvPr id="201" name="CustomShape 2"/>
+          <p:cNvPr id="202" name="CustomShape 2"/>
           <p:cNvSpPr/>
           <p:nvPr/>
         </p:nvSpPr>
         <p:spPr>
           <a:xfrm>
             <a:off x="732600" y="1744920"/>
-            <a:ext cx="10283040" cy="1077480"/>
+            <a:ext cx="10282680" cy="1077120"/>
           </a:xfrm>
           <a:prstGeom prst="rect">
             <a:avLst/>
@@ -11963,14 +12038,14 @@
       </p:sp>
       <p:sp>
         <p:nvSpPr>
-          <p:cNvPr id="202" name="CustomShape 3"/>
+          <p:cNvPr id="203" name="CustomShape 3"/>
           <p:cNvSpPr/>
           <p:nvPr/>
         </p:nvSpPr>
         <p:spPr>
           <a:xfrm>
             <a:off x="838080" y="3909240"/>
-            <a:ext cx="9874440" cy="1096200"/>
+            <a:ext cx="9874080" cy="1095840"/>
           </a:xfrm>
           <a:prstGeom prst="rect">
             <a:avLst/>
@@ -12038,14 +12113,14 @@
       </p:sp>
       <p:sp>
         <p:nvSpPr>
-          <p:cNvPr id="203" name="CustomShape 4"/>
+          <p:cNvPr id="204" name="CustomShape 4"/>
           <p:cNvSpPr/>
           <p:nvPr/>
         </p:nvSpPr>
         <p:spPr>
           <a:xfrm>
             <a:off x="2850480" y="6378120"/>
-            <a:ext cx="6841080" cy="363240"/>
+            <a:ext cx="6840720" cy="362880"/>
           </a:xfrm>
           <a:prstGeom prst="rect">
             <a:avLst/>
@@ -12107,14 +12182,14 @@
       </p:sp>
       <p:sp>
         <p:nvSpPr>
-          <p:cNvPr id="204" name="CustomShape 5"/>
+          <p:cNvPr id="205" name="CustomShape 5"/>
           <p:cNvSpPr/>
           <p:nvPr/>
         </p:nvSpPr>
         <p:spPr>
           <a:xfrm>
             <a:off x="838080" y="5001480"/>
-            <a:ext cx="9874440" cy="1041480"/>
+            <a:ext cx="9874080" cy="1041120"/>
           </a:xfrm>
           <a:prstGeom prst="rect">
             <a:avLst/>
@@ -12182,14 +12257,14 @@
       </p:sp>
       <p:sp>
         <p:nvSpPr>
-          <p:cNvPr id="205" name="CustomShape 6"/>
+          <p:cNvPr id="206" name="CustomShape 6"/>
           <p:cNvSpPr/>
           <p:nvPr/>
         </p:nvSpPr>
         <p:spPr>
           <a:xfrm>
             <a:off x="838080" y="2804400"/>
-            <a:ext cx="9874440" cy="1096200"/>
+            <a:ext cx="9874080" cy="1095840"/>
           </a:xfrm>
           <a:prstGeom prst="rect">
             <a:avLst/>
@@ -12306,14 +12381,14 @@
       </p:grpSpPr>
       <p:sp>
         <p:nvSpPr>
-          <p:cNvPr id="206" name="CustomShape 1"/>
+          <p:cNvPr id="207" name="CustomShape 1"/>
           <p:cNvSpPr/>
           <p:nvPr/>
         </p:nvSpPr>
         <p:spPr>
           <a:xfrm>
             <a:off x="0" y="0"/>
-            <a:ext cx="10893240" cy="961200"/>
+            <a:ext cx="10892880" cy="960840"/>
           </a:xfrm>
           <a:prstGeom prst="rect">
             <a:avLst/>
@@ -12355,14 +12430,14 @@
       </p:sp>
       <p:sp>
         <p:nvSpPr>
-          <p:cNvPr id="207" name="CustomShape 2"/>
+          <p:cNvPr id="208" name="CustomShape 2"/>
           <p:cNvSpPr/>
           <p:nvPr/>
         </p:nvSpPr>
         <p:spPr>
           <a:xfrm>
             <a:off x="732600" y="1744920"/>
-            <a:ext cx="10283040" cy="1077480"/>
+            <a:ext cx="10282680" cy="1077120"/>
           </a:xfrm>
           <a:prstGeom prst="rect">
             <a:avLst/>
@@ -12430,14 +12505,14 @@
       </p:sp>
       <p:sp>
         <p:nvSpPr>
-          <p:cNvPr id="208" name="CustomShape 3"/>
+          <p:cNvPr id="209" name="CustomShape 3"/>
           <p:cNvSpPr/>
           <p:nvPr/>
         </p:nvSpPr>
         <p:spPr>
           <a:xfrm>
             <a:off x="838080" y="3909240"/>
-            <a:ext cx="9874440" cy="1096200"/>
+            <a:ext cx="9874080" cy="1095840"/>
           </a:xfrm>
           <a:prstGeom prst="rect">
             <a:avLst/>
@@ -12505,14 +12580,14 @@
       </p:sp>
       <p:sp>
         <p:nvSpPr>
-          <p:cNvPr id="209" name="CustomShape 4"/>
+          <p:cNvPr id="210" name="CustomShape 4"/>
           <p:cNvSpPr/>
           <p:nvPr/>
         </p:nvSpPr>
         <p:spPr>
           <a:xfrm>
             <a:off x="2850480" y="6378120"/>
-            <a:ext cx="6841080" cy="363240"/>
+            <a:ext cx="6840720" cy="362880"/>
           </a:xfrm>
           <a:prstGeom prst="rect">
             <a:avLst/>
@@ -12574,14 +12649,14 @@
       </p:sp>
       <p:sp>
         <p:nvSpPr>
-          <p:cNvPr id="210" name="CustomShape 5"/>
+          <p:cNvPr id="211" name="CustomShape 5"/>
           <p:cNvSpPr/>
           <p:nvPr/>
         </p:nvSpPr>
         <p:spPr>
           <a:xfrm>
             <a:off x="838080" y="5006520"/>
-            <a:ext cx="9874440" cy="1243800"/>
+            <a:ext cx="9874080" cy="1243440"/>
           </a:xfrm>
           <a:prstGeom prst="rect">
             <a:avLst/>
@@ -12646,14 +12721,14 @@
       </p:sp>
       <p:sp>
         <p:nvSpPr>
-          <p:cNvPr id="211" name="CustomShape 6"/>
+          <p:cNvPr id="212" name="CustomShape 6"/>
           <p:cNvSpPr/>
           <p:nvPr/>
         </p:nvSpPr>
         <p:spPr>
           <a:xfrm>
             <a:off x="838080" y="2804400"/>
-            <a:ext cx="9874440" cy="1096200"/>
+            <a:ext cx="9874080" cy="1095840"/>
           </a:xfrm>
           <a:prstGeom prst="rect">
             <a:avLst/>
@@ -12770,14 +12845,14 @@
       </p:grpSpPr>
       <p:sp>
         <p:nvSpPr>
-          <p:cNvPr id="212" name="CustomShape 1"/>
+          <p:cNvPr id="213" name="CustomShape 1"/>
           <p:cNvSpPr/>
           <p:nvPr/>
         </p:nvSpPr>
         <p:spPr>
           <a:xfrm>
             <a:off x="0" y="0"/>
-            <a:ext cx="10893240" cy="961200"/>
+            <a:ext cx="10892880" cy="960840"/>
           </a:xfrm>
           <a:prstGeom prst="rect">
             <a:avLst/>
@@ -12819,14 +12894,14 @@
       </p:sp>
       <p:sp>
         <p:nvSpPr>
-          <p:cNvPr id="213" name="CustomShape 2"/>
+          <p:cNvPr id="214" name="CustomShape 2"/>
           <p:cNvSpPr/>
           <p:nvPr/>
         </p:nvSpPr>
         <p:spPr>
           <a:xfrm>
             <a:off x="732600" y="1744920"/>
-            <a:ext cx="10283040" cy="1077480"/>
+            <a:ext cx="10282680" cy="1077120"/>
           </a:xfrm>
           <a:prstGeom prst="rect">
             <a:avLst/>
@@ -12894,14 +12969,14 @@
       </p:sp>
       <p:sp>
         <p:nvSpPr>
-          <p:cNvPr id="214" name="CustomShape 3"/>
+          <p:cNvPr id="215" name="CustomShape 3"/>
           <p:cNvSpPr/>
           <p:nvPr/>
         </p:nvSpPr>
         <p:spPr>
           <a:xfrm>
             <a:off x="838080" y="3909240"/>
-            <a:ext cx="9874440" cy="1096200"/>
+            <a:ext cx="9874080" cy="1095840"/>
           </a:xfrm>
           <a:prstGeom prst="rect">
             <a:avLst/>
@@ -12969,14 +13044,14 @@
       </p:sp>
       <p:sp>
         <p:nvSpPr>
-          <p:cNvPr id="215" name="CustomShape 4"/>
+          <p:cNvPr id="216" name="CustomShape 4"/>
           <p:cNvSpPr/>
           <p:nvPr/>
         </p:nvSpPr>
         <p:spPr>
           <a:xfrm>
             <a:off x="2850480" y="6378120"/>
-            <a:ext cx="6841080" cy="363240"/>
+            <a:ext cx="6840720" cy="362880"/>
           </a:xfrm>
           <a:prstGeom prst="rect">
             <a:avLst/>
@@ -13038,14 +13113,14 @@
       </p:sp>
       <p:sp>
         <p:nvSpPr>
-          <p:cNvPr id="216" name="CustomShape 5"/>
+          <p:cNvPr id="217" name="CustomShape 5"/>
           <p:cNvSpPr/>
           <p:nvPr/>
         </p:nvSpPr>
         <p:spPr>
           <a:xfrm>
             <a:off x="838080" y="2804400"/>
-            <a:ext cx="9874440" cy="1096200"/>
+            <a:ext cx="9874080" cy="1095840"/>
           </a:xfrm>
           <a:prstGeom prst="rect">
             <a:avLst/>
@@ -13162,14 +13237,14 @@
       </p:grpSpPr>
       <p:sp>
         <p:nvSpPr>
-          <p:cNvPr id="217" name="CustomShape 1"/>
+          <p:cNvPr id="218" name="CustomShape 1"/>
           <p:cNvSpPr/>
           <p:nvPr/>
         </p:nvSpPr>
         <p:spPr>
           <a:xfrm>
             <a:off x="0" y="0"/>
-            <a:ext cx="10893240" cy="961200"/>
+            <a:ext cx="10892880" cy="960840"/>
           </a:xfrm>
           <a:prstGeom prst="rect">
             <a:avLst/>
@@ -13211,14 +13286,14 @@
       </p:sp>
       <p:sp>
         <p:nvSpPr>
-          <p:cNvPr id="218" name="CustomShape 2"/>
+          <p:cNvPr id="219" name="CustomShape 2"/>
           <p:cNvSpPr/>
           <p:nvPr/>
         </p:nvSpPr>
         <p:spPr>
           <a:xfrm>
             <a:off x="289440" y="1298520"/>
-            <a:ext cx="10042200" cy="1535040"/>
+            <a:ext cx="10041840" cy="1534680"/>
           </a:xfrm>
           <a:prstGeom prst="rect">
             <a:avLst/>
@@ -13266,14 +13341,14 @@
       </p:sp>
       <p:sp>
         <p:nvSpPr>
-          <p:cNvPr id="219" name="CustomShape 3"/>
+          <p:cNvPr id="220" name="CustomShape 3"/>
           <p:cNvSpPr/>
           <p:nvPr/>
         </p:nvSpPr>
         <p:spPr>
           <a:xfrm>
             <a:off x="2850480" y="6378120"/>
-            <a:ext cx="6841080" cy="363240"/>
+            <a:ext cx="6840720" cy="362880"/>
           </a:xfrm>
           <a:prstGeom prst="rect">
             <a:avLst/>
@@ -13335,14 +13410,14 @@
       </p:sp>
       <p:sp>
         <p:nvSpPr>
-          <p:cNvPr id="220" name="CustomShape 4"/>
+          <p:cNvPr id="221" name="CustomShape 4"/>
           <p:cNvSpPr/>
           <p:nvPr/>
         </p:nvSpPr>
         <p:spPr>
           <a:xfrm>
             <a:off x="439560" y="1371600"/>
-            <a:ext cx="10897920" cy="2468520"/>
+            <a:ext cx="10897560" cy="2468160"/>
           </a:xfrm>
           <a:prstGeom prst="rect">
             <a:avLst/>
@@ -13361,7 +13436,7 @@
         <p:txBody>
           <a:bodyPr lIns="0" rIns="0" tIns="0" bIns="0"/>
           <a:p>
-            <a:pPr marL="457200" indent="-455400">
+            <a:pPr marL="457200" indent="-455040">
               <a:lnSpc>
                 <a:spcPct val="90000"/>
               </a:lnSpc>
@@ -13389,7 +13464,7 @@
             </a:endParaRPr>
           </a:p>
           <a:p>
-            <a:pPr marL="457200" indent="-455400">
+            <a:pPr marL="457200" indent="-455040">
               <a:lnSpc>
                 <a:spcPct val="90000"/>
               </a:lnSpc>
@@ -13417,7 +13492,7 @@
             </a:endParaRPr>
           </a:p>
           <a:p>
-            <a:pPr marL="457200" indent="-455400">
+            <a:pPr marL="457200" indent="-455040">
               <a:lnSpc>
                 <a:spcPct val="90000"/>
               </a:lnSpc>
@@ -13445,7 +13520,7 @@
             </a:endParaRPr>
           </a:p>
           <a:p>
-            <a:pPr marL="457200" indent="-455400">
+            <a:pPr marL="457200" indent="-455040">
               <a:lnSpc>
                 <a:spcPct val="90000"/>
               </a:lnSpc>
@@ -13473,7 +13548,7 @@
             </a:endParaRPr>
           </a:p>
           <a:p>
-            <a:pPr marL="457200" indent="-455400">
+            <a:pPr marL="457200" indent="-455040">
               <a:lnSpc>
                 <a:spcPct val="90000"/>
               </a:lnSpc>
@@ -13501,7 +13576,7 @@
             </a:endParaRPr>
           </a:p>
           <a:p>
-            <a:pPr marL="457200" indent="-455400">
+            <a:pPr marL="457200" indent="-455040">
               <a:lnSpc>
                 <a:spcPct val="90000"/>
               </a:lnSpc>
@@ -13529,7 +13604,7 @@
             </a:endParaRPr>
           </a:p>
           <a:p>
-            <a:pPr marL="457200" indent="-455400">
+            <a:pPr marL="457200" indent="-455040">
               <a:lnSpc>
                 <a:spcPct val="90000"/>
               </a:lnSpc>
@@ -13557,7 +13632,7 @@
             </a:endParaRPr>
           </a:p>
           <a:p>
-            <a:pPr marL="457200" indent="-455400">
+            <a:pPr marL="457200" indent="-455040">
               <a:lnSpc>
                 <a:spcPct val="90000"/>
               </a:lnSpc>
@@ -13585,7 +13660,7 @@
             </a:endParaRPr>
           </a:p>
           <a:p>
-            <a:pPr marL="457200" indent="-455400">
+            <a:pPr marL="457200" indent="-455040">
               <a:lnSpc>
                 <a:spcPct val="90000"/>
               </a:lnSpc>
@@ -13613,7 +13688,7 @@
             </a:endParaRPr>
           </a:p>
           <a:p>
-            <a:pPr marL="457200" indent="-455400">
+            <a:pPr marL="457200" indent="-455040">
               <a:lnSpc>
                 <a:spcPct val="90000"/>
               </a:lnSpc>
@@ -13706,14 +13781,14 @@
       </p:grpSpPr>
       <p:sp>
         <p:nvSpPr>
-          <p:cNvPr id="221" name="CustomShape 1"/>
+          <p:cNvPr id="222" name="CustomShape 1"/>
           <p:cNvSpPr/>
           <p:nvPr/>
         </p:nvSpPr>
         <p:spPr>
           <a:xfrm>
             <a:off x="0" y="0"/>
-            <a:ext cx="10893240" cy="961200"/>
+            <a:ext cx="10892880" cy="960840"/>
           </a:xfrm>
           <a:prstGeom prst="rect">
             <a:avLst/>
@@ -13755,14 +13830,14 @@
       </p:sp>
       <p:sp>
         <p:nvSpPr>
-          <p:cNvPr id="222" name="CustomShape 2"/>
+          <p:cNvPr id="223" name="CustomShape 2"/>
           <p:cNvSpPr/>
           <p:nvPr/>
         </p:nvSpPr>
         <p:spPr>
           <a:xfrm>
             <a:off x="732600" y="1744920"/>
-            <a:ext cx="10283040" cy="1077480"/>
+            <a:ext cx="10282680" cy="1077120"/>
           </a:xfrm>
           <a:prstGeom prst="rect">
             <a:avLst/>
@@ -13830,14 +13905,14 @@
       </p:sp>
       <p:sp>
         <p:nvSpPr>
-          <p:cNvPr id="223" name="CustomShape 3"/>
+          <p:cNvPr id="224" name="CustomShape 3"/>
           <p:cNvSpPr/>
           <p:nvPr/>
         </p:nvSpPr>
         <p:spPr>
           <a:xfrm>
             <a:off x="838080" y="3909240"/>
-            <a:ext cx="9874440" cy="1096200"/>
+            <a:ext cx="9874080" cy="1095840"/>
           </a:xfrm>
           <a:prstGeom prst="rect">
             <a:avLst/>
@@ -13905,14 +13980,14 @@
       </p:sp>
       <p:sp>
         <p:nvSpPr>
-          <p:cNvPr id="224" name="CustomShape 4"/>
+          <p:cNvPr id="225" name="CustomShape 4"/>
           <p:cNvSpPr/>
           <p:nvPr/>
         </p:nvSpPr>
         <p:spPr>
           <a:xfrm>
             <a:off x="2850480" y="6378120"/>
-            <a:ext cx="6841080" cy="363240"/>
+            <a:ext cx="6840720" cy="362880"/>
           </a:xfrm>
           <a:prstGeom prst="rect">
             <a:avLst/>
@@ -13974,14 +14049,14 @@
       </p:sp>
       <p:sp>
         <p:nvSpPr>
-          <p:cNvPr id="225" name="CustomShape 5"/>
+          <p:cNvPr id="226" name="CustomShape 5"/>
           <p:cNvSpPr/>
           <p:nvPr/>
         </p:nvSpPr>
         <p:spPr>
           <a:xfrm>
             <a:off x="838080" y="2804400"/>
-            <a:ext cx="9874440" cy="1096200"/>
+            <a:ext cx="9874080" cy="1095840"/>
           </a:xfrm>
           <a:prstGeom prst="rect">
             <a:avLst/>
@@ -14098,14 +14173,14 @@
       </p:grpSpPr>
       <p:sp>
         <p:nvSpPr>
-          <p:cNvPr id="226" name="CustomShape 1"/>
+          <p:cNvPr id="227" name="CustomShape 1"/>
           <p:cNvSpPr/>
           <p:nvPr/>
         </p:nvSpPr>
         <p:spPr>
           <a:xfrm>
             <a:off x="0" y="0"/>
-            <a:ext cx="10893240" cy="961200"/>
+            <a:ext cx="10892880" cy="960840"/>
           </a:xfrm>
           <a:prstGeom prst="rect">
             <a:avLst/>
@@ -14147,14 +14222,14 @@
       </p:sp>
       <p:sp>
         <p:nvSpPr>
-          <p:cNvPr id="227" name="CustomShape 2"/>
+          <p:cNvPr id="228" name="CustomShape 2"/>
           <p:cNvSpPr/>
           <p:nvPr/>
         </p:nvSpPr>
         <p:spPr>
           <a:xfrm>
             <a:off x="732600" y="1744920"/>
-            <a:ext cx="10283040" cy="1077480"/>
+            <a:ext cx="10282680" cy="1077120"/>
           </a:xfrm>
           <a:prstGeom prst="rect">
             <a:avLst/>
@@ -14222,14 +14297,14 @@
       </p:sp>
       <p:sp>
         <p:nvSpPr>
-          <p:cNvPr id="228" name="CustomShape 3"/>
+          <p:cNvPr id="229" name="CustomShape 3"/>
           <p:cNvSpPr/>
           <p:nvPr/>
         </p:nvSpPr>
         <p:spPr>
           <a:xfrm>
             <a:off x="838080" y="3909240"/>
-            <a:ext cx="9874440" cy="1389600"/>
+            <a:ext cx="9874080" cy="1389240"/>
           </a:xfrm>
           <a:prstGeom prst="rect">
             <a:avLst/>
@@ -14297,14 +14372,14 @@
       </p:sp>
       <p:sp>
         <p:nvSpPr>
-          <p:cNvPr id="229" name="CustomShape 4"/>
+          <p:cNvPr id="230" name="CustomShape 4"/>
           <p:cNvSpPr/>
           <p:nvPr/>
         </p:nvSpPr>
         <p:spPr>
           <a:xfrm>
             <a:off x="2850480" y="6378120"/>
-            <a:ext cx="6841080" cy="363240"/>
+            <a:ext cx="6840720" cy="362880"/>
           </a:xfrm>
           <a:prstGeom prst="rect">
             <a:avLst/>
@@ -14366,14 +14441,14 @@
       </p:sp>
       <p:sp>
         <p:nvSpPr>
-          <p:cNvPr id="230" name="CustomShape 5"/>
+          <p:cNvPr id="231" name="CustomShape 5"/>
           <p:cNvSpPr/>
           <p:nvPr/>
         </p:nvSpPr>
         <p:spPr>
           <a:xfrm>
             <a:off x="838080" y="2804400"/>
-            <a:ext cx="10432440" cy="1096200"/>
+            <a:ext cx="10432080" cy="1095840"/>
           </a:xfrm>
           <a:prstGeom prst="rect">
             <a:avLst/>
@@ -14490,14 +14565,14 @@
       </p:grpSpPr>
       <p:sp>
         <p:nvSpPr>
-          <p:cNvPr id="231" name="CustomShape 1"/>
+          <p:cNvPr id="232" name="CustomShape 1"/>
           <p:cNvSpPr/>
           <p:nvPr/>
         </p:nvSpPr>
         <p:spPr>
           <a:xfrm>
             <a:off x="0" y="0"/>
-            <a:ext cx="10893240" cy="961200"/>
+            <a:ext cx="10892880" cy="960840"/>
           </a:xfrm>
           <a:prstGeom prst="rect">
             <a:avLst/>
@@ -14539,14 +14614,14 @@
       </p:sp>
       <p:sp>
         <p:nvSpPr>
-          <p:cNvPr id="232" name="CustomShape 2"/>
+          <p:cNvPr id="233" name="CustomShape 2"/>
           <p:cNvSpPr/>
           <p:nvPr/>
         </p:nvSpPr>
         <p:spPr>
           <a:xfrm>
             <a:off x="732600" y="1744920"/>
-            <a:ext cx="10283040" cy="1077480"/>
+            <a:ext cx="10282680" cy="1077120"/>
           </a:xfrm>
           <a:prstGeom prst="rect">
             <a:avLst/>
@@ -14614,14 +14689,14 @@
       </p:sp>
       <p:sp>
         <p:nvSpPr>
-          <p:cNvPr id="233" name="CustomShape 3"/>
+          <p:cNvPr id="234" name="CustomShape 3"/>
           <p:cNvSpPr/>
           <p:nvPr/>
         </p:nvSpPr>
         <p:spPr>
           <a:xfrm>
             <a:off x="838080" y="3909240"/>
-            <a:ext cx="9874440" cy="1389600"/>
+            <a:ext cx="9874080" cy="1389240"/>
           </a:xfrm>
           <a:prstGeom prst="rect">
             <a:avLst/>
@@ -14689,14 +14764,14 @@
       </p:sp>
       <p:sp>
         <p:nvSpPr>
-          <p:cNvPr id="234" name="CustomShape 4"/>
+          <p:cNvPr id="235" name="CustomShape 4"/>
           <p:cNvSpPr/>
           <p:nvPr/>
         </p:nvSpPr>
         <p:spPr>
           <a:xfrm>
             <a:off x="2850480" y="6378120"/>
-            <a:ext cx="6841080" cy="363240"/>
+            <a:ext cx="6840720" cy="362880"/>
           </a:xfrm>
           <a:prstGeom prst="rect">
             <a:avLst/>
@@ -14758,14 +14833,14 @@
       </p:sp>
       <p:sp>
         <p:nvSpPr>
-          <p:cNvPr id="235" name="CustomShape 5"/>
+          <p:cNvPr id="236" name="CustomShape 5"/>
           <p:cNvSpPr/>
           <p:nvPr/>
         </p:nvSpPr>
         <p:spPr>
           <a:xfrm>
             <a:off x="838080" y="2804400"/>
-            <a:ext cx="10432440" cy="1096200"/>
+            <a:ext cx="10432080" cy="1095840"/>
           </a:xfrm>
           <a:prstGeom prst="rect">
             <a:avLst/>
@@ -14882,14 +14957,14 @@
       </p:grpSpPr>
       <p:sp>
         <p:nvSpPr>
-          <p:cNvPr id="236" name="CustomShape 1"/>
+          <p:cNvPr id="237" name="CustomShape 1"/>
           <p:cNvSpPr/>
           <p:nvPr/>
         </p:nvSpPr>
         <p:spPr>
           <a:xfrm>
             <a:off x="0" y="0"/>
-            <a:ext cx="10893240" cy="961200"/>
+            <a:ext cx="10892880" cy="960840"/>
           </a:xfrm>
           <a:prstGeom prst="rect">
             <a:avLst/>
@@ -14931,14 +15006,14 @@
       </p:sp>
       <p:sp>
         <p:nvSpPr>
-          <p:cNvPr id="237" name="CustomShape 2"/>
+          <p:cNvPr id="238" name="CustomShape 2"/>
           <p:cNvSpPr/>
           <p:nvPr/>
         </p:nvSpPr>
         <p:spPr>
           <a:xfrm>
             <a:off x="732600" y="1744920"/>
-            <a:ext cx="10283040" cy="1077480"/>
+            <a:ext cx="10282680" cy="1077120"/>
           </a:xfrm>
           <a:prstGeom prst="rect">
             <a:avLst/>
@@ -15006,14 +15081,14 @@
       </p:sp>
       <p:sp>
         <p:nvSpPr>
-          <p:cNvPr id="238" name="CustomShape 3"/>
+          <p:cNvPr id="239" name="CustomShape 3"/>
           <p:cNvSpPr/>
           <p:nvPr/>
         </p:nvSpPr>
         <p:spPr>
           <a:xfrm>
             <a:off x="838080" y="3909240"/>
-            <a:ext cx="9874440" cy="1389600"/>
+            <a:ext cx="9874080" cy="1389240"/>
           </a:xfrm>
           <a:prstGeom prst="rect">
             <a:avLst/>
@@ -15081,14 +15156,14 @@
       </p:sp>
       <p:sp>
         <p:nvSpPr>
-          <p:cNvPr id="239" name="CustomShape 4"/>
+          <p:cNvPr id="240" name="CustomShape 4"/>
           <p:cNvSpPr/>
           <p:nvPr/>
         </p:nvSpPr>
         <p:spPr>
           <a:xfrm>
             <a:off x="2850480" y="6378120"/>
-            <a:ext cx="6841080" cy="363240"/>
+            <a:ext cx="6840720" cy="362880"/>
           </a:xfrm>
           <a:prstGeom prst="rect">
             <a:avLst/>
@@ -15150,14 +15225,14 @@
       </p:sp>
       <p:sp>
         <p:nvSpPr>
-          <p:cNvPr id="240" name="CustomShape 5"/>
+          <p:cNvPr id="241" name="CustomShape 5"/>
           <p:cNvSpPr/>
           <p:nvPr/>
         </p:nvSpPr>
         <p:spPr>
           <a:xfrm>
             <a:off x="838080" y="2804400"/>
-            <a:ext cx="10432440" cy="1096200"/>
+            <a:ext cx="10432080" cy="1095840"/>
           </a:xfrm>
           <a:prstGeom prst="rect">
             <a:avLst/>
@@ -15274,14 +15349,14 @@
       </p:grpSpPr>
       <p:sp>
         <p:nvSpPr>
-          <p:cNvPr id="241" name="CustomShape 1"/>
+          <p:cNvPr id="242" name="CustomShape 1"/>
           <p:cNvSpPr/>
           <p:nvPr/>
         </p:nvSpPr>
         <p:spPr>
           <a:xfrm>
             <a:off x="0" y="0"/>
-            <a:ext cx="10893240" cy="961200"/>
+            <a:ext cx="10892880" cy="960840"/>
           </a:xfrm>
           <a:prstGeom prst="rect">
             <a:avLst/>
@@ -15323,14 +15398,14 @@
       </p:sp>
       <p:sp>
         <p:nvSpPr>
-          <p:cNvPr id="242" name="CustomShape 2"/>
+          <p:cNvPr id="243" name="CustomShape 2"/>
           <p:cNvSpPr/>
           <p:nvPr/>
         </p:nvSpPr>
         <p:spPr>
           <a:xfrm>
             <a:off x="2850480" y="6378120"/>
-            <a:ext cx="6841080" cy="363240"/>
+            <a:ext cx="6840720" cy="362880"/>
           </a:xfrm>
           <a:prstGeom prst="rect">
             <a:avLst/>
@@ -15392,7 +15467,7 @@
       </p:sp>
       <p:pic>
         <p:nvPicPr>
-          <p:cNvPr id="243" name="Picture 4" descr=""/>
+          <p:cNvPr id="244" name="Picture 4" descr=""/>
           <p:cNvPicPr/>
           <p:nvPr/>
         </p:nvPicPr>
@@ -15403,7 +15478,7 @@
         <p:spPr>
           <a:xfrm>
             <a:off x="3214440" y="2390760"/>
-            <a:ext cx="5656680" cy="3675600"/>
+            <a:ext cx="5656320" cy="3675240"/>
           </a:xfrm>
           <a:prstGeom prst="rect">
             <a:avLst/>
@@ -15415,14 +15490,14 @@
       </p:pic>
       <p:sp>
         <p:nvSpPr>
-          <p:cNvPr id="244" name="CustomShape 3"/>
+          <p:cNvPr id="245" name="CustomShape 3"/>
           <p:cNvSpPr/>
           <p:nvPr/>
         </p:nvSpPr>
         <p:spPr>
           <a:xfrm>
             <a:off x="413280" y="1169280"/>
-            <a:ext cx="10277280" cy="455400"/>
+            <a:ext cx="10276920" cy="455040"/>
           </a:xfrm>
           <a:prstGeom prst="rect">
             <a:avLst/>
@@ -15523,14 +15598,14 @@
       </p:grpSpPr>
       <p:sp>
         <p:nvSpPr>
-          <p:cNvPr id="245" name="CustomShape 1"/>
+          <p:cNvPr id="246" name="CustomShape 1"/>
           <p:cNvSpPr/>
           <p:nvPr/>
         </p:nvSpPr>
         <p:spPr>
           <a:xfrm>
             <a:off x="0" y="0"/>
-            <a:ext cx="10893240" cy="961200"/>
+            <a:ext cx="10892880" cy="960840"/>
           </a:xfrm>
           <a:prstGeom prst="rect">
             <a:avLst/>
@@ -15572,14 +15647,14 @@
       </p:sp>
       <p:sp>
         <p:nvSpPr>
-          <p:cNvPr id="246" name="CustomShape 2"/>
+          <p:cNvPr id="247" name="CustomShape 2"/>
           <p:cNvSpPr/>
           <p:nvPr/>
         </p:nvSpPr>
         <p:spPr>
           <a:xfrm>
             <a:off x="2850480" y="6378120"/>
-            <a:ext cx="6841080" cy="363240"/>
+            <a:ext cx="6840720" cy="362880"/>
           </a:xfrm>
           <a:prstGeom prst="rect">
             <a:avLst/>
@@ -15641,14 +15716,14 @@
       </p:sp>
       <p:sp>
         <p:nvSpPr>
-          <p:cNvPr id="247" name="CustomShape 3"/>
+          <p:cNvPr id="248" name="CustomShape 3"/>
           <p:cNvSpPr/>
           <p:nvPr/>
         </p:nvSpPr>
         <p:spPr>
           <a:xfrm>
             <a:off x="615960" y="2331360"/>
-            <a:ext cx="10277280" cy="2649960"/>
+            <a:ext cx="10276920" cy="2649600"/>
           </a:xfrm>
           <a:prstGeom prst="rect">
             <a:avLst/>
@@ -15687,7 +15762,7 @@
             </a:endParaRPr>
           </a:p>
           <a:p>
-            <a:pPr marL="343080" indent="-342000">
+            <a:pPr marL="343080" indent="-341640">
               <a:lnSpc>
                 <a:spcPct val="100000"/>
               </a:lnSpc>
@@ -15712,7 +15787,7 @@
             </a:endParaRPr>
           </a:p>
           <a:p>
-            <a:pPr marL="343080" indent="-342000">
+            <a:pPr marL="343080" indent="-341640">
               <a:lnSpc>
                 <a:spcPct val="100000"/>
               </a:lnSpc>
@@ -15737,7 +15812,7 @@
             </a:endParaRPr>
           </a:p>
           <a:p>
-            <a:pPr marL="343080" indent="-342000">
+            <a:pPr marL="343080" indent="-341640">
               <a:lnSpc>
                 <a:spcPct val="100000"/>
               </a:lnSpc>
@@ -15762,7 +15837,7 @@
             </a:endParaRPr>
           </a:p>
           <a:p>
-            <a:pPr marL="343080" indent="-342000">
+            <a:pPr marL="343080" indent="-341640">
               <a:lnSpc>
                 <a:spcPct val="100000"/>
               </a:lnSpc>
@@ -15787,7 +15862,7 @@
             </a:endParaRPr>
           </a:p>
           <a:p>
-            <a:pPr marL="343080" indent="-342000">
+            <a:pPr marL="343080" indent="-341640">
               <a:lnSpc>
                 <a:spcPct val="100000"/>
               </a:lnSpc>
@@ -15812,7 +15887,7 @@
             </a:endParaRPr>
           </a:p>
           <a:p>
-            <a:pPr marL="343080" indent="-342000">
+            <a:pPr marL="343080" indent="-341640">
               <a:lnSpc>
                 <a:spcPct val="100000"/>
               </a:lnSpc>
@@ -15896,7 +15971,7 @@
         <p:spPr>
           <a:xfrm>
             <a:off x="0" y="0"/>
-            <a:ext cx="10893240" cy="961200"/>
+            <a:ext cx="10892880" cy="960840"/>
           </a:xfrm>
           <a:prstGeom prst="rect">
             <a:avLst/>
@@ -15945,7 +16020,7 @@
         <p:spPr>
           <a:xfrm>
             <a:off x="274320" y="1188720"/>
-            <a:ext cx="11063160" cy="856800"/>
+            <a:ext cx="11062800" cy="856440"/>
           </a:xfrm>
           <a:prstGeom prst="rect">
             <a:avLst/>
@@ -15964,7 +16039,7 @@
         <p:txBody>
           <a:bodyPr lIns="90000" rIns="90000" tIns="45000" bIns="45000"/>
           <a:p>
-            <a:pPr marL="457200" indent="-455400">
+            <a:pPr marL="457200" indent="-455040">
               <a:lnSpc>
                 <a:spcPct val="90000"/>
               </a:lnSpc>
@@ -15992,7 +16067,7 @@
             </a:endParaRPr>
           </a:p>
           <a:p>
-            <a:pPr marL="457200" indent="-455400">
+            <a:pPr marL="457200" indent="-455040">
               <a:lnSpc>
                 <a:spcPct val="90000"/>
               </a:lnSpc>
@@ -16020,7 +16095,7 @@
             </a:endParaRPr>
           </a:p>
           <a:p>
-            <a:pPr marL="457200" indent="-455400">
+            <a:pPr marL="457200" indent="-455040">
               <a:lnSpc>
                 <a:spcPct val="90000"/>
               </a:lnSpc>
@@ -16058,7 +16133,7 @@
         <p:spPr>
           <a:xfrm>
             <a:off x="2850120" y="6375960"/>
-            <a:ext cx="6841080" cy="363240"/>
+            <a:ext cx="6840720" cy="362880"/>
           </a:xfrm>
           <a:prstGeom prst="rect">
             <a:avLst/>
@@ -16131,7 +16206,7 @@
         <p:spPr>
           <a:xfrm>
             <a:off x="284760" y="2479320"/>
-            <a:ext cx="3371760" cy="3371760"/>
+            <a:ext cx="3371400" cy="3371400"/>
           </a:xfrm>
           <a:prstGeom prst="rect">
             <a:avLst/>
@@ -16150,7 +16225,7 @@
         <p:spPr>
           <a:xfrm>
             <a:off x="4340880" y="3657600"/>
-            <a:ext cx="6722280" cy="1334520"/>
+            <a:ext cx="6721920" cy="1334160"/>
           </a:xfrm>
           <a:prstGeom prst="rect">
             <a:avLst/>
@@ -16169,7 +16244,7 @@
         <p:txBody>
           <a:bodyPr wrap="none" lIns="0" rIns="0" tIns="0" bIns="0"/>
           <a:p>
-            <a:pPr marL="457200" indent="-455400">
+            <a:pPr marL="457200" indent="-455040">
               <a:lnSpc>
                 <a:spcPct val="90000"/>
               </a:lnSpc>
@@ -16197,7 +16272,7 @@
             </a:endParaRPr>
           </a:p>
           <a:p>
-            <a:pPr marL="457200" indent="-455400">
+            <a:pPr marL="457200" indent="-455040">
               <a:lnSpc>
                 <a:spcPct val="90000"/>
               </a:lnSpc>
@@ -16225,7 +16300,7 @@
             </a:endParaRPr>
           </a:p>
           <a:p>
-            <a:pPr marL="457200" indent="-455400">
+            <a:pPr marL="457200" indent="-455040">
               <a:lnSpc>
                 <a:spcPct val="90000"/>
               </a:lnSpc>
@@ -16253,7 +16328,7 @@
             </a:endParaRPr>
           </a:p>
           <a:p>
-            <a:pPr marL="457200" indent="-455400">
+            <a:pPr marL="457200" indent="-455040">
               <a:lnSpc>
                 <a:spcPct val="90000"/>
               </a:lnSpc>
@@ -16291,7 +16366,7 @@
         <p:spPr>
           <a:xfrm>
             <a:off x="4206240" y="3044880"/>
-            <a:ext cx="1827720" cy="428760"/>
+            <a:ext cx="1827360" cy="428400"/>
           </a:xfrm>
           <a:prstGeom prst="rect">
             <a:avLst/>
@@ -16385,14 +16460,14 @@
       </p:grpSpPr>
       <p:sp>
         <p:nvSpPr>
-          <p:cNvPr id="248" name="CustomShape 1"/>
+          <p:cNvPr id="249" name="CustomShape 1"/>
           <p:cNvSpPr/>
           <p:nvPr/>
         </p:nvSpPr>
         <p:spPr>
           <a:xfrm>
             <a:off x="0" y="0"/>
-            <a:ext cx="10893240" cy="961200"/>
+            <a:ext cx="10892880" cy="960840"/>
           </a:xfrm>
           <a:prstGeom prst="rect">
             <a:avLst/>
@@ -16434,14 +16509,14 @@
       </p:sp>
       <p:sp>
         <p:nvSpPr>
-          <p:cNvPr id="249" name="CustomShape 2"/>
+          <p:cNvPr id="250" name="CustomShape 2"/>
           <p:cNvSpPr/>
           <p:nvPr/>
         </p:nvSpPr>
         <p:spPr>
           <a:xfrm>
             <a:off x="2850480" y="6378120"/>
-            <a:ext cx="6841080" cy="363240"/>
+            <a:ext cx="6840720" cy="362880"/>
           </a:xfrm>
           <a:prstGeom prst="rect">
             <a:avLst/>
@@ -16503,14 +16578,14 @@
       </p:sp>
       <p:sp>
         <p:nvSpPr>
-          <p:cNvPr id="250" name="CustomShape 3"/>
+          <p:cNvPr id="251" name="CustomShape 3"/>
           <p:cNvSpPr/>
           <p:nvPr/>
         </p:nvSpPr>
         <p:spPr>
           <a:xfrm>
             <a:off x="1548000" y="3439440"/>
-            <a:ext cx="10277280" cy="455400"/>
+            <a:ext cx="10276920" cy="455040"/>
           </a:xfrm>
           <a:prstGeom prst="rect">
             <a:avLst/>
@@ -16603,14 +16678,14 @@
       </p:grpSpPr>
       <p:sp>
         <p:nvSpPr>
-          <p:cNvPr id="251" name="CustomShape 1"/>
+          <p:cNvPr id="252" name="CustomShape 1"/>
           <p:cNvSpPr/>
           <p:nvPr/>
         </p:nvSpPr>
         <p:spPr>
           <a:xfrm>
             <a:off x="1645920" y="2962440"/>
-            <a:ext cx="9142200" cy="877680"/>
+            <a:ext cx="9141840" cy="877320"/>
           </a:xfrm>
           <a:prstGeom prst="rect">
             <a:avLst/>
@@ -16652,14 +16727,14 @@
       </p:sp>
       <p:sp>
         <p:nvSpPr>
-          <p:cNvPr id="252" name="CustomShape 2"/>
+          <p:cNvPr id="253" name="CustomShape 2"/>
           <p:cNvSpPr/>
           <p:nvPr/>
         </p:nvSpPr>
         <p:spPr>
           <a:xfrm>
             <a:off x="2850480" y="6377040"/>
-            <a:ext cx="6841080" cy="363240"/>
+            <a:ext cx="6840720" cy="362880"/>
           </a:xfrm>
           <a:prstGeom prst="rect">
             <a:avLst/>
@@ -16777,7 +16852,7 @@
         <p:spPr>
           <a:xfrm>
             <a:off x="0" y="0"/>
-            <a:ext cx="10893240" cy="961200"/>
+            <a:ext cx="10892880" cy="960840"/>
           </a:xfrm>
           <a:prstGeom prst="rect">
             <a:avLst/>
@@ -16826,7 +16901,7 @@
         <p:spPr>
           <a:xfrm>
             <a:off x="274320" y="1188720"/>
-            <a:ext cx="11063160" cy="856800"/>
+            <a:ext cx="11062800" cy="856440"/>
           </a:xfrm>
           <a:prstGeom prst="rect">
             <a:avLst/>
@@ -16901,7 +16976,7 @@
         <p:spPr>
           <a:xfrm>
             <a:off x="2850120" y="6375960"/>
-            <a:ext cx="6841080" cy="363240"/>
+            <a:ext cx="6840720" cy="362880"/>
           </a:xfrm>
           <a:prstGeom prst="rect">
             <a:avLst/>
@@ -16970,7 +17045,7 @@
         <p:spPr>
           <a:xfrm>
             <a:off x="365760" y="2743200"/>
-            <a:ext cx="7581960" cy="683640"/>
+            <a:ext cx="7581600" cy="683280"/>
           </a:xfrm>
           <a:prstGeom prst="rect">
             <a:avLst/>
@@ -17045,7 +17120,7 @@
         <p:spPr>
           <a:xfrm>
             <a:off x="365760" y="3910320"/>
-            <a:ext cx="4401360" cy="683640"/>
+            <a:ext cx="4401000" cy="683280"/>
           </a:xfrm>
           <a:prstGeom prst="rect">
             <a:avLst/>
@@ -17169,7 +17244,7 @@
         <p:spPr>
           <a:xfrm>
             <a:off x="0" y="0"/>
-            <a:ext cx="10893240" cy="961200"/>
+            <a:ext cx="10892880" cy="960840"/>
           </a:xfrm>
           <a:prstGeom prst="rect">
             <a:avLst/>
@@ -17218,7 +17293,7 @@
         <p:spPr>
           <a:xfrm>
             <a:off x="274320" y="1188720"/>
-            <a:ext cx="11063160" cy="856800"/>
+            <a:ext cx="11062800" cy="856440"/>
           </a:xfrm>
           <a:prstGeom prst="rect">
             <a:avLst/>
@@ -17260,7 +17335,7 @@
             </a:endParaRPr>
           </a:p>
           <a:p>
-            <a:pPr marL="457200" indent="-455400">
+            <a:pPr marL="457200" indent="-455040">
               <a:lnSpc>
                 <a:spcPct val="90000"/>
               </a:lnSpc>
@@ -17298,7 +17373,7 @@
         <p:spPr>
           <a:xfrm>
             <a:off x="2850120" y="6375960"/>
-            <a:ext cx="6841080" cy="363240"/>
+            <a:ext cx="6840720" cy="362880"/>
           </a:xfrm>
           <a:prstGeom prst="rect">
             <a:avLst/>
@@ -17367,7 +17442,7 @@
         <p:spPr>
           <a:xfrm>
             <a:off x="403560" y="2377440"/>
-            <a:ext cx="6109920" cy="684360"/>
+            <a:ext cx="6109560" cy="684000"/>
           </a:xfrm>
           <a:prstGeom prst="rect">
             <a:avLst/>
@@ -17409,7 +17484,7 @@
             </a:endParaRPr>
           </a:p>
           <a:p>
-            <a:pPr marL="457200" indent="-455400">
+            <a:pPr marL="457200" indent="-455040">
               <a:lnSpc>
                 <a:spcPct val="90000"/>
               </a:lnSpc>
@@ -17496,7 +17571,7 @@
         <p:spPr>
           <a:xfrm>
             <a:off x="0" y="0"/>
-            <a:ext cx="10893240" cy="961200"/>
+            <a:ext cx="10892880" cy="960840"/>
           </a:xfrm>
           <a:prstGeom prst="rect">
             <a:avLst/>
@@ -17545,7 +17620,7 @@
         <p:spPr>
           <a:xfrm>
             <a:off x="2850480" y="6377040"/>
-            <a:ext cx="6841080" cy="363240"/>
+            <a:ext cx="6840720" cy="362880"/>
           </a:xfrm>
           <a:prstGeom prst="rect">
             <a:avLst/>
@@ -17618,7 +17693,7 @@
         <p:spPr>
           <a:xfrm>
             <a:off x="3095280" y="1096920"/>
-            <a:ext cx="6322320" cy="5028840"/>
+            <a:ext cx="6321960" cy="5028480"/>
           </a:xfrm>
           <a:prstGeom prst="rect">
             <a:avLst/>
@@ -17686,7 +17761,7 @@
         <p:spPr>
           <a:xfrm>
             <a:off x="0" y="0"/>
-            <a:ext cx="10893240" cy="961200"/>
+            <a:ext cx="10892880" cy="960840"/>
           </a:xfrm>
           <a:prstGeom prst="rect">
             <a:avLst/>
@@ -17735,7 +17810,7 @@
         <p:spPr>
           <a:xfrm>
             <a:off x="914760" y="1787760"/>
-            <a:ext cx="10513800" cy="4520160"/>
+            <a:ext cx="10513440" cy="4519800"/>
           </a:xfrm>
           <a:prstGeom prst="rect">
             <a:avLst/>
@@ -17899,7 +17974,7 @@
         <p:spPr>
           <a:xfrm>
             <a:off x="2850480" y="6377040"/>
-            <a:ext cx="6841080" cy="363240"/>
+            <a:ext cx="6840720" cy="362880"/>
           </a:xfrm>
           <a:prstGeom prst="rect">
             <a:avLst/>
@@ -18017,7 +18092,7 @@
         <p:spPr>
           <a:xfrm>
             <a:off x="0" y="0"/>
-            <a:ext cx="10893240" cy="961200"/>
+            <a:ext cx="10892880" cy="960840"/>
           </a:xfrm>
           <a:prstGeom prst="rect">
             <a:avLst/>
@@ -18066,7 +18141,7 @@
         <p:spPr>
           <a:xfrm>
             <a:off x="838080" y="1755720"/>
-            <a:ext cx="10042200" cy="1535040"/>
+            <a:ext cx="10041840" cy="1534680"/>
           </a:xfrm>
           <a:prstGeom prst="rect">
             <a:avLst/>
@@ -18131,7 +18206,7 @@
             </a:endParaRPr>
           </a:p>
           <a:p>
-            <a:pPr marL="457200" indent="-455400">
+            <a:pPr marL="457200" indent="-455040">
               <a:lnSpc>
                 <a:spcPct val="90000"/>
               </a:lnSpc>
@@ -18169,7 +18244,7 @@
         <p:spPr>
           <a:xfrm>
             <a:off x="914400" y="3657600"/>
-            <a:ext cx="9874440" cy="1653840"/>
+            <a:ext cx="9874080" cy="1653480"/>
           </a:xfrm>
           <a:prstGeom prst="rect">
             <a:avLst/>
@@ -18234,7 +18309,7 @@
             </a:endParaRPr>
           </a:p>
           <a:p>
-            <a:pPr marL="457200" indent="-455400">
+            <a:pPr marL="457200" indent="-455040">
               <a:lnSpc>
                 <a:spcPct val="90000"/>
               </a:lnSpc>
@@ -18262,7 +18337,7 @@
             </a:endParaRPr>
           </a:p>
           <a:p>
-            <a:pPr marL="457200" indent="-455400">
+            <a:pPr marL="457200" indent="-455040">
               <a:lnSpc>
                 <a:spcPct val="90000"/>
               </a:lnSpc>
@@ -18300,7 +18375,7 @@
         <p:spPr>
           <a:xfrm>
             <a:off x="2850480" y="6378120"/>
-            <a:ext cx="6841080" cy="363240"/>
+            <a:ext cx="6840720" cy="362880"/>
           </a:xfrm>
           <a:prstGeom prst="rect">
             <a:avLst/>
